--- a/Offline/BusinessManagement/Teach_Tech@anodiam/AI_Robotics/CourseMaterial/Python/001IntroToPy.pptx
+++ b/Offline/BusinessManagement/Teach_Tech@anodiam/AI_Robotics/CourseMaterial/Python/001IntroToPy.pptx
@@ -7,6 +7,7 @@
   <p:sldIdLst>
     <p:sldId id="257" r:id="rId2"/>
     <p:sldId id="258" r:id="rId3"/>
+    <p:sldId id="259" r:id="rId4"/>
   </p:sldIdLst>
   <p:sldSz cx="12192000" cy="6858000"/>
   <p:notesSz cx="6858000" cy="9144000"/>
@@ -244,7 +245,7 @@
           <a:p>
             <a:fld id="{09F20D40-57F7-45BB-8884-85123E4C70DB}" type="datetimeFigureOut">
               <a:rPr lang="en-AU" smtClean="0"/>
-              <a:t>5/07/2023</a:t>
+              <a:t>7/07/2023</a:t>
             </a:fld>
             <a:endParaRPr lang="en-AU"/>
           </a:p>
@@ -414,7 +415,7 @@
           <a:p>
             <a:fld id="{09F20D40-57F7-45BB-8884-85123E4C70DB}" type="datetimeFigureOut">
               <a:rPr lang="en-AU" smtClean="0"/>
-              <a:t>5/07/2023</a:t>
+              <a:t>7/07/2023</a:t>
             </a:fld>
             <a:endParaRPr lang="en-AU"/>
           </a:p>
@@ -594,7 +595,7 @@
           <a:p>
             <a:fld id="{09F20D40-57F7-45BB-8884-85123E4C70DB}" type="datetimeFigureOut">
               <a:rPr lang="en-AU" smtClean="0"/>
-              <a:t>5/07/2023</a:t>
+              <a:t>7/07/2023</a:t>
             </a:fld>
             <a:endParaRPr lang="en-AU"/>
           </a:p>
@@ -764,7 +765,7 @@
           <a:p>
             <a:fld id="{09F20D40-57F7-45BB-8884-85123E4C70DB}" type="datetimeFigureOut">
               <a:rPr lang="en-AU" smtClean="0"/>
-              <a:t>5/07/2023</a:t>
+              <a:t>7/07/2023</a:t>
             </a:fld>
             <a:endParaRPr lang="en-AU"/>
           </a:p>
@@ -1010,7 +1011,7 @@
           <a:p>
             <a:fld id="{09F20D40-57F7-45BB-8884-85123E4C70DB}" type="datetimeFigureOut">
               <a:rPr lang="en-AU" smtClean="0"/>
-              <a:t>5/07/2023</a:t>
+              <a:t>7/07/2023</a:t>
             </a:fld>
             <a:endParaRPr lang="en-AU"/>
           </a:p>
@@ -1242,7 +1243,7 @@
           <a:p>
             <a:fld id="{09F20D40-57F7-45BB-8884-85123E4C70DB}" type="datetimeFigureOut">
               <a:rPr lang="en-AU" smtClean="0"/>
-              <a:t>5/07/2023</a:t>
+              <a:t>7/07/2023</a:t>
             </a:fld>
             <a:endParaRPr lang="en-AU"/>
           </a:p>
@@ -1609,7 +1610,7 @@
           <a:p>
             <a:fld id="{09F20D40-57F7-45BB-8884-85123E4C70DB}" type="datetimeFigureOut">
               <a:rPr lang="en-AU" smtClean="0"/>
-              <a:t>5/07/2023</a:t>
+              <a:t>7/07/2023</a:t>
             </a:fld>
             <a:endParaRPr lang="en-AU"/>
           </a:p>
@@ -1727,7 +1728,7 @@
           <a:p>
             <a:fld id="{09F20D40-57F7-45BB-8884-85123E4C70DB}" type="datetimeFigureOut">
               <a:rPr lang="en-AU" smtClean="0"/>
-              <a:t>5/07/2023</a:t>
+              <a:t>7/07/2023</a:t>
             </a:fld>
             <a:endParaRPr lang="en-AU"/>
           </a:p>
@@ -1822,7 +1823,7 @@
           <a:p>
             <a:fld id="{09F20D40-57F7-45BB-8884-85123E4C70DB}" type="datetimeFigureOut">
               <a:rPr lang="en-AU" smtClean="0"/>
-              <a:t>5/07/2023</a:t>
+              <a:t>7/07/2023</a:t>
             </a:fld>
             <a:endParaRPr lang="en-AU"/>
           </a:p>
@@ -2099,7 +2100,7 @@
           <a:p>
             <a:fld id="{09F20D40-57F7-45BB-8884-85123E4C70DB}" type="datetimeFigureOut">
               <a:rPr lang="en-AU" smtClean="0"/>
-              <a:t>5/07/2023</a:t>
+              <a:t>7/07/2023</a:t>
             </a:fld>
             <a:endParaRPr lang="en-AU"/>
           </a:p>
@@ -2352,7 +2353,7 @@
           <a:p>
             <a:fld id="{09F20D40-57F7-45BB-8884-85123E4C70DB}" type="datetimeFigureOut">
               <a:rPr lang="en-AU" smtClean="0"/>
-              <a:t>5/07/2023</a:t>
+              <a:t>7/07/2023</a:t>
             </a:fld>
             <a:endParaRPr lang="en-AU"/>
           </a:p>
@@ -2565,7 +2566,7 @@
           <a:p>
             <a:fld id="{09F20D40-57F7-45BB-8884-85123E4C70DB}" type="datetimeFigureOut">
               <a:rPr lang="en-AU" smtClean="0"/>
-              <a:t>5/07/2023</a:t>
+              <a:t>7/07/2023</a:t>
             </a:fld>
             <a:endParaRPr lang="en-AU"/>
           </a:p>
@@ -2975,7 +2976,7 @@
           <p:cNvPr id="7" name="Rectangle 6">
             <a:extLst>
               <a:ext uri="{FF2B5EF4-FFF2-40B4-BE49-F238E27FC236}">
-                <a16:creationId xmlns="" xmlns:a16="http://schemas.microsoft.com/office/drawing/2014/main" id="{241D8F26-367A-4EE2-BC9B-4A97EE475F57}"/>
+                <a16:creationId xmlns:a16="http://schemas.microsoft.com/office/drawing/2014/main" xmlns="" id="{241D8F26-367A-4EE2-BC9B-4A97EE475F57}"/>
               </a:ext>
             </a:extLst>
           </p:cNvPr>
@@ -3049,7 +3050,7 @@
           <p:cNvPr id="8" name="Rectangle 7">
             <a:extLst>
               <a:ext uri="{FF2B5EF4-FFF2-40B4-BE49-F238E27FC236}">
-                <a16:creationId xmlns="" xmlns:a16="http://schemas.microsoft.com/office/drawing/2014/main" id="{583FBC17-A62F-4E87-B8DE-0F79DF4336A0}"/>
+                <a16:creationId xmlns:a16="http://schemas.microsoft.com/office/drawing/2014/main" xmlns="" id="{583FBC17-A62F-4E87-B8DE-0F79DF4336A0}"/>
               </a:ext>
             </a:extLst>
           </p:cNvPr>
@@ -3109,7 +3110,7 @@
           <p:cNvPr id="19" name="Group 18">
             <a:extLst>
               <a:ext uri="{FF2B5EF4-FFF2-40B4-BE49-F238E27FC236}">
-                <a16:creationId xmlns="" xmlns:a16="http://schemas.microsoft.com/office/drawing/2014/main" id="{C587FE1B-2243-4627-BC52-851BDA62444B}"/>
+                <a16:creationId xmlns:a16="http://schemas.microsoft.com/office/drawing/2014/main" xmlns="" id="{C587FE1B-2243-4627-BC52-851BDA62444B}"/>
               </a:ext>
             </a:extLst>
           </p:cNvPr>
@@ -3129,7 +3130,7 @@
             <p:cNvPr id="20" name="Picture 19">
               <a:extLst>
                 <a:ext uri="{FF2B5EF4-FFF2-40B4-BE49-F238E27FC236}">
-                  <a16:creationId xmlns="" xmlns:a16="http://schemas.microsoft.com/office/drawing/2014/main" id="{0F2E3E05-4A48-4C06-BA49-75E2E366C715}"/>
+                  <a16:creationId xmlns:a16="http://schemas.microsoft.com/office/drawing/2014/main" xmlns="" id="{0F2E3E05-4A48-4C06-BA49-75E2E366C715}"/>
                 </a:ext>
               </a:extLst>
             </p:cNvPr>
@@ -3159,7 +3160,7 @@
             <p:cNvPr id="21" name="Freeform 22">
               <a:extLst>
                 <a:ext uri="{FF2B5EF4-FFF2-40B4-BE49-F238E27FC236}">
-                  <a16:creationId xmlns="" xmlns:a16="http://schemas.microsoft.com/office/drawing/2014/main" id="{8413CF68-A7E3-43A0-B613-5438D5382AB1}"/>
+                  <a16:creationId xmlns:a16="http://schemas.microsoft.com/office/drawing/2014/main" xmlns="" id="{8413CF68-A7E3-43A0-B613-5438D5382AB1}"/>
                 </a:ext>
               </a:extLst>
             </p:cNvPr>
@@ -3571,7 +3572,7 @@
           <p:cNvPr id="22" name="TextBox 21">
             <a:extLst>
               <a:ext uri="{FF2B5EF4-FFF2-40B4-BE49-F238E27FC236}">
-                <a16:creationId xmlns="" xmlns:a16="http://schemas.microsoft.com/office/drawing/2014/main" id="{97653B96-F2E2-406B-A513-F42319FDB50F}"/>
+                <a16:creationId xmlns:a16="http://schemas.microsoft.com/office/drawing/2014/main" xmlns="" id="{97653B96-F2E2-406B-A513-F42319FDB50F}"/>
               </a:ext>
             </a:extLst>
           </p:cNvPr>
@@ -3604,19 +3605,7 @@
                 <a:latin typeface="Oxygen" panose="02000503000000000000" pitchFamily="2" charset="0"/>
                 <a:cs typeface="Arial" panose="020B0604020202020204" pitchFamily="34" charset="0"/>
               </a:rPr>
-              <a:t>Python </a:t>
-            </a:r>
-            <a:r>
-              <a:rPr lang="en-US" b="1" cap="small" dirty="0" smtClean="0">
-                <a:solidFill>
-                  <a:schemeClr val="bg2">
-                    <a:lumMod val="75000"/>
-                  </a:schemeClr>
-                </a:solidFill>
-                <a:latin typeface="Oxygen" panose="02000503000000000000" pitchFamily="2" charset="0"/>
-                <a:cs typeface="Arial" panose="020B0604020202020204" pitchFamily="34" charset="0"/>
-              </a:rPr>
-              <a:t>Programming: Introduction &amp; Installation</a:t>
+              <a:t>Python Programming: Introduction &amp; Installation</a:t>
             </a:r>
             <a:endParaRPr lang="en-AU" b="1" cap="small" dirty="0">
               <a:solidFill>
@@ -3635,7 +3624,7 @@
           <p:cNvPr id="33" name="Rectangle 32">
             <a:extLst>
               <a:ext uri="{FF2B5EF4-FFF2-40B4-BE49-F238E27FC236}">
-                <a16:creationId xmlns="" xmlns:a16="http://schemas.microsoft.com/office/drawing/2014/main" id="{E02B0EB1-C543-469A-90DE-9FA0F478E35F}"/>
+                <a16:creationId xmlns:a16="http://schemas.microsoft.com/office/drawing/2014/main" xmlns="" id="{E02B0EB1-C543-469A-90DE-9FA0F478E35F}"/>
               </a:ext>
             </a:extLst>
           </p:cNvPr>
@@ -3906,19 +3895,7 @@
                 </a:solidFill>
                 <a:latin typeface="Oxygen" panose="02000503000000000000" pitchFamily="2" charset="0"/>
               </a:rPr>
-              <a:t>eatures</a:t>
-            </a:r>
-            <a:r>
-              <a:rPr lang="en-US" sz="1200" b="1" dirty="0" smtClean="0">
-                <a:solidFill>
-                  <a:schemeClr val="tx1">
-                    <a:lumMod val="50000"/>
-                    <a:lumOff val="50000"/>
-                  </a:schemeClr>
-                </a:solidFill>
-                <a:latin typeface="Oxygen" panose="02000503000000000000" pitchFamily="2" charset="0"/>
-              </a:rPr>
-              <a:t>:</a:t>
+              <a:t>eatures:</a:t>
             </a:r>
           </a:p>
           <a:p>
@@ -3981,19 +3958,7 @@
                 </a:solidFill>
                 <a:latin typeface="Oxygen" panose="02000503000000000000" pitchFamily="2" charset="0"/>
               </a:rPr>
-              <a:t>High </a:t>
-            </a:r>
-            <a:r>
-              <a:rPr lang="en-US" sz="1100" dirty="0" smtClean="0">
-                <a:solidFill>
-                  <a:schemeClr val="tx1">
-                    <a:lumMod val="50000"/>
-                    <a:lumOff val="50000"/>
-                  </a:schemeClr>
-                </a:solidFill>
-                <a:latin typeface="Oxygen" panose="02000503000000000000" pitchFamily="2" charset="0"/>
-              </a:rPr>
-              <a:t>Level</a:t>
+              <a:t>High Level</a:t>
             </a:r>
           </a:p>
           <a:p>
@@ -4094,33 +4059,7 @@
                 <a:latin typeface="Oxygen" panose="02000503000000000000" pitchFamily="2" charset="0"/>
                 <a:hlinkClick r:id="rId3"/>
               </a:rPr>
-              <a:t>https</a:t>
-            </a:r>
-            <a:r>
-              <a:rPr lang="en-US" sz="1100" dirty="0" smtClean="0">
-                <a:solidFill>
-                  <a:schemeClr val="tx1">
-                    <a:lumMod val="50000"/>
-                    <a:lumOff val="50000"/>
-                  </a:schemeClr>
-                </a:solidFill>
-                <a:latin typeface="Oxygen" panose="02000503000000000000" pitchFamily="2" charset="0"/>
-                <a:hlinkClick r:id="rId3"/>
-              </a:rPr>
-              <a:t>://</a:t>
-            </a:r>
-            <a:r>
-              <a:rPr lang="en-US" sz="1100" dirty="0" smtClean="0">
-                <a:solidFill>
-                  <a:schemeClr val="tx1">
-                    <a:lumMod val="50000"/>
-                    <a:lumOff val="50000"/>
-                  </a:schemeClr>
-                </a:solidFill>
-                <a:latin typeface="Oxygen" panose="02000503000000000000" pitchFamily="2" charset="0"/>
-                <a:hlinkClick r:id="rId3"/>
-              </a:rPr>
-              <a:t>www.python.org</a:t>
+              <a:t>https://www.python.org</a:t>
             </a:r>
             <a:endParaRPr lang="en-US" sz="1100" dirty="0" smtClean="0">
               <a:solidFill>
@@ -4171,19 +4110,7 @@
                 </a:solidFill>
                 <a:latin typeface="Oxygen" panose="02000503000000000000" pitchFamily="2" charset="0"/>
               </a:rPr>
-              <a:t>Write a line of </a:t>
-            </a:r>
-            <a:r>
-              <a:rPr lang="en-US" sz="1100" dirty="0" smtClean="0">
-                <a:solidFill>
-                  <a:schemeClr val="tx1">
-                    <a:lumMod val="50000"/>
-                    <a:lumOff val="50000"/>
-                  </a:schemeClr>
-                </a:solidFill>
-                <a:latin typeface="Oxygen" panose="02000503000000000000" pitchFamily="2" charset="0"/>
-              </a:rPr>
-              <a:t>code</a:t>
+              <a:t>Write a line of code</a:t>
             </a:r>
           </a:p>
           <a:p>
@@ -4202,19 +4129,7 @@
                 </a:solidFill>
                 <a:latin typeface="Oxygen" panose="02000503000000000000" pitchFamily="2" charset="0"/>
               </a:rPr>
-              <a:t>            e.g</a:t>
-            </a:r>
-            <a:r>
-              <a:rPr lang="en-US" sz="1100" dirty="0" smtClean="0">
-                <a:solidFill>
-                  <a:schemeClr val="tx1">
-                    <a:lumMod val="50000"/>
-                    <a:lumOff val="50000"/>
-                  </a:schemeClr>
-                </a:solidFill>
-                <a:latin typeface="Oxygen" panose="02000503000000000000" pitchFamily="2" charset="0"/>
-              </a:rPr>
-              <a:t>. 2+3 OR print(“Hello World”)</a:t>
+              <a:t>            e.g. 2+3 OR print(“Hello World”)</a:t>
             </a:r>
           </a:p>
           <a:p>
@@ -4247,19 +4162,7 @@
                 </a:solidFill>
                 <a:latin typeface="Oxygen" panose="02000503000000000000" pitchFamily="2" charset="0"/>
               </a:rPr>
-              <a:t>ress </a:t>
-            </a:r>
-            <a:r>
-              <a:rPr lang="en-US" sz="1100" dirty="0" smtClean="0">
-                <a:solidFill>
-                  <a:schemeClr val="tx1">
-                    <a:lumMod val="50000"/>
-                    <a:lumOff val="50000"/>
-                  </a:schemeClr>
-                </a:solidFill>
-                <a:latin typeface="Oxygen" panose="02000503000000000000" pitchFamily="2" charset="0"/>
-              </a:rPr>
-              <a:t>Enter to execute</a:t>
+              <a:t>ress Enter to execute</a:t>
             </a:r>
           </a:p>
           <a:p>
@@ -4292,19 +4195,7 @@
                 </a:solidFill>
                 <a:latin typeface="Oxygen" panose="02000503000000000000" pitchFamily="2" charset="0"/>
               </a:rPr>
-              <a:t>onfirm </a:t>
-            </a:r>
-            <a:r>
-              <a:rPr lang="en-US" sz="1100" dirty="0" smtClean="0">
-                <a:solidFill>
-                  <a:schemeClr val="tx1">
-                    <a:lumMod val="50000"/>
-                    <a:lumOff val="50000"/>
-                  </a:schemeClr>
-                </a:solidFill>
-                <a:latin typeface="Oxygen" panose="02000503000000000000" pitchFamily="2" charset="0"/>
-              </a:rPr>
-              <a:t>Python installation</a:t>
+              <a:t>onfirm Python installation</a:t>
             </a:r>
             <a:endParaRPr lang="en-AU" sz="1100" dirty="0">
               <a:solidFill>
@@ -4513,31 +4404,7 @@
                 </a:solidFill>
                 <a:latin typeface="Oxygen" panose="02000503000000000000" pitchFamily="2" charset="0"/>
               </a:rPr>
-              <a:t>&gt; Create New Project</a:t>
-            </a:r>
-            <a:r>
-              <a:rPr lang="en-US" sz="1100" dirty="0">
-                <a:solidFill>
-                  <a:schemeClr val="tx1">
-                    <a:lumMod val="50000"/>
-                    <a:lumOff val="50000"/>
-                  </a:schemeClr>
-                </a:solidFill>
-                <a:latin typeface="Oxygen" panose="02000503000000000000" pitchFamily="2" charset="0"/>
-              </a:rPr>
-              <a:t> </a:t>
-            </a:r>
-            <a:r>
-              <a:rPr lang="en-US" sz="1100" dirty="0">
-                <a:solidFill>
-                  <a:schemeClr val="tx1">
-                    <a:lumMod val="50000"/>
-                    <a:lumOff val="50000"/>
-                  </a:schemeClr>
-                </a:solidFill>
-                <a:latin typeface="Oxygen" panose="02000503000000000000" pitchFamily="2" charset="0"/>
-              </a:rPr>
-              <a:t>&gt; </a:t>
+              <a:t>&gt; Create New Project &gt; </a:t>
             </a:r>
             <a:r>
               <a:rPr lang="en-US" sz="1100" dirty="0" smtClean="0">
@@ -4657,29 +4524,8 @@
                 </a:solidFill>
                 <a:latin typeface="Oxygen" panose="02000503000000000000" pitchFamily="2" charset="0"/>
               </a:rPr>
-              <a:t> very fast</a:t>
-            </a:r>
-            <a:r>
-              <a:rPr lang="en-US" sz="1100" dirty="0">
-                <a:solidFill>
-                  <a:schemeClr val="tx1">
-                    <a:lumMod val="50000"/>
-                    <a:lumOff val="50000"/>
-                  </a:schemeClr>
-                </a:solidFill>
-                <a:latin typeface="Oxygen" panose="02000503000000000000" pitchFamily="2" charset="0"/>
-              </a:rPr>
-              <a:t>!")</a:t>
-            </a:r>
-            <a:endParaRPr lang="en-US" sz="1100" dirty="0">
-              <a:solidFill>
-                <a:schemeClr val="tx1">
-                  <a:lumMod val="50000"/>
-                  <a:lumOff val="50000"/>
-                </a:schemeClr>
-              </a:solidFill>
-              <a:latin typeface="Oxygen" panose="02000503000000000000" pitchFamily="2" charset="0"/>
-            </a:endParaRPr>
+              <a:t> very fast!")</a:t>
+            </a:r>
           </a:p>
         </p:txBody>
       </p:sp>
@@ -4712,7 +4558,7 @@
           <p:cNvPr id="50" name="Rectangle 49">
             <a:extLst>
               <a:ext uri="{FF2B5EF4-FFF2-40B4-BE49-F238E27FC236}">
-                <a16:creationId xmlns="" xmlns:a16="http://schemas.microsoft.com/office/drawing/2014/main" id="{907BEB2A-D93E-46CB-95DF-04E16F0D1C0C}"/>
+                <a16:creationId xmlns:a16="http://schemas.microsoft.com/office/drawing/2014/main" xmlns="" id="{907BEB2A-D93E-46CB-95DF-04E16F0D1C0C}"/>
               </a:ext>
             </a:extLst>
           </p:cNvPr>
@@ -4821,56 +4667,10 @@
       </p:grpSpPr>
       <p:sp>
         <p:nvSpPr>
-          <p:cNvPr id="3" name="Rectangle 2"/>
-          <p:cNvSpPr/>
-          <p:nvPr/>
-        </p:nvSpPr>
-        <p:spPr>
-          <a:xfrm>
-            <a:off x="4240451" y="3154756"/>
-            <a:ext cx="1191907" cy="506556"/>
-          </a:xfrm>
-          <a:prstGeom prst="rect">
-            <a:avLst/>
-          </a:prstGeom>
-          <a:solidFill>
-            <a:schemeClr val="tx1"/>
-          </a:solidFill>
-          <a:ln>
-            <a:noFill/>
-          </a:ln>
-        </p:spPr>
-        <p:style>
-          <a:lnRef idx="2">
-            <a:schemeClr val="accent1">
-              <a:shade val="50000"/>
-            </a:schemeClr>
-          </a:lnRef>
-          <a:fillRef idx="1">
-            <a:schemeClr val="accent1"/>
-          </a:fillRef>
-          <a:effectRef idx="0">
-            <a:schemeClr val="accent1"/>
-          </a:effectRef>
-          <a:fontRef idx="minor">
-            <a:schemeClr val="lt1"/>
-          </a:fontRef>
-        </p:style>
-        <p:txBody>
-          <a:bodyPr rtlCol="0" anchor="ctr"/>
-          <a:lstStyle/>
-          <a:p>
-            <a:pPr algn="ctr"/>
-            <a:endParaRPr lang="en-AU"/>
-          </a:p>
-        </p:txBody>
-      </p:sp>
-      <p:sp>
-        <p:nvSpPr>
           <p:cNvPr id="7" name="Rectangle 6">
             <a:extLst>
               <a:ext uri="{FF2B5EF4-FFF2-40B4-BE49-F238E27FC236}">
-                <a16:creationId xmlns="" xmlns:a16="http://schemas.microsoft.com/office/drawing/2014/main" id="{241D8F26-367A-4EE2-BC9B-4A97EE475F57}"/>
+                <a16:creationId xmlns:a16="http://schemas.microsoft.com/office/drawing/2014/main" xmlns="" id="{241D8F26-367A-4EE2-BC9B-4A97EE475F57}"/>
               </a:ext>
             </a:extLst>
           </p:cNvPr>
@@ -4944,7 +4744,7 @@
           <p:cNvPr id="8" name="Rectangle 7">
             <a:extLst>
               <a:ext uri="{FF2B5EF4-FFF2-40B4-BE49-F238E27FC236}">
-                <a16:creationId xmlns="" xmlns:a16="http://schemas.microsoft.com/office/drawing/2014/main" id="{583FBC17-A62F-4E87-B8DE-0F79DF4336A0}"/>
+                <a16:creationId xmlns:a16="http://schemas.microsoft.com/office/drawing/2014/main" xmlns="" id="{583FBC17-A62F-4E87-B8DE-0F79DF4336A0}"/>
               </a:ext>
             </a:extLst>
           </p:cNvPr>
@@ -5004,7 +4804,7 @@
           <p:cNvPr id="19" name="Group 18">
             <a:extLst>
               <a:ext uri="{FF2B5EF4-FFF2-40B4-BE49-F238E27FC236}">
-                <a16:creationId xmlns="" xmlns:a16="http://schemas.microsoft.com/office/drawing/2014/main" id="{C587FE1B-2243-4627-BC52-851BDA62444B}"/>
+                <a16:creationId xmlns:a16="http://schemas.microsoft.com/office/drawing/2014/main" xmlns="" id="{C587FE1B-2243-4627-BC52-851BDA62444B}"/>
               </a:ext>
             </a:extLst>
           </p:cNvPr>
@@ -5024,7 +4824,7 @@
             <p:cNvPr id="20" name="Picture 19">
               <a:extLst>
                 <a:ext uri="{FF2B5EF4-FFF2-40B4-BE49-F238E27FC236}">
-                  <a16:creationId xmlns="" xmlns:a16="http://schemas.microsoft.com/office/drawing/2014/main" id="{0F2E3E05-4A48-4C06-BA49-75E2E366C715}"/>
+                  <a16:creationId xmlns:a16="http://schemas.microsoft.com/office/drawing/2014/main" xmlns="" id="{0F2E3E05-4A48-4C06-BA49-75E2E366C715}"/>
                 </a:ext>
               </a:extLst>
             </p:cNvPr>
@@ -5054,7 +4854,7 @@
             <p:cNvPr id="21" name="Freeform 22">
               <a:extLst>
                 <a:ext uri="{FF2B5EF4-FFF2-40B4-BE49-F238E27FC236}">
-                  <a16:creationId xmlns="" xmlns:a16="http://schemas.microsoft.com/office/drawing/2014/main" id="{8413CF68-A7E3-43A0-B613-5438D5382AB1}"/>
+                  <a16:creationId xmlns:a16="http://schemas.microsoft.com/office/drawing/2014/main" xmlns="" id="{8413CF68-A7E3-43A0-B613-5438D5382AB1}"/>
                 </a:ext>
               </a:extLst>
             </p:cNvPr>
@@ -5466,7 +5266,7 @@
           <p:cNvPr id="22" name="TextBox 21">
             <a:extLst>
               <a:ext uri="{FF2B5EF4-FFF2-40B4-BE49-F238E27FC236}">
-                <a16:creationId xmlns="" xmlns:a16="http://schemas.microsoft.com/office/drawing/2014/main" id="{97653B96-F2E2-406B-A513-F42319FDB50F}"/>
+                <a16:creationId xmlns:a16="http://schemas.microsoft.com/office/drawing/2014/main" xmlns="" id="{97653B96-F2E2-406B-A513-F42319FDB50F}"/>
               </a:ext>
             </a:extLst>
           </p:cNvPr>
@@ -5499,19 +5299,7 @@
                 <a:latin typeface="Oxygen" panose="02000503000000000000" pitchFamily="2" charset="0"/>
                 <a:cs typeface="Arial" panose="020B0604020202020204" pitchFamily="34" charset="0"/>
               </a:rPr>
-              <a:t>Python </a:t>
-            </a:r>
-            <a:r>
-              <a:rPr lang="en-US" b="1" cap="small" dirty="0" smtClean="0">
-                <a:solidFill>
-                  <a:schemeClr val="bg2">
-                    <a:lumMod val="75000"/>
-                  </a:schemeClr>
-                </a:solidFill>
-                <a:latin typeface="Oxygen" panose="02000503000000000000" pitchFamily="2" charset="0"/>
-                <a:cs typeface="Arial" panose="020B0604020202020204" pitchFamily="34" charset="0"/>
-              </a:rPr>
-              <a:t>Programming: Variables &amp; Strings</a:t>
+              <a:t>Python Programming: Variables &amp; Strings</a:t>
             </a:r>
             <a:endParaRPr lang="en-AU" b="1" cap="small" dirty="0">
               <a:solidFill>
@@ -5530,7 +5318,7 @@
           <p:cNvPr id="33" name="Rectangle 32">
             <a:extLst>
               <a:ext uri="{FF2B5EF4-FFF2-40B4-BE49-F238E27FC236}">
-                <a16:creationId xmlns="" xmlns:a16="http://schemas.microsoft.com/office/drawing/2014/main" id="{E02B0EB1-C543-469A-90DE-9FA0F478E35F}"/>
+                <a16:creationId xmlns:a16="http://schemas.microsoft.com/office/drawing/2014/main" xmlns="" id="{E02B0EB1-C543-469A-90DE-9FA0F478E35F}"/>
               </a:ext>
             </a:extLst>
           </p:cNvPr>
@@ -5655,7 +5443,7 @@
         </p:nvSpPr>
         <p:spPr>
           <a:xfrm>
-            <a:off x="4207262" y="2851111"/>
+            <a:off x="4194890" y="2851111"/>
             <a:ext cx="2262310" cy="877163"/>
           </a:xfrm>
           <a:prstGeom prst="rect">
@@ -5686,108 +5474,65 @@
               </a:rPr>
               <a:t>Assignment:</a:t>
             </a:r>
-            <a:endParaRPr lang="en-US" sz="1200" b="1" dirty="0" smtClean="0">
+          </a:p>
+          <a:p>
+            <a:pPr lvl="1">
+              <a:lnSpc>
+                <a:spcPct val="150000"/>
+              </a:lnSpc>
+            </a:pPr>
+            <a:r>
+              <a:rPr lang="en-AU" sz="1100" dirty="0" smtClean="0">
+                <a:solidFill>
+                  <a:schemeClr val="bg2">
+                    <a:lumMod val="50000"/>
+                  </a:schemeClr>
+                </a:solidFill>
+                <a:latin typeface="Oxygen" panose="02000503000000000000" pitchFamily="2" charset="0"/>
+              </a:rPr>
+              <a:t>  x </a:t>
+            </a:r>
+            <a:r>
+              <a:rPr lang="en-AU" sz="1100" dirty="0">
+                <a:solidFill>
+                  <a:schemeClr val="bg2">
+                    <a:lumMod val="50000"/>
+                  </a:schemeClr>
+                </a:solidFill>
+                <a:latin typeface="Oxygen" panose="02000503000000000000" pitchFamily="2" charset="0"/>
+              </a:rPr>
+              <a:t>= 2</a:t>
+            </a:r>
+            <a:endParaRPr lang="en-US" sz="1100" dirty="0">
               <a:solidFill>
-                <a:schemeClr val="tx1">
+                <a:schemeClr val="bg2">
                   <a:lumMod val="50000"/>
-                  <a:lumOff val="50000"/>
                 </a:schemeClr>
               </a:solidFill>
               <a:latin typeface="Oxygen" panose="02000503000000000000" pitchFamily="2" charset="0"/>
             </a:endParaRPr>
           </a:p>
           <a:p>
-            <a:pPr>
+            <a:pPr lvl="1">
               <a:lnSpc>
                 <a:spcPct val="150000"/>
               </a:lnSpc>
             </a:pPr>
             <a:r>
-              <a:rPr lang="en-AU" sz="1100" dirty="0" smtClean="0">
-                <a:solidFill>
-                  <a:schemeClr val="tx1">
+              <a:rPr lang="en-US" sz="1100" dirty="0" smtClean="0">
+                <a:solidFill>
+                  <a:schemeClr val="bg2">
                     <a:lumMod val="50000"/>
-                    <a:lumOff val="50000"/>
-                  </a:schemeClr>
-                </a:solidFill>
-                <a:latin typeface="Oxygen" panose="02000503000000000000" pitchFamily="2" charset="0"/>
-              </a:rPr>
-              <a:t>  </a:t>
-            </a:r>
-            <a:r>
-              <a:rPr lang="en-AU" sz="1100" b="1" dirty="0" smtClean="0">
-                <a:solidFill>
-                  <a:schemeClr val="bg1">
-                    <a:lumMod val="95000"/>
-                  </a:schemeClr>
-                </a:solidFill>
-                <a:latin typeface="Oxygen" panose="02000503000000000000" pitchFamily="2" charset="0"/>
-              </a:rPr>
-              <a:t>x </a:t>
-            </a:r>
-            <a:r>
-              <a:rPr lang="en-AU" sz="1100" b="1" dirty="0">
-                <a:solidFill>
-                  <a:schemeClr val="bg1">
-                    <a:lumMod val="95000"/>
-                  </a:schemeClr>
-                </a:solidFill>
-                <a:latin typeface="Oxygen" panose="02000503000000000000" pitchFamily="2" charset="0"/>
-              </a:rPr>
-              <a:t>= </a:t>
-            </a:r>
-            <a:r>
-              <a:rPr lang="en-AU" sz="1100" b="1" dirty="0">
-                <a:solidFill>
-                  <a:schemeClr val="bg1">
-                    <a:lumMod val="95000"/>
-                  </a:schemeClr>
-                </a:solidFill>
-                <a:latin typeface="Oxygen" panose="02000503000000000000" pitchFamily="2" charset="0"/>
-              </a:rPr>
-              <a:t>2</a:t>
-            </a:r>
-            <a:endParaRPr lang="en-US" sz="1100" b="1" dirty="0">
+                  </a:schemeClr>
+                </a:solidFill>
+                <a:latin typeface="Oxygen" panose="02000503000000000000" pitchFamily="2" charset="0"/>
+              </a:rPr>
+              <a:t>  name = ‘Rupa’</a:t>
+            </a:r>
+            <a:endParaRPr lang="en-AU" sz="1100" dirty="0">
               <a:solidFill>
-                <a:schemeClr val="bg1">
-                  <a:lumMod val="95000"/>
-                </a:schemeClr>
-              </a:solidFill>
-              <a:latin typeface="Oxygen" panose="02000503000000000000" pitchFamily="2" charset="0"/>
-            </a:endParaRPr>
-          </a:p>
-          <a:p>
-            <a:pPr>
-              <a:lnSpc>
-                <a:spcPct val="150000"/>
-              </a:lnSpc>
-            </a:pPr>
-            <a:r>
-              <a:rPr lang="en-US" sz="1100" b="1" dirty="0" smtClean="0">
-                <a:solidFill>
-                  <a:schemeClr val="bg1">
-                    <a:lumMod val="95000"/>
-                  </a:schemeClr>
-                </a:solidFill>
-                <a:latin typeface="Oxygen" panose="02000503000000000000" pitchFamily="2" charset="0"/>
-              </a:rPr>
-              <a:t>  n</a:t>
-            </a:r>
-            <a:r>
-              <a:rPr lang="en-US" sz="1100" b="1" dirty="0" smtClean="0">
-                <a:solidFill>
-                  <a:schemeClr val="bg1">
-                    <a:lumMod val="95000"/>
-                  </a:schemeClr>
-                </a:solidFill>
-                <a:latin typeface="Oxygen" panose="02000503000000000000" pitchFamily="2" charset="0"/>
-              </a:rPr>
-              <a:t>ame = ‘Rupa’</a:t>
-            </a:r>
-            <a:endParaRPr lang="en-AU" sz="1100" b="1" dirty="0">
-              <a:solidFill>
-                <a:schemeClr val="bg1">
-                  <a:lumMod val="95000"/>
+                <a:schemeClr val="bg2">
+                  <a:lumMod val="50000"/>
                 </a:schemeClr>
               </a:solidFill>
               <a:latin typeface="Oxygen" panose="02000503000000000000" pitchFamily="2" charset="0"/>
@@ -5804,7 +5549,7 @@
         <p:spPr>
           <a:xfrm>
             <a:off x="4240451" y="3841681"/>
-            <a:ext cx="5027120" cy="334579"/>
+            <a:ext cx="4204809" cy="2146742"/>
           </a:xfrm>
           <a:prstGeom prst="rect">
             <a:avLst/>
@@ -5832,8 +5577,161 @@
                 </a:solidFill>
                 <a:latin typeface="Oxygen" panose="02000503000000000000" pitchFamily="2" charset="0"/>
               </a:rPr>
-              <a:t>Strings:</a:t>
-            </a:r>
+              <a:t>Strings</a:t>
+            </a:r>
+            <a:r>
+              <a:rPr lang="en-US" sz="1200" b="1" dirty="0" smtClean="0">
+                <a:solidFill>
+                  <a:schemeClr val="tx1">
+                    <a:lumMod val="50000"/>
+                    <a:lumOff val="50000"/>
+                  </a:schemeClr>
+                </a:solidFill>
+                <a:latin typeface="Oxygen" panose="02000503000000000000" pitchFamily="2" charset="0"/>
+              </a:rPr>
+              <a:t>:</a:t>
+            </a:r>
+          </a:p>
+          <a:p>
+            <a:pPr marL="171450" indent="-171450">
+              <a:lnSpc>
+                <a:spcPct val="150000"/>
+              </a:lnSpc>
+              <a:buFont typeface="Wingdings" panose="05000000000000000000" pitchFamily="2" charset="2"/>
+              <a:buChar char="v"/>
+            </a:pPr>
+            <a:endParaRPr lang="en-US" sz="1100" b="1" dirty="0" smtClean="0">
+              <a:solidFill>
+                <a:schemeClr val="tx1">
+                  <a:lumMod val="50000"/>
+                  <a:lumOff val="50000"/>
+                </a:schemeClr>
+              </a:solidFill>
+              <a:latin typeface="Oxygen" panose="02000503000000000000" pitchFamily="2" charset="0"/>
+            </a:endParaRPr>
+          </a:p>
+          <a:p>
+            <a:pPr marL="171450" indent="-171450">
+              <a:lnSpc>
+                <a:spcPct val="150000"/>
+              </a:lnSpc>
+              <a:buFont typeface="Wingdings" panose="05000000000000000000" pitchFamily="2" charset="2"/>
+              <a:buChar char="v"/>
+            </a:pPr>
+            <a:endParaRPr lang="en-US" sz="1100" b="1" dirty="0">
+              <a:solidFill>
+                <a:schemeClr val="tx1">
+                  <a:lumMod val="50000"/>
+                  <a:lumOff val="50000"/>
+                </a:schemeClr>
+              </a:solidFill>
+              <a:latin typeface="Oxygen" panose="02000503000000000000" pitchFamily="2" charset="0"/>
+            </a:endParaRPr>
+          </a:p>
+          <a:p>
+            <a:pPr marL="171450" indent="-171450">
+              <a:lnSpc>
+                <a:spcPct val="150000"/>
+              </a:lnSpc>
+              <a:buFont typeface="Wingdings" panose="05000000000000000000" pitchFamily="2" charset="2"/>
+              <a:buChar char="v"/>
+            </a:pPr>
+            <a:endParaRPr lang="en-US" sz="1100" b="1" dirty="0" smtClean="0">
+              <a:solidFill>
+                <a:schemeClr val="tx1">
+                  <a:lumMod val="50000"/>
+                  <a:lumOff val="50000"/>
+                </a:schemeClr>
+              </a:solidFill>
+              <a:latin typeface="Oxygen" panose="02000503000000000000" pitchFamily="2" charset="0"/>
+            </a:endParaRPr>
+          </a:p>
+          <a:p>
+            <a:pPr lvl="1">
+              <a:lnSpc>
+                <a:spcPct val="150000"/>
+              </a:lnSpc>
+            </a:pPr>
+            <a:r>
+              <a:rPr lang="en-US" sz="1100" b="1" dirty="0" smtClean="0">
+                <a:solidFill>
+                  <a:schemeClr val="tx1">
+                    <a:lumMod val="50000"/>
+                    <a:lumOff val="50000"/>
+                  </a:schemeClr>
+                </a:solidFill>
+                <a:latin typeface="Oxygen" panose="02000503000000000000" pitchFamily="2" charset="0"/>
+              </a:rPr>
+              <a:t>Strings are immutable: </a:t>
+            </a:r>
+          </a:p>
+          <a:p>
+            <a:pPr lvl="2">
+              <a:lnSpc>
+                <a:spcPct val="150000"/>
+              </a:lnSpc>
+            </a:pPr>
+            <a:r>
+              <a:rPr lang="en-US" sz="1100" dirty="0" smtClean="0">
+                <a:solidFill>
+                  <a:schemeClr val="tx1">
+                    <a:lumMod val="50000"/>
+                    <a:lumOff val="50000"/>
+                  </a:schemeClr>
+                </a:solidFill>
+                <a:latin typeface="Oxygen" panose="02000503000000000000" pitchFamily="2" charset="0"/>
+              </a:rPr>
+              <a:t>str1 = “My Name”</a:t>
+            </a:r>
+          </a:p>
+          <a:p>
+            <a:pPr lvl="2">
+              <a:lnSpc>
+                <a:spcPct val="150000"/>
+              </a:lnSpc>
+            </a:pPr>
+            <a:r>
+              <a:rPr lang="en-US" sz="1100" dirty="0" smtClean="0">
+                <a:solidFill>
+                  <a:schemeClr val="tx1">
+                    <a:lumMod val="50000"/>
+                    <a:lumOff val="50000"/>
+                  </a:schemeClr>
+                </a:solidFill>
+                <a:latin typeface="Oxygen" panose="02000503000000000000" pitchFamily="2" charset="0"/>
+              </a:rPr>
+              <a:t>str1[3] = ‘n’          </a:t>
+            </a:r>
+            <a:r>
+              <a:rPr lang="en-US" sz="1100" b="1" dirty="0" smtClean="0">
+                <a:solidFill>
+                  <a:schemeClr val="tx1">
+                    <a:lumMod val="50000"/>
+                    <a:lumOff val="50000"/>
+                  </a:schemeClr>
+                </a:solidFill>
+                <a:latin typeface="Oxygen" panose="02000503000000000000" pitchFamily="2" charset="0"/>
+              </a:rPr>
+              <a:t># This will give ERROR</a:t>
+            </a:r>
+          </a:p>
+          <a:p>
+            <a:pPr marL="171450" indent="-171450">
+              <a:lnSpc>
+                <a:spcPct val="150000"/>
+              </a:lnSpc>
+              <a:buFont typeface="Wingdings" panose="05000000000000000000" pitchFamily="2" charset="2"/>
+              <a:buChar char="v"/>
+            </a:pPr>
+            <a:endParaRPr lang="en-US" sz="1100" dirty="0">
+              <a:solidFill>
+                <a:schemeClr val="tx1">
+                  <a:lumMod val="50000"/>
+                  <a:lumOff val="50000"/>
+                </a:schemeClr>
+              </a:solidFill>
+              <a:latin typeface="Oxygen" panose="02000503000000000000" pitchFamily="2" charset="0"/>
+            </a:endParaRPr>
           </a:p>
         </p:txBody>
       </p:sp>
@@ -5866,7 +5764,7 @@
           <p:cNvPr id="50" name="Rectangle 49">
             <a:extLst>
               <a:ext uri="{FF2B5EF4-FFF2-40B4-BE49-F238E27FC236}">
-                <a16:creationId xmlns="" xmlns:a16="http://schemas.microsoft.com/office/drawing/2014/main" id="{907BEB2A-D93E-46CB-95DF-04E16F0D1C0C}"/>
+                <a16:creationId xmlns:a16="http://schemas.microsoft.com/office/drawing/2014/main" xmlns="" id="{907BEB2A-D93E-46CB-95DF-04E16F0D1C0C}"/>
               </a:ext>
             </a:extLst>
           </p:cNvPr>
@@ -5944,8 +5842,8 @@
         </p:nvSpPr>
         <p:spPr>
           <a:xfrm>
-            <a:off x="4207262" y="1606625"/>
-            <a:ext cx="2909634" cy="1131079"/>
+            <a:off x="4207261" y="1606625"/>
+            <a:ext cx="3340851" cy="1131079"/>
           </a:xfrm>
           <a:prstGeom prst="rect">
             <a:avLst/>
@@ -5973,10 +5871,17 @@
                 </a:solidFill>
                 <a:latin typeface="Oxygen" panose="02000503000000000000" pitchFamily="2" charset="0"/>
               </a:rPr>
-              <a:t>Types</a:t>
-            </a:r>
-            <a:r>
-              <a:rPr lang="en-US" sz="1200" b="1" dirty="0" smtClean="0">
+              <a:t>Types:</a:t>
+            </a:r>
+          </a:p>
+          <a:p>
+            <a:pPr lvl="1">
+              <a:lnSpc>
+                <a:spcPct val="150000"/>
+              </a:lnSpc>
+            </a:pPr>
+            <a:r>
+              <a:rPr lang="en-US" sz="1100" b="1" dirty="0" smtClean="0">
                 <a:solidFill>
                   <a:schemeClr val="tx1">
                     <a:lumMod val="50000"/>
@@ -5985,28 +5890,29 @@
                 </a:solidFill>
                 <a:latin typeface="Oxygen" panose="02000503000000000000" pitchFamily="2" charset="0"/>
               </a:rPr>
-              <a:t>:</a:t>
-            </a:r>
-            <a:endParaRPr lang="en-US" sz="1200" b="1" dirty="0" smtClean="0">
-              <a:solidFill>
-                <a:schemeClr val="tx1">
-                  <a:lumMod val="50000"/>
-                  <a:lumOff val="50000"/>
-                </a:schemeClr>
-              </a:solidFill>
-              <a:latin typeface="Oxygen" panose="02000503000000000000" pitchFamily="2" charset="0"/>
-            </a:endParaRPr>
-          </a:p>
-          <a:p>
-            <a:pPr marL="171450" indent="-171450">
+              <a:t>int</a:t>
+            </a:r>
+            <a:r>
+              <a:rPr lang="en-US" sz="1100" dirty="0" smtClean="0">
+                <a:solidFill>
+                  <a:schemeClr val="tx1">
+                    <a:lumMod val="50000"/>
+                    <a:lumOff val="50000"/>
+                  </a:schemeClr>
+                </a:solidFill>
+                <a:latin typeface="Oxygen" panose="02000503000000000000" pitchFamily="2" charset="0"/>
+              </a:rPr>
+              <a:t>  e.g. 4, 1000, -34 etc.</a:t>
+            </a:r>
+          </a:p>
+          <a:p>
+            <a:pPr lvl="1">
               <a:lnSpc>
                 <a:spcPct val="150000"/>
               </a:lnSpc>
-              <a:buFont typeface="Wingdings" panose="05000000000000000000" pitchFamily="2" charset="2"/>
-              <a:buChar char="v"/>
             </a:pPr>
             <a:r>
-              <a:rPr lang="en-US" sz="1100" b="1" dirty="0" smtClean="0">
+              <a:rPr lang="en-US" sz="1100" b="1" dirty="0">
                 <a:solidFill>
                   <a:schemeClr val="tx1">
                     <a:lumMod val="50000"/>
@@ -6015,7 +5921,7 @@
                 </a:solidFill>
                 <a:latin typeface="Oxygen" panose="02000503000000000000" pitchFamily="2" charset="0"/>
               </a:rPr>
-              <a:t>i</a:t>
+              <a:t>f</a:t>
             </a:r>
             <a:r>
               <a:rPr lang="en-US" sz="1100" b="1" dirty="0" smtClean="0">
@@ -6027,7 +5933,7 @@
                 </a:solidFill>
                 <a:latin typeface="Oxygen" panose="02000503000000000000" pitchFamily="2" charset="0"/>
               </a:rPr>
-              <a:t>nt</a:t>
+              <a:t>loat</a:t>
             </a:r>
             <a:r>
               <a:rPr lang="en-US" sz="1100" dirty="0" smtClean="0">
@@ -6039,16 +5945,14 @@
                 </a:solidFill>
                 <a:latin typeface="Oxygen" panose="02000503000000000000" pitchFamily="2" charset="0"/>
               </a:rPr>
-              <a:t>  e.g. 4, 1000, -34 etc.</a:t>
-            </a:r>
-          </a:p>
-          <a:p>
-            <a:pPr marL="171450" indent="-171450">
+              <a:t> e.g. 33.4, -0.0005</a:t>
+            </a:r>
+          </a:p>
+          <a:p>
+            <a:pPr lvl="1">
               <a:lnSpc>
                 <a:spcPct val="150000"/>
               </a:lnSpc>
-              <a:buFont typeface="Wingdings" panose="05000000000000000000" pitchFamily="2" charset="2"/>
-              <a:buChar char="v"/>
             </a:pPr>
             <a:r>
               <a:rPr lang="en-US" sz="1100" b="1" dirty="0">
@@ -6060,7 +5964,7 @@
                 </a:solidFill>
                 <a:latin typeface="Oxygen" panose="02000503000000000000" pitchFamily="2" charset="0"/>
               </a:rPr>
-              <a:t>f</a:t>
+              <a:t>s</a:t>
             </a:r>
             <a:r>
               <a:rPr lang="en-US" sz="1100" b="1" dirty="0" smtClean="0">
@@ -6072,7 +5976,7 @@
                 </a:solidFill>
                 <a:latin typeface="Oxygen" panose="02000503000000000000" pitchFamily="2" charset="0"/>
               </a:rPr>
-              <a:t>loat</a:t>
+              <a:t>tring</a:t>
             </a:r>
             <a:r>
               <a:rPr lang="en-US" sz="1100" dirty="0" smtClean="0">
@@ -6084,62 +5988,8 @@
                 </a:solidFill>
                 <a:latin typeface="Oxygen" panose="02000503000000000000" pitchFamily="2" charset="0"/>
               </a:rPr>
-              <a:t> e.g. 33.4, -0.0005</a:t>
-            </a:r>
-          </a:p>
-          <a:p>
-            <a:pPr marL="171450" indent="-171450">
-              <a:lnSpc>
-                <a:spcPct val="150000"/>
-              </a:lnSpc>
-              <a:buFont typeface="Wingdings" panose="05000000000000000000" pitchFamily="2" charset="2"/>
-              <a:buChar char="v"/>
-            </a:pPr>
-            <a:r>
-              <a:rPr lang="en-US" sz="1100" b="1" dirty="0">
-                <a:solidFill>
-                  <a:schemeClr val="tx1">
-                    <a:lumMod val="50000"/>
-                    <a:lumOff val="50000"/>
-                  </a:schemeClr>
-                </a:solidFill>
-                <a:latin typeface="Oxygen" panose="02000503000000000000" pitchFamily="2" charset="0"/>
-              </a:rPr>
-              <a:t>s</a:t>
-            </a:r>
-            <a:r>
-              <a:rPr lang="en-US" sz="1100" b="1" dirty="0" smtClean="0">
-                <a:solidFill>
-                  <a:schemeClr val="tx1">
-                    <a:lumMod val="50000"/>
-                    <a:lumOff val="50000"/>
-                  </a:schemeClr>
-                </a:solidFill>
-                <a:latin typeface="Oxygen" panose="02000503000000000000" pitchFamily="2" charset="0"/>
-              </a:rPr>
-              <a:t>tring</a:t>
-            </a:r>
-            <a:r>
-              <a:rPr lang="en-US" sz="1100" dirty="0" smtClean="0">
-                <a:solidFill>
-                  <a:schemeClr val="tx1">
-                    <a:lumMod val="50000"/>
-                    <a:lumOff val="50000"/>
-                  </a:schemeClr>
-                </a:solidFill>
-                <a:latin typeface="Oxygen" panose="02000503000000000000" pitchFamily="2" charset="0"/>
-              </a:rPr>
               <a:t> e.g. ‘My friend Tom’, ‘cricket’ etc.</a:t>
             </a:r>
-            <a:endParaRPr lang="en-US" sz="1100" dirty="0" smtClean="0">
-              <a:solidFill>
-                <a:schemeClr val="tx1">
-                  <a:lumMod val="50000"/>
-                  <a:lumOff val="50000"/>
-                </a:schemeClr>
-              </a:solidFill>
-              <a:latin typeface="Oxygen" panose="02000503000000000000" pitchFamily="2" charset="0"/>
-            </a:endParaRPr>
           </a:p>
         </p:txBody>
       </p:sp>
@@ -6152,13 +6002,13 @@
           <p:nvPr>
             <p:extLst>
               <p:ext uri="{D42A27DB-BD31-4B8C-83A1-F6EECF244321}">
-                <p14:modId xmlns:p14="http://schemas.microsoft.com/office/powerpoint/2010/main" val="785414668"/>
+                <p14:modId xmlns:p14="http://schemas.microsoft.com/office/powerpoint/2010/main" val="728742507"/>
               </p:ext>
             </p:extLst>
           </p:nvPr>
         </p:nvGraphicFramePr>
         <p:xfrm>
-          <a:off x="4240451" y="4228936"/>
+          <a:off x="4801161" y="4254808"/>
           <a:ext cx="4864100" cy="581025"/>
         </p:xfrm>
         <a:graphic>
@@ -6189,7 +6039,7 @@
                     <a:p>
                       <a:pPr algn="ctr" fontAlgn="ctr"/>
                       <a:r>
-                        <a:rPr lang="en-AU" sz="1000" b="1" i="0" u="none" strike="noStrike">
+                        <a:rPr lang="en-AU" sz="1000" b="1" i="0" u="none" strike="noStrike" dirty="0">
                           <a:solidFill>
                             <a:srgbClr val="808080"/>
                           </a:solidFill>
@@ -6246,7 +6096,7 @@
                     <a:p>
                       <a:pPr algn="ctr" fontAlgn="ctr"/>
                       <a:r>
-                        <a:rPr lang="en-AU" sz="1000" b="1" i="0" u="none" strike="noStrike">
+                        <a:rPr lang="en-AU" sz="1000" b="1" i="0" u="none" strike="noStrike" dirty="0">
                           <a:solidFill>
                             <a:srgbClr val="808080"/>
                           </a:solidFill>
@@ -6303,7 +6153,7 @@
                     <a:p>
                       <a:pPr algn="ctr" fontAlgn="ctr"/>
                       <a:r>
-                        <a:rPr lang="en-AU" sz="1000" b="1" i="0" u="none" strike="noStrike">
+                        <a:rPr lang="en-AU" sz="1000" b="1" i="0" u="none" strike="noStrike" dirty="0">
                           <a:solidFill>
                             <a:srgbClr val="808080"/>
                           </a:solidFill>
@@ -6360,7 +6210,7 @@
                     <a:p>
                       <a:pPr algn="ctr" fontAlgn="ctr"/>
                       <a:r>
-                        <a:rPr lang="en-AU" sz="1000" b="1" i="0" u="none" strike="noStrike">
+                        <a:rPr lang="en-AU" sz="1000" b="1" i="0" u="none" strike="noStrike" dirty="0">
                           <a:solidFill>
                             <a:srgbClr val="808080"/>
                           </a:solidFill>
@@ -6417,7 +6267,7 @@
                     <a:p>
                       <a:pPr algn="ctr" fontAlgn="ctr"/>
                       <a:r>
-                        <a:rPr lang="en-AU" sz="1000" b="1" i="0" u="none" strike="noStrike">
+                        <a:rPr lang="en-AU" sz="1000" b="1" i="0" u="none" strike="noStrike" dirty="0">
                           <a:solidFill>
                             <a:srgbClr val="808080"/>
                           </a:solidFill>
@@ -6474,7 +6324,7 @@
                     <a:p>
                       <a:pPr algn="ctr" fontAlgn="ctr"/>
                       <a:r>
-                        <a:rPr lang="en-AU" sz="1000" b="1" i="0" u="none" strike="noStrike">
+                        <a:rPr lang="en-AU" sz="1000" b="1" i="0" u="none" strike="noStrike" dirty="0">
                           <a:solidFill>
                             <a:srgbClr val="808080"/>
                           </a:solidFill>
@@ -6531,7 +6381,7 @@
                     <a:p>
                       <a:pPr algn="ctr" fontAlgn="ctr"/>
                       <a:r>
-                        <a:rPr lang="en-AU" sz="1000" b="1" i="0" u="none" strike="noStrike">
+                        <a:rPr lang="en-AU" sz="1000" b="1" i="0" u="none" strike="noStrike" dirty="0">
                           <a:solidFill>
                             <a:srgbClr val="808080"/>
                           </a:solidFill>
@@ -6588,7 +6438,7 @@
                     <a:p>
                       <a:pPr algn="ctr" fontAlgn="ctr"/>
                       <a:r>
-                        <a:rPr lang="en-AU" sz="1000" b="1" i="0" u="none" strike="noStrike">
+                        <a:rPr lang="en-AU" sz="1000" b="1" i="0" u="none" strike="noStrike" dirty="0">
                           <a:solidFill>
                             <a:srgbClr val="808080"/>
                           </a:solidFill>
@@ -7767,7 +7617,7 @@
                     <a:p>
                       <a:pPr algn="ctr" fontAlgn="ctr"/>
                       <a:r>
-                        <a:rPr lang="en-AU" sz="1000" b="1" i="0" u="none" strike="noStrike">
+                        <a:rPr lang="en-AU" sz="1000" b="1" i="0" u="none" strike="noStrike" dirty="0">
                           <a:solidFill>
                             <a:srgbClr val="808080"/>
                           </a:solidFill>
@@ -7881,7 +7731,7 @@
                     <a:p>
                       <a:pPr algn="ctr" fontAlgn="ctr"/>
                       <a:r>
-                        <a:rPr lang="en-AU" sz="1000" b="1" i="0" u="none" strike="noStrike">
+                        <a:rPr lang="en-AU" sz="1000" b="1" i="0" u="none" strike="noStrike" dirty="0">
                           <a:solidFill>
                             <a:srgbClr val="808080"/>
                           </a:solidFill>
@@ -7938,14 +7788,24 @@
                     <a:p>
                       <a:pPr algn="ctr" fontAlgn="ctr"/>
                       <a:r>
-                        <a:rPr lang="en-AU" sz="1000" b="1" i="0" u="none" strike="noStrike">
+                        <a:rPr lang="en-AU" sz="1000" b="1" i="0" u="none" strike="noStrike" dirty="0" smtClean="0">
                           <a:solidFill>
                             <a:srgbClr val="808080"/>
                           </a:solidFill>
                           <a:effectLst/>
                           <a:latin typeface="Calibri" panose="020F0502020204030204" pitchFamily="34" charset="0"/>
                         </a:rPr>
-                        <a:t>-10</a:t>
+                        <a:t>-</a:t>
+                      </a:r>
+                      <a:r>
+                        <a:rPr lang="en-AU" sz="1000" b="1" i="0" u="none" strike="noStrike" dirty="0">
+                          <a:solidFill>
+                            <a:srgbClr val="808080"/>
+                          </a:solidFill>
+                          <a:effectLst/>
+                          <a:latin typeface="Calibri" panose="020F0502020204030204" pitchFamily="34" charset="0"/>
+                        </a:rPr>
+                        <a:t>10</a:t>
                       </a:r>
                     </a:p>
                   </a:txBody>
@@ -8546,6 +8406,1566 @@
     <p:extLst>
       <p:ext uri="{BB962C8B-B14F-4D97-AF65-F5344CB8AC3E}">
         <p14:creationId xmlns:p14="http://schemas.microsoft.com/office/powerpoint/2010/main" val="904857345"/>
+      </p:ext>
+    </p:extLst>
+  </p:cSld>
+  <p:clrMapOvr>
+    <a:masterClrMapping/>
+  </p:clrMapOvr>
+  <p:timing>
+    <p:tnLst>
+      <p:par>
+        <p:cTn id="1" dur="indefinite" restart="never" nodeType="tmRoot"/>
+      </p:par>
+    </p:tnLst>
+  </p:timing>
+</p:sld>
+</file>
+
+<file path=ppt/slides/slide3.xml><?xml version="1.0" encoding="utf-8"?>
+<p:sld xmlns:a="http://schemas.openxmlformats.org/drawingml/2006/main" xmlns:r="http://schemas.openxmlformats.org/officeDocument/2006/relationships" xmlns:p="http://schemas.openxmlformats.org/presentationml/2006/main">
+  <p:cSld>
+    <p:spTree>
+      <p:nvGrpSpPr>
+        <p:cNvPr id="1" name=""/>
+        <p:cNvGrpSpPr/>
+        <p:nvPr/>
+      </p:nvGrpSpPr>
+      <p:grpSpPr>
+        <a:xfrm>
+          <a:off x="0" y="0"/>
+          <a:ext cx="0" cy="0"/>
+          <a:chOff x="0" y="0"/>
+          <a:chExt cx="0" cy="0"/>
+        </a:xfrm>
+      </p:grpSpPr>
+      <p:sp>
+        <p:nvSpPr>
+          <p:cNvPr id="7" name="Rectangle 6">
+            <a:extLst>
+              <a:ext uri="{FF2B5EF4-FFF2-40B4-BE49-F238E27FC236}">
+                <a16:creationId xmlns:a16="http://schemas.microsoft.com/office/drawing/2014/main" xmlns="" id="{241D8F26-367A-4EE2-BC9B-4A97EE475F57}"/>
+              </a:ext>
+            </a:extLst>
+          </p:cNvPr>
+          <p:cNvSpPr/>
+          <p:nvPr/>
+        </p:nvSpPr>
+        <p:spPr>
+          <a:xfrm>
+            <a:off x="3250887" y="381242"/>
+            <a:ext cx="75415" cy="6476761"/>
+          </a:xfrm>
+          <a:prstGeom prst="rect">
+            <a:avLst/>
+          </a:prstGeom>
+          <a:gradFill>
+            <a:gsLst>
+              <a:gs pos="0">
+                <a:schemeClr val="bg1"/>
+              </a:gs>
+              <a:gs pos="60000">
+                <a:srgbClr val="FF8C52"/>
+              </a:gs>
+              <a:gs pos="40000">
+                <a:srgbClr val="FF8C52"/>
+              </a:gs>
+              <a:gs pos="20000">
+                <a:schemeClr val="bg1"/>
+              </a:gs>
+              <a:gs pos="80000">
+                <a:schemeClr val="bg1"/>
+              </a:gs>
+              <a:gs pos="100000">
+                <a:schemeClr val="bg1"/>
+              </a:gs>
+            </a:gsLst>
+            <a:lin ang="5400000" scaled="1"/>
+          </a:gradFill>
+          <a:ln>
+            <a:noFill/>
+          </a:ln>
+        </p:spPr>
+        <p:style>
+          <a:lnRef idx="2">
+            <a:schemeClr val="accent1">
+              <a:shade val="50000"/>
+            </a:schemeClr>
+          </a:lnRef>
+          <a:fillRef idx="1">
+            <a:schemeClr val="accent1"/>
+          </a:fillRef>
+          <a:effectRef idx="0">
+            <a:schemeClr val="accent1"/>
+          </a:effectRef>
+          <a:fontRef idx="minor">
+            <a:schemeClr val="lt1"/>
+          </a:fontRef>
+        </p:style>
+        <p:txBody>
+          <a:bodyPr rtlCol="0" anchor="ctr"/>
+          <a:lstStyle/>
+          <a:p>
+            <a:pPr algn="ctr"/>
+            <a:endParaRPr lang="en-AU">
+              <a:latin typeface="Oxygen" panose="02000503000000000000" pitchFamily="2" charset="0"/>
+            </a:endParaRPr>
+          </a:p>
+        </p:txBody>
+      </p:sp>
+      <p:sp>
+        <p:nvSpPr>
+          <p:cNvPr id="8" name="Rectangle 7">
+            <a:extLst>
+              <a:ext uri="{FF2B5EF4-FFF2-40B4-BE49-F238E27FC236}">
+                <a16:creationId xmlns:a16="http://schemas.microsoft.com/office/drawing/2014/main" xmlns="" id="{583FBC17-A62F-4E87-B8DE-0F79DF4336A0}"/>
+              </a:ext>
+            </a:extLst>
+          </p:cNvPr>
+          <p:cNvSpPr/>
+          <p:nvPr/>
+        </p:nvSpPr>
+        <p:spPr>
+          <a:xfrm>
+            <a:off x="3824624" y="5691"/>
+            <a:ext cx="8367376" cy="770637"/>
+          </a:xfrm>
+          <a:prstGeom prst="rect">
+            <a:avLst/>
+          </a:prstGeom>
+          <a:solidFill>
+            <a:schemeClr val="bg1">
+              <a:lumMod val="95000"/>
+            </a:schemeClr>
+          </a:solidFill>
+          <a:ln>
+            <a:noFill/>
+          </a:ln>
+        </p:spPr>
+        <p:style>
+          <a:lnRef idx="2">
+            <a:schemeClr val="accent1">
+              <a:shade val="50000"/>
+            </a:schemeClr>
+          </a:lnRef>
+          <a:fillRef idx="1">
+            <a:schemeClr val="accent1"/>
+          </a:fillRef>
+          <a:effectRef idx="0">
+            <a:schemeClr val="accent1"/>
+          </a:effectRef>
+          <a:fontRef idx="minor">
+            <a:schemeClr val="lt1"/>
+          </a:fontRef>
+        </p:style>
+        <p:txBody>
+          <a:bodyPr rtlCol="0" anchor="ctr"/>
+          <a:lstStyle/>
+          <a:p>
+            <a:endParaRPr lang="en-AU" sz="800" dirty="0">
+              <a:solidFill>
+                <a:schemeClr val="bg1">
+                  <a:lumMod val="50000"/>
+                </a:schemeClr>
+              </a:solidFill>
+              <a:latin typeface="Oxygen" panose="02000503000000000000" pitchFamily="2" charset="0"/>
+            </a:endParaRPr>
+          </a:p>
+        </p:txBody>
+      </p:sp>
+      <p:grpSp>
+        <p:nvGrpSpPr>
+          <p:cNvPr id="19" name="Group 18">
+            <a:extLst>
+              <a:ext uri="{FF2B5EF4-FFF2-40B4-BE49-F238E27FC236}">
+                <a16:creationId xmlns:a16="http://schemas.microsoft.com/office/drawing/2014/main" xmlns="" id="{C587FE1B-2243-4627-BC52-851BDA62444B}"/>
+              </a:ext>
+            </a:extLst>
+          </p:cNvPr>
+          <p:cNvGrpSpPr/>
+          <p:nvPr/>
+        </p:nvGrpSpPr>
+        <p:grpSpPr>
+          <a:xfrm>
+            <a:off x="687804" y="156881"/>
+            <a:ext cx="2471777" cy="1145371"/>
+            <a:chOff x="4600575" y="2600315"/>
+            <a:chExt cx="2990850" cy="1385897"/>
+          </a:xfrm>
+        </p:grpSpPr>
+        <p:pic>
+          <p:nvPicPr>
+            <p:cNvPr id="20" name="Picture 19">
+              <a:extLst>
+                <a:ext uri="{FF2B5EF4-FFF2-40B4-BE49-F238E27FC236}">
+                  <a16:creationId xmlns:a16="http://schemas.microsoft.com/office/drawing/2014/main" xmlns="" id="{0F2E3E05-4A48-4C06-BA49-75E2E366C715}"/>
+                </a:ext>
+              </a:extLst>
+            </p:cNvPr>
+            <p:cNvPicPr>
+              <a:picLocks noChangeAspect="1"/>
+            </p:cNvPicPr>
+            <p:nvPr/>
+          </p:nvPicPr>
+          <p:blipFill>
+            <a:blip r:embed="rId2"/>
+            <a:stretch>
+              <a:fillRect/>
+            </a:stretch>
+          </p:blipFill>
+          <p:spPr>
+            <a:xfrm>
+              <a:off x="4600575" y="2871787"/>
+              <a:ext cx="2990850" cy="1114425"/>
+            </a:xfrm>
+            <a:prstGeom prst="rect">
+              <a:avLst/>
+            </a:prstGeom>
+          </p:spPr>
+        </p:pic>
+        <p:sp>
+          <p:nvSpPr>
+            <p:cNvPr id="21" name="Freeform 22">
+              <a:extLst>
+                <a:ext uri="{FF2B5EF4-FFF2-40B4-BE49-F238E27FC236}">
+                  <a16:creationId xmlns:a16="http://schemas.microsoft.com/office/drawing/2014/main" xmlns="" id="{8413CF68-A7E3-43A0-B613-5438D5382AB1}"/>
+                </a:ext>
+              </a:extLst>
+            </p:cNvPr>
+            <p:cNvSpPr/>
+            <p:nvPr/>
+          </p:nvSpPr>
+          <p:spPr>
+            <a:xfrm>
+              <a:off x="4739363" y="2600315"/>
+              <a:ext cx="971569" cy="971569"/>
+            </a:xfrm>
+            <a:custGeom>
+              <a:avLst/>
+              <a:gdLst>
+                <a:gd name="connsiteX0" fmla="*/ 1080000 w 2160000"/>
+                <a:gd name="connsiteY0" fmla="*/ 0 h 2160000"/>
+                <a:gd name="connsiteX1" fmla="*/ 2154424 w 2160000"/>
+                <a:gd name="connsiteY1" fmla="*/ 969576 h 2160000"/>
+                <a:gd name="connsiteX2" fmla="*/ 2157027 w 2160000"/>
+                <a:gd name="connsiteY2" fmla="*/ 1021127 h 2160000"/>
+                <a:gd name="connsiteX3" fmla="*/ 2159999 w 2160000"/>
+                <a:gd name="connsiteY3" fmla="*/ 1021127 h 2160000"/>
+                <a:gd name="connsiteX4" fmla="*/ 2159999 w 2160000"/>
+                <a:gd name="connsiteY4" fmla="*/ 1079980 h 2160000"/>
+                <a:gd name="connsiteX5" fmla="*/ 2160000 w 2160000"/>
+                <a:gd name="connsiteY5" fmla="*/ 1080000 h 2160000"/>
+                <a:gd name="connsiteX6" fmla="*/ 2159999 w 2160000"/>
+                <a:gd name="connsiteY6" fmla="*/ 1080021 h 2160000"/>
+                <a:gd name="connsiteX7" fmla="*/ 2159999 w 2160000"/>
+                <a:gd name="connsiteY7" fmla="*/ 1716639 h 2160000"/>
+                <a:gd name="connsiteX8" fmla="*/ 2157838 w 2160000"/>
+                <a:gd name="connsiteY8" fmla="*/ 1716639 h 2160000"/>
+                <a:gd name="connsiteX9" fmla="*/ 2160000 w 2160000"/>
+                <a:gd name="connsiteY9" fmla="*/ 1738544 h 2160000"/>
+                <a:gd name="connsiteX10" fmla="*/ 1891921 w 2160000"/>
+                <a:gd name="connsiteY10" fmla="*/ 2012333 h 2160000"/>
+                <a:gd name="connsiteX11" fmla="*/ 1623842 w 2160000"/>
+                <a:gd name="connsiteY11" fmla="*/ 1738544 h 2160000"/>
+                <a:gd name="connsiteX12" fmla="*/ 1626005 w 2160000"/>
+                <a:gd name="connsiteY12" fmla="*/ 1716639 h 2160000"/>
+                <a:gd name="connsiteX13" fmla="*/ 1620298 w 2160000"/>
+                <a:gd name="connsiteY13" fmla="*/ 1716639 h 2160000"/>
+                <a:gd name="connsiteX14" fmla="*/ 1620298 w 2160000"/>
+                <a:gd name="connsiteY14" fmla="*/ 1090950 h 2160000"/>
+                <a:gd name="connsiteX15" fmla="*/ 1618898 w 2160000"/>
+                <a:gd name="connsiteY15" fmla="*/ 1090937 h 2160000"/>
+                <a:gd name="connsiteX16" fmla="*/ 1620000 w 2160000"/>
+                <a:gd name="connsiteY16" fmla="*/ 1080000 h 2160000"/>
+                <a:gd name="connsiteX17" fmla="*/ 1080000 w 2160000"/>
+                <a:gd name="connsiteY17" fmla="*/ 540000 h 2160000"/>
+                <a:gd name="connsiteX18" fmla="*/ 540000 w 2160000"/>
+                <a:gd name="connsiteY18" fmla="*/ 1080000 h 2160000"/>
+                <a:gd name="connsiteX19" fmla="*/ 1080000 w 2160000"/>
+                <a:gd name="connsiteY19" fmla="*/ 1620000 h 2160000"/>
+                <a:gd name="connsiteX20" fmla="*/ 1172144 w 2160000"/>
+                <a:gd name="connsiteY20" fmla="*/ 1610711 h 2160000"/>
+                <a:gd name="connsiteX21" fmla="*/ 1192722 w 2160000"/>
+                <a:gd name="connsiteY21" fmla="*/ 1599542 h 2160000"/>
+                <a:gd name="connsiteX22" fmla="*/ 1205334 w 2160000"/>
+                <a:gd name="connsiteY22" fmla="*/ 1595627 h 2160000"/>
+                <a:gd name="connsiteX23" fmla="*/ 1218649 w 2160000"/>
+                <a:gd name="connsiteY23" fmla="*/ 1594482 h 2160000"/>
+                <a:gd name="connsiteX24" fmla="*/ 1273176 w 2160000"/>
+                <a:gd name="connsiteY24" fmla="*/ 1581875 h 2160000"/>
+                <a:gd name="connsiteX25" fmla="*/ 1277433 w 2160000"/>
+                <a:gd name="connsiteY25" fmla="*/ 1580379 h 2160000"/>
+                <a:gd name="connsiteX26" fmla="*/ 1297818 w 2160000"/>
+                <a:gd name="connsiteY26" fmla="*/ 1578324 h 2160000"/>
+                <a:gd name="connsiteX27" fmla="*/ 1567818 w 2160000"/>
+                <a:gd name="connsiteY27" fmla="*/ 1848324 h 2160000"/>
+                <a:gd name="connsiteX28" fmla="*/ 1469563 w 2160000"/>
+                <a:gd name="connsiteY28" fmla="*/ 2056669 h 2160000"/>
+                <a:gd name="connsiteX29" fmla="*/ 1412948 w 2160000"/>
+                <a:gd name="connsiteY29" fmla="*/ 2091019 h 2160000"/>
+                <a:gd name="connsiteX30" fmla="*/ 1398272 w 2160000"/>
+                <a:gd name="connsiteY30" fmla="*/ 2101498 h 2160000"/>
+                <a:gd name="connsiteX31" fmla="*/ 1374464 w 2160000"/>
+                <a:gd name="connsiteY31" fmla="*/ 2110955 h 2160000"/>
+                <a:gd name="connsiteX32" fmla="*/ 1376211 w 2160000"/>
+                <a:gd name="connsiteY32" fmla="*/ 2117860 h 2160000"/>
+                <a:gd name="connsiteX33" fmla="*/ 1321962 w 2160000"/>
+                <a:gd name="connsiteY33" fmla="*/ 2131809 h 2160000"/>
+                <a:gd name="connsiteX34" fmla="*/ 1306247 w 2160000"/>
+                <a:gd name="connsiteY34" fmla="*/ 2138051 h 2160000"/>
+                <a:gd name="connsiteX35" fmla="*/ 1267530 w 2160000"/>
+                <a:gd name="connsiteY35" fmla="*/ 2142656 h 2160000"/>
+                <a:gd name="connsiteX36" fmla="*/ 1190424 w 2160000"/>
+                <a:gd name="connsiteY36" fmla="*/ 2154424 h 2160000"/>
+                <a:gd name="connsiteX37" fmla="*/ 1080000 w 2160000"/>
+                <a:gd name="connsiteY37" fmla="*/ 2160000 h 2160000"/>
+                <a:gd name="connsiteX38" fmla="*/ 0 w 2160000"/>
+                <a:gd name="connsiteY38" fmla="*/ 1080000 h 2160000"/>
+                <a:gd name="connsiteX39" fmla="*/ 1080000 w 2160000"/>
+                <a:gd name="connsiteY39" fmla="*/ 0 h 2160000"/>
+              </a:gdLst>
+              <a:ahLst/>
+              <a:cxnLst>
+                <a:cxn ang="0">
+                  <a:pos x="connsiteX0" y="connsiteY0"/>
+                </a:cxn>
+                <a:cxn ang="0">
+                  <a:pos x="connsiteX1" y="connsiteY1"/>
+                </a:cxn>
+                <a:cxn ang="0">
+                  <a:pos x="connsiteX2" y="connsiteY2"/>
+                </a:cxn>
+                <a:cxn ang="0">
+                  <a:pos x="connsiteX3" y="connsiteY3"/>
+                </a:cxn>
+                <a:cxn ang="0">
+                  <a:pos x="connsiteX4" y="connsiteY4"/>
+                </a:cxn>
+                <a:cxn ang="0">
+                  <a:pos x="connsiteX5" y="connsiteY5"/>
+                </a:cxn>
+                <a:cxn ang="0">
+                  <a:pos x="connsiteX6" y="connsiteY6"/>
+                </a:cxn>
+                <a:cxn ang="0">
+                  <a:pos x="connsiteX7" y="connsiteY7"/>
+                </a:cxn>
+                <a:cxn ang="0">
+                  <a:pos x="connsiteX8" y="connsiteY8"/>
+                </a:cxn>
+                <a:cxn ang="0">
+                  <a:pos x="connsiteX9" y="connsiteY9"/>
+                </a:cxn>
+                <a:cxn ang="0">
+                  <a:pos x="connsiteX10" y="connsiteY10"/>
+                </a:cxn>
+                <a:cxn ang="0">
+                  <a:pos x="connsiteX11" y="connsiteY11"/>
+                </a:cxn>
+                <a:cxn ang="0">
+                  <a:pos x="connsiteX12" y="connsiteY12"/>
+                </a:cxn>
+                <a:cxn ang="0">
+                  <a:pos x="connsiteX13" y="connsiteY13"/>
+                </a:cxn>
+                <a:cxn ang="0">
+                  <a:pos x="connsiteX14" y="connsiteY14"/>
+                </a:cxn>
+                <a:cxn ang="0">
+                  <a:pos x="connsiteX15" y="connsiteY15"/>
+                </a:cxn>
+                <a:cxn ang="0">
+                  <a:pos x="connsiteX16" y="connsiteY16"/>
+                </a:cxn>
+                <a:cxn ang="0">
+                  <a:pos x="connsiteX17" y="connsiteY17"/>
+                </a:cxn>
+                <a:cxn ang="0">
+                  <a:pos x="connsiteX18" y="connsiteY18"/>
+                </a:cxn>
+                <a:cxn ang="0">
+                  <a:pos x="connsiteX19" y="connsiteY19"/>
+                </a:cxn>
+                <a:cxn ang="0">
+                  <a:pos x="connsiteX20" y="connsiteY20"/>
+                </a:cxn>
+                <a:cxn ang="0">
+                  <a:pos x="connsiteX21" y="connsiteY21"/>
+                </a:cxn>
+                <a:cxn ang="0">
+                  <a:pos x="connsiteX22" y="connsiteY22"/>
+                </a:cxn>
+                <a:cxn ang="0">
+                  <a:pos x="connsiteX23" y="connsiteY23"/>
+                </a:cxn>
+                <a:cxn ang="0">
+                  <a:pos x="connsiteX24" y="connsiteY24"/>
+                </a:cxn>
+                <a:cxn ang="0">
+                  <a:pos x="connsiteX25" y="connsiteY25"/>
+                </a:cxn>
+                <a:cxn ang="0">
+                  <a:pos x="connsiteX26" y="connsiteY26"/>
+                </a:cxn>
+                <a:cxn ang="0">
+                  <a:pos x="connsiteX27" y="connsiteY27"/>
+                </a:cxn>
+                <a:cxn ang="0">
+                  <a:pos x="connsiteX28" y="connsiteY28"/>
+                </a:cxn>
+                <a:cxn ang="0">
+                  <a:pos x="connsiteX29" y="connsiteY29"/>
+                </a:cxn>
+                <a:cxn ang="0">
+                  <a:pos x="connsiteX30" y="connsiteY30"/>
+                </a:cxn>
+                <a:cxn ang="0">
+                  <a:pos x="connsiteX31" y="connsiteY31"/>
+                </a:cxn>
+                <a:cxn ang="0">
+                  <a:pos x="connsiteX32" y="connsiteY32"/>
+                </a:cxn>
+                <a:cxn ang="0">
+                  <a:pos x="connsiteX33" y="connsiteY33"/>
+                </a:cxn>
+                <a:cxn ang="0">
+                  <a:pos x="connsiteX34" y="connsiteY34"/>
+                </a:cxn>
+                <a:cxn ang="0">
+                  <a:pos x="connsiteX35" y="connsiteY35"/>
+                </a:cxn>
+                <a:cxn ang="0">
+                  <a:pos x="connsiteX36" y="connsiteY36"/>
+                </a:cxn>
+                <a:cxn ang="0">
+                  <a:pos x="connsiteX37" y="connsiteY37"/>
+                </a:cxn>
+                <a:cxn ang="0">
+                  <a:pos x="connsiteX38" y="connsiteY38"/>
+                </a:cxn>
+                <a:cxn ang="0">
+                  <a:pos x="connsiteX39" y="connsiteY39"/>
+                </a:cxn>
+              </a:cxnLst>
+              <a:rect l="l" t="t" r="r" b="b"/>
+              <a:pathLst>
+                <a:path w="2160000" h="2160000">
+                  <a:moveTo>
+                    <a:pt x="1080000" y="0"/>
+                  </a:moveTo>
+                  <a:cubicBezTo>
+                    <a:pt x="1639189" y="0"/>
+                    <a:pt x="2099117" y="424979"/>
+                    <a:pt x="2154424" y="969576"/>
+                  </a:cubicBezTo>
+                  <a:lnTo>
+                    <a:pt x="2157027" y="1021127"/>
+                  </a:lnTo>
+                  <a:lnTo>
+                    <a:pt x="2159999" y="1021127"/>
+                  </a:lnTo>
+                  <a:lnTo>
+                    <a:pt x="2159999" y="1079980"/>
+                  </a:lnTo>
+                  <a:lnTo>
+                    <a:pt x="2160000" y="1080000"/>
+                  </a:lnTo>
+                  <a:lnTo>
+                    <a:pt x="2159999" y="1080021"/>
+                  </a:lnTo>
+                  <a:lnTo>
+                    <a:pt x="2159999" y="1716639"/>
+                  </a:lnTo>
+                  <a:lnTo>
+                    <a:pt x="2157838" y="1716639"/>
+                  </a:lnTo>
+                  <a:lnTo>
+                    <a:pt x="2160000" y="1738544"/>
+                  </a:lnTo>
+                  <a:cubicBezTo>
+                    <a:pt x="2160000" y="1889753"/>
+                    <a:pt x="2039977" y="2012333"/>
+                    <a:pt x="1891921" y="2012333"/>
+                  </a:cubicBezTo>
+                  <a:cubicBezTo>
+                    <a:pt x="1743865" y="2012333"/>
+                    <a:pt x="1623842" y="1889753"/>
+                    <a:pt x="1623842" y="1738544"/>
+                  </a:cubicBezTo>
+                  <a:lnTo>
+                    <a:pt x="1626005" y="1716639"/>
+                  </a:lnTo>
+                  <a:lnTo>
+                    <a:pt x="1620298" y="1716639"/>
+                  </a:lnTo>
+                  <a:lnTo>
+                    <a:pt x="1620298" y="1090950"/>
+                  </a:lnTo>
+                  <a:lnTo>
+                    <a:pt x="1618898" y="1090937"/>
+                  </a:lnTo>
+                  <a:lnTo>
+                    <a:pt x="1620000" y="1080000"/>
+                  </a:lnTo>
+                  <a:cubicBezTo>
+                    <a:pt x="1620000" y="781766"/>
+                    <a:pt x="1378234" y="540000"/>
+                    <a:pt x="1080000" y="540000"/>
+                  </a:cubicBezTo>
+                  <a:cubicBezTo>
+                    <a:pt x="781766" y="540000"/>
+                    <a:pt x="540000" y="781766"/>
+                    <a:pt x="540000" y="1080000"/>
+                  </a:cubicBezTo>
+                  <a:cubicBezTo>
+                    <a:pt x="540000" y="1378234"/>
+                    <a:pt x="781766" y="1620000"/>
+                    <a:pt x="1080000" y="1620000"/>
+                  </a:cubicBezTo>
+                  <a:lnTo>
+                    <a:pt x="1172144" y="1610711"/>
+                  </a:lnTo>
+                  <a:lnTo>
+                    <a:pt x="1192722" y="1599542"/>
+                  </a:lnTo>
+                  <a:lnTo>
+                    <a:pt x="1205334" y="1595627"/>
+                  </a:lnTo>
+                  <a:lnTo>
+                    <a:pt x="1218649" y="1594482"/>
+                  </a:lnTo>
+                  <a:cubicBezTo>
+                    <a:pt x="1237851" y="1591023"/>
+                    <a:pt x="1256099" y="1586790"/>
+                    <a:pt x="1273176" y="1581875"/>
+                  </a:cubicBezTo>
+                  <a:lnTo>
+                    <a:pt x="1277433" y="1580379"/>
+                  </a:lnTo>
+                  <a:lnTo>
+                    <a:pt x="1297818" y="1578324"/>
+                  </a:lnTo>
+                  <a:cubicBezTo>
+                    <a:pt x="1446935" y="1578324"/>
+                    <a:pt x="1567818" y="1699207"/>
+                    <a:pt x="1567818" y="1848324"/>
+                  </a:cubicBezTo>
+                  <a:cubicBezTo>
+                    <a:pt x="1567818" y="1932202"/>
+                    <a:pt x="1529570" y="2007147"/>
+                    <a:pt x="1469563" y="2056669"/>
+                  </a:cubicBezTo>
+                  <a:lnTo>
+                    <a:pt x="1412948" y="2091019"/>
+                  </a:lnTo>
+                  <a:lnTo>
+                    <a:pt x="1398272" y="2101498"/>
+                  </a:lnTo>
+                  <a:lnTo>
+                    <a:pt x="1374464" y="2110955"/>
+                  </a:lnTo>
+                  <a:lnTo>
+                    <a:pt x="1376211" y="2117860"/>
+                  </a:lnTo>
+                  <a:lnTo>
+                    <a:pt x="1321962" y="2131809"/>
+                  </a:lnTo>
+                  <a:lnTo>
+                    <a:pt x="1306247" y="2138051"/>
+                  </a:lnTo>
+                  <a:lnTo>
+                    <a:pt x="1267530" y="2142656"/>
+                  </a:lnTo>
+                  <a:lnTo>
+                    <a:pt x="1190424" y="2154424"/>
+                  </a:lnTo>
+                  <a:cubicBezTo>
+                    <a:pt x="1154118" y="2158111"/>
+                    <a:pt x="1117280" y="2160000"/>
+                    <a:pt x="1080000" y="2160000"/>
+                  </a:cubicBezTo>
+                  <a:cubicBezTo>
+                    <a:pt x="483532" y="2160000"/>
+                    <a:pt x="0" y="1676468"/>
+                    <a:pt x="0" y="1080000"/>
+                  </a:cubicBezTo>
+                  <a:cubicBezTo>
+                    <a:pt x="0" y="483532"/>
+                    <a:pt x="483532" y="0"/>
+                    <a:pt x="1080000" y="0"/>
+                  </a:cubicBezTo>
+                  <a:close/>
+                </a:path>
+              </a:pathLst>
+            </a:custGeom>
+            <a:solidFill>
+              <a:srgbClr val="FF8C52"/>
+            </a:solidFill>
+            <a:ln>
+              <a:solidFill>
+                <a:srgbClr val="FF8C52"/>
+              </a:solidFill>
+            </a:ln>
+          </p:spPr>
+          <p:style>
+            <a:lnRef idx="2">
+              <a:schemeClr val="accent1">
+                <a:shade val="50000"/>
+              </a:schemeClr>
+            </a:lnRef>
+            <a:fillRef idx="1">
+              <a:schemeClr val="accent1"/>
+            </a:fillRef>
+            <a:effectRef idx="0">
+              <a:schemeClr val="accent1"/>
+            </a:effectRef>
+            <a:fontRef idx="minor">
+              <a:schemeClr val="lt1"/>
+            </a:fontRef>
+          </p:style>
+          <p:txBody>
+            <a:bodyPr rtlCol="0" anchor="ctr"/>
+            <a:lstStyle/>
+            <a:p>
+              <a:pPr algn="ctr"/>
+              <a:endParaRPr lang="en-AU" dirty="0">
+                <a:latin typeface="Oxygen" panose="02000503000000000000" pitchFamily="2" charset="0"/>
+              </a:endParaRPr>
+            </a:p>
+          </p:txBody>
+        </p:sp>
+      </p:grpSp>
+      <p:sp>
+        <p:nvSpPr>
+          <p:cNvPr id="22" name="TextBox 21">
+            <a:extLst>
+              <a:ext uri="{FF2B5EF4-FFF2-40B4-BE49-F238E27FC236}">
+                <a16:creationId xmlns:a16="http://schemas.microsoft.com/office/drawing/2014/main" xmlns="" id="{97653B96-F2E2-406B-A513-F42319FDB50F}"/>
+              </a:ext>
+            </a:extLst>
+          </p:cNvPr>
+          <p:cNvSpPr txBox="1"/>
+          <p:nvPr/>
+        </p:nvSpPr>
+        <p:spPr>
+          <a:xfrm>
+            <a:off x="4698840" y="156881"/>
+            <a:ext cx="4618572" cy="369332"/>
+          </a:xfrm>
+          <a:prstGeom prst="rect">
+            <a:avLst/>
+          </a:prstGeom>
+          <a:noFill/>
+        </p:spPr>
+        <p:txBody>
+          <a:bodyPr wrap="none" rtlCol="0">
+            <a:spAutoFit/>
+          </a:bodyPr>
+          <a:lstStyle/>
+          <a:p>
+            <a:r>
+              <a:rPr lang="en-US" b="1" cap="small" dirty="0" smtClean="0">
+                <a:solidFill>
+                  <a:schemeClr val="bg2">
+                    <a:lumMod val="75000"/>
+                  </a:schemeClr>
+                </a:solidFill>
+                <a:latin typeface="Oxygen" panose="02000503000000000000" pitchFamily="2" charset="0"/>
+                <a:cs typeface="Arial" panose="020B0604020202020204" pitchFamily="34" charset="0"/>
+              </a:rPr>
+              <a:t>Python Programming: </a:t>
+            </a:r>
+            <a:r>
+              <a:rPr lang="en-US" b="1" cap="small" dirty="0" smtClean="0">
+                <a:solidFill>
+                  <a:schemeClr val="bg2">
+                    <a:lumMod val="75000"/>
+                  </a:schemeClr>
+                </a:solidFill>
+                <a:latin typeface="Oxygen" panose="02000503000000000000" pitchFamily="2" charset="0"/>
+                <a:cs typeface="Arial" panose="020B0604020202020204" pitchFamily="34" charset="0"/>
+              </a:rPr>
+              <a:t>Lists, Sets &amp; Tuples</a:t>
+            </a:r>
+            <a:endParaRPr lang="en-AU" b="1" cap="small" dirty="0">
+              <a:solidFill>
+                <a:schemeClr val="bg2">
+                  <a:lumMod val="75000"/>
+                </a:schemeClr>
+              </a:solidFill>
+              <a:latin typeface="Oxygen" panose="02000503000000000000" pitchFamily="2" charset="0"/>
+              <a:cs typeface="Arial" panose="020B0604020202020204" pitchFamily="34" charset="0"/>
+            </a:endParaRPr>
+          </a:p>
+        </p:txBody>
+      </p:sp>
+      <p:sp>
+        <p:nvSpPr>
+          <p:cNvPr id="33" name="Rectangle 32">
+            <a:extLst>
+              <a:ext uri="{FF2B5EF4-FFF2-40B4-BE49-F238E27FC236}">
+                <a16:creationId xmlns:a16="http://schemas.microsoft.com/office/drawing/2014/main" xmlns="" id="{E02B0EB1-C543-469A-90DE-9FA0F478E35F}"/>
+              </a:ext>
+            </a:extLst>
+          </p:cNvPr>
+          <p:cNvSpPr/>
+          <p:nvPr/>
+        </p:nvSpPr>
+        <p:spPr>
+          <a:xfrm>
+            <a:off x="0" y="6543676"/>
+            <a:ext cx="12192000" cy="314325"/>
+          </a:xfrm>
+          <a:prstGeom prst="rect">
+            <a:avLst/>
+          </a:prstGeom>
+          <a:solidFill>
+            <a:schemeClr val="bg1">
+              <a:lumMod val="95000"/>
+            </a:schemeClr>
+          </a:solidFill>
+          <a:ln>
+            <a:noFill/>
+          </a:ln>
+        </p:spPr>
+        <p:style>
+          <a:lnRef idx="2">
+            <a:schemeClr val="accent1">
+              <a:shade val="50000"/>
+            </a:schemeClr>
+          </a:lnRef>
+          <a:fillRef idx="1">
+            <a:schemeClr val="accent1"/>
+          </a:fillRef>
+          <a:effectRef idx="0">
+            <a:schemeClr val="accent1"/>
+          </a:effectRef>
+          <a:fontRef idx="minor">
+            <a:schemeClr val="lt1"/>
+          </a:fontRef>
+        </p:style>
+        <p:txBody>
+          <a:bodyPr rtlCol="0" anchor="ctr"/>
+          <a:lstStyle/>
+          <a:p>
+            <a:r>
+              <a:rPr lang="en-US" sz="800" dirty="0">
+                <a:solidFill>
+                  <a:schemeClr val="bg1">
+                    <a:lumMod val="50000"/>
+                  </a:schemeClr>
+                </a:solidFill>
+                <a:latin typeface="Oxygen" panose="02000503000000000000" pitchFamily="2" charset="0"/>
+              </a:rPr>
+              <a:t>                                                                                                                            </a:t>
+            </a:r>
+            <a:r>
+              <a:rPr lang="en-US" sz="800" b="1" dirty="0">
+                <a:solidFill>
+                  <a:schemeClr val="bg1">
+                    <a:lumMod val="50000"/>
+                  </a:schemeClr>
+                </a:solidFill>
+                <a:latin typeface="Oxygen" panose="02000503000000000000" pitchFamily="2" charset="0"/>
+              </a:rPr>
+              <a:t> </a:t>
+            </a:r>
+            <a:r>
+              <a:rPr lang="en-US" sz="800" b="1" dirty="0">
+                <a:solidFill>
+                  <a:srgbClr val="FF8C52"/>
+                </a:solidFill>
+                <a:latin typeface="Oxygen" panose="02000503000000000000" pitchFamily="2" charset="0"/>
+              </a:rPr>
+              <a:t>CONCEPTION      &gt;&gt;      PRACTICE        &gt;&gt;        CONFIDENCE      &gt;&gt;       HIGHEST GRADES</a:t>
+            </a:r>
+            <a:r>
+              <a:rPr lang="en-US" sz="800" dirty="0">
+                <a:solidFill>
+                  <a:srgbClr val="FF8C52"/>
+                </a:solidFill>
+                <a:latin typeface="Oxygen" panose="02000503000000000000" pitchFamily="2" charset="0"/>
+              </a:rPr>
+              <a:t>                                                                             </a:t>
+            </a:r>
+            <a:r>
+              <a:rPr lang="en-US" sz="700" dirty="0">
+                <a:solidFill>
+                  <a:schemeClr val="bg1">
+                    <a:lumMod val="50000"/>
+                  </a:schemeClr>
+                </a:solidFill>
+                <a:latin typeface="Oxygen" panose="02000503000000000000" pitchFamily="2" charset="0"/>
+              </a:rPr>
+              <a:t>© </a:t>
+            </a:r>
+            <a:r>
+              <a:rPr lang="pt-BR" sz="700" dirty="0">
+                <a:solidFill>
+                  <a:schemeClr val="bg1">
+                    <a:lumMod val="50000"/>
+                  </a:schemeClr>
+                </a:solidFill>
+                <a:latin typeface="Oxygen" panose="02000503000000000000" pitchFamily="2" charset="0"/>
+              </a:rPr>
+              <a:t>PROTECTED ANODIAM 2023     ||     PRIVATE &amp; CONFIDENTIAL</a:t>
+            </a:r>
+            <a:endParaRPr lang="en-AU" sz="700" dirty="0">
+              <a:solidFill>
+                <a:schemeClr val="bg1">
+                  <a:lumMod val="50000"/>
+                </a:schemeClr>
+              </a:solidFill>
+              <a:latin typeface="Oxygen" panose="02000503000000000000" pitchFamily="2" charset="0"/>
+            </a:endParaRPr>
+          </a:p>
+        </p:txBody>
+      </p:sp>
+      <p:sp>
+        <p:nvSpPr>
+          <p:cNvPr id="2" name="TextBox 1"/>
+          <p:cNvSpPr txBox="1"/>
+          <p:nvPr/>
+        </p:nvSpPr>
+        <p:spPr>
+          <a:xfrm>
+            <a:off x="3799067" y="975242"/>
+            <a:ext cx="2989922" cy="3062377"/>
+          </a:xfrm>
+          <a:prstGeom prst="rect">
+            <a:avLst/>
+          </a:prstGeom>
+          <a:noFill/>
+        </p:spPr>
+        <p:txBody>
+          <a:bodyPr wrap="square" rtlCol="0">
+            <a:spAutoFit/>
+          </a:bodyPr>
+          <a:lstStyle/>
+          <a:p>
+            <a:pPr>
+              <a:lnSpc>
+                <a:spcPct val="150000"/>
+              </a:lnSpc>
+            </a:pPr>
+            <a:r>
+              <a:rPr lang="en-US" sz="1200" b="1" dirty="0">
+                <a:solidFill>
+                  <a:schemeClr val="bg2">
+                    <a:lumMod val="50000"/>
+                  </a:schemeClr>
+                </a:solidFill>
+                <a:latin typeface="Oxygen" panose="02000503000000000000" pitchFamily="2" charset="0"/>
+              </a:rPr>
+              <a:t>Lists:</a:t>
+            </a:r>
+          </a:p>
+          <a:p>
+            <a:pPr marL="171450" indent="-171450">
+              <a:lnSpc>
+                <a:spcPct val="150000"/>
+              </a:lnSpc>
+              <a:buFont typeface="Wingdings" panose="05000000000000000000" pitchFamily="2" charset="2"/>
+              <a:buChar char="v"/>
+            </a:pPr>
+            <a:r>
+              <a:rPr lang="en-AU" sz="1100" dirty="0">
+                <a:solidFill>
+                  <a:schemeClr val="bg2">
+                    <a:lumMod val="50000"/>
+                  </a:schemeClr>
+                </a:solidFill>
+                <a:latin typeface="Oxygen" panose="02000503000000000000" pitchFamily="2" charset="0"/>
+              </a:rPr>
+              <a:t>Mutable</a:t>
+            </a:r>
+            <a:endParaRPr lang="en-AU" sz="1100" dirty="0">
+              <a:solidFill>
+                <a:schemeClr val="bg2">
+                  <a:lumMod val="50000"/>
+                </a:schemeClr>
+              </a:solidFill>
+              <a:latin typeface="Oxygen" panose="02000503000000000000" pitchFamily="2" charset="0"/>
+            </a:endParaRPr>
+          </a:p>
+          <a:p>
+            <a:pPr marL="171450" indent="-171450">
+              <a:lnSpc>
+                <a:spcPct val="150000"/>
+              </a:lnSpc>
+              <a:buFont typeface="Wingdings" panose="05000000000000000000" pitchFamily="2" charset="2"/>
+              <a:buChar char="v"/>
+            </a:pPr>
+            <a:r>
+              <a:rPr lang="en-US" sz="1100" dirty="0">
+                <a:solidFill>
+                  <a:schemeClr val="bg2">
+                    <a:lumMod val="50000"/>
+                  </a:schemeClr>
+                </a:solidFill>
+                <a:latin typeface="Oxygen" panose="02000503000000000000" pitchFamily="2" charset="0"/>
+              </a:rPr>
+              <a:t>E.g</a:t>
+            </a:r>
+            <a:r>
+              <a:rPr lang="en-US" sz="1100" dirty="0">
+                <a:solidFill>
+                  <a:schemeClr val="bg2">
+                    <a:lumMod val="50000"/>
+                  </a:schemeClr>
+                </a:solidFill>
+                <a:latin typeface="Oxygen" panose="02000503000000000000" pitchFamily="2" charset="0"/>
+              </a:rPr>
+              <a:t>.: </a:t>
+            </a:r>
+            <a:r>
+              <a:rPr lang="en-US" sz="1100" dirty="0" err="1">
+                <a:solidFill>
+                  <a:schemeClr val="bg2">
+                    <a:lumMod val="50000"/>
+                  </a:schemeClr>
+                </a:solidFill>
+                <a:latin typeface="Oxygen" panose="02000503000000000000" pitchFamily="2" charset="0"/>
+              </a:rPr>
+              <a:t>myList</a:t>
+            </a:r>
+            <a:r>
+              <a:rPr lang="en-US" sz="1100" dirty="0">
+                <a:solidFill>
+                  <a:schemeClr val="bg2">
+                    <a:lumMod val="50000"/>
+                  </a:schemeClr>
+                </a:solidFill>
+                <a:latin typeface="Oxygen" panose="02000503000000000000" pitchFamily="2" charset="0"/>
+              </a:rPr>
+              <a:t> </a:t>
+            </a:r>
+            <a:r>
+              <a:rPr lang="en-US" sz="1100" dirty="0">
+                <a:solidFill>
+                  <a:schemeClr val="bg2">
+                    <a:lumMod val="50000"/>
+                  </a:schemeClr>
+                </a:solidFill>
+                <a:latin typeface="Oxygen" panose="02000503000000000000" pitchFamily="2" charset="0"/>
+              </a:rPr>
+              <a:t>= </a:t>
+            </a:r>
+            <a:r>
+              <a:rPr lang="en-US" sz="1100" dirty="0">
+                <a:solidFill>
+                  <a:schemeClr val="bg2">
+                    <a:lumMod val="50000"/>
+                  </a:schemeClr>
+                </a:solidFill>
+                <a:latin typeface="Oxygen" panose="02000503000000000000" pitchFamily="2" charset="0"/>
+              </a:rPr>
+              <a:t>[23</a:t>
+            </a:r>
+            <a:r>
+              <a:rPr lang="en-US" sz="1100" dirty="0">
+                <a:solidFill>
+                  <a:schemeClr val="bg2">
+                    <a:lumMod val="50000"/>
+                  </a:schemeClr>
+                </a:solidFill>
+                <a:latin typeface="Oxygen" panose="02000503000000000000" pitchFamily="2" charset="0"/>
+              </a:rPr>
+              <a:t>, 91, 9, </a:t>
+            </a:r>
+            <a:r>
+              <a:rPr lang="en-US" sz="1100" dirty="0" smtClean="0">
+                <a:solidFill>
+                  <a:schemeClr val="bg2">
+                    <a:lumMod val="50000"/>
+                  </a:schemeClr>
+                </a:solidFill>
+                <a:latin typeface="Oxygen" panose="02000503000000000000" pitchFamily="2" charset="0"/>
+              </a:rPr>
+              <a:t>507]</a:t>
+            </a:r>
+            <a:endParaRPr lang="en-AU" sz="1100" dirty="0">
+              <a:solidFill>
+                <a:schemeClr val="bg2">
+                  <a:lumMod val="50000"/>
+                </a:schemeClr>
+              </a:solidFill>
+              <a:latin typeface="Oxygen" panose="02000503000000000000" pitchFamily="2" charset="0"/>
+            </a:endParaRPr>
+          </a:p>
+          <a:p>
+            <a:pPr marL="171450" indent="-171450">
+              <a:lnSpc>
+                <a:spcPct val="150000"/>
+              </a:lnSpc>
+              <a:buFont typeface="Wingdings" panose="05000000000000000000" pitchFamily="2" charset="2"/>
+              <a:buChar char="v"/>
+            </a:pPr>
+            <a:r>
+              <a:rPr lang="en-US" sz="1100" dirty="0" smtClean="0">
+                <a:solidFill>
+                  <a:schemeClr val="bg2">
+                    <a:lumMod val="50000"/>
+                  </a:schemeClr>
+                </a:solidFill>
+                <a:latin typeface="Oxygen" panose="02000503000000000000" pitchFamily="2" charset="0"/>
+              </a:rPr>
+              <a:t>Functions used in </a:t>
+            </a:r>
+            <a:r>
+              <a:rPr lang="en-US" sz="1100" dirty="0">
+                <a:solidFill>
+                  <a:schemeClr val="bg2">
+                    <a:lumMod val="50000"/>
+                  </a:schemeClr>
+                </a:solidFill>
+                <a:latin typeface="Oxygen" panose="02000503000000000000" pitchFamily="2" charset="0"/>
+              </a:rPr>
+              <a:t>List:</a:t>
+            </a:r>
+          </a:p>
+          <a:p>
+            <a:pPr marL="628650" lvl="1" indent="-171450">
+              <a:buFont typeface="Wingdings" panose="05000000000000000000" pitchFamily="2" charset="2"/>
+              <a:buChar char="§"/>
+            </a:pPr>
+            <a:r>
+              <a:rPr lang="en-AU" sz="1100" dirty="0" smtClean="0">
+                <a:solidFill>
+                  <a:schemeClr val="bg2">
+                    <a:lumMod val="50000"/>
+                  </a:schemeClr>
+                </a:solidFill>
+                <a:latin typeface="Oxygen" panose="02000503000000000000" pitchFamily="2" charset="0"/>
+              </a:rPr>
+              <a:t>append()</a:t>
+            </a:r>
+            <a:endParaRPr lang="en-AU" sz="1100" dirty="0">
+              <a:solidFill>
+                <a:schemeClr val="bg2">
+                  <a:lumMod val="50000"/>
+                </a:schemeClr>
+              </a:solidFill>
+              <a:latin typeface="Oxygen" panose="02000503000000000000" pitchFamily="2" charset="0"/>
+            </a:endParaRPr>
+          </a:p>
+          <a:p>
+            <a:pPr marL="628650" lvl="1" indent="-171450">
+              <a:buFont typeface="Wingdings" panose="05000000000000000000" pitchFamily="2" charset="2"/>
+              <a:buChar char="§"/>
+            </a:pPr>
+            <a:r>
+              <a:rPr lang="en-AU" sz="1100" dirty="0" smtClean="0">
+                <a:solidFill>
+                  <a:schemeClr val="bg2">
+                    <a:lumMod val="50000"/>
+                  </a:schemeClr>
+                </a:solidFill>
+                <a:latin typeface="Oxygen" panose="02000503000000000000" pitchFamily="2" charset="0"/>
+              </a:rPr>
+              <a:t>insert()</a:t>
+            </a:r>
+            <a:endParaRPr lang="en-AU" sz="1100" dirty="0">
+              <a:solidFill>
+                <a:schemeClr val="bg2">
+                  <a:lumMod val="50000"/>
+                </a:schemeClr>
+              </a:solidFill>
+              <a:latin typeface="Oxygen" panose="02000503000000000000" pitchFamily="2" charset="0"/>
+            </a:endParaRPr>
+          </a:p>
+          <a:p>
+            <a:pPr marL="628650" lvl="1" indent="-171450">
+              <a:buFont typeface="Wingdings" panose="05000000000000000000" pitchFamily="2" charset="2"/>
+              <a:buChar char="§"/>
+            </a:pPr>
+            <a:r>
+              <a:rPr lang="en-AU" sz="1100" dirty="0" smtClean="0">
+                <a:solidFill>
+                  <a:schemeClr val="bg2">
+                    <a:lumMod val="50000"/>
+                  </a:schemeClr>
+                </a:solidFill>
+                <a:latin typeface="Oxygen" panose="02000503000000000000" pitchFamily="2" charset="0"/>
+              </a:rPr>
+              <a:t>remove()</a:t>
+            </a:r>
+            <a:endParaRPr lang="en-AU" sz="1100" dirty="0">
+              <a:solidFill>
+                <a:schemeClr val="bg2">
+                  <a:lumMod val="50000"/>
+                </a:schemeClr>
+              </a:solidFill>
+              <a:latin typeface="Oxygen" panose="02000503000000000000" pitchFamily="2" charset="0"/>
+            </a:endParaRPr>
+          </a:p>
+          <a:p>
+            <a:pPr marL="628650" lvl="1" indent="-171450">
+              <a:buFont typeface="Wingdings" panose="05000000000000000000" pitchFamily="2" charset="2"/>
+              <a:buChar char="§"/>
+            </a:pPr>
+            <a:r>
+              <a:rPr lang="en-AU" sz="1100" dirty="0" smtClean="0">
+                <a:solidFill>
+                  <a:schemeClr val="bg2">
+                    <a:lumMod val="50000"/>
+                  </a:schemeClr>
+                </a:solidFill>
+                <a:latin typeface="Oxygen" panose="02000503000000000000" pitchFamily="2" charset="0"/>
+              </a:rPr>
+              <a:t>pop()</a:t>
+            </a:r>
+          </a:p>
+          <a:p>
+            <a:pPr marL="628650" lvl="1" indent="-171450">
+              <a:buFont typeface="Wingdings" panose="05000000000000000000" pitchFamily="2" charset="2"/>
+              <a:buChar char="§"/>
+            </a:pPr>
+            <a:r>
+              <a:rPr lang="en-AU" sz="1100" dirty="0" smtClean="0">
+                <a:solidFill>
+                  <a:schemeClr val="bg2">
+                    <a:lumMod val="50000"/>
+                  </a:schemeClr>
+                </a:solidFill>
+                <a:latin typeface="Oxygen" panose="02000503000000000000" pitchFamily="2" charset="0"/>
+              </a:rPr>
+              <a:t>clear()</a:t>
+            </a:r>
+          </a:p>
+          <a:p>
+            <a:pPr marL="628650" lvl="1" indent="-171450">
+              <a:buFont typeface="Wingdings" panose="05000000000000000000" pitchFamily="2" charset="2"/>
+              <a:buChar char="§"/>
+            </a:pPr>
+            <a:r>
+              <a:rPr lang="en-US" sz="1100" dirty="0" smtClean="0">
+                <a:solidFill>
+                  <a:schemeClr val="bg2">
+                    <a:lumMod val="50000"/>
+                  </a:schemeClr>
+                </a:solidFill>
+                <a:latin typeface="Oxygen" panose="02000503000000000000" pitchFamily="2" charset="0"/>
+              </a:rPr>
+              <a:t>extend</a:t>
+            </a:r>
+            <a:r>
+              <a:rPr lang="en-US" sz="1100" dirty="0">
+                <a:solidFill>
+                  <a:schemeClr val="bg2">
+                    <a:lumMod val="50000"/>
+                  </a:schemeClr>
+                </a:solidFill>
+                <a:latin typeface="Oxygen" panose="02000503000000000000" pitchFamily="2" charset="0"/>
+              </a:rPr>
+              <a:t>()</a:t>
+            </a:r>
+          </a:p>
+          <a:p>
+            <a:pPr marL="628650" lvl="1" indent="-171450">
+              <a:buFont typeface="Wingdings" panose="05000000000000000000" pitchFamily="2" charset="2"/>
+              <a:buChar char="§"/>
+            </a:pPr>
+            <a:r>
+              <a:rPr lang="en-US" sz="1100" dirty="0">
+                <a:solidFill>
+                  <a:schemeClr val="bg2">
+                    <a:lumMod val="50000"/>
+                  </a:schemeClr>
+                </a:solidFill>
+                <a:latin typeface="Oxygen" panose="02000503000000000000" pitchFamily="2" charset="0"/>
+              </a:rPr>
+              <a:t>max(list)</a:t>
+            </a:r>
+            <a:endParaRPr lang="en-US" sz="1100" dirty="0">
+              <a:solidFill>
+                <a:schemeClr val="bg2">
+                  <a:lumMod val="50000"/>
+                </a:schemeClr>
+              </a:solidFill>
+              <a:latin typeface="Oxygen" panose="02000503000000000000" pitchFamily="2" charset="0"/>
+            </a:endParaRPr>
+          </a:p>
+          <a:p>
+            <a:pPr marL="628650" lvl="1" indent="-171450">
+              <a:buFont typeface="Wingdings" panose="05000000000000000000" pitchFamily="2" charset="2"/>
+              <a:buChar char="§"/>
+            </a:pPr>
+            <a:r>
+              <a:rPr lang="en-US" sz="1100" dirty="0">
+                <a:solidFill>
+                  <a:schemeClr val="bg2">
+                    <a:lumMod val="50000"/>
+                  </a:schemeClr>
+                </a:solidFill>
+                <a:latin typeface="Oxygen" panose="02000503000000000000" pitchFamily="2" charset="0"/>
+              </a:rPr>
+              <a:t>min(</a:t>
+            </a:r>
+            <a:r>
+              <a:rPr lang="en-US" sz="1100" dirty="0">
+                <a:solidFill>
+                  <a:schemeClr val="bg2">
+                    <a:lumMod val="50000"/>
+                  </a:schemeClr>
+                </a:solidFill>
+                <a:latin typeface="Oxygen" panose="02000503000000000000" pitchFamily="2" charset="0"/>
+              </a:rPr>
+              <a:t>list</a:t>
+            </a:r>
+            <a:r>
+              <a:rPr lang="en-US" sz="1100" dirty="0">
+                <a:solidFill>
+                  <a:schemeClr val="bg2">
+                    <a:lumMod val="50000"/>
+                  </a:schemeClr>
+                </a:solidFill>
+                <a:latin typeface="Oxygen" panose="02000503000000000000" pitchFamily="2" charset="0"/>
+              </a:rPr>
+              <a:t>))</a:t>
+            </a:r>
+            <a:endParaRPr lang="en-US" sz="1100" dirty="0">
+              <a:solidFill>
+                <a:schemeClr val="bg2">
+                  <a:lumMod val="50000"/>
+                </a:schemeClr>
+              </a:solidFill>
+              <a:latin typeface="Oxygen" panose="02000503000000000000" pitchFamily="2" charset="0"/>
+            </a:endParaRPr>
+          </a:p>
+          <a:p>
+            <a:pPr marL="628650" lvl="1" indent="-171450">
+              <a:buFont typeface="Wingdings" panose="05000000000000000000" pitchFamily="2" charset="2"/>
+              <a:buChar char="§"/>
+            </a:pPr>
+            <a:r>
+              <a:rPr lang="en-US" sz="1100" dirty="0">
+                <a:solidFill>
+                  <a:schemeClr val="bg2">
+                    <a:lumMod val="50000"/>
+                  </a:schemeClr>
+                </a:solidFill>
+                <a:latin typeface="Oxygen" panose="02000503000000000000" pitchFamily="2" charset="0"/>
+              </a:rPr>
+              <a:t>sum(</a:t>
+            </a:r>
+            <a:r>
+              <a:rPr lang="en-US" sz="1100" dirty="0">
+                <a:solidFill>
+                  <a:schemeClr val="bg2">
+                    <a:lumMod val="50000"/>
+                  </a:schemeClr>
+                </a:solidFill>
+                <a:latin typeface="Oxygen" panose="02000503000000000000" pitchFamily="2" charset="0"/>
+              </a:rPr>
+              <a:t>list</a:t>
+            </a:r>
+            <a:r>
+              <a:rPr lang="en-US" sz="1100" dirty="0">
+                <a:solidFill>
+                  <a:schemeClr val="bg2">
+                    <a:lumMod val="50000"/>
+                  </a:schemeClr>
+                </a:solidFill>
+                <a:latin typeface="Oxygen" panose="02000503000000000000" pitchFamily="2" charset="0"/>
+              </a:rPr>
+              <a:t>))</a:t>
+            </a:r>
+          </a:p>
+          <a:p>
+            <a:pPr marL="628650" lvl="1" indent="-171450">
+              <a:buFont typeface="Wingdings" panose="05000000000000000000" pitchFamily="2" charset="2"/>
+              <a:buChar char="§"/>
+            </a:pPr>
+            <a:r>
+              <a:rPr lang="en-US" sz="1100" dirty="0">
+                <a:solidFill>
+                  <a:schemeClr val="bg2">
+                    <a:lumMod val="50000"/>
+                  </a:schemeClr>
+                </a:solidFill>
+                <a:latin typeface="Oxygen" panose="02000503000000000000" pitchFamily="2" charset="0"/>
+              </a:rPr>
+              <a:t>sort()</a:t>
+            </a:r>
+            <a:endParaRPr lang="en-US" sz="1100" dirty="0">
+              <a:solidFill>
+                <a:schemeClr val="bg2">
+                  <a:lumMod val="50000"/>
+                </a:schemeClr>
+              </a:solidFill>
+              <a:latin typeface="Oxygen" panose="02000503000000000000" pitchFamily="2" charset="0"/>
+            </a:endParaRPr>
+          </a:p>
+          <a:p>
+            <a:pPr marL="628650" lvl="1" indent="-171450">
+              <a:buFont typeface="Wingdings" panose="05000000000000000000" pitchFamily="2" charset="2"/>
+              <a:buChar char="§"/>
+            </a:pPr>
+            <a:r>
+              <a:rPr lang="en-US" sz="1100" dirty="0">
+                <a:solidFill>
+                  <a:schemeClr val="bg2">
+                    <a:lumMod val="50000"/>
+                  </a:schemeClr>
+                </a:solidFill>
+                <a:latin typeface="Oxygen" panose="02000503000000000000" pitchFamily="2" charset="0"/>
+              </a:rPr>
+              <a:t>sort(reverse=True)</a:t>
+            </a:r>
+            <a:endParaRPr lang="en-AU" sz="1100" dirty="0">
+              <a:solidFill>
+                <a:schemeClr val="bg2">
+                  <a:lumMod val="50000"/>
+                </a:schemeClr>
+              </a:solidFill>
+              <a:latin typeface="Oxygen" panose="02000503000000000000" pitchFamily="2" charset="0"/>
+            </a:endParaRPr>
+          </a:p>
+        </p:txBody>
+      </p:sp>
+      <p:pic>
+        <p:nvPicPr>
+          <p:cNvPr id="4" name="Picture 3"/>
+          <p:cNvPicPr>
+            <a:picLocks noChangeAspect="1"/>
+          </p:cNvPicPr>
+          <p:nvPr/>
+        </p:nvPicPr>
+        <p:blipFill>
+          <a:blip r:embed="rId3"/>
+          <a:stretch>
+            <a:fillRect/>
+          </a:stretch>
+        </p:blipFill>
+        <p:spPr>
+          <a:xfrm>
+            <a:off x="657721" y="2429999"/>
+            <a:ext cx="2164215" cy="2163940"/>
+          </a:xfrm>
+          <a:prstGeom prst="rect">
+            <a:avLst/>
+          </a:prstGeom>
+        </p:spPr>
+      </p:pic>
+      <p:sp>
+        <p:nvSpPr>
+          <p:cNvPr id="50" name="Rectangle 49">
+            <a:extLst>
+              <a:ext uri="{FF2B5EF4-FFF2-40B4-BE49-F238E27FC236}">
+                <a16:creationId xmlns:a16="http://schemas.microsoft.com/office/drawing/2014/main" xmlns="" id="{907BEB2A-D93E-46CB-95DF-04E16F0D1C0C}"/>
+              </a:ext>
+            </a:extLst>
+          </p:cNvPr>
+          <p:cNvSpPr/>
+          <p:nvPr/>
+        </p:nvSpPr>
+        <p:spPr>
+          <a:xfrm>
+            <a:off x="605043" y="2429998"/>
+            <a:ext cx="2211887" cy="2163941"/>
+          </a:xfrm>
+          <a:prstGeom prst="rect">
+            <a:avLst/>
+          </a:prstGeom>
+          <a:gradFill flip="none" rotWithShape="1">
+            <a:gsLst>
+              <a:gs pos="0">
+                <a:srgbClr val="FFFFFF">
+                  <a:alpha val="0"/>
+                </a:srgbClr>
+              </a:gs>
+              <a:gs pos="62000">
+                <a:srgbClr val="FFFFFF">
+                  <a:alpha val="0"/>
+                </a:srgbClr>
+              </a:gs>
+              <a:gs pos="72000">
+                <a:schemeClr val="bg1"/>
+              </a:gs>
+              <a:gs pos="100000">
+                <a:schemeClr val="bg1"/>
+              </a:gs>
+            </a:gsLst>
+            <a:path path="circle">
+              <a:fillToRect l="50000" t="50000" r="50000" b="50000"/>
+            </a:path>
+            <a:tileRect/>
+          </a:gradFill>
+          <a:ln>
+            <a:noFill/>
+          </a:ln>
+        </p:spPr>
+        <p:style>
+          <a:lnRef idx="2">
+            <a:schemeClr val="accent1">
+              <a:shade val="50000"/>
+            </a:schemeClr>
+          </a:lnRef>
+          <a:fillRef idx="1">
+            <a:schemeClr val="accent1"/>
+          </a:fillRef>
+          <a:effectRef idx="0">
+            <a:schemeClr val="accent1"/>
+          </a:effectRef>
+          <a:fontRef idx="minor">
+            <a:schemeClr val="lt1"/>
+          </a:fontRef>
+        </p:style>
+        <p:txBody>
+          <a:bodyPr rtlCol="0" anchor="ctr"/>
+          <a:lstStyle/>
+          <a:p>
+            <a:pPr algn="ctr"/>
+            <a:endParaRPr lang="en-AU">
+              <a:latin typeface="Oxygen" panose="02000503000000000000" pitchFamily="2" charset="0"/>
+            </a:endParaRPr>
+          </a:p>
+        </p:txBody>
+      </p:sp>
+      <p:sp>
+        <p:nvSpPr>
+          <p:cNvPr id="17" name="TextBox 16"/>
+          <p:cNvSpPr txBox="1"/>
+          <p:nvPr/>
+        </p:nvSpPr>
+        <p:spPr>
+          <a:xfrm>
+            <a:off x="3847947" y="4028399"/>
+            <a:ext cx="3335301" cy="1131079"/>
+          </a:xfrm>
+          <a:prstGeom prst="rect">
+            <a:avLst/>
+          </a:prstGeom>
+          <a:noFill/>
+        </p:spPr>
+        <p:txBody>
+          <a:bodyPr wrap="square" rtlCol="0">
+            <a:spAutoFit/>
+          </a:bodyPr>
+          <a:lstStyle/>
+          <a:p>
+            <a:pPr>
+              <a:lnSpc>
+                <a:spcPct val="150000"/>
+              </a:lnSpc>
+            </a:pPr>
+            <a:r>
+              <a:rPr lang="en-US" sz="1200" b="1" smtClean="0">
+                <a:solidFill>
+                  <a:schemeClr val="bg2">
+                    <a:lumMod val="50000"/>
+                  </a:schemeClr>
+                </a:solidFill>
+                <a:latin typeface="Oxygen" panose="02000503000000000000" pitchFamily="2" charset="0"/>
+              </a:rPr>
+              <a:t>Tuples:</a:t>
+            </a:r>
+            <a:endParaRPr lang="en-US" sz="1200" b="1" dirty="0" smtClean="0">
+              <a:solidFill>
+                <a:schemeClr val="bg2">
+                  <a:lumMod val="50000"/>
+                </a:schemeClr>
+              </a:solidFill>
+              <a:latin typeface="Oxygen" panose="02000503000000000000" pitchFamily="2" charset="0"/>
+            </a:endParaRPr>
+          </a:p>
+          <a:p>
+            <a:pPr marL="171450" indent="-171450">
+              <a:lnSpc>
+                <a:spcPct val="150000"/>
+              </a:lnSpc>
+              <a:buFont typeface="Wingdings" panose="05000000000000000000" pitchFamily="2" charset="2"/>
+              <a:buChar char="v"/>
+            </a:pPr>
+            <a:r>
+              <a:rPr lang="en-AU" sz="1100" dirty="0">
+                <a:solidFill>
+                  <a:schemeClr val="bg2">
+                    <a:lumMod val="50000"/>
+                  </a:schemeClr>
+                </a:solidFill>
+                <a:latin typeface="Oxygen" panose="02000503000000000000" pitchFamily="2" charset="0"/>
+              </a:rPr>
+              <a:t>Immutable</a:t>
+            </a:r>
+          </a:p>
+          <a:p>
+            <a:pPr marL="171450" indent="-171450">
+              <a:lnSpc>
+                <a:spcPct val="150000"/>
+              </a:lnSpc>
+              <a:buFont typeface="Wingdings" panose="05000000000000000000" pitchFamily="2" charset="2"/>
+              <a:buChar char="v"/>
+            </a:pPr>
+            <a:r>
+              <a:rPr lang="en-US" sz="1100" dirty="0">
+                <a:solidFill>
+                  <a:schemeClr val="bg2">
+                    <a:lumMod val="50000"/>
+                  </a:schemeClr>
+                </a:solidFill>
+                <a:latin typeface="Oxygen" panose="02000503000000000000" pitchFamily="2" charset="0"/>
+              </a:rPr>
+              <a:t>Iteration is faster than list</a:t>
+            </a:r>
+          </a:p>
+          <a:p>
+            <a:pPr marL="171450" indent="-171450">
+              <a:lnSpc>
+                <a:spcPct val="150000"/>
+              </a:lnSpc>
+              <a:buFont typeface="Wingdings" panose="05000000000000000000" pitchFamily="2" charset="2"/>
+              <a:buChar char="v"/>
+            </a:pPr>
+            <a:r>
+              <a:rPr lang="en-US" sz="1100" dirty="0">
+                <a:solidFill>
+                  <a:schemeClr val="bg2">
+                    <a:lumMod val="50000"/>
+                  </a:schemeClr>
+                </a:solidFill>
+                <a:latin typeface="Oxygen" panose="02000503000000000000" pitchFamily="2" charset="0"/>
+              </a:rPr>
+              <a:t>E.g.: </a:t>
+            </a:r>
+            <a:r>
+              <a:rPr lang="en-US" sz="1100" dirty="0" err="1">
+                <a:solidFill>
+                  <a:schemeClr val="bg2">
+                    <a:lumMod val="50000"/>
+                  </a:schemeClr>
+                </a:solidFill>
+                <a:latin typeface="Oxygen" panose="02000503000000000000" pitchFamily="2" charset="0"/>
+              </a:rPr>
+              <a:t>myTuple</a:t>
+            </a:r>
+            <a:r>
+              <a:rPr lang="en-US" sz="1100" dirty="0">
+                <a:solidFill>
+                  <a:schemeClr val="bg2">
+                    <a:lumMod val="50000"/>
+                  </a:schemeClr>
+                </a:solidFill>
+                <a:latin typeface="Oxygen" panose="02000503000000000000" pitchFamily="2" charset="0"/>
+              </a:rPr>
+              <a:t> = (23, 91, 9, 507)</a:t>
+            </a:r>
+            <a:endParaRPr lang="en-AU" sz="1100" dirty="0">
+              <a:solidFill>
+                <a:schemeClr val="bg2">
+                  <a:lumMod val="50000"/>
+                </a:schemeClr>
+              </a:solidFill>
+              <a:latin typeface="Oxygen" panose="02000503000000000000" pitchFamily="2" charset="0"/>
+            </a:endParaRPr>
+          </a:p>
+        </p:txBody>
+      </p:sp>
+    </p:spTree>
+    <p:extLst>
+      <p:ext uri="{BB962C8B-B14F-4D97-AF65-F5344CB8AC3E}">
+        <p14:creationId xmlns:p14="http://schemas.microsoft.com/office/powerpoint/2010/main" val="2498242516"/>
       </p:ext>
     </p:extLst>
   </p:cSld>

--- a/Offline/BusinessManagement/Teach_Tech@anodiam/AI_Robotics/CourseMaterial/Python/001IntroToPy.pptx
+++ b/Offline/BusinessManagement/Teach_Tech@anodiam/AI_Robotics/CourseMaterial/Python/001IntroToPy.pptx
@@ -8,6 +8,8 @@
     <p:sldId id="257" r:id="rId2"/>
     <p:sldId id="258" r:id="rId3"/>
     <p:sldId id="259" r:id="rId4"/>
+    <p:sldId id="260" r:id="rId5"/>
+    <p:sldId id="261" r:id="rId6"/>
   </p:sldIdLst>
   <p:sldSz cx="12192000" cy="6858000"/>
   <p:notesSz cx="6858000" cy="9144000"/>
@@ -5712,7 +5714,7 @@
                 </a:solidFill>
                 <a:latin typeface="Oxygen" panose="02000503000000000000" pitchFamily="2" charset="0"/>
               </a:rPr>
-              <a:t># This will give ERROR</a:t>
+              <a:t># Error</a:t>
             </a:r>
           </a:p>
           <a:p>
@@ -9085,7 +9087,7 @@
                 <a:latin typeface="Oxygen" panose="02000503000000000000" pitchFamily="2" charset="0"/>
                 <a:cs typeface="Arial" panose="020B0604020202020204" pitchFamily="34" charset="0"/>
               </a:rPr>
-              <a:t>Lists, Sets &amp; Tuples</a:t>
+              <a:t>Lists, Tuples &amp; Sets</a:t>
             </a:r>
             <a:endParaRPr lang="en-AU" b="1" cap="small" dirty="0">
               <a:solidFill>
@@ -9229,7 +9231,7 @@
         </p:nvSpPr>
         <p:spPr>
           <a:xfrm>
-            <a:off x="3799067" y="975242"/>
+            <a:off x="3591945" y="2064895"/>
             <a:ext cx="2989922" cy="3062377"/>
           </a:xfrm>
           <a:prstGeom prst="rect">
@@ -9249,7 +9251,7 @@
               </a:lnSpc>
             </a:pPr>
             <a:r>
-              <a:rPr lang="en-US" sz="1200" b="1" dirty="0">
+              <a:rPr lang="en-US" sz="1200" b="1" dirty="0" smtClean="0">
                 <a:solidFill>
                   <a:schemeClr val="bg2">
                     <a:lumMod val="50000"/>
@@ -9257,8 +9259,16 @@
                 </a:solidFill>
                 <a:latin typeface="Oxygen" panose="02000503000000000000" pitchFamily="2" charset="0"/>
               </a:rPr>
-              <a:t>Lists:</a:t>
-            </a:r>
+              <a:t>Lists: [ ]</a:t>
+            </a:r>
+            <a:endParaRPr lang="en-US" sz="1200" b="1" dirty="0">
+              <a:solidFill>
+                <a:schemeClr val="bg2">
+                  <a:lumMod val="50000"/>
+                </a:schemeClr>
+              </a:solidFill>
+              <a:latin typeface="Oxygen" panose="02000503000000000000" pitchFamily="2" charset="0"/>
+            </a:endParaRPr>
           </a:p>
           <a:p>
             <a:pPr marL="171450" indent="-171450">
@@ -9319,7 +9329,7 @@
               <a:t>.: </a:t>
             </a:r>
             <a:r>
-              <a:rPr lang="en-US" sz="1100" dirty="0" err="1">
+              <a:rPr lang="en-US" sz="1100" dirty="0">
                 <a:solidFill>
                   <a:schemeClr val="bg2">
                     <a:lumMod val="50000"/>
@@ -9327,18 +9337,7 @@
                 </a:solidFill>
                 <a:latin typeface="Oxygen" panose="02000503000000000000" pitchFamily="2" charset="0"/>
               </a:rPr>
-              <a:t>myList</a:t>
-            </a:r>
-            <a:r>
-              <a:rPr lang="en-US" sz="1100" dirty="0">
-                <a:solidFill>
-                  <a:schemeClr val="bg2">
-                    <a:lumMod val="50000"/>
-                  </a:schemeClr>
-                </a:solidFill>
-                <a:latin typeface="Oxygen" panose="02000503000000000000" pitchFamily="2" charset="0"/>
-              </a:rPr>
-              <a:t> </a:t>
+              <a:t>myList </a:t>
             </a:r>
             <a:r>
               <a:rPr lang="en-US" sz="1100" dirty="0">
@@ -9721,6 +9720,1493 @@
               </a:solidFill>
               <a:latin typeface="Oxygen" panose="02000503000000000000" pitchFamily="2" charset="0"/>
             </a:endParaRPr>
+          </a:p>
+        </p:txBody>
+      </p:sp>
+      <p:pic>
+        <p:nvPicPr>
+          <p:cNvPr id="4" name="Picture 3"/>
+          <p:cNvPicPr>
+            <a:picLocks noChangeAspect="1"/>
+          </p:cNvPicPr>
+          <p:nvPr/>
+        </p:nvPicPr>
+        <p:blipFill>
+          <a:blip r:embed="rId3"/>
+          <a:stretch>
+            <a:fillRect/>
+          </a:stretch>
+        </p:blipFill>
+        <p:spPr>
+          <a:xfrm>
+            <a:off x="657721" y="2429999"/>
+            <a:ext cx="2164215" cy="2163940"/>
+          </a:xfrm>
+          <a:prstGeom prst="rect">
+            <a:avLst/>
+          </a:prstGeom>
+        </p:spPr>
+      </p:pic>
+      <p:sp>
+        <p:nvSpPr>
+          <p:cNvPr id="50" name="Rectangle 49">
+            <a:extLst>
+              <a:ext uri="{FF2B5EF4-FFF2-40B4-BE49-F238E27FC236}">
+                <a16:creationId xmlns:a16="http://schemas.microsoft.com/office/drawing/2014/main" xmlns="" id="{907BEB2A-D93E-46CB-95DF-04E16F0D1C0C}"/>
+              </a:ext>
+            </a:extLst>
+          </p:cNvPr>
+          <p:cNvSpPr/>
+          <p:nvPr/>
+        </p:nvSpPr>
+        <p:spPr>
+          <a:xfrm>
+            <a:off x="605043" y="2438624"/>
+            <a:ext cx="2211887" cy="2163941"/>
+          </a:xfrm>
+          <a:prstGeom prst="rect">
+            <a:avLst/>
+          </a:prstGeom>
+          <a:gradFill flip="none" rotWithShape="1">
+            <a:gsLst>
+              <a:gs pos="0">
+                <a:srgbClr val="FFFFFF">
+                  <a:alpha val="0"/>
+                </a:srgbClr>
+              </a:gs>
+              <a:gs pos="62000">
+                <a:srgbClr val="FFFFFF">
+                  <a:alpha val="0"/>
+                </a:srgbClr>
+              </a:gs>
+              <a:gs pos="72000">
+                <a:schemeClr val="bg1"/>
+              </a:gs>
+              <a:gs pos="100000">
+                <a:schemeClr val="bg1"/>
+              </a:gs>
+            </a:gsLst>
+            <a:path path="circle">
+              <a:fillToRect l="50000" t="50000" r="50000" b="50000"/>
+            </a:path>
+            <a:tileRect/>
+          </a:gradFill>
+          <a:ln>
+            <a:noFill/>
+          </a:ln>
+        </p:spPr>
+        <p:style>
+          <a:lnRef idx="2">
+            <a:schemeClr val="accent1">
+              <a:shade val="50000"/>
+            </a:schemeClr>
+          </a:lnRef>
+          <a:fillRef idx="1">
+            <a:schemeClr val="accent1"/>
+          </a:fillRef>
+          <a:effectRef idx="0">
+            <a:schemeClr val="accent1"/>
+          </a:effectRef>
+          <a:fontRef idx="minor">
+            <a:schemeClr val="lt1"/>
+          </a:fontRef>
+        </p:style>
+        <p:txBody>
+          <a:bodyPr rtlCol="0" anchor="ctr"/>
+          <a:lstStyle/>
+          <a:p>
+            <a:pPr algn="ctr"/>
+            <a:endParaRPr lang="en-AU">
+              <a:latin typeface="Oxygen" panose="02000503000000000000" pitchFamily="2" charset="0"/>
+            </a:endParaRPr>
+          </a:p>
+        </p:txBody>
+      </p:sp>
+      <p:sp>
+        <p:nvSpPr>
+          <p:cNvPr id="17" name="TextBox 16"/>
+          <p:cNvSpPr txBox="1"/>
+          <p:nvPr/>
+        </p:nvSpPr>
+        <p:spPr>
+          <a:xfrm>
+            <a:off x="6067817" y="2107115"/>
+            <a:ext cx="3335301" cy="1131079"/>
+          </a:xfrm>
+          <a:prstGeom prst="rect">
+            <a:avLst/>
+          </a:prstGeom>
+          <a:noFill/>
+        </p:spPr>
+        <p:txBody>
+          <a:bodyPr wrap="square" rtlCol="0">
+            <a:spAutoFit/>
+          </a:bodyPr>
+          <a:lstStyle/>
+          <a:p>
+            <a:pPr>
+              <a:lnSpc>
+                <a:spcPct val="150000"/>
+              </a:lnSpc>
+            </a:pPr>
+            <a:r>
+              <a:rPr lang="en-US" sz="1200" b="1" dirty="0" smtClean="0">
+                <a:solidFill>
+                  <a:schemeClr val="bg2">
+                    <a:lumMod val="50000"/>
+                  </a:schemeClr>
+                </a:solidFill>
+                <a:latin typeface="Oxygen" panose="02000503000000000000" pitchFamily="2" charset="0"/>
+              </a:rPr>
+              <a:t>Tuples: ( )</a:t>
+            </a:r>
+            <a:endParaRPr lang="en-US" sz="1200" b="1" dirty="0" smtClean="0">
+              <a:solidFill>
+                <a:schemeClr val="bg2">
+                  <a:lumMod val="50000"/>
+                </a:schemeClr>
+              </a:solidFill>
+              <a:latin typeface="Oxygen" panose="02000503000000000000" pitchFamily="2" charset="0"/>
+            </a:endParaRPr>
+          </a:p>
+          <a:p>
+            <a:pPr marL="171450" indent="-171450">
+              <a:lnSpc>
+                <a:spcPct val="150000"/>
+              </a:lnSpc>
+              <a:buFont typeface="Wingdings" panose="05000000000000000000" pitchFamily="2" charset="2"/>
+              <a:buChar char="v"/>
+            </a:pPr>
+            <a:r>
+              <a:rPr lang="en-AU" sz="1100" dirty="0">
+                <a:solidFill>
+                  <a:schemeClr val="bg2">
+                    <a:lumMod val="50000"/>
+                  </a:schemeClr>
+                </a:solidFill>
+                <a:latin typeface="Oxygen" panose="02000503000000000000" pitchFamily="2" charset="0"/>
+              </a:rPr>
+              <a:t>Immutable</a:t>
+            </a:r>
+          </a:p>
+          <a:p>
+            <a:pPr marL="171450" indent="-171450">
+              <a:lnSpc>
+                <a:spcPct val="150000"/>
+              </a:lnSpc>
+              <a:buFont typeface="Wingdings" panose="05000000000000000000" pitchFamily="2" charset="2"/>
+              <a:buChar char="v"/>
+            </a:pPr>
+            <a:r>
+              <a:rPr lang="en-US" sz="1100" dirty="0">
+                <a:solidFill>
+                  <a:schemeClr val="bg2">
+                    <a:lumMod val="50000"/>
+                  </a:schemeClr>
+                </a:solidFill>
+                <a:latin typeface="Oxygen" panose="02000503000000000000" pitchFamily="2" charset="0"/>
+              </a:rPr>
+              <a:t>Iteration is faster than list</a:t>
+            </a:r>
+          </a:p>
+          <a:p>
+            <a:pPr marL="171450" indent="-171450">
+              <a:lnSpc>
+                <a:spcPct val="150000"/>
+              </a:lnSpc>
+              <a:buFont typeface="Wingdings" panose="05000000000000000000" pitchFamily="2" charset="2"/>
+              <a:buChar char="v"/>
+            </a:pPr>
+            <a:r>
+              <a:rPr lang="en-US" sz="1100" dirty="0">
+                <a:solidFill>
+                  <a:schemeClr val="bg2">
+                    <a:lumMod val="50000"/>
+                  </a:schemeClr>
+                </a:solidFill>
+                <a:latin typeface="Oxygen" panose="02000503000000000000" pitchFamily="2" charset="0"/>
+              </a:rPr>
+              <a:t>E.g.: myTuple = (23, 91, 9, 507)</a:t>
+            </a:r>
+            <a:endParaRPr lang="en-AU" sz="1100" dirty="0">
+              <a:solidFill>
+                <a:schemeClr val="bg2">
+                  <a:lumMod val="50000"/>
+                </a:schemeClr>
+              </a:solidFill>
+              <a:latin typeface="Oxygen" panose="02000503000000000000" pitchFamily="2" charset="0"/>
+            </a:endParaRPr>
+          </a:p>
+        </p:txBody>
+      </p:sp>
+      <p:sp>
+        <p:nvSpPr>
+          <p:cNvPr id="18" name="TextBox 17"/>
+          <p:cNvSpPr txBox="1"/>
+          <p:nvPr/>
+        </p:nvSpPr>
+        <p:spPr>
+          <a:xfrm>
+            <a:off x="8549343" y="2107117"/>
+            <a:ext cx="3542665" cy="2400657"/>
+          </a:xfrm>
+          <a:prstGeom prst="rect">
+            <a:avLst/>
+          </a:prstGeom>
+          <a:noFill/>
+        </p:spPr>
+        <p:txBody>
+          <a:bodyPr wrap="square" rtlCol="0">
+            <a:spAutoFit/>
+          </a:bodyPr>
+          <a:lstStyle/>
+          <a:p>
+            <a:pPr>
+              <a:lnSpc>
+                <a:spcPct val="150000"/>
+              </a:lnSpc>
+            </a:pPr>
+            <a:r>
+              <a:rPr lang="en-US" sz="1200" b="1" dirty="0" smtClean="0">
+                <a:solidFill>
+                  <a:schemeClr val="bg2">
+                    <a:lumMod val="50000"/>
+                  </a:schemeClr>
+                </a:solidFill>
+                <a:latin typeface="Oxygen" panose="02000503000000000000" pitchFamily="2" charset="0"/>
+              </a:rPr>
+              <a:t>Set</a:t>
+            </a:r>
+            <a:r>
+              <a:rPr lang="en-US" sz="1200" b="1" dirty="0" smtClean="0">
+                <a:solidFill>
+                  <a:schemeClr val="bg2">
+                    <a:lumMod val="50000"/>
+                  </a:schemeClr>
+                </a:solidFill>
+                <a:latin typeface="Oxygen" panose="02000503000000000000" pitchFamily="2" charset="0"/>
+              </a:rPr>
+              <a:t>s: { }</a:t>
+            </a:r>
+            <a:endParaRPr lang="en-US" sz="1200" b="1" dirty="0" smtClean="0">
+              <a:solidFill>
+                <a:schemeClr val="bg2">
+                  <a:lumMod val="50000"/>
+                </a:schemeClr>
+              </a:solidFill>
+              <a:latin typeface="Oxygen" panose="02000503000000000000" pitchFamily="2" charset="0"/>
+            </a:endParaRPr>
+          </a:p>
+          <a:p>
+            <a:pPr marL="171450" indent="-171450">
+              <a:lnSpc>
+                <a:spcPct val="150000"/>
+              </a:lnSpc>
+              <a:buFont typeface="Wingdings" panose="05000000000000000000" pitchFamily="2" charset="2"/>
+              <a:buChar char="v"/>
+            </a:pPr>
+            <a:r>
+              <a:rPr lang="en-AU" sz="1100" dirty="0" smtClean="0">
+                <a:solidFill>
+                  <a:schemeClr val="bg2">
+                    <a:lumMod val="50000"/>
+                  </a:schemeClr>
+                </a:solidFill>
+                <a:latin typeface="Oxygen" panose="02000503000000000000" pitchFamily="2" charset="0"/>
+              </a:rPr>
+              <a:t>Like mathematical sets: do not consider repetition</a:t>
+            </a:r>
+            <a:endParaRPr lang="en-AU" sz="1100" dirty="0">
+              <a:solidFill>
+                <a:schemeClr val="bg2">
+                  <a:lumMod val="50000"/>
+                </a:schemeClr>
+              </a:solidFill>
+              <a:latin typeface="Oxygen" panose="02000503000000000000" pitchFamily="2" charset="0"/>
+            </a:endParaRPr>
+          </a:p>
+          <a:p>
+            <a:pPr marL="171450" indent="-171450">
+              <a:lnSpc>
+                <a:spcPct val="150000"/>
+              </a:lnSpc>
+              <a:buFont typeface="Wingdings" panose="05000000000000000000" pitchFamily="2" charset="2"/>
+              <a:buChar char="v"/>
+            </a:pPr>
+            <a:r>
+              <a:rPr lang="en-US" sz="1100" dirty="0">
+                <a:solidFill>
+                  <a:schemeClr val="bg2">
+                    <a:lumMod val="50000"/>
+                  </a:schemeClr>
+                </a:solidFill>
+                <a:latin typeface="Oxygen" panose="02000503000000000000" pitchFamily="2" charset="0"/>
+              </a:rPr>
+              <a:t>E.g.: </a:t>
+            </a:r>
+            <a:r>
+              <a:rPr lang="en-US" sz="1100" dirty="0" smtClean="0">
+                <a:solidFill>
+                  <a:schemeClr val="bg2">
+                    <a:lumMod val="50000"/>
+                  </a:schemeClr>
+                </a:solidFill>
+                <a:latin typeface="Oxygen" panose="02000503000000000000" pitchFamily="2" charset="0"/>
+              </a:rPr>
+              <a:t>mySet </a:t>
+            </a:r>
+            <a:r>
+              <a:rPr lang="en-US" sz="1100" dirty="0">
+                <a:solidFill>
+                  <a:schemeClr val="bg2">
+                    <a:lumMod val="50000"/>
+                  </a:schemeClr>
+                </a:solidFill>
+                <a:latin typeface="Oxygen" panose="02000503000000000000" pitchFamily="2" charset="0"/>
+              </a:rPr>
+              <a:t>= (23, 91, 9, </a:t>
+            </a:r>
+            <a:r>
+              <a:rPr lang="en-US" sz="1100" dirty="0" smtClean="0">
+                <a:solidFill>
+                  <a:schemeClr val="bg2">
+                    <a:lumMod val="50000"/>
+                  </a:schemeClr>
+                </a:solidFill>
+                <a:latin typeface="Oxygen" panose="02000503000000000000" pitchFamily="2" charset="0"/>
+              </a:rPr>
+              <a:t>507, 91)</a:t>
+            </a:r>
+          </a:p>
+          <a:p>
+            <a:pPr marL="171450" indent="-171450">
+              <a:lnSpc>
+                <a:spcPct val="150000"/>
+              </a:lnSpc>
+              <a:buFont typeface="Wingdings" panose="05000000000000000000" pitchFamily="2" charset="2"/>
+              <a:buChar char="v"/>
+            </a:pPr>
+            <a:r>
+              <a:rPr lang="en-US" sz="1100" dirty="0" smtClean="0">
+                <a:solidFill>
+                  <a:schemeClr val="bg2">
+                    <a:lumMod val="50000"/>
+                  </a:schemeClr>
+                </a:solidFill>
+                <a:latin typeface="Oxygen" panose="02000503000000000000" pitchFamily="2" charset="0"/>
+              </a:rPr>
+              <a:t>Uses hashing for performance</a:t>
+            </a:r>
+          </a:p>
+          <a:p>
+            <a:pPr marL="171450" indent="-171450">
+              <a:lnSpc>
+                <a:spcPct val="150000"/>
+              </a:lnSpc>
+              <a:buFont typeface="Wingdings" panose="05000000000000000000" pitchFamily="2" charset="2"/>
+              <a:buChar char="v"/>
+            </a:pPr>
+            <a:r>
+              <a:rPr lang="en-US" sz="1100" dirty="0" smtClean="0">
+                <a:solidFill>
+                  <a:schemeClr val="bg2">
+                    <a:lumMod val="50000"/>
+                  </a:schemeClr>
+                </a:solidFill>
+                <a:latin typeface="Oxygen" panose="02000503000000000000" pitchFamily="2" charset="0"/>
+              </a:rPr>
+              <a:t>No index for sets</a:t>
+            </a:r>
+            <a:endParaRPr lang="en-US" sz="1100" dirty="0">
+              <a:solidFill>
+                <a:schemeClr val="bg2">
+                  <a:lumMod val="50000"/>
+                </a:schemeClr>
+              </a:solidFill>
+              <a:latin typeface="Oxygen" panose="02000503000000000000" pitchFamily="2" charset="0"/>
+            </a:endParaRPr>
+          </a:p>
+          <a:p>
+            <a:pPr marL="171450" indent="-171450">
+              <a:lnSpc>
+                <a:spcPct val="150000"/>
+              </a:lnSpc>
+              <a:buFont typeface="Wingdings" panose="05000000000000000000" pitchFamily="2" charset="2"/>
+              <a:buChar char="v"/>
+            </a:pPr>
+            <a:r>
+              <a:rPr lang="en-US" sz="1100" dirty="0" smtClean="0">
+                <a:solidFill>
+                  <a:schemeClr val="bg2">
+                    <a:lumMod val="50000"/>
+                  </a:schemeClr>
+                </a:solidFill>
+                <a:latin typeface="Oxygen" panose="02000503000000000000" pitchFamily="2" charset="0"/>
+              </a:rPr>
+              <a:t>Mutable</a:t>
+            </a:r>
+          </a:p>
+          <a:p>
+            <a:pPr marL="171450" indent="-171450">
+              <a:lnSpc>
+                <a:spcPct val="150000"/>
+              </a:lnSpc>
+              <a:buFont typeface="Wingdings" panose="05000000000000000000" pitchFamily="2" charset="2"/>
+              <a:buChar char="v"/>
+            </a:pPr>
+            <a:r>
+              <a:rPr lang="en-US" sz="1100" dirty="0">
+                <a:solidFill>
+                  <a:schemeClr val="bg2">
+                    <a:lumMod val="50000"/>
+                  </a:schemeClr>
+                </a:solidFill>
+                <a:latin typeface="Oxygen" panose="02000503000000000000" pitchFamily="2" charset="0"/>
+              </a:rPr>
+              <a:t>Functions used in </a:t>
+            </a:r>
+            <a:r>
+              <a:rPr lang="en-US" sz="1100" dirty="0" smtClean="0">
+                <a:solidFill>
+                  <a:schemeClr val="bg2">
+                    <a:lumMod val="50000"/>
+                  </a:schemeClr>
+                </a:solidFill>
+                <a:latin typeface="Oxygen" panose="02000503000000000000" pitchFamily="2" charset="0"/>
+              </a:rPr>
+              <a:t>Set:</a:t>
+            </a:r>
+          </a:p>
+          <a:p>
+            <a:pPr marL="628650" lvl="1" indent="-171450">
+              <a:buFont typeface="Wingdings" panose="05000000000000000000" pitchFamily="2" charset="2"/>
+              <a:buChar char="§"/>
+            </a:pPr>
+            <a:r>
+              <a:rPr lang="en-AU" sz="1100" dirty="0" smtClean="0">
+                <a:solidFill>
+                  <a:schemeClr val="bg2">
+                    <a:lumMod val="50000"/>
+                  </a:schemeClr>
+                </a:solidFill>
+                <a:latin typeface="Oxygen" panose="02000503000000000000" pitchFamily="2" charset="0"/>
+              </a:rPr>
+              <a:t>add()</a:t>
+            </a:r>
+            <a:endParaRPr lang="en-AU" sz="1100" dirty="0">
+              <a:solidFill>
+                <a:schemeClr val="bg2">
+                  <a:lumMod val="50000"/>
+                </a:schemeClr>
+              </a:solidFill>
+              <a:latin typeface="Oxygen" panose="02000503000000000000" pitchFamily="2" charset="0"/>
+            </a:endParaRPr>
+          </a:p>
+          <a:p>
+            <a:pPr marL="628650" lvl="1" indent="-171450">
+              <a:buFont typeface="Wingdings" panose="05000000000000000000" pitchFamily="2" charset="2"/>
+              <a:buChar char="§"/>
+            </a:pPr>
+            <a:r>
+              <a:rPr lang="en-AU" sz="1100" dirty="0" smtClean="0">
+                <a:solidFill>
+                  <a:schemeClr val="bg2">
+                    <a:lumMod val="50000"/>
+                  </a:schemeClr>
+                </a:solidFill>
+                <a:latin typeface="Oxygen" panose="02000503000000000000" pitchFamily="2" charset="0"/>
+              </a:rPr>
+              <a:t>remove()</a:t>
+            </a:r>
+            <a:endParaRPr lang="en-AU" sz="1100" dirty="0">
+              <a:solidFill>
+                <a:schemeClr val="bg2">
+                  <a:lumMod val="50000"/>
+                </a:schemeClr>
+              </a:solidFill>
+              <a:latin typeface="Oxygen" panose="02000503000000000000" pitchFamily="2" charset="0"/>
+            </a:endParaRPr>
+          </a:p>
+          <a:p>
+            <a:pPr marL="628650" lvl="1" indent="-171450">
+              <a:buFont typeface="Wingdings" panose="05000000000000000000" pitchFamily="2" charset="2"/>
+              <a:buChar char="§"/>
+            </a:pPr>
+            <a:r>
+              <a:rPr lang="en-AU" sz="1100" dirty="0" smtClean="0">
+                <a:solidFill>
+                  <a:schemeClr val="bg2">
+                    <a:lumMod val="50000"/>
+                  </a:schemeClr>
+                </a:solidFill>
+                <a:latin typeface="Oxygen" panose="02000503000000000000" pitchFamily="2" charset="0"/>
+              </a:rPr>
+              <a:t>set1.update(set2)</a:t>
+            </a:r>
+            <a:endParaRPr lang="en-AU" sz="1100" dirty="0">
+              <a:solidFill>
+                <a:schemeClr val="bg2">
+                  <a:lumMod val="50000"/>
+                </a:schemeClr>
+              </a:solidFill>
+              <a:latin typeface="Oxygen" panose="02000503000000000000" pitchFamily="2" charset="0"/>
+            </a:endParaRPr>
+          </a:p>
+        </p:txBody>
+      </p:sp>
+    </p:spTree>
+    <p:extLst>
+      <p:ext uri="{BB962C8B-B14F-4D97-AF65-F5344CB8AC3E}">
+        <p14:creationId xmlns:p14="http://schemas.microsoft.com/office/powerpoint/2010/main" val="2498242516"/>
+      </p:ext>
+    </p:extLst>
+  </p:cSld>
+  <p:clrMapOvr>
+    <a:masterClrMapping/>
+  </p:clrMapOvr>
+  <p:timing>
+    <p:tnLst>
+      <p:par>
+        <p:cTn id="1" dur="indefinite" restart="never" nodeType="tmRoot"/>
+      </p:par>
+    </p:tnLst>
+  </p:timing>
+</p:sld>
+</file>
+
+<file path=ppt/slides/slide4.xml><?xml version="1.0" encoding="utf-8"?>
+<p:sld xmlns:a="http://schemas.openxmlformats.org/drawingml/2006/main" xmlns:r="http://schemas.openxmlformats.org/officeDocument/2006/relationships" xmlns:p="http://schemas.openxmlformats.org/presentationml/2006/main">
+  <p:cSld>
+    <p:spTree>
+      <p:nvGrpSpPr>
+        <p:cNvPr id="1" name=""/>
+        <p:cNvGrpSpPr/>
+        <p:nvPr/>
+      </p:nvGrpSpPr>
+      <p:grpSpPr>
+        <a:xfrm>
+          <a:off x="0" y="0"/>
+          <a:ext cx="0" cy="0"/>
+          <a:chOff x="0" y="0"/>
+          <a:chExt cx="0" cy="0"/>
+        </a:xfrm>
+      </p:grpSpPr>
+      <p:sp>
+        <p:nvSpPr>
+          <p:cNvPr id="7" name="Rectangle 6">
+            <a:extLst>
+              <a:ext uri="{FF2B5EF4-FFF2-40B4-BE49-F238E27FC236}">
+                <a16:creationId xmlns:a16="http://schemas.microsoft.com/office/drawing/2014/main" xmlns="" id="{241D8F26-367A-4EE2-BC9B-4A97EE475F57}"/>
+              </a:ext>
+            </a:extLst>
+          </p:cNvPr>
+          <p:cNvSpPr/>
+          <p:nvPr/>
+        </p:nvSpPr>
+        <p:spPr>
+          <a:xfrm>
+            <a:off x="3250887" y="381242"/>
+            <a:ext cx="75415" cy="6476761"/>
+          </a:xfrm>
+          <a:prstGeom prst="rect">
+            <a:avLst/>
+          </a:prstGeom>
+          <a:gradFill>
+            <a:gsLst>
+              <a:gs pos="0">
+                <a:schemeClr val="bg1"/>
+              </a:gs>
+              <a:gs pos="60000">
+                <a:srgbClr val="FF8C52"/>
+              </a:gs>
+              <a:gs pos="40000">
+                <a:srgbClr val="FF8C52"/>
+              </a:gs>
+              <a:gs pos="20000">
+                <a:schemeClr val="bg1"/>
+              </a:gs>
+              <a:gs pos="80000">
+                <a:schemeClr val="bg1"/>
+              </a:gs>
+              <a:gs pos="100000">
+                <a:schemeClr val="bg1"/>
+              </a:gs>
+            </a:gsLst>
+            <a:lin ang="5400000" scaled="1"/>
+          </a:gradFill>
+          <a:ln>
+            <a:noFill/>
+          </a:ln>
+        </p:spPr>
+        <p:style>
+          <a:lnRef idx="2">
+            <a:schemeClr val="accent1">
+              <a:shade val="50000"/>
+            </a:schemeClr>
+          </a:lnRef>
+          <a:fillRef idx="1">
+            <a:schemeClr val="accent1"/>
+          </a:fillRef>
+          <a:effectRef idx="0">
+            <a:schemeClr val="accent1"/>
+          </a:effectRef>
+          <a:fontRef idx="minor">
+            <a:schemeClr val="lt1"/>
+          </a:fontRef>
+        </p:style>
+        <p:txBody>
+          <a:bodyPr rtlCol="0" anchor="ctr"/>
+          <a:lstStyle/>
+          <a:p>
+            <a:pPr algn="ctr"/>
+            <a:endParaRPr lang="en-AU">
+              <a:latin typeface="Oxygen" panose="02000503000000000000" pitchFamily="2" charset="0"/>
+            </a:endParaRPr>
+          </a:p>
+        </p:txBody>
+      </p:sp>
+      <p:sp>
+        <p:nvSpPr>
+          <p:cNvPr id="8" name="Rectangle 7">
+            <a:extLst>
+              <a:ext uri="{FF2B5EF4-FFF2-40B4-BE49-F238E27FC236}">
+                <a16:creationId xmlns:a16="http://schemas.microsoft.com/office/drawing/2014/main" xmlns="" id="{583FBC17-A62F-4E87-B8DE-0F79DF4336A0}"/>
+              </a:ext>
+            </a:extLst>
+          </p:cNvPr>
+          <p:cNvSpPr/>
+          <p:nvPr/>
+        </p:nvSpPr>
+        <p:spPr>
+          <a:xfrm>
+            <a:off x="3824624" y="5691"/>
+            <a:ext cx="8367376" cy="770637"/>
+          </a:xfrm>
+          <a:prstGeom prst="rect">
+            <a:avLst/>
+          </a:prstGeom>
+          <a:solidFill>
+            <a:schemeClr val="bg1">
+              <a:lumMod val="95000"/>
+            </a:schemeClr>
+          </a:solidFill>
+          <a:ln>
+            <a:noFill/>
+          </a:ln>
+        </p:spPr>
+        <p:style>
+          <a:lnRef idx="2">
+            <a:schemeClr val="accent1">
+              <a:shade val="50000"/>
+            </a:schemeClr>
+          </a:lnRef>
+          <a:fillRef idx="1">
+            <a:schemeClr val="accent1"/>
+          </a:fillRef>
+          <a:effectRef idx="0">
+            <a:schemeClr val="accent1"/>
+          </a:effectRef>
+          <a:fontRef idx="minor">
+            <a:schemeClr val="lt1"/>
+          </a:fontRef>
+        </p:style>
+        <p:txBody>
+          <a:bodyPr rtlCol="0" anchor="ctr"/>
+          <a:lstStyle/>
+          <a:p>
+            <a:endParaRPr lang="en-AU" sz="800" dirty="0">
+              <a:solidFill>
+                <a:schemeClr val="bg1">
+                  <a:lumMod val="50000"/>
+                </a:schemeClr>
+              </a:solidFill>
+              <a:latin typeface="Oxygen" panose="02000503000000000000" pitchFamily="2" charset="0"/>
+            </a:endParaRPr>
+          </a:p>
+        </p:txBody>
+      </p:sp>
+      <p:grpSp>
+        <p:nvGrpSpPr>
+          <p:cNvPr id="19" name="Group 18">
+            <a:extLst>
+              <a:ext uri="{FF2B5EF4-FFF2-40B4-BE49-F238E27FC236}">
+                <a16:creationId xmlns:a16="http://schemas.microsoft.com/office/drawing/2014/main" xmlns="" id="{C587FE1B-2243-4627-BC52-851BDA62444B}"/>
+              </a:ext>
+            </a:extLst>
+          </p:cNvPr>
+          <p:cNvGrpSpPr/>
+          <p:nvPr/>
+        </p:nvGrpSpPr>
+        <p:grpSpPr>
+          <a:xfrm>
+            <a:off x="687804" y="156881"/>
+            <a:ext cx="2471777" cy="1145371"/>
+            <a:chOff x="4600575" y="2600315"/>
+            <a:chExt cx="2990850" cy="1385897"/>
+          </a:xfrm>
+        </p:grpSpPr>
+        <p:pic>
+          <p:nvPicPr>
+            <p:cNvPr id="20" name="Picture 19">
+              <a:extLst>
+                <a:ext uri="{FF2B5EF4-FFF2-40B4-BE49-F238E27FC236}">
+                  <a16:creationId xmlns:a16="http://schemas.microsoft.com/office/drawing/2014/main" xmlns="" id="{0F2E3E05-4A48-4C06-BA49-75E2E366C715}"/>
+                </a:ext>
+              </a:extLst>
+            </p:cNvPr>
+            <p:cNvPicPr>
+              <a:picLocks noChangeAspect="1"/>
+            </p:cNvPicPr>
+            <p:nvPr/>
+          </p:nvPicPr>
+          <p:blipFill>
+            <a:blip r:embed="rId2"/>
+            <a:stretch>
+              <a:fillRect/>
+            </a:stretch>
+          </p:blipFill>
+          <p:spPr>
+            <a:xfrm>
+              <a:off x="4600575" y="2871787"/>
+              <a:ext cx="2990850" cy="1114425"/>
+            </a:xfrm>
+            <a:prstGeom prst="rect">
+              <a:avLst/>
+            </a:prstGeom>
+          </p:spPr>
+        </p:pic>
+        <p:sp>
+          <p:nvSpPr>
+            <p:cNvPr id="21" name="Freeform 22">
+              <a:extLst>
+                <a:ext uri="{FF2B5EF4-FFF2-40B4-BE49-F238E27FC236}">
+                  <a16:creationId xmlns:a16="http://schemas.microsoft.com/office/drawing/2014/main" xmlns="" id="{8413CF68-A7E3-43A0-B613-5438D5382AB1}"/>
+                </a:ext>
+              </a:extLst>
+            </p:cNvPr>
+            <p:cNvSpPr/>
+            <p:nvPr/>
+          </p:nvSpPr>
+          <p:spPr>
+            <a:xfrm>
+              <a:off x="4739363" y="2600315"/>
+              <a:ext cx="971569" cy="971569"/>
+            </a:xfrm>
+            <a:custGeom>
+              <a:avLst/>
+              <a:gdLst>
+                <a:gd name="connsiteX0" fmla="*/ 1080000 w 2160000"/>
+                <a:gd name="connsiteY0" fmla="*/ 0 h 2160000"/>
+                <a:gd name="connsiteX1" fmla="*/ 2154424 w 2160000"/>
+                <a:gd name="connsiteY1" fmla="*/ 969576 h 2160000"/>
+                <a:gd name="connsiteX2" fmla="*/ 2157027 w 2160000"/>
+                <a:gd name="connsiteY2" fmla="*/ 1021127 h 2160000"/>
+                <a:gd name="connsiteX3" fmla="*/ 2159999 w 2160000"/>
+                <a:gd name="connsiteY3" fmla="*/ 1021127 h 2160000"/>
+                <a:gd name="connsiteX4" fmla="*/ 2159999 w 2160000"/>
+                <a:gd name="connsiteY4" fmla="*/ 1079980 h 2160000"/>
+                <a:gd name="connsiteX5" fmla="*/ 2160000 w 2160000"/>
+                <a:gd name="connsiteY5" fmla="*/ 1080000 h 2160000"/>
+                <a:gd name="connsiteX6" fmla="*/ 2159999 w 2160000"/>
+                <a:gd name="connsiteY6" fmla="*/ 1080021 h 2160000"/>
+                <a:gd name="connsiteX7" fmla="*/ 2159999 w 2160000"/>
+                <a:gd name="connsiteY7" fmla="*/ 1716639 h 2160000"/>
+                <a:gd name="connsiteX8" fmla="*/ 2157838 w 2160000"/>
+                <a:gd name="connsiteY8" fmla="*/ 1716639 h 2160000"/>
+                <a:gd name="connsiteX9" fmla="*/ 2160000 w 2160000"/>
+                <a:gd name="connsiteY9" fmla="*/ 1738544 h 2160000"/>
+                <a:gd name="connsiteX10" fmla="*/ 1891921 w 2160000"/>
+                <a:gd name="connsiteY10" fmla="*/ 2012333 h 2160000"/>
+                <a:gd name="connsiteX11" fmla="*/ 1623842 w 2160000"/>
+                <a:gd name="connsiteY11" fmla="*/ 1738544 h 2160000"/>
+                <a:gd name="connsiteX12" fmla="*/ 1626005 w 2160000"/>
+                <a:gd name="connsiteY12" fmla="*/ 1716639 h 2160000"/>
+                <a:gd name="connsiteX13" fmla="*/ 1620298 w 2160000"/>
+                <a:gd name="connsiteY13" fmla="*/ 1716639 h 2160000"/>
+                <a:gd name="connsiteX14" fmla="*/ 1620298 w 2160000"/>
+                <a:gd name="connsiteY14" fmla="*/ 1090950 h 2160000"/>
+                <a:gd name="connsiteX15" fmla="*/ 1618898 w 2160000"/>
+                <a:gd name="connsiteY15" fmla="*/ 1090937 h 2160000"/>
+                <a:gd name="connsiteX16" fmla="*/ 1620000 w 2160000"/>
+                <a:gd name="connsiteY16" fmla="*/ 1080000 h 2160000"/>
+                <a:gd name="connsiteX17" fmla="*/ 1080000 w 2160000"/>
+                <a:gd name="connsiteY17" fmla="*/ 540000 h 2160000"/>
+                <a:gd name="connsiteX18" fmla="*/ 540000 w 2160000"/>
+                <a:gd name="connsiteY18" fmla="*/ 1080000 h 2160000"/>
+                <a:gd name="connsiteX19" fmla="*/ 1080000 w 2160000"/>
+                <a:gd name="connsiteY19" fmla="*/ 1620000 h 2160000"/>
+                <a:gd name="connsiteX20" fmla="*/ 1172144 w 2160000"/>
+                <a:gd name="connsiteY20" fmla="*/ 1610711 h 2160000"/>
+                <a:gd name="connsiteX21" fmla="*/ 1192722 w 2160000"/>
+                <a:gd name="connsiteY21" fmla="*/ 1599542 h 2160000"/>
+                <a:gd name="connsiteX22" fmla="*/ 1205334 w 2160000"/>
+                <a:gd name="connsiteY22" fmla="*/ 1595627 h 2160000"/>
+                <a:gd name="connsiteX23" fmla="*/ 1218649 w 2160000"/>
+                <a:gd name="connsiteY23" fmla="*/ 1594482 h 2160000"/>
+                <a:gd name="connsiteX24" fmla="*/ 1273176 w 2160000"/>
+                <a:gd name="connsiteY24" fmla="*/ 1581875 h 2160000"/>
+                <a:gd name="connsiteX25" fmla="*/ 1277433 w 2160000"/>
+                <a:gd name="connsiteY25" fmla="*/ 1580379 h 2160000"/>
+                <a:gd name="connsiteX26" fmla="*/ 1297818 w 2160000"/>
+                <a:gd name="connsiteY26" fmla="*/ 1578324 h 2160000"/>
+                <a:gd name="connsiteX27" fmla="*/ 1567818 w 2160000"/>
+                <a:gd name="connsiteY27" fmla="*/ 1848324 h 2160000"/>
+                <a:gd name="connsiteX28" fmla="*/ 1469563 w 2160000"/>
+                <a:gd name="connsiteY28" fmla="*/ 2056669 h 2160000"/>
+                <a:gd name="connsiteX29" fmla="*/ 1412948 w 2160000"/>
+                <a:gd name="connsiteY29" fmla="*/ 2091019 h 2160000"/>
+                <a:gd name="connsiteX30" fmla="*/ 1398272 w 2160000"/>
+                <a:gd name="connsiteY30" fmla="*/ 2101498 h 2160000"/>
+                <a:gd name="connsiteX31" fmla="*/ 1374464 w 2160000"/>
+                <a:gd name="connsiteY31" fmla="*/ 2110955 h 2160000"/>
+                <a:gd name="connsiteX32" fmla="*/ 1376211 w 2160000"/>
+                <a:gd name="connsiteY32" fmla="*/ 2117860 h 2160000"/>
+                <a:gd name="connsiteX33" fmla="*/ 1321962 w 2160000"/>
+                <a:gd name="connsiteY33" fmla="*/ 2131809 h 2160000"/>
+                <a:gd name="connsiteX34" fmla="*/ 1306247 w 2160000"/>
+                <a:gd name="connsiteY34" fmla="*/ 2138051 h 2160000"/>
+                <a:gd name="connsiteX35" fmla="*/ 1267530 w 2160000"/>
+                <a:gd name="connsiteY35" fmla="*/ 2142656 h 2160000"/>
+                <a:gd name="connsiteX36" fmla="*/ 1190424 w 2160000"/>
+                <a:gd name="connsiteY36" fmla="*/ 2154424 h 2160000"/>
+                <a:gd name="connsiteX37" fmla="*/ 1080000 w 2160000"/>
+                <a:gd name="connsiteY37" fmla="*/ 2160000 h 2160000"/>
+                <a:gd name="connsiteX38" fmla="*/ 0 w 2160000"/>
+                <a:gd name="connsiteY38" fmla="*/ 1080000 h 2160000"/>
+                <a:gd name="connsiteX39" fmla="*/ 1080000 w 2160000"/>
+                <a:gd name="connsiteY39" fmla="*/ 0 h 2160000"/>
+              </a:gdLst>
+              <a:ahLst/>
+              <a:cxnLst>
+                <a:cxn ang="0">
+                  <a:pos x="connsiteX0" y="connsiteY0"/>
+                </a:cxn>
+                <a:cxn ang="0">
+                  <a:pos x="connsiteX1" y="connsiteY1"/>
+                </a:cxn>
+                <a:cxn ang="0">
+                  <a:pos x="connsiteX2" y="connsiteY2"/>
+                </a:cxn>
+                <a:cxn ang="0">
+                  <a:pos x="connsiteX3" y="connsiteY3"/>
+                </a:cxn>
+                <a:cxn ang="0">
+                  <a:pos x="connsiteX4" y="connsiteY4"/>
+                </a:cxn>
+                <a:cxn ang="0">
+                  <a:pos x="connsiteX5" y="connsiteY5"/>
+                </a:cxn>
+                <a:cxn ang="0">
+                  <a:pos x="connsiteX6" y="connsiteY6"/>
+                </a:cxn>
+                <a:cxn ang="0">
+                  <a:pos x="connsiteX7" y="connsiteY7"/>
+                </a:cxn>
+                <a:cxn ang="0">
+                  <a:pos x="connsiteX8" y="connsiteY8"/>
+                </a:cxn>
+                <a:cxn ang="0">
+                  <a:pos x="connsiteX9" y="connsiteY9"/>
+                </a:cxn>
+                <a:cxn ang="0">
+                  <a:pos x="connsiteX10" y="connsiteY10"/>
+                </a:cxn>
+                <a:cxn ang="0">
+                  <a:pos x="connsiteX11" y="connsiteY11"/>
+                </a:cxn>
+                <a:cxn ang="0">
+                  <a:pos x="connsiteX12" y="connsiteY12"/>
+                </a:cxn>
+                <a:cxn ang="0">
+                  <a:pos x="connsiteX13" y="connsiteY13"/>
+                </a:cxn>
+                <a:cxn ang="0">
+                  <a:pos x="connsiteX14" y="connsiteY14"/>
+                </a:cxn>
+                <a:cxn ang="0">
+                  <a:pos x="connsiteX15" y="connsiteY15"/>
+                </a:cxn>
+                <a:cxn ang="0">
+                  <a:pos x="connsiteX16" y="connsiteY16"/>
+                </a:cxn>
+                <a:cxn ang="0">
+                  <a:pos x="connsiteX17" y="connsiteY17"/>
+                </a:cxn>
+                <a:cxn ang="0">
+                  <a:pos x="connsiteX18" y="connsiteY18"/>
+                </a:cxn>
+                <a:cxn ang="0">
+                  <a:pos x="connsiteX19" y="connsiteY19"/>
+                </a:cxn>
+                <a:cxn ang="0">
+                  <a:pos x="connsiteX20" y="connsiteY20"/>
+                </a:cxn>
+                <a:cxn ang="0">
+                  <a:pos x="connsiteX21" y="connsiteY21"/>
+                </a:cxn>
+                <a:cxn ang="0">
+                  <a:pos x="connsiteX22" y="connsiteY22"/>
+                </a:cxn>
+                <a:cxn ang="0">
+                  <a:pos x="connsiteX23" y="connsiteY23"/>
+                </a:cxn>
+                <a:cxn ang="0">
+                  <a:pos x="connsiteX24" y="connsiteY24"/>
+                </a:cxn>
+                <a:cxn ang="0">
+                  <a:pos x="connsiteX25" y="connsiteY25"/>
+                </a:cxn>
+                <a:cxn ang="0">
+                  <a:pos x="connsiteX26" y="connsiteY26"/>
+                </a:cxn>
+                <a:cxn ang="0">
+                  <a:pos x="connsiteX27" y="connsiteY27"/>
+                </a:cxn>
+                <a:cxn ang="0">
+                  <a:pos x="connsiteX28" y="connsiteY28"/>
+                </a:cxn>
+                <a:cxn ang="0">
+                  <a:pos x="connsiteX29" y="connsiteY29"/>
+                </a:cxn>
+                <a:cxn ang="0">
+                  <a:pos x="connsiteX30" y="connsiteY30"/>
+                </a:cxn>
+                <a:cxn ang="0">
+                  <a:pos x="connsiteX31" y="connsiteY31"/>
+                </a:cxn>
+                <a:cxn ang="0">
+                  <a:pos x="connsiteX32" y="connsiteY32"/>
+                </a:cxn>
+                <a:cxn ang="0">
+                  <a:pos x="connsiteX33" y="connsiteY33"/>
+                </a:cxn>
+                <a:cxn ang="0">
+                  <a:pos x="connsiteX34" y="connsiteY34"/>
+                </a:cxn>
+                <a:cxn ang="0">
+                  <a:pos x="connsiteX35" y="connsiteY35"/>
+                </a:cxn>
+                <a:cxn ang="0">
+                  <a:pos x="connsiteX36" y="connsiteY36"/>
+                </a:cxn>
+                <a:cxn ang="0">
+                  <a:pos x="connsiteX37" y="connsiteY37"/>
+                </a:cxn>
+                <a:cxn ang="0">
+                  <a:pos x="connsiteX38" y="connsiteY38"/>
+                </a:cxn>
+                <a:cxn ang="0">
+                  <a:pos x="connsiteX39" y="connsiteY39"/>
+                </a:cxn>
+              </a:cxnLst>
+              <a:rect l="l" t="t" r="r" b="b"/>
+              <a:pathLst>
+                <a:path w="2160000" h="2160000">
+                  <a:moveTo>
+                    <a:pt x="1080000" y="0"/>
+                  </a:moveTo>
+                  <a:cubicBezTo>
+                    <a:pt x="1639189" y="0"/>
+                    <a:pt x="2099117" y="424979"/>
+                    <a:pt x="2154424" y="969576"/>
+                  </a:cubicBezTo>
+                  <a:lnTo>
+                    <a:pt x="2157027" y="1021127"/>
+                  </a:lnTo>
+                  <a:lnTo>
+                    <a:pt x="2159999" y="1021127"/>
+                  </a:lnTo>
+                  <a:lnTo>
+                    <a:pt x="2159999" y="1079980"/>
+                  </a:lnTo>
+                  <a:lnTo>
+                    <a:pt x="2160000" y="1080000"/>
+                  </a:lnTo>
+                  <a:lnTo>
+                    <a:pt x="2159999" y="1080021"/>
+                  </a:lnTo>
+                  <a:lnTo>
+                    <a:pt x="2159999" y="1716639"/>
+                  </a:lnTo>
+                  <a:lnTo>
+                    <a:pt x="2157838" y="1716639"/>
+                  </a:lnTo>
+                  <a:lnTo>
+                    <a:pt x="2160000" y="1738544"/>
+                  </a:lnTo>
+                  <a:cubicBezTo>
+                    <a:pt x="2160000" y="1889753"/>
+                    <a:pt x="2039977" y="2012333"/>
+                    <a:pt x="1891921" y="2012333"/>
+                  </a:cubicBezTo>
+                  <a:cubicBezTo>
+                    <a:pt x="1743865" y="2012333"/>
+                    <a:pt x="1623842" y="1889753"/>
+                    <a:pt x="1623842" y="1738544"/>
+                  </a:cubicBezTo>
+                  <a:lnTo>
+                    <a:pt x="1626005" y="1716639"/>
+                  </a:lnTo>
+                  <a:lnTo>
+                    <a:pt x="1620298" y="1716639"/>
+                  </a:lnTo>
+                  <a:lnTo>
+                    <a:pt x="1620298" y="1090950"/>
+                  </a:lnTo>
+                  <a:lnTo>
+                    <a:pt x="1618898" y="1090937"/>
+                  </a:lnTo>
+                  <a:lnTo>
+                    <a:pt x="1620000" y="1080000"/>
+                  </a:lnTo>
+                  <a:cubicBezTo>
+                    <a:pt x="1620000" y="781766"/>
+                    <a:pt x="1378234" y="540000"/>
+                    <a:pt x="1080000" y="540000"/>
+                  </a:cubicBezTo>
+                  <a:cubicBezTo>
+                    <a:pt x="781766" y="540000"/>
+                    <a:pt x="540000" y="781766"/>
+                    <a:pt x="540000" y="1080000"/>
+                  </a:cubicBezTo>
+                  <a:cubicBezTo>
+                    <a:pt x="540000" y="1378234"/>
+                    <a:pt x="781766" y="1620000"/>
+                    <a:pt x="1080000" y="1620000"/>
+                  </a:cubicBezTo>
+                  <a:lnTo>
+                    <a:pt x="1172144" y="1610711"/>
+                  </a:lnTo>
+                  <a:lnTo>
+                    <a:pt x="1192722" y="1599542"/>
+                  </a:lnTo>
+                  <a:lnTo>
+                    <a:pt x="1205334" y="1595627"/>
+                  </a:lnTo>
+                  <a:lnTo>
+                    <a:pt x="1218649" y="1594482"/>
+                  </a:lnTo>
+                  <a:cubicBezTo>
+                    <a:pt x="1237851" y="1591023"/>
+                    <a:pt x="1256099" y="1586790"/>
+                    <a:pt x="1273176" y="1581875"/>
+                  </a:cubicBezTo>
+                  <a:lnTo>
+                    <a:pt x="1277433" y="1580379"/>
+                  </a:lnTo>
+                  <a:lnTo>
+                    <a:pt x="1297818" y="1578324"/>
+                  </a:lnTo>
+                  <a:cubicBezTo>
+                    <a:pt x="1446935" y="1578324"/>
+                    <a:pt x="1567818" y="1699207"/>
+                    <a:pt x="1567818" y="1848324"/>
+                  </a:cubicBezTo>
+                  <a:cubicBezTo>
+                    <a:pt x="1567818" y="1932202"/>
+                    <a:pt x="1529570" y="2007147"/>
+                    <a:pt x="1469563" y="2056669"/>
+                  </a:cubicBezTo>
+                  <a:lnTo>
+                    <a:pt x="1412948" y="2091019"/>
+                  </a:lnTo>
+                  <a:lnTo>
+                    <a:pt x="1398272" y="2101498"/>
+                  </a:lnTo>
+                  <a:lnTo>
+                    <a:pt x="1374464" y="2110955"/>
+                  </a:lnTo>
+                  <a:lnTo>
+                    <a:pt x="1376211" y="2117860"/>
+                  </a:lnTo>
+                  <a:lnTo>
+                    <a:pt x="1321962" y="2131809"/>
+                  </a:lnTo>
+                  <a:lnTo>
+                    <a:pt x="1306247" y="2138051"/>
+                  </a:lnTo>
+                  <a:lnTo>
+                    <a:pt x="1267530" y="2142656"/>
+                  </a:lnTo>
+                  <a:lnTo>
+                    <a:pt x="1190424" y="2154424"/>
+                  </a:lnTo>
+                  <a:cubicBezTo>
+                    <a:pt x="1154118" y="2158111"/>
+                    <a:pt x="1117280" y="2160000"/>
+                    <a:pt x="1080000" y="2160000"/>
+                  </a:cubicBezTo>
+                  <a:cubicBezTo>
+                    <a:pt x="483532" y="2160000"/>
+                    <a:pt x="0" y="1676468"/>
+                    <a:pt x="0" y="1080000"/>
+                  </a:cubicBezTo>
+                  <a:cubicBezTo>
+                    <a:pt x="0" y="483532"/>
+                    <a:pt x="483532" y="0"/>
+                    <a:pt x="1080000" y="0"/>
+                  </a:cubicBezTo>
+                  <a:close/>
+                </a:path>
+              </a:pathLst>
+            </a:custGeom>
+            <a:solidFill>
+              <a:srgbClr val="FF8C52"/>
+            </a:solidFill>
+            <a:ln>
+              <a:solidFill>
+                <a:srgbClr val="FF8C52"/>
+              </a:solidFill>
+            </a:ln>
+          </p:spPr>
+          <p:style>
+            <a:lnRef idx="2">
+              <a:schemeClr val="accent1">
+                <a:shade val="50000"/>
+              </a:schemeClr>
+            </a:lnRef>
+            <a:fillRef idx="1">
+              <a:schemeClr val="accent1"/>
+            </a:fillRef>
+            <a:effectRef idx="0">
+              <a:schemeClr val="accent1"/>
+            </a:effectRef>
+            <a:fontRef idx="minor">
+              <a:schemeClr val="lt1"/>
+            </a:fontRef>
+          </p:style>
+          <p:txBody>
+            <a:bodyPr rtlCol="0" anchor="ctr"/>
+            <a:lstStyle/>
+            <a:p>
+              <a:pPr algn="ctr"/>
+              <a:endParaRPr lang="en-AU" dirty="0">
+                <a:latin typeface="Oxygen" panose="02000503000000000000" pitchFamily="2" charset="0"/>
+              </a:endParaRPr>
+            </a:p>
+          </p:txBody>
+        </p:sp>
+      </p:grpSp>
+      <p:sp>
+        <p:nvSpPr>
+          <p:cNvPr id="22" name="TextBox 21">
+            <a:extLst>
+              <a:ext uri="{FF2B5EF4-FFF2-40B4-BE49-F238E27FC236}">
+                <a16:creationId xmlns:a16="http://schemas.microsoft.com/office/drawing/2014/main" xmlns="" id="{97653B96-F2E2-406B-A513-F42319FDB50F}"/>
+              </a:ext>
+            </a:extLst>
+          </p:cNvPr>
+          <p:cNvSpPr txBox="1"/>
+          <p:nvPr/>
+        </p:nvSpPr>
+        <p:spPr>
+          <a:xfrm>
+            <a:off x="4698840" y="156881"/>
+            <a:ext cx="3887603" cy="369332"/>
+          </a:xfrm>
+          <a:prstGeom prst="rect">
+            <a:avLst/>
+          </a:prstGeom>
+          <a:noFill/>
+        </p:spPr>
+        <p:txBody>
+          <a:bodyPr wrap="none" rtlCol="0">
+            <a:spAutoFit/>
+          </a:bodyPr>
+          <a:lstStyle/>
+          <a:p>
+            <a:r>
+              <a:rPr lang="en-US" b="1" cap="small" dirty="0" smtClean="0">
+                <a:solidFill>
+                  <a:schemeClr val="bg2">
+                    <a:lumMod val="75000"/>
+                  </a:schemeClr>
+                </a:solidFill>
+                <a:latin typeface="Oxygen" panose="02000503000000000000" pitchFamily="2" charset="0"/>
+                <a:cs typeface="Arial" panose="020B0604020202020204" pitchFamily="34" charset="0"/>
+              </a:rPr>
+              <a:t>Python Programming: </a:t>
+            </a:r>
+            <a:r>
+              <a:rPr lang="en-US" b="1" cap="small" dirty="0" smtClean="0">
+                <a:solidFill>
+                  <a:schemeClr val="bg2">
+                    <a:lumMod val="75000"/>
+                  </a:schemeClr>
+                </a:solidFill>
+                <a:latin typeface="Oxygen" panose="02000503000000000000" pitchFamily="2" charset="0"/>
+                <a:cs typeface="Arial" panose="020B0604020202020204" pitchFamily="34" charset="0"/>
+              </a:rPr>
+              <a:t>Dictionaries</a:t>
+            </a:r>
+            <a:endParaRPr lang="en-AU" b="1" cap="small" dirty="0">
+              <a:solidFill>
+                <a:schemeClr val="bg2">
+                  <a:lumMod val="75000"/>
+                </a:schemeClr>
+              </a:solidFill>
+              <a:latin typeface="Oxygen" panose="02000503000000000000" pitchFamily="2" charset="0"/>
+              <a:cs typeface="Arial" panose="020B0604020202020204" pitchFamily="34" charset="0"/>
+            </a:endParaRPr>
+          </a:p>
+        </p:txBody>
+      </p:sp>
+      <p:sp>
+        <p:nvSpPr>
+          <p:cNvPr id="33" name="Rectangle 32">
+            <a:extLst>
+              <a:ext uri="{FF2B5EF4-FFF2-40B4-BE49-F238E27FC236}">
+                <a16:creationId xmlns:a16="http://schemas.microsoft.com/office/drawing/2014/main" xmlns="" id="{E02B0EB1-C543-469A-90DE-9FA0F478E35F}"/>
+              </a:ext>
+            </a:extLst>
+          </p:cNvPr>
+          <p:cNvSpPr/>
+          <p:nvPr/>
+        </p:nvSpPr>
+        <p:spPr>
+          <a:xfrm>
+            <a:off x="0" y="6543676"/>
+            <a:ext cx="12192000" cy="314325"/>
+          </a:xfrm>
+          <a:prstGeom prst="rect">
+            <a:avLst/>
+          </a:prstGeom>
+          <a:solidFill>
+            <a:schemeClr val="bg1">
+              <a:lumMod val="95000"/>
+            </a:schemeClr>
+          </a:solidFill>
+          <a:ln>
+            <a:noFill/>
+          </a:ln>
+        </p:spPr>
+        <p:style>
+          <a:lnRef idx="2">
+            <a:schemeClr val="accent1">
+              <a:shade val="50000"/>
+            </a:schemeClr>
+          </a:lnRef>
+          <a:fillRef idx="1">
+            <a:schemeClr val="accent1"/>
+          </a:fillRef>
+          <a:effectRef idx="0">
+            <a:schemeClr val="accent1"/>
+          </a:effectRef>
+          <a:fontRef idx="minor">
+            <a:schemeClr val="lt1"/>
+          </a:fontRef>
+        </p:style>
+        <p:txBody>
+          <a:bodyPr rtlCol="0" anchor="ctr"/>
+          <a:lstStyle/>
+          <a:p>
+            <a:r>
+              <a:rPr lang="en-US" sz="800" dirty="0">
+                <a:solidFill>
+                  <a:schemeClr val="bg1">
+                    <a:lumMod val="50000"/>
+                  </a:schemeClr>
+                </a:solidFill>
+                <a:latin typeface="Oxygen" panose="02000503000000000000" pitchFamily="2" charset="0"/>
+              </a:rPr>
+              <a:t>                                                                                                                            </a:t>
+            </a:r>
+            <a:r>
+              <a:rPr lang="en-US" sz="800" b="1" dirty="0">
+                <a:solidFill>
+                  <a:schemeClr val="bg1">
+                    <a:lumMod val="50000"/>
+                  </a:schemeClr>
+                </a:solidFill>
+                <a:latin typeface="Oxygen" panose="02000503000000000000" pitchFamily="2" charset="0"/>
+              </a:rPr>
+              <a:t> </a:t>
+            </a:r>
+            <a:r>
+              <a:rPr lang="en-US" sz="800" b="1" dirty="0">
+                <a:solidFill>
+                  <a:srgbClr val="FF8C52"/>
+                </a:solidFill>
+                <a:latin typeface="Oxygen" panose="02000503000000000000" pitchFamily="2" charset="0"/>
+              </a:rPr>
+              <a:t>CONCEPTION      &gt;&gt;      PRACTICE        &gt;&gt;        CONFIDENCE      &gt;&gt;       HIGHEST GRADES</a:t>
+            </a:r>
+            <a:r>
+              <a:rPr lang="en-US" sz="800" dirty="0">
+                <a:solidFill>
+                  <a:srgbClr val="FF8C52"/>
+                </a:solidFill>
+                <a:latin typeface="Oxygen" panose="02000503000000000000" pitchFamily="2" charset="0"/>
+              </a:rPr>
+              <a:t>                                                                             </a:t>
+            </a:r>
+            <a:r>
+              <a:rPr lang="en-US" sz="700" dirty="0">
+                <a:solidFill>
+                  <a:schemeClr val="bg1">
+                    <a:lumMod val="50000"/>
+                  </a:schemeClr>
+                </a:solidFill>
+                <a:latin typeface="Oxygen" panose="02000503000000000000" pitchFamily="2" charset="0"/>
+              </a:rPr>
+              <a:t>© </a:t>
+            </a:r>
+            <a:r>
+              <a:rPr lang="pt-BR" sz="700" dirty="0">
+                <a:solidFill>
+                  <a:schemeClr val="bg1">
+                    <a:lumMod val="50000"/>
+                  </a:schemeClr>
+                </a:solidFill>
+                <a:latin typeface="Oxygen" panose="02000503000000000000" pitchFamily="2" charset="0"/>
+              </a:rPr>
+              <a:t>PROTECTED ANODIAM 2023     ||     PRIVATE &amp; CONFIDENTIAL</a:t>
+            </a:r>
+            <a:endParaRPr lang="en-AU" sz="700" dirty="0">
+              <a:solidFill>
+                <a:schemeClr val="bg1">
+                  <a:lumMod val="50000"/>
+                </a:schemeClr>
+              </a:solidFill>
+              <a:latin typeface="Oxygen" panose="02000503000000000000" pitchFamily="2" charset="0"/>
+            </a:endParaRPr>
+          </a:p>
+        </p:txBody>
+      </p:sp>
+      <p:sp>
+        <p:nvSpPr>
+          <p:cNvPr id="2" name="TextBox 1"/>
+          <p:cNvSpPr txBox="1"/>
+          <p:nvPr/>
+        </p:nvSpPr>
+        <p:spPr>
+          <a:xfrm>
+            <a:off x="3824624" y="2879001"/>
+            <a:ext cx="4085799" cy="1638910"/>
+          </a:xfrm>
+          <a:prstGeom prst="rect">
+            <a:avLst/>
+          </a:prstGeom>
+          <a:noFill/>
+        </p:spPr>
+        <p:txBody>
+          <a:bodyPr wrap="square" rtlCol="0">
+            <a:spAutoFit/>
+          </a:bodyPr>
+          <a:lstStyle/>
+          <a:p>
+            <a:pPr>
+              <a:lnSpc>
+                <a:spcPct val="150000"/>
+              </a:lnSpc>
+            </a:pPr>
+            <a:r>
+              <a:rPr lang="en-US" sz="1200" b="1" dirty="0" smtClean="0">
+                <a:solidFill>
+                  <a:schemeClr val="bg2">
+                    <a:lumMod val="50000"/>
+                  </a:schemeClr>
+                </a:solidFill>
+                <a:latin typeface="Oxygen" panose="02000503000000000000" pitchFamily="2" charset="0"/>
+              </a:rPr>
+              <a:t>Dictionaries: { key : value }</a:t>
+            </a:r>
+            <a:endParaRPr lang="en-US" sz="1200" b="1" dirty="0">
+              <a:solidFill>
+                <a:schemeClr val="bg2">
+                  <a:lumMod val="50000"/>
+                </a:schemeClr>
+              </a:solidFill>
+              <a:latin typeface="Oxygen" panose="02000503000000000000" pitchFamily="2" charset="0"/>
+            </a:endParaRPr>
+          </a:p>
+          <a:p>
+            <a:pPr marL="171450" indent="-171450">
+              <a:lnSpc>
+                <a:spcPct val="150000"/>
+              </a:lnSpc>
+              <a:buFont typeface="Wingdings" panose="05000000000000000000" pitchFamily="2" charset="2"/>
+              <a:buChar char="v"/>
+            </a:pPr>
+            <a:r>
+              <a:rPr lang="en-AU" sz="1100" dirty="0" smtClean="0">
+                <a:solidFill>
+                  <a:schemeClr val="bg2">
+                    <a:lumMod val="50000"/>
+                  </a:schemeClr>
+                </a:solidFill>
+                <a:latin typeface="Oxygen" panose="02000503000000000000" pitchFamily="2" charset="0"/>
+              </a:rPr>
+              <a:t>Key must be immutable</a:t>
+            </a:r>
+            <a:endParaRPr lang="en-AU" sz="1100" dirty="0">
+              <a:solidFill>
+                <a:schemeClr val="bg2">
+                  <a:lumMod val="50000"/>
+                </a:schemeClr>
+              </a:solidFill>
+              <a:latin typeface="Oxygen" panose="02000503000000000000" pitchFamily="2" charset="0"/>
+            </a:endParaRPr>
+          </a:p>
+          <a:p>
+            <a:pPr marL="171450" indent="-171450">
+              <a:lnSpc>
+                <a:spcPct val="150000"/>
+              </a:lnSpc>
+              <a:buFont typeface="Wingdings" panose="05000000000000000000" pitchFamily="2" charset="2"/>
+              <a:buChar char="v"/>
+            </a:pPr>
+            <a:r>
+              <a:rPr lang="en-US" sz="1100" dirty="0" smtClean="0">
+                <a:solidFill>
+                  <a:schemeClr val="bg2">
+                    <a:lumMod val="50000"/>
+                  </a:schemeClr>
+                </a:solidFill>
+                <a:latin typeface="Oxygen" panose="02000503000000000000" pitchFamily="2" charset="0"/>
+              </a:rPr>
+              <a:t>Access values through key/get( ) function</a:t>
+            </a:r>
+          </a:p>
+          <a:p>
+            <a:pPr marL="171450" indent="-171450">
+              <a:lnSpc>
+                <a:spcPct val="150000"/>
+              </a:lnSpc>
+              <a:buFont typeface="Wingdings" panose="05000000000000000000" pitchFamily="2" charset="2"/>
+              <a:buChar char="v"/>
+            </a:pPr>
+            <a:r>
+              <a:rPr lang="en-US" sz="1100" dirty="0" smtClean="0">
+                <a:solidFill>
+                  <a:schemeClr val="bg2">
+                    <a:lumMod val="50000"/>
+                  </a:schemeClr>
+                </a:solidFill>
+                <a:latin typeface="Oxygen" panose="02000503000000000000" pitchFamily="2" charset="0"/>
+              </a:rPr>
+              <a:t>Can zip 2 lists (key-list &amp; value-list) to form a dictionary</a:t>
+            </a:r>
+          </a:p>
+          <a:p>
+            <a:pPr marL="171450" indent="-171450">
+              <a:lnSpc>
+                <a:spcPct val="150000"/>
+              </a:lnSpc>
+              <a:buFont typeface="Wingdings" panose="05000000000000000000" pitchFamily="2" charset="2"/>
+              <a:buChar char="v"/>
+            </a:pPr>
+            <a:r>
+              <a:rPr lang="en-US" sz="1100" dirty="0" smtClean="0">
+                <a:solidFill>
+                  <a:schemeClr val="bg2">
+                    <a:lumMod val="50000"/>
+                  </a:schemeClr>
+                </a:solidFill>
+                <a:latin typeface="Oxygen" panose="02000503000000000000" pitchFamily="2" charset="0"/>
+              </a:rPr>
+              <a:t>Dictionaries can have nested lists, tuples, sets &amp; other dictionaries inside</a:t>
+            </a:r>
           </a:p>
         </p:txBody>
       </p:sp>
@@ -9823,16 +11309,859 @@
           </a:p>
         </p:txBody>
       </p:sp>
+      <p:pic>
+        <p:nvPicPr>
+          <p:cNvPr id="6" name="Picture 5"/>
+          <p:cNvPicPr>
+            <a:picLocks noChangeAspect="1"/>
+          </p:cNvPicPr>
+          <p:nvPr/>
+        </p:nvPicPr>
+        <p:blipFill>
+          <a:blip r:embed="rId4"/>
+          <a:stretch>
+            <a:fillRect/>
+          </a:stretch>
+        </p:blipFill>
+        <p:spPr>
+          <a:xfrm>
+            <a:off x="8142627" y="1190244"/>
+            <a:ext cx="3753255" cy="4939514"/>
+          </a:xfrm>
+          <a:prstGeom prst="rect">
+            <a:avLst/>
+          </a:prstGeom>
+        </p:spPr>
+      </p:pic>
+    </p:spTree>
+    <p:extLst>
+      <p:ext uri="{BB962C8B-B14F-4D97-AF65-F5344CB8AC3E}">
+        <p14:creationId xmlns:p14="http://schemas.microsoft.com/office/powerpoint/2010/main" val="1414272687"/>
+      </p:ext>
+    </p:extLst>
+  </p:cSld>
+  <p:clrMapOvr>
+    <a:masterClrMapping/>
+  </p:clrMapOvr>
+  <p:timing>
+    <p:tnLst>
+      <p:par>
+        <p:cTn id="1" dur="indefinite" restart="never" nodeType="tmRoot"/>
+      </p:par>
+    </p:tnLst>
+  </p:timing>
+</p:sld>
+</file>
+
+<file path=ppt/slides/slide5.xml><?xml version="1.0" encoding="utf-8"?>
+<p:sld xmlns:a="http://schemas.openxmlformats.org/drawingml/2006/main" xmlns:r="http://schemas.openxmlformats.org/officeDocument/2006/relationships" xmlns:p="http://schemas.openxmlformats.org/presentationml/2006/main">
+  <p:cSld>
+    <p:spTree>
+      <p:nvGrpSpPr>
+        <p:cNvPr id="1" name=""/>
+        <p:cNvGrpSpPr/>
+        <p:nvPr/>
+      </p:nvGrpSpPr>
+      <p:grpSpPr>
+        <a:xfrm>
+          <a:off x="0" y="0"/>
+          <a:ext cx="0" cy="0"/>
+          <a:chOff x="0" y="0"/>
+          <a:chExt cx="0" cy="0"/>
+        </a:xfrm>
+      </p:grpSpPr>
       <p:sp>
         <p:nvSpPr>
-          <p:cNvPr id="17" name="TextBox 16"/>
+          <p:cNvPr id="7" name="Rectangle 6">
+            <a:extLst>
+              <a:ext uri="{FF2B5EF4-FFF2-40B4-BE49-F238E27FC236}">
+                <a16:creationId xmlns:a16="http://schemas.microsoft.com/office/drawing/2014/main" xmlns="" id="{241D8F26-367A-4EE2-BC9B-4A97EE475F57}"/>
+              </a:ext>
+            </a:extLst>
+          </p:cNvPr>
+          <p:cNvSpPr/>
+          <p:nvPr/>
+        </p:nvSpPr>
+        <p:spPr>
+          <a:xfrm>
+            <a:off x="3250887" y="381242"/>
+            <a:ext cx="75415" cy="6476761"/>
+          </a:xfrm>
+          <a:prstGeom prst="rect">
+            <a:avLst/>
+          </a:prstGeom>
+          <a:gradFill>
+            <a:gsLst>
+              <a:gs pos="0">
+                <a:schemeClr val="bg1"/>
+              </a:gs>
+              <a:gs pos="60000">
+                <a:srgbClr val="FF8C52"/>
+              </a:gs>
+              <a:gs pos="40000">
+                <a:srgbClr val="FF8C52"/>
+              </a:gs>
+              <a:gs pos="20000">
+                <a:schemeClr val="bg1"/>
+              </a:gs>
+              <a:gs pos="80000">
+                <a:schemeClr val="bg1"/>
+              </a:gs>
+              <a:gs pos="100000">
+                <a:schemeClr val="bg1"/>
+              </a:gs>
+            </a:gsLst>
+            <a:lin ang="5400000" scaled="1"/>
+          </a:gradFill>
+          <a:ln>
+            <a:noFill/>
+          </a:ln>
+        </p:spPr>
+        <p:style>
+          <a:lnRef idx="2">
+            <a:schemeClr val="accent1">
+              <a:shade val="50000"/>
+            </a:schemeClr>
+          </a:lnRef>
+          <a:fillRef idx="1">
+            <a:schemeClr val="accent1"/>
+          </a:fillRef>
+          <a:effectRef idx="0">
+            <a:schemeClr val="accent1"/>
+          </a:effectRef>
+          <a:fontRef idx="minor">
+            <a:schemeClr val="lt1"/>
+          </a:fontRef>
+        </p:style>
+        <p:txBody>
+          <a:bodyPr rtlCol="0" anchor="ctr"/>
+          <a:lstStyle/>
+          <a:p>
+            <a:pPr algn="ctr"/>
+            <a:endParaRPr lang="en-AU">
+              <a:latin typeface="Oxygen" panose="02000503000000000000" pitchFamily="2" charset="0"/>
+            </a:endParaRPr>
+          </a:p>
+        </p:txBody>
+      </p:sp>
+      <p:sp>
+        <p:nvSpPr>
+          <p:cNvPr id="8" name="Rectangle 7">
+            <a:extLst>
+              <a:ext uri="{FF2B5EF4-FFF2-40B4-BE49-F238E27FC236}">
+                <a16:creationId xmlns:a16="http://schemas.microsoft.com/office/drawing/2014/main" xmlns="" id="{583FBC17-A62F-4E87-B8DE-0F79DF4336A0}"/>
+              </a:ext>
+            </a:extLst>
+          </p:cNvPr>
+          <p:cNvSpPr/>
+          <p:nvPr/>
+        </p:nvSpPr>
+        <p:spPr>
+          <a:xfrm>
+            <a:off x="3824624" y="-22884"/>
+            <a:ext cx="8367376" cy="770637"/>
+          </a:xfrm>
+          <a:prstGeom prst="rect">
+            <a:avLst/>
+          </a:prstGeom>
+          <a:solidFill>
+            <a:schemeClr val="bg1">
+              <a:lumMod val="95000"/>
+            </a:schemeClr>
+          </a:solidFill>
+          <a:ln>
+            <a:noFill/>
+          </a:ln>
+        </p:spPr>
+        <p:style>
+          <a:lnRef idx="2">
+            <a:schemeClr val="accent1">
+              <a:shade val="50000"/>
+            </a:schemeClr>
+          </a:lnRef>
+          <a:fillRef idx="1">
+            <a:schemeClr val="accent1"/>
+          </a:fillRef>
+          <a:effectRef idx="0">
+            <a:schemeClr val="accent1"/>
+          </a:effectRef>
+          <a:fontRef idx="minor">
+            <a:schemeClr val="lt1"/>
+          </a:fontRef>
+        </p:style>
+        <p:txBody>
+          <a:bodyPr rtlCol="0" anchor="ctr"/>
+          <a:lstStyle/>
+          <a:p>
+            <a:endParaRPr lang="en-AU" sz="800" dirty="0">
+              <a:solidFill>
+                <a:schemeClr val="bg1">
+                  <a:lumMod val="50000"/>
+                </a:schemeClr>
+              </a:solidFill>
+              <a:latin typeface="Oxygen" panose="02000503000000000000" pitchFamily="2" charset="0"/>
+            </a:endParaRPr>
+          </a:p>
+        </p:txBody>
+      </p:sp>
+      <p:grpSp>
+        <p:nvGrpSpPr>
+          <p:cNvPr id="19" name="Group 18">
+            <a:extLst>
+              <a:ext uri="{FF2B5EF4-FFF2-40B4-BE49-F238E27FC236}">
+                <a16:creationId xmlns:a16="http://schemas.microsoft.com/office/drawing/2014/main" xmlns="" id="{C587FE1B-2243-4627-BC52-851BDA62444B}"/>
+              </a:ext>
+            </a:extLst>
+          </p:cNvPr>
+          <p:cNvGrpSpPr/>
+          <p:nvPr/>
+        </p:nvGrpSpPr>
+        <p:grpSpPr>
+          <a:xfrm>
+            <a:off x="687804" y="156881"/>
+            <a:ext cx="2471777" cy="1145371"/>
+            <a:chOff x="4600575" y="2600315"/>
+            <a:chExt cx="2990850" cy="1385897"/>
+          </a:xfrm>
+        </p:grpSpPr>
+        <p:pic>
+          <p:nvPicPr>
+            <p:cNvPr id="20" name="Picture 19">
+              <a:extLst>
+                <a:ext uri="{FF2B5EF4-FFF2-40B4-BE49-F238E27FC236}">
+                  <a16:creationId xmlns:a16="http://schemas.microsoft.com/office/drawing/2014/main" xmlns="" id="{0F2E3E05-4A48-4C06-BA49-75E2E366C715}"/>
+                </a:ext>
+              </a:extLst>
+            </p:cNvPr>
+            <p:cNvPicPr>
+              <a:picLocks noChangeAspect="1"/>
+            </p:cNvPicPr>
+            <p:nvPr/>
+          </p:nvPicPr>
+          <p:blipFill>
+            <a:blip r:embed="rId2"/>
+            <a:stretch>
+              <a:fillRect/>
+            </a:stretch>
+          </p:blipFill>
+          <p:spPr>
+            <a:xfrm>
+              <a:off x="4600575" y="2871787"/>
+              <a:ext cx="2990850" cy="1114425"/>
+            </a:xfrm>
+            <a:prstGeom prst="rect">
+              <a:avLst/>
+            </a:prstGeom>
+          </p:spPr>
+        </p:pic>
+        <p:sp>
+          <p:nvSpPr>
+            <p:cNvPr id="21" name="Freeform 22">
+              <a:extLst>
+                <a:ext uri="{FF2B5EF4-FFF2-40B4-BE49-F238E27FC236}">
+                  <a16:creationId xmlns:a16="http://schemas.microsoft.com/office/drawing/2014/main" xmlns="" id="{8413CF68-A7E3-43A0-B613-5438D5382AB1}"/>
+                </a:ext>
+              </a:extLst>
+            </p:cNvPr>
+            <p:cNvSpPr/>
+            <p:nvPr/>
+          </p:nvSpPr>
+          <p:spPr>
+            <a:xfrm>
+              <a:off x="4739363" y="2600315"/>
+              <a:ext cx="971569" cy="971569"/>
+            </a:xfrm>
+            <a:custGeom>
+              <a:avLst/>
+              <a:gdLst>
+                <a:gd name="connsiteX0" fmla="*/ 1080000 w 2160000"/>
+                <a:gd name="connsiteY0" fmla="*/ 0 h 2160000"/>
+                <a:gd name="connsiteX1" fmla="*/ 2154424 w 2160000"/>
+                <a:gd name="connsiteY1" fmla="*/ 969576 h 2160000"/>
+                <a:gd name="connsiteX2" fmla="*/ 2157027 w 2160000"/>
+                <a:gd name="connsiteY2" fmla="*/ 1021127 h 2160000"/>
+                <a:gd name="connsiteX3" fmla="*/ 2159999 w 2160000"/>
+                <a:gd name="connsiteY3" fmla="*/ 1021127 h 2160000"/>
+                <a:gd name="connsiteX4" fmla="*/ 2159999 w 2160000"/>
+                <a:gd name="connsiteY4" fmla="*/ 1079980 h 2160000"/>
+                <a:gd name="connsiteX5" fmla="*/ 2160000 w 2160000"/>
+                <a:gd name="connsiteY5" fmla="*/ 1080000 h 2160000"/>
+                <a:gd name="connsiteX6" fmla="*/ 2159999 w 2160000"/>
+                <a:gd name="connsiteY6" fmla="*/ 1080021 h 2160000"/>
+                <a:gd name="connsiteX7" fmla="*/ 2159999 w 2160000"/>
+                <a:gd name="connsiteY7" fmla="*/ 1716639 h 2160000"/>
+                <a:gd name="connsiteX8" fmla="*/ 2157838 w 2160000"/>
+                <a:gd name="connsiteY8" fmla="*/ 1716639 h 2160000"/>
+                <a:gd name="connsiteX9" fmla="*/ 2160000 w 2160000"/>
+                <a:gd name="connsiteY9" fmla="*/ 1738544 h 2160000"/>
+                <a:gd name="connsiteX10" fmla="*/ 1891921 w 2160000"/>
+                <a:gd name="connsiteY10" fmla="*/ 2012333 h 2160000"/>
+                <a:gd name="connsiteX11" fmla="*/ 1623842 w 2160000"/>
+                <a:gd name="connsiteY11" fmla="*/ 1738544 h 2160000"/>
+                <a:gd name="connsiteX12" fmla="*/ 1626005 w 2160000"/>
+                <a:gd name="connsiteY12" fmla="*/ 1716639 h 2160000"/>
+                <a:gd name="connsiteX13" fmla="*/ 1620298 w 2160000"/>
+                <a:gd name="connsiteY13" fmla="*/ 1716639 h 2160000"/>
+                <a:gd name="connsiteX14" fmla="*/ 1620298 w 2160000"/>
+                <a:gd name="connsiteY14" fmla="*/ 1090950 h 2160000"/>
+                <a:gd name="connsiteX15" fmla="*/ 1618898 w 2160000"/>
+                <a:gd name="connsiteY15" fmla="*/ 1090937 h 2160000"/>
+                <a:gd name="connsiteX16" fmla="*/ 1620000 w 2160000"/>
+                <a:gd name="connsiteY16" fmla="*/ 1080000 h 2160000"/>
+                <a:gd name="connsiteX17" fmla="*/ 1080000 w 2160000"/>
+                <a:gd name="connsiteY17" fmla="*/ 540000 h 2160000"/>
+                <a:gd name="connsiteX18" fmla="*/ 540000 w 2160000"/>
+                <a:gd name="connsiteY18" fmla="*/ 1080000 h 2160000"/>
+                <a:gd name="connsiteX19" fmla="*/ 1080000 w 2160000"/>
+                <a:gd name="connsiteY19" fmla="*/ 1620000 h 2160000"/>
+                <a:gd name="connsiteX20" fmla="*/ 1172144 w 2160000"/>
+                <a:gd name="connsiteY20" fmla="*/ 1610711 h 2160000"/>
+                <a:gd name="connsiteX21" fmla="*/ 1192722 w 2160000"/>
+                <a:gd name="connsiteY21" fmla="*/ 1599542 h 2160000"/>
+                <a:gd name="connsiteX22" fmla="*/ 1205334 w 2160000"/>
+                <a:gd name="connsiteY22" fmla="*/ 1595627 h 2160000"/>
+                <a:gd name="connsiteX23" fmla="*/ 1218649 w 2160000"/>
+                <a:gd name="connsiteY23" fmla="*/ 1594482 h 2160000"/>
+                <a:gd name="connsiteX24" fmla="*/ 1273176 w 2160000"/>
+                <a:gd name="connsiteY24" fmla="*/ 1581875 h 2160000"/>
+                <a:gd name="connsiteX25" fmla="*/ 1277433 w 2160000"/>
+                <a:gd name="connsiteY25" fmla="*/ 1580379 h 2160000"/>
+                <a:gd name="connsiteX26" fmla="*/ 1297818 w 2160000"/>
+                <a:gd name="connsiteY26" fmla="*/ 1578324 h 2160000"/>
+                <a:gd name="connsiteX27" fmla="*/ 1567818 w 2160000"/>
+                <a:gd name="connsiteY27" fmla="*/ 1848324 h 2160000"/>
+                <a:gd name="connsiteX28" fmla="*/ 1469563 w 2160000"/>
+                <a:gd name="connsiteY28" fmla="*/ 2056669 h 2160000"/>
+                <a:gd name="connsiteX29" fmla="*/ 1412948 w 2160000"/>
+                <a:gd name="connsiteY29" fmla="*/ 2091019 h 2160000"/>
+                <a:gd name="connsiteX30" fmla="*/ 1398272 w 2160000"/>
+                <a:gd name="connsiteY30" fmla="*/ 2101498 h 2160000"/>
+                <a:gd name="connsiteX31" fmla="*/ 1374464 w 2160000"/>
+                <a:gd name="connsiteY31" fmla="*/ 2110955 h 2160000"/>
+                <a:gd name="connsiteX32" fmla="*/ 1376211 w 2160000"/>
+                <a:gd name="connsiteY32" fmla="*/ 2117860 h 2160000"/>
+                <a:gd name="connsiteX33" fmla="*/ 1321962 w 2160000"/>
+                <a:gd name="connsiteY33" fmla="*/ 2131809 h 2160000"/>
+                <a:gd name="connsiteX34" fmla="*/ 1306247 w 2160000"/>
+                <a:gd name="connsiteY34" fmla="*/ 2138051 h 2160000"/>
+                <a:gd name="connsiteX35" fmla="*/ 1267530 w 2160000"/>
+                <a:gd name="connsiteY35" fmla="*/ 2142656 h 2160000"/>
+                <a:gd name="connsiteX36" fmla="*/ 1190424 w 2160000"/>
+                <a:gd name="connsiteY36" fmla="*/ 2154424 h 2160000"/>
+                <a:gd name="connsiteX37" fmla="*/ 1080000 w 2160000"/>
+                <a:gd name="connsiteY37" fmla="*/ 2160000 h 2160000"/>
+                <a:gd name="connsiteX38" fmla="*/ 0 w 2160000"/>
+                <a:gd name="connsiteY38" fmla="*/ 1080000 h 2160000"/>
+                <a:gd name="connsiteX39" fmla="*/ 1080000 w 2160000"/>
+                <a:gd name="connsiteY39" fmla="*/ 0 h 2160000"/>
+              </a:gdLst>
+              <a:ahLst/>
+              <a:cxnLst>
+                <a:cxn ang="0">
+                  <a:pos x="connsiteX0" y="connsiteY0"/>
+                </a:cxn>
+                <a:cxn ang="0">
+                  <a:pos x="connsiteX1" y="connsiteY1"/>
+                </a:cxn>
+                <a:cxn ang="0">
+                  <a:pos x="connsiteX2" y="connsiteY2"/>
+                </a:cxn>
+                <a:cxn ang="0">
+                  <a:pos x="connsiteX3" y="connsiteY3"/>
+                </a:cxn>
+                <a:cxn ang="0">
+                  <a:pos x="connsiteX4" y="connsiteY4"/>
+                </a:cxn>
+                <a:cxn ang="0">
+                  <a:pos x="connsiteX5" y="connsiteY5"/>
+                </a:cxn>
+                <a:cxn ang="0">
+                  <a:pos x="connsiteX6" y="connsiteY6"/>
+                </a:cxn>
+                <a:cxn ang="0">
+                  <a:pos x="connsiteX7" y="connsiteY7"/>
+                </a:cxn>
+                <a:cxn ang="0">
+                  <a:pos x="connsiteX8" y="connsiteY8"/>
+                </a:cxn>
+                <a:cxn ang="0">
+                  <a:pos x="connsiteX9" y="connsiteY9"/>
+                </a:cxn>
+                <a:cxn ang="0">
+                  <a:pos x="connsiteX10" y="connsiteY10"/>
+                </a:cxn>
+                <a:cxn ang="0">
+                  <a:pos x="connsiteX11" y="connsiteY11"/>
+                </a:cxn>
+                <a:cxn ang="0">
+                  <a:pos x="connsiteX12" y="connsiteY12"/>
+                </a:cxn>
+                <a:cxn ang="0">
+                  <a:pos x="connsiteX13" y="connsiteY13"/>
+                </a:cxn>
+                <a:cxn ang="0">
+                  <a:pos x="connsiteX14" y="connsiteY14"/>
+                </a:cxn>
+                <a:cxn ang="0">
+                  <a:pos x="connsiteX15" y="connsiteY15"/>
+                </a:cxn>
+                <a:cxn ang="0">
+                  <a:pos x="connsiteX16" y="connsiteY16"/>
+                </a:cxn>
+                <a:cxn ang="0">
+                  <a:pos x="connsiteX17" y="connsiteY17"/>
+                </a:cxn>
+                <a:cxn ang="0">
+                  <a:pos x="connsiteX18" y="connsiteY18"/>
+                </a:cxn>
+                <a:cxn ang="0">
+                  <a:pos x="connsiteX19" y="connsiteY19"/>
+                </a:cxn>
+                <a:cxn ang="0">
+                  <a:pos x="connsiteX20" y="connsiteY20"/>
+                </a:cxn>
+                <a:cxn ang="0">
+                  <a:pos x="connsiteX21" y="connsiteY21"/>
+                </a:cxn>
+                <a:cxn ang="0">
+                  <a:pos x="connsiteX22" y="connsiteY22"/>
+                </a:cxn>
+                <a:cxn ang="0">
+                  <a:pos x="connsiteX23" y="connsiteY23"/>
+                </a:cxn>
+                <a:cxn ang="0">
+                  <a:pos x="connsiteX24" y="connsiteY24"/>
+                </a:cxn>
+                <a:cxn ang="0">
+                  <a:pos x="connsiteX25" y="connsiteY25"/>
+                </a:cxn>
+                <a:cxn ang="0">
+                  <a:pos x="connsiteX26" y="connsiteY26"/>
+                </a:cxn>
+                <a:cxn ang="0">
+                  <a:pos x="connsiteX27" y="connsiteY27"/>
+                </a:cxn>
+                <a:cxn ang="0">
+                  <a:pos x="connsiteX28" y="connsiteY28"/>
+                </a:cxn>
+                <a:cxn ang="0">
+                  <a:pos x="connsiteX29" y="connsiteY29"/>
+                </a:cxn>
+                <a:cxn ang="0">
+                  <a:pos x="connsiteX30" y="connsiteY30"/>
+                </a:cxn>
+                <a:cxn ang="0">
+                  <a:pos x="connsiteX31" y="connsiteY31"/>
+                </a:cxn>
+                <a:cxn ang="0">
+                  <a:pos x="connsiteX32" y="connsiteY32"/>
+                </a:cxn>
+                <a:cxn ang="0">
+                  <a:pos x="connsiteX33" y="connsiteY33"/>
+                </a:cxn>
+                <a:cxn ang="0">
+                  <a:pos x="connsiteX34" y="connsiteY34"/>
+                </a:cxn>
+                <a:cxn ang="0">
+                  <a:pos x="connsiteX35" y="connsiteY35"/>
+                </a:cxn>
+                <a:cxn ang="0">
+                  <a:pos x="connsiteX36" y="connsiteY36"/>
+                </a:cxn>
+                <a:cxn ang="0">
+                  <a:pos x="connsiteX37" y="connsiteY37"/>
+                </a:cxn>
+                <a:cxn ang="0">
+                  <a:pos x="connsiteX38" y="connsiteY38"/>
+                </a:cxn>
+                <a:cxn ang="0">
+                  <a:pos x="connsiteX39" y="connsiteY39"/>
+                </a:cxn>
+              </a:cxnLst>
+              <a:rect l="l" t="t" r="r" b="b"/>
+              <a:pathLst>
+                <a:path w="2160000" h="2160000">
+                  <a:moveTo>
+                    <a:pt x="1080000" y="0"/>
+                  </a:moveTo>
+                  <a:cubicBezTo>
+                    <a:pt x="1639189" y="0"/>
+                    <a:pt x="2099117" y="424979"/>
+                    <a:pt x="2154424" y="969576"/>
+                  </a:cubicBezTo>
+                  <a:lnTo>
+                    <a:pt x="2157027" y="1021127"/>
+                  </a:lnTo>
+                  <a:lnTo>
+                    <a:pt x="2159999" y="1021127"/>
+                  </a:lnTo>
+                  <a:lnTo>
+                    <a:pt x="2159999" y="1079980"/>
+                  </a:lnTo>
+                  <a:lnTo>
+                    <a:pt x="2160000" y="1080000"/>
+                  </a:lnTo>
+                  <a:lnTo>
+                    <a:pt x="2159999" y="1080021"/>
+                  </a:lnTo>
+                  <a:lnTo>
+                    <a:pt x="2159999" y="1716639"/>
+                  </a:lnTo>
+                  <a:lnTo>
+                    <a:pt x="2157838" y="1716639"/>
+                  </a:lnTo>
+                  <a:lnTo>
+                    <a:pt x="2160000" y="1738544"/>
+                  </a:lnTo>
+                  <a:cubicBezTo>
+                    <a:pt x="2160000" y="1889753"/>
+                    <a:pt x="2039977" y="2012333"/>
+                    <a:pt x="1891921" y="2012333"/>
+                  </a:cubicBezTo>
+                  <a:cubicBezTo>
+                    <a:pt x="1743865" y="2012333"/>
+                    <a:pt x="1623842" y="1889753"/>
+                    <a:pt x="1623842" y="1738544"/>
+                  </a:cubicBezTo>
+                  <a:lnTo>
+                    <a:pt x="1626005" y="1716639"/>
+                  </a:lnTo>
+                  <a:lnTo>
+                    <a:pt x="1620298" y="1716639"/>
+                  </a:lnTo>
+                  <a:lnTo>
+                    <a:pt x="1620298" y="1090950"/>
+                  </a:lnTo>
+                  <a:lnTo>
+                    <a:pt x="1618898" y="1090937"/>
+                  </a:lnTo>
+                  <a:lnTo>
+                    <a:pt x="1620000" y="1080000"/>
+                  </a:lnTo>
+                  <a:cubicBezTo>
+                    <a:pt x="1620000" y="781766"/>
+                    <a:pt x="1378234" y="540000"/>
+                    <a:pt x="1080000" y="540000"/>
+                  </a:cubicBezTo>
+                  <a:cubicBezTo>
+                    <a:pt x="781766" y="540000"/>
+                    <a:pt x="540000" y="781766"/>
+                    <a:pt x="540000" y="1080000"/>
+                  </a:cubicBezTo>
+                  <a:cubicBezTo>
+                    <a:pt x="540000" y="1378234"/>
+                    <a:pt x="781766" y="1620000"/>
+                    <a:pt x="1080000" y="1620000"/>
+                  </a:cubicBezTo>
+                  <a:lnTo>
+                    <a:pt x="1172144" y="1610711"/>
+                  </a:lnTo>
+                  <a:lnTo>
+                    <a:pt x="1192722" y="1599542"/>
+                  </a:lnTo>
+                  <a:lnTo>
+                    <a:pt x="1205334" y="1595627"/>
+                  </a:lnTo>
+                  <a:lnTo>
+                    <a:pt x="1218649" y="1594482"/>
+                  </a:lnTo>
+                  <a:cubicBezTo>
+                    <a:pt x="1237851" y="1591023"/>
+                    <a:pt x="1256099" y="1586790"/>
+                    <a:pt x="1273176" y="1581875"/>
+                  </a:cubicBezTo>
+                  <a:lnTo>
+                    <a:pt x="1277433" y="1580379"/>
+                  </a:lnTo>
+                  <a:lnTo>
+                    <a:pt x="1297818" y="1578324"/>
+                  </a:lnTo>
+                  <a:cubicBezTo>
+                    <a:pt x="1446935" y="1578324"/>
+                    <a:pt x="1567818" y="1699207"/>
+                    <a:pt x="1567818" y="1848324"/>
+                  </a:cubicBezTo>
+                  <a:cubicBezTo>
+                    <a:pt x="1567818" y="1932202"/>
+                    <a:pt x="1529570" y="2007147"/>
+                    <a:pt x="1469563" y="2056669"/>
+                  </a:cubicBezTo>
+                  <a:lnTo>
+                    <a:pt x="1412948" y="2091019"/>
+                  </a:lnTo>
+                  <a:lnTo>
+                    <a:pt x="1398272" y="2101498"/>
+                  </a:lnTo>
+                  <a:lnTo>
+                    <a:pt x="1374464" y="2110955"/>
+                  </a:lnTo>
+                  <a:lnTo>
+                    <a:pt x="1376211" y="2117860"/>
+                  </a:lnTo>
+                  <a:lnTo>
+                    <a:pt x="1321962" y="2131809"/>
+                  </a:lnTo>
+                  <a:lnTo>
+                    <a:pt x="1306247" y="2138051"/>
+                  </a:lnTo>
+                  <a:lnTo>
+                    <a:pt x="1267530" y="2142656"/>
+                  </a:lnTo>
+                  <a:lnTo>
+                    <a:pt x="1190424" y="2154424"/>
+                  </a:lnTo>
+                  <a:cubicBezTo>
+                    <a:pt x="1154118" y="2158111"/>
+                    <a:pt x="1117280" y="2160000"/>
+                    <a:pt x="1080000" y="2160000"/>
+                  </a:cubicBezTo>
+                  <a:cubicBezTo>
+                    <a:pt x="483532" y="2160000"/>
+                    <a:pt x="0" y="1676468"/>
+                    <a:pt x="0" y="1080000"/>
+                  </a:cubicBezTo>
+                  <a:cubicBezTo>
+                    <a:pt x="0" y="483532"/>
+                    <a:pt x="483532" y="0"/>
+                    <a:pt x="1080000" y="0"/>
+                  </a:cubicBezTo>
+                  <a:close/>
+                </a:path>
+              </a:pathLst>
+            </a:custGeom>
+            <a:solidFill>
+              <a:srgbClr val="FF8C52"/>
+            </a:solidFill>
+            <a:ln>
+              <a:solidFill>
+                <a:srgbClr val="FF8C52"/>
+              </a:solidFill>
+            </a:ln>
+          </p:spPr>
+          <p:style>
+            <a:lnRef idx="2">
+              <a:schemeClr val="accent1">
+                <a:shade val="50000"/>
+              </a:schemeClr>
+            </a:lnRef>
+            <a:fillRef idx="1">
+              <a:schemeClr val="accent1"/>
+            </a:fillRef>
+            <a:effectRef idx="0">
+              <a:schemeClr val="accent1"/>
+            </a:effectRef>
+            <a:fontRef idx="minor">
+              <a:schemeClr val="lt1"/>
+            </a:fontRef>
+          </p:style>
+          <p:txBody>
+            <a:bodyPr rtlCol="0" anchor="ctr"/>
+            <a:lstStyle/>
+            <a:p>
+              <a:pPr algn="ctr"/>
+              <a:endParaRPr lang="en-AU" dirty="0">
+                <a:latin typeface="Oxygen" panose="02000503000000000000" pitchFamily="2" charset="0"/>
+              </a:endParaRPr>
+            </a:p>
+          </p:txBody>
+        </p:sp>
+      </p:grpSp>
+      <p:sp>
+        <p:nvSpPr>
+          <p:cNvPr id="22" name="TextBox 21">
+            <a:extLst>
+              <a:ext uri="{FF2B5EF4-FFF2-40B4-BE49-F238E27FC236}">
+                <a16:creationId xmlns:a16="http://schemas.microsoft.com/office/drawing/2014/main" xmlns="" id="{97653B96-F2E2-406B-A513-F42319FDB50F}"/>
+              </a:ext>
+            </a:extLst>
+          </p:cNvPr>
           <p:cNvSpPr txBox="1"/>
           <p:nvPr/>
         </p:nvSpPr>
         <p:spPr>
           <a:xfrm>
-            <a:off x="3847947" y="4028399"/>
-            <a:ext cx="3335301" cy="1131079"/>
+            <a:off x="4698840" y="156881"/>
+            <a:ext cx="4993675" cy="369332"/>
+          </a:xfrm>
+          <a:prstGeom prst="rect">
+            <a:avLst/>
+          </a:prstGeom>
+          <a:noFill/>
+        </p:spPr>
+        <p:txBody>
+          <a:bodyPr wrap="none" rtlCol="0">
+            <a:spAutoFit/>
+          </a:bodyPr>
+          <a:lstStyle/>
+          <a:p>
+            <a:r>
+              <a:rPr lang="en-US" b="1" cap="small" dirty="0" smtClean="0">
+                <a:solidFill>
+                  <a:schemeClr val="bg2">
+                    <a:lumMod val="75000"/>
+                  </a:schemeClr>
+                </a:solidFill>
+                <a:latin typeface="Oxygen" panose="02000503000000000000" pitchFamily="2" charset="0"/>
+                <a:cs typeface="Arial" panose="020B0604020202020204" pitchFamily="34" charset="0"/>
+              </a:rPr>
+              <a:t>Python Programming: </a:t>
+            </a:r>
+            <a:r>
+              <a:rPr lang="en-US" b="1" cap="small" dirty="0" smtClean="0">
+                <a:solidFill>
+                  <a:schemeClr val="bg2">
+                    <a:lumMod val="75000"/>
+                  </a:schemeClr>
+                </a:solidFill>
+                <a:latin typeface="Oxygen" panose="02000503000000000000" pitchFamily="2" charset="0"/>
+                <a:cs typeface="Arial" panose="020B0604020202020204" pitchFamily="34" charset="0"/>
+              </a:rPr>
+              <a:t>Variables &amp; Data Types</a:t>
+            </a:r>
+            <a:endParaRPr lang="en-AU" b="1" cap="small" dirty="0">
+              <a:solidFill>
+                <a:schemeClr val="bg2">
+                  <a:lumMod val="75000"/>
+                </a:schemeClr>
+              </a:solidFill>
+              <a:latin typeface="Oxygen" panose="02000503000000000000" pitchFamily="2" charset="0"/>
+              <a:cs typeface="Arial" panose="020B0604020202020204" pitchFamily="34" charset="0"/>
+            </a:endParaRPr>
+          </a:p>
+        </p:txBody>
+      </p:sp>
+      <p:sp>
+        <p:nvSpPr>
+          <p:cNvPr id="33" name="Rectangle 32">
+            <a:extLst>
+              <a:ext uri="{FF2B5EF4-FFF2-40B4-BE49-F238E27FC236}">
+                <a16:creationId xmlns:a16="http://schemas.microsoft.com/office/drawing/2014/main" xmlns="" id="{E02B0EB1-C543-469A-90DE-9FA0F478E35F}"/>
+              </a:ext>
+            </a:extLst>
+          </p:cNvPr>
+          <p:cNvSpPr/>
+          <p:nvPr/>
+        </p:nvSpPr>
+        <p:spPr>
+          <a:xfrm>
+            <a:off x="0" y="6543676"/>
+            <a:ext cx="12192000" cy="314325"/>
+          </a:xfrm>
+          <a:prstGeom prst="rect">
+            <a:avLst/>
+          </a:prstGeom>
+          <a:solidFill>
+            <a:schemeClr val="bg1">
+              <a:lumMod val="95000"/>
+            </a:schemeClr>
+          </a:solidFill>
+          <a:ln>
+            <a:noFill/>
+          </a:ln>
+        </p:spPr>
+        <p:style>
+          <a:lnRef idx="2">
+            <a:schemeClr val="accent1">
+              <a:shade val="50000"/>
+            </a:schemeClr>
+          </a:lnRef>
+          <a:fillRef idx="1">
+            <a:schemeClr val="accent1"/>
+          </a:fillRef>
+          <a:effectRef idx="0">
+            <a:schemeClr val="accent1"/>
+          </a:effectRef>
+          <a:fontRef idx="minor">
+            <a:schemeClr val="lt1"/>
+          </a:fontRef>
+        </p:style>
+        <p:txBody>
+          <a:bodyPr rtlCol="0" anchor="ctr"/>
+          <a:lstStyle/>
+          <a:p>
+            <a:r>
+              <a:rPr lang="en-US" sz="800" dirty="0">
+                <a:solidFill>
+                  <a:schemeClr val="bg1">
+                    <a:lumMod val="50000"/>
+                  </a:schemeClr>
+                </a:solidFill>
+                <a:latin typeface="Oxygen" panose="02000503000000000000" pitchFamily="2" charset="0"/>
+              </a:rPr>
+              <a:t>                                                                                                                            </a:t>
+            </a:r>
+            <a:r>
+              <a:rPr lang="en-US" sz="800" b="1" dirty="0">
+                <a:solidFill>
+                  <a:schemeClr val="bg1">
+                    <a:lumMod val="50000"/>
+                  </a:schemeClr>
+                </a:solidFill>
+                <a:latin typeface="Oxygen" panose="02000503000000000000" pitchFamily="2" charset="0"/>
+              </a:rPr>
+              <a:t> </a:t>
+            </a:r>
+            <a:r>
+              <a:rPr lang="en-US" sz="800" b="1" dirty="0">
+                <a:solidFill>
+                  <a:srgbClr val="FF8C52"/>
+                </a:solidFill>
+                <a:latin typeface="Oxygen" panose="02000503000000000000" pitchFamily="2" charset="0"/>
+              </a:rPr>
+              <a:t>CONCEPTION      &gt;&gt;      PRACTICE        &gt;&gt;        CONFIDENCE      &gt;&gt;       HIGHEST GRADES</a:t>
+            </a:r>
+            <a:r>
+              <a:rPr lang="en-US" sz="800" dirty="0">
+                <a:solidFill>
+                  <a:srgbClr val="FF8C52"/>
+                </a:solidFill>
+                <a:latin typeface="Oxygen" panose="02000503000000000000" pitchFamily="2" charset="0"/>
+              </a:rPr>
+              <a:t>                                                                             </a:t>
+            </a:r>
+            <a:r>
+              <a:rPr lang="en-US" sz="700" dirty="0">
+                <a:solidFill>
+                  <a:schemeClr val="bg1">
+                    <a:lumMod val="50000"/>
+                  </a:schemeClr>
+                </a:solidFill>
+                <a:latin typeface="Oxygen" panose="02000503000000000000" pitchFamily="2" charset="0"/>
+              </a:rPr>
+              <a:t>© </a:t>
+            </a:r>
+            <a:r>
+              <a:rPr lang="pt-BR" sz="700" dirty="0">
+                <a:solidFill>
+                  <a:schemeClr val="bg1">
+                    <a:lumMod val="50000"/>
+                  </a:schemeClr>
+                </a:solidFill>
+                <a:latin typeface="Oxygen" panose="02000503000000000000" pitchFamily="2" charset="0"/>
+              </a:rPr>
+              <a:t>PROTECTED ANODIAM 2023     ||     PRIVATE &amp; CONFIDENTIAL</a:t>
+            </a:r>
+            <a:endParaRPr lang="en-AU" sz="700" dirty="0">
+              <a:solidFill>
+                <a:schemeClr val="bg1">
+                  <a:lumMod val="50000"/>
+                </a:schemeClr>
+              </a:solidFill>
+              <a:latin typeface="Oxygen" panose="02000503000000000000" pitchFamily="2" charset="0"/>
+            </a:endParaRPr>
+          </a:p>
+        </p:txBody>
+      </p:sp>
+      <p:sp>
+        <p:nvSpPr>
+          <p:cNvPr id="2" name="TextBox 1"/>
+          <p:cNvSpPr txBox="1"/>
+          <p:nvPr/>
+        </p:nvSpPr>
+        <p:spPr>
+          <a:xfrm>
+            <a:off x="7711390" y="1419117"/>
+            <a:ext cx="3718257" cy="2400657"/>
           </a:xfrm>
           <a:prstGeom prst="rect">
             <a:avLst/>
@@ -9851,7 +12180,7 @@
               </a:lnSpc>
             </a:pPr>
             <a:r>
-              <a:rPr lang="en-US" sz="1200" b="1" smtClean="0">
+              <a:rPr lang="en-US" sz="1200" b="1" dirty="0" smtClean="0">
                 <a:solidFill>
                   <a:schemeClr val="bg2">
                     <a:lumMod val="50000"/>
@@ -9859,27 +12188,19 @@
                 </a:solidFill>
                 <a:latin typeface="Oxygen" panose="02000503000000000000" pitchFamily="2" charset="0"/>
               </a:rPr>
-              <a:t>Tuples:</a:t>
-            </a:r>
-            <a:endParaRPr lang="en-US" sz="1200" b="1" dirty="0" smtClean="0">
-              <a:solidFill>
-                <a:schemeClr val="bg2">
-                  <a:lumMod val="50000"/>
-                </a:schemeClr>
-              </a:solidFill>
-              <a:latin typeface="Oxygen" panose="02000503000000000000" pitchFamily="2" charset="0"/>
-            </a:endParaRPr>
+              <a:t>Variables Trivia:</a:t>
+            </a:r>
           </a:p>
           <a:p>
             <a:pPr marL="171450" indent="-171450">
               <a:lnSpc>
-                <a:spcPct val="150000"/>
+                <a:spcPct val="200000"/>
               </a:lnSpc>
               <a:buFont typeface="Wingdings" panose="05000000000000000000" pitchFamily="2" charset="2"/>
               <a:buChar char="v"/>
             </a:pPr>
             <a:r>
-              <a:rPr lang="en-AU" sz="1100" dirty="0">
+              <a:rPr lang="en-US" sz="1100" dirty="0" smtClean="0">
                 <a:solidFill>
                   <a:schemeClr val="bg2">
                     <a:lumMod val="50000"/>
@@ -9887,19 +12208,19 @@
                 </a:solidFill>
                 <a:latin typeface="Oxygen" panose="02000503000000000000" pitchFamily="2" charset="0"/>
               </a:rPr>
-              <a:t>Immutable</a:t>
+              <a:t>num = 3</a:t>
             </a:r>
           </a:p>
           <a:p>
             <a:pPr marL="171450" indent="-171450">
               <a:lnSpc>
-                <a:spcPct val="150000"/>
+                <a:spcPct val="200000"/>
               </a:lnSpc>
               <a:buFont typeface="Wingdings" panose="05000000000000000000" pitchFamily="2" charset="2"/>
               <a:buChar char="v"/>
             </a:pPr>
             <a:r>
-              <a:rPr lang="en-US" sz="1100" dirty="0">
+              <a:rPr lang="en-US" sz="1100" dirty="0" smtClean="0">
                 <a:solidFill>
                   <a:schemeClr val="bg2">
                     <a:lumMod val="50000"/>
@@ -9907,19 +12228,19 @@
                 </a:solidFill>
                 <a:latin typeface="Oxygen" panose="02000503000000000000" pitchFamily="2" charset="0"/>
               </a:rPr>
-              <a:t>Iteration is faster than list</a:t>
+              <a:t>id(num)</a:t>
             </a:r>
           </a:p>
           <a:p>
             <a:pPr marL="171450" indent="-171450">
               <a:lnSpc>
-                <a:spcPct val="150000"/>
+                <a:spcPct val="200000"/>
               </a:lnSpc>
               <a:buFont typeface="Wingdings" panose="05000000000000000000" pitchFamily="2" charset="2"/>
               <a:buChar char="v"/>
             </a:pPr>
             <a:r>
-              <a:rPr lang="en-US" sz="1100" dirty="0">
+              <a:rPr lang="en-US" sz="1100" dirty="0" smtClean="0">
                 <a:solidFill>
                   <a:schemeClr val="bg2">
                     <a:lumMod val="50000"/>
@@ -9927,10 +12248,19 @@
                 </a:solidFill>
                 <a:latin typeface="Oxygen" panose="02000503000000000000" pitchFamily="2" charset="0"/>
               </a:rPr>
-              <a:t>E.g.: </a:t>
-            </a:r>
-            <a:r>
-              <a:rPr lang="en-US" sz="1100" dirty="0" err="1">
+              <a:t>name = ‘Rupa’</a:t>
+            </a:r>
+          </a:p>
+          <a:p>
+            <a:pPr marL="171450" indent="-171450">
+              <a:lnSpc>
+                <a:spcPct val="200000"/>
+              </a:lnSpc>
+              <a:buFont typeface="Wingdings" panose="05000000000000000000" pitchFamily="2" charset="2"/>
+              <a:buChar char="v"/>
+            </a:pPr>
+            <a:r>
+              <a:rPr lang="en-US" sz="1100" dirty="0" smtClean="0">
                 <a:solidFill>
                   <a:schemeClr val="bg2">
                     <a:lumMod val="50000"/>
@@ -9938,10 +12268,19 @@
                 </a:solidFill>
                 <a:latin typeface="Oxygen" panose="02000503000000000000" pitchFamily="2" charset="0"/>
               </a:rPr>
-              <a:t>myTuple</a:t>
-            </a:r>
-            <a:r>
-              <a:rPr lang="en-US" sz="1100" dirty="0">
+              <a:t>id(name)</a:t>
+            </a:r>
+          </a:p>
+          <a:p>
+            <a:pPr marL="171450" indent="-171450">
+              <a:lnSpc>
+                <a:spcPct val="200000"/>
+              </a:lnSpc>
+              <a:buFont typeface="Wingdings" panose="05000000000000000000" pitchFamily="2" charset="2"/>
+              <a:buChar char="v"/>
+            </a:pPr>
+            <a:r>
+              <a:rPr lang="en-US" sz="1100" dirty="0" smtClean="0">
                 <a:solidFill>
                   <a:schemeClr val="bg2">
                     <a:lumMod val="50000"/>
@@ -9949,7 +12288,27 @@
                 </a:solidFill>
                 <a:latin typeface="Oxygen" panose="02000503000000000000" pitchFamily="2" charset="0"/>
               </a:rPr>
-              <a:t> = (23, 91, 9, 507)</a:t>
+              <a:t>Two variables assigned same values: a = 5, b=5 </a:t>
+            </a:r>
+          </a:p>
+          <a:p>
+            <a:pPr marL="171450" indent="-171450">
+              <a:lnSpc>
+                <a:spcPct val="200000"/>
+              </a:lnSpc>
+              <a:buFont typeface="Wingdings" panose="05000000000000000000" pitchFamily="2" charset="2"/>
+              <a:buChar char="v"/>
+            </a:pPr>
+            <a:r>
+              <a:rPr lang="en-US" sz="1100" dirty="0" smtClean="0">
+                <a:solidFill>
+                  <a:schemeClr val="bg2">
+                    <a:lumMod val="50000"/>
+                  </a:schemeClr>
+                </a:solidFill>
+                <a:latin typeface="Oxygen" panose="02000503000000000000" pitchFamily="2" charset="0"/>
+              </a:rPr>
+              <a:t>id(a) will therefore point to the same memory as id(b)</a:t>
             </a:r>
             <a:endParaRPr lang="en-AU" sz="1100" dirty="0">
               <a:solidFill>
@@ -9962,10 +12321,493 @@
           </a:p>
         </p:txBody>
       </p:sp>
+      <p:pic>
+        <p:nvPicPr>
+          <p:cNvPr id="4" name="Picture 3"/>
+          <p:cNvPicPr>
+            <a:picLocks noChangeAspect="1"/>
+          </p:cNvPicPr>
+          <p:nvPr/>
+        </p:nvPicPr>
+        <p:blipFill>
+          <a:blip r:embed="rId3"/>
+          <a:stretch>
+            <a:fillRect/>
+          </a:stretch>
+        </p:blipFill>
+        <p:spPr>
+          <a:xfrm>
+            <a:off x="657721" y="2429999"/>
+            <a:ext cx="2164215" cy="2163940"/>
+          </a:xfrm>
+          <a:prstGeom prst="rect">
+            <a:avLst/>
+          </a:prstGeom>
+        </p:spPr>
+      </p:pic>
+      <p:sp>
+        <p:nvSpPr>
+          <p:cNvPr id="50" name="Rectangle 49">
+            <a:extLst>
+              <a:ext uri="{FF2B5EF4-FFF2-40B4-BE49-F238E27FC236}">
+                <a16:creationId xmlns:a16="http://schemas.microsoft.com/office/drawing/2014/main" xmlns="" id="{907BEB2A-D93E-46CB-95DF-04E16F0D1C0C}"/>
+              </a:ext>
+            </a:extLst>
+          </p:cNvPr>
+          <p:cNvSpPr/>
+          <p:nvPr/>
+        </p:nvSpPr>
+        <p:spPr>
+          <a:xfrm>
+            <a:off x="605043" y="2429998"/>
+            <a:ext cx="2211887" cy="2163941"/>
+          </a:xfrm>
+          <a:prstGeom prst="rect">
+            <a:avLst/>
+          </a:prstGeom>
+          <a:gradFill flip="none" rotWithShape="1">
+            <a:gsLst>
+              <a:gs pos="0">
+                <a:srgbClr val="FFFFFF">
+                  <a:alpha val="0"/>
+                </a:srgbClr>
+              </a:gs>
+              <a:gs pos="62000">
+                <a:srgbClr val="FFFFFF">
+                  <a:alpha val="0"/>
+                </a:srgbClr>
+              </a:gs>
+              <a:gs pos="72000">
+                <a:schemeClr val="bg1"/>
+              </a:gs>
+              <a:gs pos="100000">
+                <a:schemeClr val="bg1"/>
+              </a:gs>
+            </a:gsLst>
+            <a:path path="circle">
+              <a:fillToRect l="50000" t="50000" r="50000" b="50000"/>
+            </a:path>
+            <a:tileRect/>
+          </a:gradFill>
+          <a:ln>
+            <a:noFill/>
+          </a:ln>
+        </p:spPr>
+        <p:style>
+          <a:lnRef idx="2">
+            <a:schemeClr val="accent1">
+              <a:shade val="50000"/>
+            </a:schemeClr>
+          </a:lnRef>
+          <a:fillRef idx="1">
+            <a:schemeClr val="accent1"/>
+          </a:fillRef>
+          <a:effectRef idx="0">
+            <a:schemeClr val="accent1"/>
+          </a:effectRef>
+          <a:fontRef idx="minor">
+            <a:schemeClr val="lt1"/>
+          </a:fontRef>
+        </p:style>
+        <p:txBody>
+          <a:bodyPr rtlCol="0" anchor="ctr"/>
+          <a:lstStyle/>
+          <a:p>
+            <a:pPr algn="ctr"/>
+            <a:endParaRPr lang="en-AU">
+              <a:latin typeface="Oxygen" panose="02000503000000000000" pitchFamily="2" charset="0"/>
+            </a:endParaRPr>
+          </a:p>
+        </p:txBody>
+      </p:sp>
+      <p:pic>
+        <p:nvPicPr>
+          <p:cNvPr id="13" name="Picture 12"/>
+          <p:cNvPicPr>
+            <a:picLocks noChangeAspect="1"/>
+          </p:cNvPicPr>
+          <p:nvPr/>
+        </p:nvPicPr>
+        <p:blipFill>
+          <a:blip r:embed="rId4"/>
+          <a:stretch>
+            <a:fillRect/>
+          </a:stretch>
+        </p:blipFill>
+        <p:spPr>
+          <a:xfrm>
+            <a:off x="4168393" y="1892272"/>
+            <a:ext cx="2222888" cy="3409019"/>
+          </a:xfrm>
+          <a:prstGeom prst="rect">
+            <a:avLst/>
+          </a:prstGeom>
+        </p:spPr>
+      </p:pic>
+      <p:cxnSp>
+        <p:nvCxnSpPr>
+          <p:cNvPr id="6" name="Straight Arrow Connector 5"/>
+          <p:cNvCxnSpPr/>
+          <p:nvPr/>
+        </p:nvCxnSpPr>
+        <p:spPr>
+          <a:xfrm flipH="1">
+            <a:off x="5040661" y="1946196"/>
+            <a:ext cx="2701240" cy="717669"/>
+          </a:xfrm>
+          <a:prstGeom prst="straightConnector1">
+            <a:avLst/>
+          </a:prstGeom>
+          <a:ln w="57150">
+            <a:solidFill>
+              <a:srgbClr val="FF0000"/>
+            </a:solidFill>
+            <a:tailEnd type="triangle"/>
+          </a:ln>
+        </p:spPr>
+        <p:style>
+          <a:lnRef idx="1">
+            <a:schemeClr val="accent1"/>
+          </a:lnRef>
+          <a:fillRef idx="0">
+            <a:schemeClr val="accent1"/>
+          </a:fillRef>
+          <a:effectRef idx="0">
+            <a:schemeClr val="accent1"/>
+          </a:effectRef>
+          <a:fontRef idx="minor">
+            <a:schemeClr val="tx1"/>
+          </a:fontRef>
+        </p:style>
+      </p:cxnSp>
+      <p:cxnSp>
+        <p:nvCxnSpPr>
+          <p:cNvPr id="23" name="Straight Arrow Connector 22"/>
+          <p:cNvCxnSpPr/>
+          <p:nvPr/>
+        </p:nvCxnSpPr>
+        <p:spPr>
+          <a:xfrm flipH="1">
+            <a:off x="6338610" y="2265068"/>
+            <a:ext cx="1405834" cy="384005"/>
+          </a:xfrm>
+          <a:prstGeom prst="straightConnector1">
+            <a:avLst/>
+          </a:prstGeom>
+          <a:ln w="57150">
+            <a:solidFill>
+              <a:srgbClr val="FF0000"/>
+            </a:solidFill>
+            <a:tailEnd type="triangle"/>
+          </a:ln>
+        </p:spPr>
+        <p:style>
+          <a:lnRef idx="1">
+            <a:schemeClr val="accent1"/>
+          </a:lnRef>
+          <a:fillRef idx="0">
+            <a:schemeClr val="accent1"/>
+          </a:fillRef>
+          <a:effectRef idx="0">
+            <a:schemeClr val="accent1"/>
+          </a:effectRef>
+          <a:fontRef idx="minor">
+            <a:schemeClr val="tx1"/>
+          </a:fontRef>
+        </p:style>
+      </p:cxnSp>
+      <p:cxnSp>
+        <p:nvCxnSpPr>
+          <p:cNvPr id="24" name="Straight Arrow Connector 23"/>
+          <p:cNvCxnSpPr/>
+          <p:nvPr/>
+        </p:nvCxnSpPr>
+        <p:spPr>
+          <a:xfrm flipH="1">
+            <a:off x="5017585" y="2610311"/>
+            <a:ext cx="2701240" cy="714803"/>
+          </a:xfrm>
+          <a:prstGeom prst="straightConnector1">
+            <a:avLst/>
+          </a:prstGeom>
+          <a:ln w="57150">
+            <a:solidFill>
+              <a:srgbClr val="FF0000"/>
+            </a:solidFill>
+            <a:tailEnd type="triangle"/>
+          </a:ln>
+        </p:spPr>
+        <p:style>
+          <a:lnRef idx="1">
+            <a:schemeClr val="accent1"/>
+          </a:lnRef>
+          <a:fillRef idx="0">
+            <a:schemeClr val="accent1"/>
+          </a:fillRef>
+          <a:effectRef idx="0">
+            <a:schemeClr val="accent1"/>
+          </a:effectRef>
+          <a:fontRef idx="minor">
+            <a:schemeClr val="tx1"/>
+          </a:fontRef>
+        </p:style>
+      </p:cxnSp>
+      <p:cxnSp>
+        <p:nvCxnSpPr>
+          <p:cNvPr id="25" name="Straight Arrow Connector 24"/>
+          <p:cNvCxnSpPr/>
+          <p:nvPr/>
+        </p:nvCxnSpPr>
+        <p:spPr>
+          <a:xfrm flipH="1">
+            <a:off x="6312991" y="2930750"/>
+            <a:ext cx="1428910" cy="378620"/>
+          </a:xfrm>
+          <a:prstGeom prst="straightConnector1">
+            <a:avLst/>
+          </a:prstGeom>
+          <a:ln w="57150">
+            <a:solidFill>
+              <a:srgbClr val="FF0000"/>
+            </a:solidFill>
+            <a:tailEnd type="triangle"/>
+          </a:ln>
+        </p:spPr>
+        <p:style>
+          <a:lnRef idx="1">
+            <a:schemeClr val="accent1"/>
+          </a:lnRef>
+          <a:fillRef idx="0">
+            <a:schemeClr val="accent1"/>
+          </a:fillRef>
+          <a:effectRef idx="0">
+            <a:schemeClr val="accent1"/>
+          </a:effectRef>
+          <a:fontRef idx="minor">
+            <a:schemeClr val="tx1"/>
+          </a:fontRef>
+        </p:style>
+      </p:cxnSp>
+      <p:cxnSp>
+        <p:nvCxnSpPr>
+          <p:cNvPr id="26" name="Straight Arrow Connector 25"/>
+          <p:cNvCxnSpPr/>
+          <p:nvPr/>
+        </p:nvCxnSpPr>
+        <p:spPr>
+          <a:xfrm flipH="1">
+            <a:off x="5017586" y="3256187"/>
+            <a:ext cx="2701239" cy="715065"/>
+          </a:xfrm>
+          <a:prstGeom prst="straightConnector1">
+            <a:avLst/>
+          </a:prstGeom>
+          <a:ln w="57150">
+            <a:solidFill>
+              <a:srgbClr val="FF0000"/>
+            </a:solidFill>
+            <a:tailEnd type="triangle"/>
+          </a:ln>
+        </p:spPr>
+        <p:style>
+          <a:lnRef idx="1">
+            <a:schemeClr val="accent1"/>
+          </a:lnRef>
+          <a:fillRef idx="0">
+            <a:schemeClr val="accent1"/>
+          </a:fillRef>
+          <a:effectRef idx="0">
+            <a:schemeClr val="accent1"/>
+          </a:effectRef>
+          <a:fontRef idx="minor">
+            <a:schemeClr val="tx1"/>
+          </a:fontRef>
+        </p:style>
+      </p:cxnSp>
+      <p:cxnSp>
+        <p:nvCxnSpPr>
+          <p:cNvPr id="27" name="Straight Arrow Connector 26"/>
+          <p:cNvCxnSpPr/>
+          <p:nvPr/>
+        </p:nvCxnSpPr>
+        <p:spPr>
+          <a:xfrm flipH="1">
+            <a:off x="6312991" y="3591999"/>
+            <a:ext cx="1398400" cy="363247"/>
+          </a:xfrm>
+          <a:prstGeom prst="straightConnector1">
+            <a:avLst/>
+          </a:prstGeom>
+          <a:ln w="57150">
+            <a:solidFill>
+              <a:srgbClr val="FF0000"/>
+            </a:solidFill>
+            <a:tailEnd type="triangle"/>
+          </a:ln>
+        </p:spPr>
+        <p:style>
+          <a:lnRef idx="1">
+            <a:schemeClr val="accent1"/>
+          </a:lnRef>
+          <a:fillRef idx="0">
+            <a:schemeClr val="accent1"/>
+          </a:fillRef>
+          <a:effectRef idx="0">
+            <a:schemeClr val="accent1"/>
+          </a:effectRef>
+          <a:fontRef idx="minor">
+            <a:schemeClr val="tx1"/>
+          </a:fontRef>
+        </p:style>
+      </p:cxnSp>
+      <p:sp>
+        <p:nvSpPr>
+          <p:cNvPr id="28" name="TextBox 27"/>
+          <p:cNvSpPr txBox="1"/>
+          <p:nvPr/>
+        </p:nvSpPr>
+        <p:spPr>
+          <a:xfrm>
+            <a:off x="7683168" y="3855150"/>
+            <a:ext cx="3718257" cy="623248"/>
+          </a:xfrm>
+          <a:prstGeom prst="rect">
+            <a:avLst/>
+          </a:prstGeom>
+          <a:noFill/>
+        </p:spPr>
+        <p:txBody>
+          <a:bodyPr wrap="square" rtlCol="0">
+            <a:spAutoFit/>
+          </a:bodyPr>
+          <a:lstStyle/>
+          <a:p>
+            <a:pPr>
+              <a:lnSpc>
+                <a:spcPct val="150000"/>
+              </a:lnSpc>
+            </a:pPr>
+            <a:r>
+              <a:rPr lang="en-US" sz="1200" b="1" dirty="0">
+                <a:solidFill>
+                  <a:schemeClr val="bg2">
+                    <a:lumMod val="50000"/>
+                  </a:schemeClr>
+                </a:solidFill>
+                <a:latin typeface="Oxygen" panose="02000503000000000000" pitchFamily="2" charset="0"/>
+              </a:rPr>
+              <a:t>Constants: </a:t>
+            </a:r>
+          </a:p>
+          <a:p>
+            <a:pPr marL="171450" indent="-171450">
+              <a:lnSpc>
+                <a:spcPct val="150000"/>
+              </a:lnSpc>
+              <a:buFont typeface="Wingdings" panose="05000000000000000000" pitchFamily="2" charset="2"/>
+              <a:buChar char="v"/>
+            </a:pPr>
+            <a:r>
+              <a:rPr lang="en-US" sz="1100" dirty="0" smtClean="0">
+                <a:solidFill>
+                  <a:schemeClr val="bg2">
+                    <a:lumMod val="50000"/>
+                  </a:schemeClr>
+                </a:solidFill>
+                <a:latin typeface="Oxygen" panose="02000503000000000000" pitchFamily="2" charset="0"/>
+              </a:rPr>
+              <a:t>Actually </a:t>
+            </a:r>
+            <a:r>
+              <a:rPr lang="en-US" sz="1100" dirty="0">
+                <a:solidFill>
+                  <a:schemeClr val="bg2">
+                    <a:lumMod val="50000"/>
+                  </a:schemeClr>
+                </a:solidFill>
+                <a:latin typeface="Oxygen" panose="02000503000000000000" pitchFamily="2" charset="0"/>
+              </a:rPr>
+              <a:t>variables with names in CAPS e.g. </a:t>
+            </a:r>
+            <a:r>
+              <a:rPr lang="en-US" sz="1100" dirty="0">
+                <a:solidFill>
+                  <a:schemeClr val="bg2">
+                    <a:lumMod val="50000"/>
+                  </a:schemeClr>
+                </a:solidFill>
+                <a:latin typeface="Oxygen" panose="02000503000000000000" pitchFamily="2" charset="0"/>
+              </a:rPr>
+              <a:t>PI = 3.14</a:t>
+            </a:r>
+          </a:p>
+        </p:txBody>
+      </p:sp>
+      <p:sp>
+        <p:nvSpPr>
+          <p:cNvPr id="29" name="TextBox 28"/>
+          <p:cNvSpPr txBox="1"/>
+          <p:nvPr/>
+        </p:nvSpPr>
+        <p:spPr>
+          <a:xfrm>
+            <a:off x="7699941" y="4491138"/>
+            <a:ext cx="4311838" cy="623248"/>
+          </a:xfrm>
+          <a:prstGeom prst="rect">
+            <a:avLst/>
+          </a:prstGeom>
+          <a:noFill/>
+        </p:spPr>
+        <p:txBody>
+          <a:bodyPr wrap="square" rtlCol="0">
+            <a:spAutoFit/>
+          </a:bodyPr>
+          <a:lstStyle/>
+          <a:p>
+            <a:pPr>
+              <a:lnSpc>
+                <a:spcPct val="150000"/>
+              </a:lnSpc>
+            </a:pPr>
+            <a:r>
+              <a:rPr lang="en-US" sz="1200" b="1" dirty="0">
+                <a:solidFill>
+                  <a:schemeClr val="bg2">
+                    <a:lumMod val="50000"/>
+                  </a:schemeClr>
+                </a:solidFill>
+                <a:latin typeface="Oxygen" panose="02000503000000000000" pitchFamily="2" charset="0"/>
+              </a:rPr>
+              <a:t>Garbage Collection:</a:t>
+            </a:r>
+          </a:p>
+          <a:p>
+            <a:pPr marL="171450" indent="-171450">
+              <a:lnSpc>
+                <a:spcPct val="150000"/>
+              </a:lnSpc>
+              <a:buFont typeface="Wingdings" panose="05000000000000000000" pitchFamily="2" charset="2"/>
+              <a:buChar char="v"/>
+            </a:pPr>
+            <a:r>
+              <a:rPr lang="en-US" sz="1100" dirty="0" smtClean="0">
+                <a:solidFill>
+                  <a:schemeClr val="bg2">
+                    <a:lumMod val="50000"/>
+                  </a:schemeClr>
+                </a:solidFill>
+                <a:latin typeface="Oxygen" panose="02000503000000000000" pitchFamily="2" charset="0"/>
+              </a:rPr>
+              <a:t>Unused objects and variables are garbage collected by Python</a:t>
+            </a:r>
+          </a:p>
+        </p:txBody>
+      </p:sp>
     </p:spTree>
     <p:extLst>
       <p:ext uri="{BB962C8B-B14F-4D97-AF65-F5344CB8AC3E}">
-        <p14:creationId xmlns:p14="http://schemas.microsoft.com/office/powerpoint/2010/main" val="2498242516"/>
+        <p14:creationId xmlns:p14="http://schemas.microsoft.com/office/powerpoint/2010/main" val="2901017425"/>
       </p:ext>
     </p:extLst>
   </p:cSld>

--- a/Offline/BusinessManagement/Teach_Tech@anodiam/AI_Robotics/CourseMaterial/Python/001IntroToPy.pptx
+++ b/Offline/BusinessManagement/Teach_Tech@anodiam/AI_Robotics/CourseMaterial/Python/001IntroToPy.pptx
@@ -9,7 +9,8 @@
     <p:sldId id="258" r:id="rId3"/>
     <p:sldId id="259" r:id="rId4"/>
     <p:sldId id="260" r:id="rId5"/>
-    <p:sldId id="261" r:id="rId6"/>
+    <p:sldId id="262" r:id="rId6"/>
+    <p:sldId id="261" r:id="rId7"/>
   </p:sldIdLst>
   <p:sldSz cx="12192000" cy="6858000"/>
   <p:notesSz cx="6858000" cy="9144000"/>
@@ -247,7 +248,7 @@
           <a:p>
             <a:fld id="{09F20D40-57F7-45BB-8884-85123E4C70DB}" type="datetimeFigureOut">
               <a:rPr lang="en-AU" smtClean="0"/>
-              <a:t>7/07/2023</a:t>
+              <a:t>11/07/2023</a:t>
             </a:fld>
             <a:endParaRPr lang="en-AU"/>
           </a:p>
@@ -417,7 +418,7 @@
           <a:p>
             <a:fld id="{09F20D40-57F7-45BB-8884-85123E4C70DB}" type="datetimeFigureOut">
               <a:rPr lang="en-AU" smtClean="0"/>
-              <a:t>7/07/2023</a:t>
+              <a:t>11/07/2023</a:t>
             </a:fld>
             <a:endParaRPr lang="en-AU"/>
           </a:p>
@@ -597,7 +598,7 @@
           <a:p>
             <a:fld id="{09F20D40-57F7-45BB-8884-85123E4C70DB}" type="datetimeFigureOut">
               <a:rPr lang="en-AU" smtClean="0"/>
-              <a:t>7/07/2023</a:t>
+              <a:t>11/07/2023</a:t>
             </a:fld>
             <a:endParaRPr lang="en-AU"/>
           </a:p>
@@ -767,7 +768,7 @@
           <a:p>
             <a:fld id="{09F20D40-57F7-45BB-8884-85123E4C70DB}" type="datetimeFigureOut">
               <a:rPr lang="en-AU" smtClean="0"/>
-              <a:t>7/07/2023</a:t>
+              <a:t>11/07/2023</a:t>
             </a:fld>
             <a:endParaRPr lang="en-AU"/>
           </a:p>
@@ -1013,7 +1014,7 @@
           <a:p>
             <a:fld id="{09F20D40-57F7-45BB-8884-85123E4C70DB}" type="datetimeFigureOut">
               <a:rPr lang="en-AU" smtClean="0"/>
-              <a:t>7/07/2023</a:t>
+              <a:t>11/07/2023</a:t>
             </a:fld>
             <a:endParaRPr lang="en-AU"/>
           </a:p>
@@ -1245,7 +1246,7 @@
           <a:p>
             <a:fld id="{09F20D40-57F7-45BB-8884-85123E4C70DB}" type="datetimeFigureOut">
               <a:rPr lang="en-AU" smtClean="0"/>
-              <a:t>7/07/2023</a:t>
+              <a:t>11/07/2023</a:t>
             </a:fld>
             <a:endParaRPr lang="en-AU"/>
           </a:p>
@@ -1612,7 +1613,7 @@
           <a:p>
             <a:fld id="{09F20D40-57F7-45BB-8884-85123E4C70DB}" type="datetimeFigureOut">
               <a:rPr lang="en-AU" smtClean="0"/>
-              <a:t>7/07/2023</a:t>
+              <a:t>11/07/2023</a:t>
             </a:fld>
             <a:endParaRPr lang="en-AU"/>
           </a:p>
@@ -1730,7 +1731,7 @@
           <a:p>
             <a:fld id="{09F20D40-57F7-45BB-8884-85123E4C70DB}" type="datetimeFigureOut">
               <a:rPr lang="en-AU" smtClean="0"/>
-              <a:t>7/07/2023</a:t>
+              <a:t>11/07/2023</a:t>
             </a:fld>
             <a:endParaRPr lang="en-AU"/>
           </a:p>
@@ -1825,7 +1826,7 @@
           <a:p>
             <a:fld id="{09F20D40-57F7-45BB-8884-85123E4C70DB}" type="datetimeFigureOut">
               <a:rPr lang="en-AU" smtClean="0"/>
-              <a:t>7/07/2023</a:t>
+              <a:t>11/07/2023</a:t>
             </a:fld>
             <a:endParaRPr lang="en-AU"/>
           </a:p>
@@ -2102,7 +2103,7 @@
           <a:p>
             <a:fld id="{09F20D40-57F7-45BB-8884-85123E4C70DB}" type="datetimeFigureOut">
               <a:rPr lang="en-AU" smtClean="0"/>
-              <a:t>7/07/2023</a:t>
+              <a:t>11/07/2023</a:t>
             </a:fld>
             <a:endParaRPr lang="en-AU"/>
           </a:p>
@@ -2355,7 +2356,7 @@
           <a:p>
             <a:fld id="{09F20D40-57F7-45BB-8884-85123E4C70DB}" type="datetimeFigureOut">
               <a:rPr lang="en-AU" smtClean="0"/>
-              <a:t>7/07/2023</a:t>
+              <a:t>11/07/2023</a:t>
             </a:fld>
             <a:endParaRPr lang="en-AU"/>
           </a:p>
@@ -2568,7 +2569,7 @@
           <a:p>
             <a:fld id="{09F20D40-57F7-45BB-8884-85123E4C70DB}" type="datetimeFigureOut">
               <a:rPr lang="en-AU" smtClean="0"/>
-              <a:t>7/07/2023</a:t>
+              <a:t>11/07/2023</a:t>
             </a:fld>
             <a:endParaRPr lang="en-AU"/>
           </a:p>
@@ -2978,7 +2979,7 @@
           <p:cNvPr id="7" name="Rectangle 6">
             <a:extLst>
               <a:ext uri="{FF2B5EF4-FFF2-40B4-BE49-F238E27FC236}">
-                <a16:creationId xmlns:a16="http://schemas.microsoft.com/office/drawing/2014/main" xmlns="" id="{241D8F26-367A-4EE2-BC9B-4A97EE475F57}"/>
+                <a16:creationId xmlns="" xmlns:a16="http://schemas.microsoft.com/office/drawing/2014/main" id="{241D8F26-367A-4EE2-BC9B-4A97EE475F57}"/>
               </a:ext>
             </a:extLst>
           </p:cNvPr>
@@ -3052,7 +3053,7 @@
           <p:cNvPr id="8" name="Rectangle 7">
             <a:extLst>
               <a:ext uri="{FF2B5EF4-FFF2-40B4-BE49-F238E27FC236}">
-                <a16:creationId xmlns:a16="http://schemas.microsoft.com/office/drawing/2014/main" xmlns="" id="{583FBC17-A62F-4E87-B8DE-0F79DF4336A0}"/>
+                <a16:creationId xmlns="" xmlns:a16="http://schemas.microsoft.com/office/drawing/2014/main" id="{583FBC17-A62F-4E87-B8DE-0F79DF4336A0}"/>
               </a:ext>
             </a:extLst>
           </p:cNvPr>
@@ -3112,7 +3113,7 @@
           <p:cNvPr id="19" name="Group 18">
             <a:extLst>
               <a:ext uri="{FF2B5EF4-FFF2-40B4-BE49-F238E27FC236}">
-                <a16:creationId xmlns:a16="http://schemas.microsoft.com/office/drawing/2014/main" xmlns="" id="{C587FE1B-2243-4627-BC52-851BDA62444B}"/>
+                <a16:creationId xmlns="" xmlns:a16="http://schemas.microsoft.com/office/drawing/2014/main" id="{C587FE1B-2243-4627-BC52-851BDA62444B}"/>
               </a:ext>
             </a:extLst>
           </p:cNvPr>
@@ -3132,7 +3133,7 @@
             <p:cNvPr id="20" name="Picture 19">
               <a:extLst>
                 <a:ext uri="{FF2B5EF4-FFF2-40B4-BE49-F238E27FC236}">
-                  <a16:creationId xmlns:a16="http://schemas.microsoft.com/office/drawing/2014/main" xmlns="" id="{0F2E3E05-4A48-4C06-BA49-75E2E366C715}"/>
+                  <a16:creationId xmlns="" xmlns:a16="http://schemas.microsoft.com/office/drawing/2014/main" id="{0F2E3E05-4A48-4C06-BA49-75E2E366C715}"/>
                 </a:ext>
               </a:extLst>
             </p:cNvPr>
@@ -3162,7 +3163,7 @@
             <p:cNvPr id="21" name="Freeform 22">
               <a:extLst>
                 <a:ext uri="{FF2B5EF4-FFF2-40B4-BE49-F238E27FC236}">
-                  <a16:creationId xmlns:a16="http://schemas.microsoft.com/office/drawing/2014/main" xmlns="" id="{8413CF68-A7E3-43A0-B613-5438D5382AB1}"/>
+                  <a16:creationId xmlns="" xmlns:a16="http://schemas.microsoft.com/office/drawing/2014/main" id="{8413CF68-A7E3-43A0-B613-5438D5382AB1}"/>
                 </a:ext>
               </a:extLst>
             </p:cNvPr>
@@ -3574,7 +3575,7 @@
           <p:cNvPr id="22" name="TextBox 21">
             <a:extLst>
               <a:ext uri="{FF2B5EF4-FFF2-40B4-BE49-F238E27FC236}">
-                <a16:creationId xmlns:a16="http://schemas.microsoft.com/office/drawing/2014/main" xmlns="" id="{97653B96-F2E2-406B-A513-F42319FDB50F}"/>
+                <a16:creationId xmlns="" xmlns:a16="http://schemas.microsoft.com/office/drawing/2014/main" id="{97653B96-F2E2-406B-A513-F42319FDB50F}"/>
               </a:ext>
             </a:extLst>
           </p:cNvPr>
@@ -3626,7 +3627,7 @@
           <p:cNvPr id="33" name="Rectangle 32">
             <a:extLst>
               <a:ext uri="{FF2B5EF4-FFF2-40B4-BE49-F238E27FC236}">
-                <a16:creationId xmlns:a16="http://schemas.microsoft.com/office/drawing/2014/main" xmlns="" id="{E02B0EB1-C543-469A-90DE-9FA0F478E35F}"/>
+                <a16:creationId xmlns="" xmlns:a16="http://schemas.microsoft.com/office/drawing/2014/main" id="{E02B0EB1-C543-469A-90DE-9FA0F478E35F}"/>
               </a:ext>
             </a:extLst>
           </p:cNvPr>
@@ -4560,7 +4561,7 @@
           <p:cNvPr id="50" name="Rectangle 49">
             <a:extLst>
               <a:ext uri="{FF2B5EF4-FFF2-40B4-BE49-F238E27FC236}">
-                <a16:creationId xmlns:a16="http://schemas.microsoft.com/office/drawing/2014/main" xmlns="" id="{907BEB2A-D93E-46CB-95DF-04E16F0D1C0C}"/>
+                <a16:creationId xmlns="" xmlns:a16="http://schemas.microsoft.com/office/drawing/2014/main" id="{907BEB2A-D93E-46CB-95DF-04E16F0D1C0C}"/>
               </a:ext>
             </a:extLst>
           </p:cNvPr>
@@ -4669,84 +4670,10 @@
       </p:grpSpPr>
       <p:sp>
         <p:nvSpPr>
-          <p:cNvPr id="7" name="Rectangle 6">
-            <a:extLst>
-              <a:ext uri="{FF2B5EF4-FFF2-40B4-BE49-F238E27FC236}">
-                <a16:creationId xmlns:a16="http://schemas.microsoft.com/office/drawing/2014/main" xmlns="" id="{241D8F26-367A-4EE2-BC9B-4A97EE475F57}"/>
-              </a:ext>
-            </a:extLst>
-          </p:cNvPr>
-          <p:cNvSpPr/>
-          <p:nvPr/>
-        </p:nvSpPr>
-        <p:spPr>
-          <a:xfrm>
-            <a:off x="3250887" y="381242"/>
-            <a:ext cx="75415" cy="6476761"/>
-          </a:xfrm>
-          <a:prstGeom prst="rect">
-            <a:avLst/>
-          </a:prstGeom>
-          <a:gradFill>
-            <a:gsLst>
-              <a:gs pos="0">
-                <a:schemeClr val="bg1"/>
-              </a:gs>
-              <a:gs pos="60000">
-                <a:srgbClr val="FF8C52"/>
-              </a:gs>
-              <a:gs pos="40000">
-                <a:srgbClr val="FF8C52"/>
-              </a:gs>
-              <a:gs pos="20000">
-                <a:schemeClr val="bg1"/>
-              </a:gs>
-              <a:gs pos="80000">
-                <a:schemeClr val="bg1"/>
-              </a:gs>
-              <a:gs pos="100000">
-                <a:schemeClr val="bg1"/>
-              </a:gs>
-            </a:gsLst>
-            <a:lin ang="5400000" scaled="1"/>
-          </a:gradFill>
-          <a:ln>
-            <a:noFill/>
-          </a:ln>
-        </p:spPr>
-        <p:style>
-          <a:lnRef idx="2">
-            <a:schemeClr val="accent1">
-              <a:shade val="50000"/>
-            </a:schemeClr>
-          </a:lnRef>
-          <a:fillRef idx="1">
-            <a:schemeClr val="accent1"/>
-          </a:fillRef>
-          <a:effectRef idx="0">
-            <a:schemeClr val="accent1"/>
-          </a:effectRef>
-          <a:fontRef idx="minor">
-            <a:schemeClr val="lt1"/>
-          </a:fontRef>
-        </p:style>
-        <p:txBody>
-          <a:bodyPr rtlCol="0" anchor="ctr"/>
-          <a:lstStyle/>
-          <a:p>
-            <a:pPr algn="ctr"/>
-            <a:endParaRPr lang="en-AU">
-              <a:latin typeface="Oxygen" panose="02000503000000000000" pitchFamily="2" charset="0"/>
-            </a:endParaRPr>
-          </a:p>
-        </p:txBody>
-      </p:sp>
-      <p:sp>
-        <p:nvSpPr>
           <p:cNvPr id="8" name="Rectangle 7">
             <a:extLst>
               <a:ext uri="{FF2B5EF4-FFF2-40B4-BE49-F238E27FC236}">
-                <a16:creationId xmlns:a16="http://schemas.microsoft.com/office/drawing/2014/main" xmlns="" id="{583FBC17-A62F-4E87-B8DE-0F79DF4336A0}"/>
+                <a16:creationId xmlns="" xmlns:a16="http://schemas.microsoft.com/office/drawing/2014/main" id="{583FBC17-A62F-4E87-B8DE-0F79DF4336A0}"/>
               </a:ext>
             </a:extLst>
           </p:cNvPr>
@@ -4806,7 +4733,7 @@
           <p:cNvPr id="19" name="Group 18">
             <a:extLst>
               <a:ext uri="{FF2B5EF4-FFF2-40B4-BE49-F238E27FC236}">
-                <a16:creationId xmlns:a16="http://schemas.microsoft.com/office/drawing/2014/main" xmlns="" id="{C587FE1B-2243-4627-BC52-851BDA62444B}"/>
+                <a16:creationId xmlns="" xmlns:a16="http://schemas.microsoft.com/office/drawing/2014/main" id="{C587FE1B-2243-4627-BC52-851BDA62444B}"/>
               </a:ext>
             </a:extLst>
           </p:cNvPr>
@@ -4826,7 +4753,7 @@
             <p:cNvPr id="20" name="Picture 19">
               <a:extLst>
                 <a:ext uri="{FF2B5EF4-FFF2-40B4-BE49-F238E27FC236}">
-                  <a16:creationId xmlns:a16="http://schemas.microsoft.com/office/drawing/2014/main" xmlns="" id="{0F2E3E05-4A48-4C06-BA49-75E2E366C715}"/>
+                  <a16:creationId xmlns="" xmlns:a16="http://schemas.microsoft.com/office/drawing/2014/main" id="{0F2E3E05-4A48-4C06-BA49-75E2E366C715}"/>
                 </a:ext>
               </a:extLst>
             </p:cNvPr>
@@ -4856,7 +4783,7 @@
             <p:cNvPr id="21" name="Freeform 22">
               <a:extLst>
                 <a:ext uri="{FF2B5EF4-FFF2-40B4-BE49-F238E27FC236}">
-                  <a16:creationId xmlns:a16="http://schemas.microsoft.com/office/drawing/2014/main" xmlns="" id="{8413CF68-A7E3-43A0-B613-5438D5382AB1}"/>
+                  <a16:creationId xmlns="" xmlns:a16="http://schemas.microsoft.com/office/drawing/2014/main" id="{8413CF68-A7E3-43A0-B613-5438D5382AB1}"/>
                 </a:ext>
               </a:extLst>
             </p:cNvPr>
@@ -5268,7 +5195,7 @@
           <p:cNvPr id="22" name="TextBox 21">
             <a:extLst>
               <a:ext uri="{FF2B5EF4-FFF2-40B4-BE49-F238E27FC236}">
-                <a16:creationId xmlns:a16="http://schemas.microsoft.com/office/drawing/2014/main" xmlns="" id="{97653B96-F2E2-406B-A513-F42319FDB50F}"/>
+                <a16:creationId xmlns="" xmlns:a16="http://schemas.microsoft.com/office/drawing/2014/main" id="{97653B96-F2E2-406B-A513-F42319FDB50F}"/>
               </a:ext>
             </a:extLst>
           </p:cNvPr>
@@ -5320,7 +5247,7 @@
           <p:cNvPr id="33" name="Rectangle 32">
             <a:extLst>
               <a:ext uri="{FF2B5EF4-FFF2-40B4-BE49-F238E27FC236}">
-                <a16:creationId xmlns:a16="http://schemas.microsoft.com/office/drawing/2014/main" xmlns="" id="{E02B0EB1-C543-469A-90DE-9FA0F478E35F}"/>
+                <a16:creationId xmlns="" xmlns:a16="http://schemas.microsoft.com/office/drawing/2014/main" id="{E02B0EB1-C543-469A-90DE-9FA0F478E35F}"/>
               </a:ext>
             </a:extLst>
           </p:cNvPr>
@@ -5445,7 +5372,7 @@
         </p:nvSpPr>
         <p:spPr>
           <a:xfrm>
-            <a:off x="4194890" y="2851111"/>
+            <a:off x="1675192" y="3843663"/>
             <a:ext cx="2262310" cy="877163"/>
           </a:xfrm>
           <a:prstGeom prst="rect">
@@ -5550,7 +5477,7 @@
         </p:nvSpPr>
         <p:spPr>
           <a:xfrm>
-            <a:off x="4240451" y="3841681"/>
+            <a:off x="5974363" y="2656885"/>
             <a:ext cx="4204809" cy="2146742"/>
           </a:xfrm>
           <a:prstGeom prst="rect">
@@ -5579,19 +5506,7 @@
                 </a:solidFill>
                 <a:latin typeface="Oxygen" panose="02000503000000000000" pitchFamily="2" charset="0"/>
               </a:rPr>
-              <a:t>Strings</a:t>
-            </a:r>
-            <a:r>
-              <a:rPr lang="en-US" sz="1200" b="1" dirty="0" smtClean="0">
-                <a:solidFill>
-                  <a:schemeClr val="tx1">
-                    <a:lumMod val="50000"/>
-                    <a:lumOff val="50000"/>
-                  </a:schemeClr>
-                </a:solidFill>
-                <a:latin typeface="Oxygen" panose="02000503000000000000" pitchFamily="2" charset="0"/>
-              </a:rPr>
-              <a:t>:</a:t>
+              <a:t>Strings:</a:t>
             </a:r>
           </a:p>
           <a:p>
@@ -5737,105 +5652,6 @@
           </a:p>
         </p:txBody>
       </p:sp>
-      <p:pic>
-        <p:nvPicPr>
-          <p:cNvPr id="4" name="Picture 3"/>
-          <p:cNvPicPr>
-            <a:picLocks noChangeAspect="1"/>
-          </p:cNvPicPr>
-          <p:nvPr/>
-        </p:nvPicPr>
-        <p:blipFill>
-          <a:blip r:embed="rId3"/>
-          <a:stretch>
-            <a:fillRect/>
-          </a:stretch>
-        </p:blipFill>
-        <p:spPr>
-          <a:xfrm>
-            <a:off x="657721" y="2429999"/>
-            <a:ext cx="2164215" cy="2163940"/>
-          </a:xfrm>
-          <a:prstGeom prst="rect">
-            <a:avLst/>
-          </a:prstGeom>
-        </p:spPr>
-      </p:pic>
-      <p:sp>
-        <p:nvSpPr>
-          <p:cNvPr id="50" name="Rectangle 49">
-            <a:extLst>
-              <a:ext uri="{FF2B5EF4-FFF2-40B4-BE49-F238E27FC236}">
-                <a16:creationId xmlns:a16="http://schemas.microsoft.com/office/drawing/2014/main" xmlns="" id="{907BEB2A-D93E-46CB-95DF-04E16F0D1C0C}"/>
-              </a:ext>
-            </a:extLst>
-          </p:cNvPr>
-          <p:cNvSpPr/>
-          <p:nvPr/>
-        </p:nvSpPr>
-        <p:spPr>
-          <a:xfrm>
-            <a:off x="605043" y="2429998"/>
-            <a:ext cx="2211887" cy="2163941"/>
-          </a:xfrm>
-          <a:prstGeom prst="rect">
-            <a:avLst/>
-          </a:prstGeom>
-          <a:gradFill flip="none" rotWithShape="1">
-            <a:gsLst>
-              <a:gs pos="0">
-                <a:srgbClr val="FFFFFF">
-                  <a:alpha val="0"/>
-                </a:srgbClr>
-              </a:gs>
-              <a:gs pos="62000">
-                <a:srgbClr val="FFFFFF">
-                  <a:alpha val="0"/>
-                </a:srgbClr>
-              </a:gs>
-              <a:gs pos="72000">
-                <a:schemeClr val="bg1"/>
-              </a:gs>
-              <a:gs pos="100000">
-                <a:schemeClr val="bg1"/>
-              </a:gs>
-            </a:gsLst>
-            <a:path path="circle">
-              <a:fillToRect l="50000" t="50000" r="50000" b="50000"/>
-            </a:path>
-            <a:tileRect/>
-          </a:gradFill>
-          <a:ln>
-            <a:noFill/>
-          </a:ln>
-        </p:spPr>
-        <p:style>
-          <a:lnRef idx="2">
-            <a:schemeClr val="accent1">
-              <a:shade val="50000"/>
-            </a:schemeClr>
-          </a:lnRef>
-          <a:fillRef idx="1">
-            <a:schemeClr val="accent1"/>
-          </a:fillRef>
-          <a:effectRef idx="0">
-            <a:schemeClr val="accent1"/>
-          </a:effectRef>
-          <a:fontRef idx="minor">
-            <a:schemeClr val="lt1"/>
-          </a:fontRef>
-        </p:style>
-        <p:txBody>
-          <a:bodyPr rtlCol="0" anchor="ctr"/>
-          <a:lstStyle/>
-          <a:p>
-            <a:pPr algn="ctr"/>
-            <a:endParaRPr lang="en-AU">
-              <a:latin typeface="Oxygen" panose="02000503000000000000" pitchFamily="2" charset="0"/>
-            </a:endParaRPr>
-          </a:p>
-        </p:txBody>
-      </p:sp>
       <p:sp>
         <p:nvSpPr>
           <p:cNvPr id="16" name="TextBox 15"/>
@@ -5844,7 +5660,7 @@
         </p:nvSpPr>
         <p:spPr>
           <a:xfrm>
-            <a:off x="4207261" y="1606625"/>
+            <a:off x="1687563" y="2599177"/>
             <a:ext cx="3340851" cy="1131079"/>
           </a:xfrm>
           <a:prstGeom prst="rect">
@@ -6004,13 +5820,13 @@
           <p:nvPr>
             <p:extLst>
               <p:ext uri="{D42A27DB-BD31-4B8C-83A1-F6EECF244321}">
-                <p14:modId xmlns:p14="http://schemas.microsoft.com/office/powerpoint/2010/main" val="728742507"/>
+                <p14:modId xmlns:p14="http://schemas.microsoft.com/office/powerpoint/2010/main" val="4216998329"/>
               </p:ext>
             </p:extLst>
           </p:nvPr>
         </p:nvGraphicFramePr>
         <p:xfrm>
-          <a:off x="4801161" y="4254808"/>
+          <a:off x="6517820" y="3049120"/>
           <a:ext cx="4864100" cy="581025"/>
         </p:xfrm>
         <a:graphic>
@@ -8443,84 +8259,10 @@
       </p:grpSpPr>
       <p:sp>
         <p:nvSpPr>
-          <p:cNvPr id="7" name="Rectangle 6">
-            <a:extLst>
-              <a:ext uri="{FF2B5EF4-FFF2-40B4-BE49-F238E27FC236}">
-                <a16:creationId xmlns:a16="http://schemas.microsoft.com/office/drawing/2014/main" xmlns="" id="{241D8F26-367A-4EE2-BC9B-4A97EE475F57}"/>
-              </a:ext>
-            </a:extLst>
-          </p:cNvPr>
-          <p:cNvSpPr/>
-          <p:nvPr/>
-        </p:nvSpPr>
-        <p:spPr>
-          <a:xfrm>
-            <a:off x="3250887" y="381242"/>
-            <a:ext cx="75415" cy="6476761"/>
-          </a:xfrm>
-          <a:prstGeom prst="rect">
-            <a:avLst/>
-          </a:prstGeom>
-          <a:gradFill>
-            <a:gsLst>
-              <a:gs pos="0">
-                <a:schemeClr val="bg1"/>
-              </a:gs>
-              <a:gs pos="60000">
-                <a:srgbClr val="FF8C52"/>
-              </a:gs>
-              <a:gs pos="40000">
-                <a:srgbClr val="FF8C52"/>
-              </a:gs>
-              <a:gs pos="20000">
-                <a:schemeClr val="bg1"/>
-              </a:gs>
-              <a:gs pos="80000">
-                <a:schemeClr val="bg1"/>
-              </a:gs>
-              <a:gs pos="100000">
-                <a:schemeClr val="bg1"/>
-              </a:gs>
-            </a:gsLst>
-            <a:lin ang="5400000" scaled="1"/>
-          </a:gradFill>
-          <a:ln>
-            <a:noFill/>
-          </a:ln>
-        </p:spPr>
-        <p:style>
-          <a:lnRef idx="2">
-            <a:schemeClr val="accent1">
-              <a:shade val="50000"/>
-            </a:schemeClr>
-          </a:lnRef>
-          <a:fillRef idx="1">
-            <a:schemeClr val="accent1"/>
-          </a:fillRef>
-          <a:effectRef idx="0">
-            <a:schemeClr val="accent1"/>
-          </a:effectRef>
-          <a:fontRef idx="minor">
-            <a:schemeClr val="lt1"/>
-          </a:fontRef>
-        </p:style>
-        <p:txBody>
-          <a:bodyPr rtlCol="0" anchor="ctr"/>
-          <a:lstStyle/>
-          <a:p>
-            <a:pPr algn="ctr"/>
-            <a:endParaRPr lang="en-AU">
-              <a:latin typeface="Oxygen" panose="02000503000000000000" pitchFamily="2" charset="0"/>
-            </a:endParaRPr>
-          </a:p>
-        </p:txBody>
-      </p:sp>
-      <p:sp>
-        <p:nvSpPr>
           <p:cNvPr id="8" name="Rectangle 7">
             <a:extLst>
               <a:ext uri="{FF2B5EF4-FFF2-40B4-BE49-F238E27FC236}">
-                <a16:creationId xmlns:a16="http://schemas.microsoft.com/office/drawing/2014/main" xmlns="" id="{583FBC17-A62F-4E87-B8DE-0F79DF4336A0}"/>
+                <a16:creationId xmlns="" xmlns:a16="http://schemas.microsoft.com/office/drawing/2014/main" id="{583FBC17-A62F-4E87-B8DE-0F79DF4336A0}"/>
               </a:ext>
             </a:extLst>
           </p:cNvPr>
@@ -8580,7 +8322,7 @@
           <p:cNvPr id="19" name="Group 18">
             <a:extLst>
               <a:ext uri="{FF2B5EF4-FFF2-40B4-BE49-F238E27FC236}">
-                <a16:creationId xmlns:a16="http://schemas.microsoft.com/office/drawing/2014/main" xmlns="" id="{C587FE1B-2243-4627-BC52-851BDA62444B}"/>
+                <a16:creationId xmlns="" xmlns:a16="http://schemas.microsoft.com/office/drawing/2014/main" id="{C587FE1B-2243-4627-BC52-851BDA62444B}"/>
               </a:ext>
             </a:extLst>
           </p:cNvPr>
@@ -8600,7 +8342,7 @@
             <p:cNvPr id="20" name="Picture 19">
               <a:extLst>
                 <a:ext uri="{FF2B5EF4-FFF2-40B4-BE49-F238E27FC236}">
-                  <a16:creationId xmlns:a16="http://schemas.microsoft.com/office/drawing/2014/main" xmlns="" id="{0F2E3E05-4A48-4C06-BA49-75E2E366C715}"/>
+                  <a16:creationId xmlns="" xmlns:a16="http://schemas.microsoft.com/office/drawing/2014/main" id="{0F2E3E05-4A48-4C06-BA49-75E2E366C715}"/>
                 </a:ext>
               </a:extLst>
             </p:cNvPr>
@@ -8630,7 +8372,7 @@
             <p:cNvPr id="21" name="Freeform 22">
               <a:extLst>
                 <a:ext uri="{FF2B5EF4-FFF2-40B4-BE49-F238E27FC236}">
-                  <a16:creationId xmlns:a16="http://schemas.microsoft.com/office/drawing/2014/main" xmlns="" id="{8413CF68-A7E3-43A0-B613-5438D5382AB1}"/>
+                  <a16:creationId xmlns="" xmlns:a16="http://schemas.microsoft.com/office/drawing/2014/main" id="{8413CF68-A7E3-43A0-B613-5438D5382AB1}"/>
                 </a:ext>
               </a:extLst>
             </p:cNvPr>
@@ -9042,7 +8784,7 @@
           <p:cNvPr id="22" name="TextBox 21">
             <a:extLst>
               <a:ext uri="{FF2B5EF4-FFF2-40B4-BE49-F238E27FC236}">
-                <a16:creationId xmlns:a16="http://schemas.microsoft.com/office/drawing/2014/main" xmlns="" id="{97653B96-F2E2-406B-A513-F42319FDB50F}"/>
+                <a16:creationId xmlns="" xmlns:a16="http://schemas.microsoft.com/office/drawing/2014/main" id="{97653B96-F2E2-406B-A513-F42319FDB50F}"/>
               </a:ext>
             </a:extLst>
           </p:cNvPr>
@@ -9075,19 +8817,7 @@
                 <a:latin typeface="Oxygen" panose="02000503000000000000" pitchFamily="2" charset="0"/>
                 <a:cs typeface="Arial" panose="020B0604020202020204" pitchFamily="34" charset="0"/>
               </a:rPr>
-              <a:t>Python Programming: </a:t>
-            </a:r>
-            <a:r>
-              <a:rPr lang="en-US" b="1" cap="small" dirty="0" smtClean="0">
-                <a:solidFill>
-                  <a:schemeClr val="bg2">
-                    <a:lumMod val="75000"/>
-                  </a:schemeClr>
-                </a:solidFill>
-                <a:latin typeface="Oxygen" panose="02000503000000000000" pitchFamily="2" charset="0"/>
-                <a:cs typeface="Arial" panose="020B0604020202020204" pitchFamily="34" charset="0"/>
-              </a:rPr>
-              <a:t>Lists, Tuples &amp; Sets</a:t>
+              <a:t>Python Programming: Lists, Tuples &amp; Sets</a:t>
             </a:r>
             <a:endParaRPr lang="en-AU" b="1" cap="small" dirty="0">
               <a:solidFill>
@@ -9106,7 +8836,7 @@
           <p:cNvPr id="33" name="Rectangle 32">
             <a:extLst>
               <a:ext uri="{FF2B5EF4-FFF2-40B4-BE49-F238E27FC236}">
-                <a16:creationId xmlns:a16="http://schemas.microsoft.com/office/drawing/2014/main" xmlns="" id="{E02B0EB1-C543-469A-90DE-9FA0F478E35F}"/>
+                <a16:creationId xmlns="" xmlns:a16="http://schemas.microsoft.com/office/drawing/2014/main" id="{E02B0EB1-C543-469A-90DE-9FA0F478E35F}"/>
               </a:ext>
             </a:extLst>
           </p:cNvPr>
@@ -9231,7 +8961,7 @@
         </p:nvSpPr>
         <p:spPr>
           <a:xfrm>
-            <a:off x="3591945" y="2064895"/>
+            <a:off x="629573" y="1704434"/>
             <a:ext cx="2989922" cy="3062377"/>
           </a:xfrm>
           <a:prstGeom prst="rect">
@@ -9289,6 +9019,37 @@
               </a:rPr>
               <a:t>Mutable</a:t>
             </a:r>
+          </a:p>
+          <a:p>
+            <a:pPr marL="171450" indent="-171450">
+              <a:lnSpc>
+                <a:spcPct val="150000"/>
+              </a:lnSpc>
+              <a:buFont typeface="Wingdings" panose="05000000000000000000" pitchFamily="2" charset="2"/>
+              <a:buChar char="v"/>
+            </a:pPr>
+            <a:r>
+              <a:rPr lang="en-US" sz="1100" dirty="0">
+                <a:solidFill>
+                  <a:schemeClr val="bg2">
+                    <a:lumMod val="50000"/>
+                  </a:schemeClr>
+                </a:solidFill>
+                <a:latin typeface="Oxygen" panose="02000503000000000000" pitchFamily="2" charset="0"/>
+              </a:rPr>
+              <a:t>E.g.: myList = [23, 91, 9, </a:t>
+            </a:r>
+            <a:r>
+              <a:rPr lang="en-US" sz="1100" dirty="0" smtClean="0">
+                <a:solidFill>
+                  <a:schemeClr val="bg2">
+                    <a:lumMod val="50000"/>
+                  </a:schemeClr>
+                </a:solidFill>
+                <a:latin typeface="Oxygen" panose="02000503000000000000" pitchFamily="2" charset="0"/>
+              </a:rPr>
+              <a:t>507]</a:t>
+            </a:r>
             <a:endParaRPr lang="en-AU" sz="1100" dirty="0">
               <a:solidFill>
                 <a:schemeClr val="bg2">
@@ -9307,6 +9068,17 @@
               <a:buChar char="v"/>
             </a:pPr>
             <a:r>
+              <a:rPr lang="en-US" sz="1100" dirty="0" smtClean="0">
+                <a:solidFill>
+                  <a:schemeClr val="bg2">
+                    <a:lumMod val="50000"/>
+                  </a:schemeClr>
+                </a:solidFill>
+                <a:latin typeface="Oxygen" panose="02000503000000000000" pitchFamily="2" charset="0"/>
+              </a:rPr>
+              <a:t>Functions used in </a:t>
+            </a:r>
+            <a:r>
               <a:rPr lang="en-US" sz="1100" dirty="0">
                 <a:solidFill>
                   <a:schemeClr val="bg2">
@@ -9315,10 +9087,16 @@
                 </a:solidFill>
                 <a:latin typeface="Oxygen" panose="02000503000000000000" pitchFamily="2" charset="0"/>
               </a:rPr>
-              <a:t>E.g</a:t>
-            </a:r>
-            <a:r>
-              <a:rPr lang="en-US" sz="1100" dirty="0">
+              <a:t>List:</a:t>
+            </a:r>
+          </a:p>
+          <a:p>
+            <a:pPr marL="628650" lvl="1" indent="-171450">
+              <a:buFont typeface="Wingdings" panose="05000000000000000000" pitchFamily="2" charset="2"/>
+              <a:buChar char="§"/>
+            </a:pPr>
+            <a:r>
+              <a:rPr lang="en-AU" sz="1100" dirty="0" smtClean="0">
                 <a:solidFill>
                   <a:schemeClr val="bg2">
                     <a:lumMod val="50000"/>
@@ -9326,62 +9104,7 @@
                 </a:solidFill>
                 <a:latin typeface="Oxygen" panose="02000503000000000000" pitchFamily="2" charset="0"/>
               </a:rPr>
-              <a:t>.: </a:t>
-            </a:r>
-            <a:r>
-              <a:rPr lang="en-US" sz="1100" dirty="0">
-                <a:solidFill>
-                  <a:schemeClr val="bg2">
-                    <a:lumMod val="50000"/>
-                  </a:schemeClr>
-                </a:solidFill>
-                <a:latin typeface="Oxygen" panose="02000503000000000000" pitchFamily="2" charset="0"/>
-              </a:rPr>
-              <a:t>myList </a:t>
-            </a:r>
-            <a:r>
-              <a:rPr lang="en-US" sz="1100" dirty="0">
-                <a:solidFill>
-                  <a:schemeClr val="bg2">
-                    <a:lumMod val="50000"/>
-                  </a:schemeClr>
-                </a:solidFill>
-                <a:latin typeface="Oxygen" panose="02000503000000000000" pitchFamily="2" charset="0"/>
-              </a:rPr>
-              <a:t>= </a:t>
-            </a:r>
-            <a:r>
-              <a:rPr lang="en-US" sz="1100" dirty="0">
-                <a:solidFill>
-                  <a:schemeClr val="bg2">
-                    <a:lumMod val="50000"/>
-                  </a:schemeClr>
-                </a:solidFill>
-                <a:latin typeface="Oxygen" panose="02000503000000000000" pitchFamily="2" charset="0"/>
-              </a:rPr>
-              <a:t>[23</a:t>
-            </a:r>
-            <a:r>
-              <a:rPr lang="en-US" sz="1100" dirty="0">
-                <a:solidFill>
-                  <a:schemeClr val="bg2">
-                    <a:lumMod val="50000"/>
-                  </a:schemeClr>
-                </a:solidFill>
-                <a:latin typeface="Oxygen" panose="02000503000000000000" pitchFamily="2" charset="0"/>
-              </a:rPr>
-              <a:t>, 91, 9, </a:t>
-            </a:r>
-            <a:r>
-              <a:rPr lang="en-US" sz="1100" dirty="0" smtClean="0">
-                <a:solidFill>
-                  <a:schemeClr val="bg2">
-                    <a:lumMod val="50000"/>
-                  </a:schemeClr>
-                </a:solidFill>
-                <a:latin typeface="Oxygen" panose="02000503000000000000" pitchFamily="2" charset="0"/>
-              </a:rPr>
-              <a:t>507]</a:t>
+              <a:t>append()</a:t>
             </a:r>
             <a:endParaRPr lang="en-AU" sz="1100" dirty="0">
               <a:solidFill>
@@ -9393,37 +9116,6 @@
             </a:endParaRPr>
           </a:p>
           <a:p>
-            <a:pPr marL="171450" indent="-171450">
-              <a:lnSpc>
-                <a:spcPct val="150000"/>
-              </a:lnSpc>
-              <a:buFont typeface="Wingdings" panose="05000000000000000000" pitchFamily="2" charset="2"/>
-              <a:buChar char="v"/>
-            </a:pPr>
-            <a:r>
-              <a:rPr lang="en-US" sz="1100" dirty="0" smtClean="0">
-                <a:solidFill>
-                  <a:schemeClr val="bg2">
-                    <a:lumMod val="50000"/>
-                  </a:schemeClr>
-                </a:solidFill>
-                <a:latin typeface="Oxygen" panose="02000503000000000000" pitchFamily="2" charset="0"/>
-              </a:rPr>
-              <a:t>Functions used in </a:t>
-            </a:r>
-            <a:r>
-              <a:rPr lang="en-US" sz="1100" dirty="0">
-                <a:solidFill>
-                  <a:schemeClr val="bg2">
-                    <a:lumMod val="50000"/>
-                  </a:schemeClr>
-                </a:solidFill>
-                <a:latin typeface="Oxygen" panose="02000503000000000000" pitchFamily="2" charset="0"/>
-              </a:rPr>
-              <a:t>List:</a:t>
-            </a:r>
-          </a:p>
-          <a:p>
             <a:pPr marL="628650" lvl="1" indent="-171450">
               <a:buFont typeface="Wingdings" panose="05000000000000000000" pitchFamily="2" charset="2"/>
               <a:buChar char="§"/>
@@ -9437,7 +9129,7 @@
                 </a:solidFill>
                 <a:latin typeface="Oxygen" panose="02000503000000000000" pitchFamily="2" charset="0"/>
               </a:rPr>
-              <a:t>append()</a:t>
+              <a:t>insert()</a:t>
             </a:r>
             <a:endParaRPr lang="en-AU" sz="1100" dirty="0">
               <a:solidFill>
@@ -9462,7 +9154,7 @@
                 </a:solidFill>
                 <a:latin typeface="Oxygen" panose="02000503000000000000" pitchFamily="2" charset="0"/>
               </a:rPr>
-              <a:t>insert()</a:t>
+              <a:t>remove()</a:t>
             </a:r>
             <a:endParaRPr lang="en-AU" sz="1100" dirty="0">
               <a:solidFill>
@@ -9487,7 +9179,137 @@
                 </a:solidFill>
                 <a:latin typeface="Oxygen" panose="02000503000000000000" pitchFamily="2" charset="0"/>
               </a:rPr>
-              <a:t>remove()</a:t>
+              <a:t>pop()</a:t>
+            </a:r>
+          </a:p>
+          <a:p>
+            <a:pPr marL="628650" lvl="1" indent="-171450">
+              <a:buFont typeface="Wingdings" panose="05000000000000000000" pitchFamily="2" charset="2"/>
+              <a:buChar char="§"/>
+            </a:pPr>
+            <a:r>
+              <a:rPr lang="en-AU" sz="1100" dirty="0" smtClean="0">
+                <a:solidFill>
+                  <a:schemeClr val="bg2">
+                    <a:lumMod val="50000"/>
+                  </a:schemeClr>
+                </a:solidFill>
+                <a:latin typeface="Oxygen" panose="02000503000000000000" pitchFamily="2" charset="0"/>
+              </a:rPr>
+              <a:t>clear()</a:t>
+            </a:r>
+          </a:p>
+          <a:p>
+            <a:pPr marL="628650" lvl="1" indent="-171450">
+              <a:buFont typeface="Wingdings" panose="05000000000000000000" pitchFamily="2" charset="2"/>
+              <a:buChar char="§"/>
+            </a:pPr>
+            <a:r>
+              <a:rPr lang="en-US" sz="1100" dirty="0" smtClean="0">
+                <a:solidFill>
+                  <a:schemeClr val="bg2">
+                    <a:lumMod val="50000"/>
+                  </a:schemeClr>
+                </a:solidFill>
+                <a:latin typeface="Oxygen" panose="02000503000000000000" pitchFamily="2" charset="0"/>
+              </a:rPr>
+              <a:t>extend</a:t>
+            </a:r>
+            <a:r>
+              <a:rPr lang="en-US" sz="1100" dirty="0">
+                <a:solidFill>
+                  <a:schemeClr val="bg2">
+                    <a:lumMod val="50000"/>
+                  </a:schemeClr>
+                </a:solidFill>
+                <a:latin typeface="Oxygen" panose="02000503000000000000" pitchFamily="2" charset="0"/>
+              </a:rPr>
+              <a:t>()</a:t>
+            </a:r>
+          </a:p>
+          <a:p>
+            <a:pPr marL="628650" lvl="1" indent="-171450">
+              <a:buFont typeface="Wingdings" panose="05000000000000000000" pitchFamily="2" charset="2"/>
+              <a:buChar char="§"/>
+            </a:pPr>
+            <a:r>
+              <a:rPr lang="en-US" sz="1100" dirty="0">
+                <a:solidFill>
+                  <a:schemeClr val="bg2">
+                    <a:lumMod val="50000"/>
+                  </a:schemeClr>
+                </a:solidFill>
+                <a:latin typeface="Oxygen" panose="02000503000000000000" pitchFamily="2" charset="0"/>
+              </a:rPr>
+              <a:t>max(list)</a:t>
+            </a:r>
+          </a:p>
+          <a:p>
+            <a:pPr marL="628650" lvl="1" indent="-171450">
+              <a:buFont typeface="Wingdings" panose="05000000000000000000" pitchFamily="2" charset="2"/>
+              <a:buChar char="§"/>
+            </a:pPr>
+            <a:r>
+              <a:rPr lang="en-US" sz="1100" dirty="0">
+                <a:solidFill>
+                  <a:schemeClr val="bg2">
+                    <a:lumMod val="50000"/>
+                  </a:schemeClr>
+                </a:solidFill>
+                <a:latin typeface="Oxygen" panose="02000503000000000000" pitchFamily="2" charset="0"/>
+              </a:rPr>
+              <a:t>min(list))</a:t>
+            </a:r>
+          </a:p>
+          <a:p>
+            <a:pPr marL="628650" lvl="1" indent="-171450">
+              <a:buFont typeface="Wingdings" panose="05000000000000000000" pitchFamily="2" charset="2"/>
+              <a:buChar char="§"/>
+            </a:pPr>
+            <a:r>
+              <a:rPr lang="en-US" sz="1100" dirty="0">
+                <a:solidFill>
+                  <a:schemeClr val="bg2">
+                    <a:lumMod val="50000"/>
+                  </a:schemeClr>
+                </a:solidFill>
+                <a:latin typeface="Oxygen" panose="02000503000000000000" pitchFamily="2" charset="0"/>
+              </a:rPr>
+              <a:t>sum(list))</a:t>
+            </a:r>
+          </a:p>
+          <a:p>
+            <a:pPr marL="628650" lvl="1" indent="-171450">
+              <a:buFont typeface="Wingdings" panose="05000000000000000000" pitchFamily="2" charset="2"/>
+              <a:buChar char="§"/>
+            </a:pPr>
+            <a:r>
+              <a:rPr lang="en-US" sz="1100" dirty="0">
+                <a:solidFill>
+                  <a:schemeClr val="bg2">
+                    <a:lumMod val="50000"/>
+                  </a:schemeClr>
+                </a:solidFill>
+                <a:latin typeface="Oxygen" panose="02000503000000000000" pitchFamily="2" charset="0"/>
+              </a:rPr>
+              <a:t>sort()</a:t>
+            </a:r>
+          </a:p>
+          <a:p>
+            <a:pPr marL="628650" lvl="1" indent="-171450">
+              <a:buFont typeface="Wingdings" panose="05000000000000000000" pitchFamily="2" charset="2"/>
+              <a:buChar char="§"/>
+            </a:pPr>
+            <a:r>
+              <a:rPr lang="en-US" sz="1100" dirty="0">
+                <a:solidFill>
+                  <a:schemeClr val="bg2">
+                    <a:lumMod val="50000"/>
+                  </a:schemeClr>
+                </a:solidFill>
+                <a:latin typeface="Oxygen" panose="02000503000000000000" pitchFamily="2" charset="0"/>
+              </a:rPr>
+              <a:t>sort(reverse=True)</a:t>
             </a:r>
             <a:endParaRPr lang="en-AU" sz="1100" dirty="0">
               <a:solidFill>
@@ -9498,12 +9320,165 @@
               <a:latin typeface="Oxygen" panose="02000503000000000000" pitchFamily="2" charset="0"/>
             </a:endParaRPr>
           </a:p>
-          <a:p>
-            <a:pPr marL="628650" lvl="1" indent="-171450">
+        </p:txBody>
+      </p:sp>
+      <p:sp>
+        <p:nvSpPr>
+          <p:cNvPr id="17" name="TextBox 16"/>
+          <p:cNvSpPr txBox="1"/>
+          <p:nvPr/>
+        </p:nvSpPr>
+        <p:spPr>
+          <a:xfrm>
+            <a:off x="3514482" y="1704434"/>
+            <a:ext cx="3335301" cy="1131079"/>
+          </a:xfrm>
+          <a:prstGeom prst="rect">
+            <a:avLst/>
+          </a:prstGeom>
+          <a:noFill/>
+        </p:spPr>
+        <p:txBody>
+          <a:bodyPr wrap="square" rtlCol="0">
+            <a:spAutoFit/>
+          </a:bodyPr>
+          <a:lstStyle/>
+          <a:p>
+            <a:pPr>
+              <a:lnSpc>
+                <a:spcPct val="150000"/>
+              </a:lnSpc>
+            </a:pPr>
+            <a:r>
+              <a:rPr lang="en-US" sz="1200" b="1" dirty="0" smtClean="0">
+                <a:solidFill>
+                  <a:schemeClr val="bg2">
+                    <a:lumMod val="50000"/>
+                  </a:schemeClr>
+                </a:solidFill>
+                <a:latin typeface="Oxygen" panose="02000503000000000000" pitchFamily="2" charset="0"/>
+              </a:rPr>
+              <a:t>Tuples: ( )</a:t>
+            </a:r>
+          </a:p>
+          <a:p>
+            <a:pPr marL="171450" indent="-171450">
+              <a:lnSpc>
+                <a:spcPct val="150000"/>
+              </a:lnSpc>
               <a:buFont typeface="Wingdings" panose="05000000000000000000" pitchFamily="2" charset="2"/>
-              <a:buChar char="§"/>
+              <a:buChar char="v"/>
             </a:pPr>
             <a:r>
+              <a:rPr lang="en-AU" sz="1100" dirty="0">
+                <a:solidFill>
+                  <a:schemeClr val="bg2">
+                    <a:lumMod val="50000"/>
+                  </a:schemeClr>
+                </a:solidFill>
+                <a:latin typeface="Oxygen" panose="02000503000000000000" pitchFamily="2" charset="0"/>
+              </a:rPr>
+              <a:t>Immutable</a:t>
+            </a:r>
+          </a:p>
+          <a:p>
+            <a:pPr marL="171450" indent="-171450">
+              <a:lnSpc>
+                <a:spcPct val="150000"/>
+              </a:lnSpc>
+              <a:buFont typeface="Wingdings" panose="05000000000000000000" pitchFamily="2" charset="2"/>
+              <a:buChar char="v"/>
+            </a:pPr>
+            <a:r>
+              <a:rPr lang="en-US" sz="1100" dirty="0">
+                <a:solidFill>
+                  <a:schemeClr val="bg2">
+                    <a:lumMod val="50000"/>
+                  </a:schemeClr>
+                </a:solidFill>
+                <a:latin typeface="Oxygen" panose="02000503000000000000" pitchFamily="2" charset="0"/>
+              </a:rPr>
+              <a:t>Iteration is faster than list</a:t>
+            </a:r>
+          </a:p>
+          <a:p>
+            <a:pPr marL="171450" indent="-171450">
+              <a:lnSpc>
+                <a:spcPct val="150000"/>
+              </a:lnSpc>
+              <a:buFont typeface="Wingdings" panose="05000000000000000000" pitchFamily="2" charset="2"/>
+              <a:buChar char="v"/>
+            </a:pPr>
+            <a:r>
+              <a:rPr lang="en-US" sz="1100" dirty="0">
+                <a:solidFill>
+                  <a:schemeClr val="bg2">
+                    <a:lumMod val="50000"/>
+                  </a:schemeClr>
+                </a:solidFill>
+                <a:latin typeface="Oxygen" panose="02000503000000000000" pitchFamily="2" charset="0"/>
+              </a:rPr>
+              <a:t>E.g.: myTuple = (23, 91, 9, 507)</a:t>
+            </a:r>
+            <a:endParaRPr lang="en-AU" sz="1100" dirty="0">
+              <a:solidFill>
+                <a:schemeClr val="bg2">
+                  <a:lumMod val="50000"/>
+                </a:schemeClr>
+              </a:solidFill>
+              <a:latin typeface="Oxygen" panose="02000503000000000000" pitchFamily="2" charset="0"/>
+            </a:endParaRPr>
+          </a:p>
+        </p:txBody>
+      </p:sp>
+      <p:sp>
+        <p:nvSpPr>
+          <p:cNvPr id="18" name="TextBox 17"/>
+          <p:cNvSpPr txBox="1"/>
+          <p:nvPr/>
+        </p:nvSpPr>
+        <p:spPr>
+          <a:xfrm>
+            <a:off x="3514482" y="3489266"/>
+            <a:ext cx="3542665" cy="2654573"/>
+          </a:xfrm>
+          <a:prstGeom prst="rect">
+            <a:avLst/>
+          </a:prstGeom>
+          <a:noFill/>
+        </p:spPr>
+        <p:txBody>
+          <a:bodyPr wrap="square" rtlCol="0">
+            <a:spAutoFit/>
+          </a:bodyPr>
+          <a:lstStyle/>
+          <a:p>
+            <a:pPr>
+              <a:lnSpc>
+                <a:spcPct val="150000"/>
+              </a:lnSpc>
+            </a:pPr>
+            <a:r>
+              <a:rPr lang="en-US" sz="1200" b="1" dirty="0" smtClean="0">
+                <a:solidFill>
+                  <a:schemeClr val="bg2">
+                    <a:lumMod val="50000"/>
+                  </a:schemeClr>
+                </a:solidFill>
+                <a:latin typeface="Oxygen" panose="02000503000000000000" pitchFamily="2" charset="0"/>
+              </a:rPr>
+              <a:t>Sets: { }</a:t>
+            </a:r>
+          </a:p>
+          <a:p>
+            <a:pPr marL="171450" indent="-171450">
+              <a:lnSpc>
+                <a:spcPct val="150000"/>
+              </a:lnSpc>
+              <a:buFont typeface="Wingdings" panose="05000000000000000000" pitchFamily="2" charset="2"/>
+              <a:buChar char="v"/>
+            </a:pPr>
+            <a:r>
               <a:rPr lang="en-AU" sz="1100" dirty="0" smtClean="0">
                 <a:solidFill>
                   <a:schemeClr val="bg2">
@@ -9512,16 +9487,53 @@
                 </a:solidFill>
                 <a:latin typeface="Oxygen" panose="02000503000000000000" pitchFamily="2" charset="0"/>
               </a:rPr>
-              <a:t>pop()</a:t>
-            </a:r>
-          </a:p>
-          <a:p>
-            <a:pPr marL="628650" lvl="1" indent="-171450">
+              <a:t>Like mathematical sets: do not consider </a:t>
+            </a:r>
+            <a:endParaRPr lang="en-AU" sz="1100" dirty="0" smtClean="0">
+              <a:solidFill>
+                <a:schemeClr val="bg2">
+                  <a:lumMod val="50000"/>
+                </a:schemeClr>
+              </a:solidFill>
+              <a:latin typeface="Oxygen" panose="02000503000000000000" pitchFamily="2" charset="0"/>
+            </a:endParaRPr>
+          </a:p>
+          <a:p>
+            <a:pPr>
+              <a:lnSpc>
+                <a:spcPct val="150000"/>
+              </a:lnSpc>
+            </a:pPr>
+            <a:r>
+              <a:rPr lang="en-AU" sz="1100" dirty="0" smtClean="0">
+                <a:solidFill>
+                  <a:schemeClr val="bg2">
+                    <a:lumMod val="50000"/>
+                  </a:schemeClr>
+                </a:solidFill>
+                <a:latin typeface="Oxygen" panose="02000503000000000000" pitchFamily="2" charset="0"/>
+              </a:rPr>
+              <a:t>     repetition</a:t>
+            </a:r>
+            <a:endParaRPr lang="en-AU" sz="1100" dirty="0">
+              <a:solidFill>
+                <a:schemeClr val="bg2">
+                  <a:lumMod val="50000"/>
+                </a:schemeClr>
+              </a:solidFill>
+              <a:latin typeface="Oxygen" panose="02000503000000000000" pitchFamily="2" charset="0"/>
+            </a:endParaRPr>
+          </a:p>
+          <a:p>
+            <a:pPr marL="171450" indent="-171450">
+              <a:lnSpc>
+                <a:spcPct val="150000"/>
+              </a:lnSpc>
               <a:buFont typeface="Wingdings" panose="05000000000000000000" pitchFamily="2" charset="2"/>
-              <a:buChar char="§"/>
+              <a:buChar char="v"/>
             </a:pPr>
             <a:r>
-              <a:rPr lang="en-AU" sz="1100" dirty="0" smtClean="0">
+              <a:rPr lang="en-US" sz="1100" dirty="0">
                 <a:solidFill>
                   <a:schemeClr val="bg2">
                     <a:lumMod val="50000"/>
@@ -9529,13 +9541,49 @@
                 </a:solidFill>
                 <a:latin typeface="Oxygen" panose="02000503000000000000" pitchFamily="2" charset="0"/>
               </a:rPr>
-              <a:t>clear()</a:t>
-            </a:r>
-          </a:p>
-          <a:p>
-            <a:pPr marL="628650" lvl="1" indent="-171450">
+              <a:t>E.g.: </a:t>
+            </a:r>
+            <a:r>
+              <a:rPr lang="en-US" sz="1100" dirty="0" smtClean="0">
+                <a:solidFill>
+                  <a:schemeClr val="bg2">
+                    <a:lumMod val="50000"/>
+                  </a:schemeClr>
+                </a:solidFill>
+                <a:latin typeface="Oxygen" panose="02000503000000000000" pitchFamily="2" charset="0"/>
+              </a:rPr>
+              <a:t>mySet </a:t>
+            </a:r>
+            <a:r>
+              <a:rPr lang="en-US" sz="1100" dirty="0">
+                <a:solidFill>
+                  <a:schemeClr val="bg2">
+                    <a:lumMod val="50000"/>
+                  </a:schemeClr>
+                </a:solidFill>
+                <a:latin typeface="Oxygen" panose="02000503000000000000" pitchFamily="2" charset="0"/>
+              </a:rPr>
+              <a:t>= (23, 91, 9, </a:t>
+            </a:r>
+            <a:r>
+              <a:rPr lang="en-US" sz="1100" dirty="0" smtClean="0">
+                <a:solidFill>
+                  <a:schemeClr val="bg2">
+                    <a:lumMod val="50000"/>
+                  </a:schemeClr>
+                </a:solidFill>
+                <a:latin typeface="Oxygen" panose="02000503000000000000" pitchFamily="2" charset="0"/>
+              </a:rPr>
+              <a:t>507, 91)</a:t>
+            </a:r>
+          </a:p>
+          <a:p>
+            <a:pPr marL="171450" indent="-171450">
+              <a:lnSpc>
+                <a:spcPct val="150000"/>
+              </a:lnSpc>
               <a:buFont typeface="Wingdings" panose="05000000000000000000" pitchFamily="2" charset="2"/>
-              <a:buChar char="§"/>
+              <a:buChar char="v"/>
             </a:pPr>
             <a:r>
               <a:rPr lang="en-US" sz="1100" dirty="0" smtClean="0">
@@ -9546,10 +9594,19 @@
                 </a:solidFill>
                 <a:latin typeface="Oxygen" panose="02000503000000000000" pitchFamily="2" charset="0"/>
               </a:rPr>
-              <a:t>extend</a:t>
-            </a:r>
-            <a:r>
-              <a:rPr lang="en-US" sz="1100" dirty="0">
+              <a:t>Uses hashing for performance</a:t>
+            </a:r>
+          </a:p>
+          <a:p>
+            <a:pPr marL="171450" indent="-171450">
+              <a:lnSpc>
+                <a:spcPct val="150000"/>
+              </a:lnSpc>
+              <a:buFont typeface="Wingdings" panose="05000000000000000000" pitchFamily="2" charset="2"/>
+              <a:buChar char="v"/>
+            </a:pPr>
+            <a:r>
+              <a:rPr lang="en-US" sz="1100" dirty="0" smtClean="0">
                 <a:solidFill>
                   <a:schemeClr val="bg2">
                     <a:lumMod val="50000"/>
@@ -9557,24 +9614,7 @@
                 </a:solidFill>
                 <a:latin typeface="Oxygen" panose="02000503000000000000" pitchFamily="2" charset="0"/>
               </a:rPr>
-              <a:t>()</a:t>
-            </a:r>
-          </a:p>
-          <a:p>
-            <a:pPr marL="628650" lvl="1" indent="-171450">
-              <a:buFont typeface="Wingdings" panose="05000000000000000000" pitchFamily="2" charset="2"/>
-              <a:buChar char="§"/>
-            </a:pPr>
-            <a:r>
-              <a:rPr lang="en-US" sz="1100" dirty="0">
-                <a:solidFill>
-                  <a:schemeClr val="bg2">
-                    <a:lumMod val="50000"/>
-                  </a:schemeClr>
-                </a:solidFill>
-                <a:latin typeface="Oxygen" panose="02000503000000000000" pitchFamily="2" charset="0"/>
-              </a:rPr>
-              <a:t>max(list)</a:t>
+              <a:t>No index for sets</a:t>
             </a:r>
             <a:endParaRPr lang="en-US" sz="1100" dirty="0">
               <a:solidFill>
@@ -9586,12 +9626,63 @@
             </a:endParaRPr>
           </a:p>
           <a:p>
+            <a:pPr marL="171450" indent="-171450">
+              <a:lnSpc>
+                <a:spcPct val="150000"/>
+              </a:lnSpc>
+              <a:buFont typeface="Wingdings" panose="05000000000000000000" pitchFamily="2" charset="2"/>
+              <a:buChar char="v"/>
+            </a:pPr>
+            <a:r>
+              <a:rPr lang="en-US" sz="1100" dirty="0" smtClean="0">
+                <a:solidFill>
+                  <a:schemeClr val="bg2">
+                    <a:lumMod val="50000"/>
+                  </a:schemeClr>
+                </a:solidFill>
+                <a:latin typeface="Oxygen" panose="02000503000000000000" pitchFamily="2" charset="0"/>
+              </a:rPr>
+              <a:t>Mutable</a:t>
+            </a:r>
+          </a:p>
+          <a:p>
+            <a:pPr marL="171450" indent="-171450">
+              <a:lnSpc>
+                <a:spcPct val="150000"/>
+              </a:lnSpc>
+              <a:buFont typeface="Wingdings" panose="05000000000000000000" pitchFamily="2" charset="2"/>
+              <a:buChar char="v"/>
+            </a:pPr>
+            <a:r>
+              <a:rPr lang="en-US" sz="1100" dirty="0">
+                <a:solidFill>
+                  <a:schemeClr val="bg2">
+                    <a:lumMod val="50000"/>
+                  </a:schemeClr>
+                </a:solidFill>
+                <a:latin typeface="Oxygen" panose="02000503000000000000" pitchFamily="2" charset="0"/>
+              </a:rPr>
+              <a:t>Functions used in </a:t>
+            </a:r>
+            <a:r>
+              <a:rPr lang="en-US" sz="1100" dirty="0" smtClean="0">
+                <a:solidFill>
+                  <a:schemeClr val="bg2">
+                    <a:lumMod val="50000"/>
+                  </a:schemeClr>
+                </a:solidFill>
+                <a:latin typeface="Oxygen" panose="02000503000000000000" pitchFamily="2" charset="0"/>
+              </a:rPr>
+              <a:t>Set:</a:t>
+            </a:r>
+          </a:p>
+          <a:p>
             <a:pPr marL="628650" lvl="1" indent="-171450">
               <a:buFont typeface="Wingdings" panose="05000000000000000000" pitchFamily="2" charset="2"/>
               <a:buChar char="§"/>
             </a:pPr>
             <a:r>
-              <a:rPr lang="en-US" sz="1100" dirty="0">
+              <a:rPr lang="en-AU" sz="1100" dirty="0" smtClean="0">
                 <a:solidFill>
                   <a:schemeClr val="bg2">
                     <a:lumMod val="50000"/>
@@ -9599,118 +9690,7 @@
                 </a:solidFill>
                 <a:latin typeface="Oxygen" panose="02000503000000000000" pitchFamily="2" charset="0"/>
               </a:rPr>
-              <a:t>min(</a:t>
-            </a:r>
-            <a:r>
-              <a:rPr lang="en-US" sz="1100" dirty="0">
-                <a:solidFill>
-                  <a:schemeClr val="bg2">
-                    <a:lumMod val="50000"/>
-                  </a:schemeClr>
-                </a:solidFill>
-                <a:latin typeface="Oxygen" panose="02000503000000000000" pitchFamily="2" charset="0"/>
-              </a:rPr>
-              <a:t>list</a:t>
-            </a:r>
-            <a:r>
-              <a:rPr lang="en-US" sz="1100" dirty="0">
-                <a:solidFill>
-                  <a:schemeClr val="bg2">
-                    <a:lumMod val="50000"/>
-                  </a:schemeClr>
-                </a:solidFill>
-                <a:latin typeface="Oxygen" panose="02000503000000000000" pitchFamily="2" charset="0"/>
-              </a:rPr>
-              <a:t>))</a:t>
-            </a:r>
-            <a:endParaRPr lang="en-US" sz="1100" dirty="0">
-              <a:solidFill>
-                <a:schemeClr val="bg2">
-                  <a:lumMod val="50000"/>
-                </a:schemeClr>
-              </a:solidFill>
-              <a:latin typeface="Oxygen" panose="02000503000000000000" pitchFamily="2" charset="0"/>
-            </a:endParaRPr>
-          </a:p>
-          <a:p>
-            <a:pPr marL="628650" lvl="1" indent="-171450">
-              <a:buFont typeface="Wingdings" panose="05000000000000000000" pitchFamily="2" charset="2"/>
-              <a:buChar char="§"/>
-            </a:pPr>
-            <a:r>
-              <a:rPr lang="en-US" sz="1100" dirty="0">
-                <a:solidFill>
-                  <a:schemeClr val="bg2">
-                    <a:lumMod val="50000"/>
-                  </a:schemeClr>
-                </a:solidFill>
-                <a:latin typeface="Oxygen" panose="02000503000000000000" pitchFamily="2" charset="0"/>
-              </a:rPr>
-              <a:t>sum(</a:t>
-            </a:r>
-            <a:r>
-              <a:rPr lang="en-US" sz="1100" dirty="0">
-                <a:solidFill>
-                  <a:schemeClr val="bg2">
-                    <a:lumMod val="50000"/>
-                  </a:schemeClr>
-                </a:solidFill>
-                <a:latin typeface="Oxygen" panose="02000503000000000000" pitchFamily="2" charset="0"/>
-              </a:rPr>
-              <a:t>list</a:t>
-            </a:r>
-            <a:r>
-              <a:rPr lang="en-US" sz="1100" dirty="0">
-                <a:solidFill>
-                  <a:schemeClr val="bg2">
-                    <a:lumMod val="50000"/>
-                  </a:schemeClr>
-                </a:solidFill>
-                <a:latin typeface="Oxygen" panose="02000503000000000000" pitchFamily="2" charset="0"/>
-              </a:rPr>
-              <a:t>))</a:t>
-            </a:r>
-          </a:p>
-          <a:p>
-            <a:pPr marL="628650" lvl="1" indent="-171450">
-              <a:buFont typeface="Wingdings" panose="05000000000000000000" pitchFamily="2" charset="2"/>
-              <a:buChar char="§"/>
-            </a:pPr>
-            <a:r>
-              <a:rPr lang="en-US" sz="1100" dirty="0">
-                <a:solidFill>
-                  <a:schemeClr val="bg2">
-                    <a:lumMod val="50000"/>
-                  </a:schemeClr>
-                </a:solidFill>
-                <a:latin typeface="Oxygen" panose="02000503000000000000" pitchFamily="2" charset="0"/>
-              </a:rPr>
-              <a:t>sort()</a:t>
-            </a:r>
-            <a:endParaRPr lang="en-US" sz="1100" dirty="0">
-              <a:solidFill>
-                <a:schemeClr val="bg2">
-                  <a:lumMod val="50000"/>
-                </a:schemeClr>
-              </a:solidFill>
-              <a:latin typeface="Oxygen" panose="02000503000000000000" pitchFamily="2" charset="0"/>
-            </a:endParaRPr>
-          </a:p>
-          <a:p>
-            <a:pPr marL="628650" lvl="1" indent="-171450">
-              <a:buFont typeface="Wingdings" panose="05000000000000000000" pitchFamily="2" charset="2"/>
-              <a:buChar char="§"/>
-            </a:pPr>
-            <a:r>
-              <a:rPr lang="en-US" sz="1100" dirty="0">
-                <a:solidFill>
-                  <a:schemeClr val="bg2">
-                    <a:lumMod val="50000"/>
-                  </a:schemeClr>
-                </a:solidFill>
-                <a:latin typeface="Oxygen" panose="02000503000000000000" pitchFamily="2" charset="0"/>
-              </a:rPr>
-              <a:t>sort(reverse=True)</a:t>
+              <a:t>add()</a:t>
             </a:r>
             <a:endParaRPr lang="en-AU" sz="1100" dirty="0">
               <a:solidFill>
@@ -9721,11 +9701,61 @@
               <a:latin typeface="Oxygen" panose="02000503000000000000" pitchFamily="2" charset="0"/>
             </a:endParaRPr>
           </a:p>
+          <a:p>
+            <a:pPr marL="628650" lvl="1" indent="-171450">
+              <a:buFont typeface="Wingdings" panose="05000000000000000000" pitchFamily="2" charset="2"/>
+              <a:buChar char="§"/>
+            </a:pPr>
+            <a:r>
+              <a:rPr lang="en-AU" sz="1100" dirty="0" smtClean="0">
+                <a:solidFill>
+                  <a:schemeClr val="bg2">
+                    <a:lumMod val="50000"/>
+                  </a:schemeClr>
+                </a:solidFill>
+                <a:latin typeface="Oxygen" panose="02000503000000000000" pitchFamily="2" charset="0"/>
+              </a:rPr>
+              <a:t>remove()</a:t>
+            </a:r>
+            <a:endParaRPr lang="en-AU" sz="1100" dirty="0">
+              <a:solidFill>
+                <a:schemeClr val="bg2">
+                  <a:lumMod val="50000"/>
+                </a:schemeClr>
+              </a:solidFill>
+              <a:latin typeface="Oxygen" panose="02000503000000000000" pitchFamily="2" charset="0"/>
+            </a:endParaRPr>
+          </a:p>
+          <a:p>
+            <a:pPr marL="628650" lvl="1" indent="-171450">
+              <a:buFont typeface="Wingdings" panose="05000000000000000000" pitchFamily="2" charset="2"/>
+              <a:buChar char="§"/>
+            </a:pPr>
+            <a:r>
+              <a:rPr lang="en-AU" sz="1100" dirty="0" smtClean="0">
+                <a:solidFill>
+                  <a:schemeClr val="bg2">
+                    <a:lumMod val="50000"/>
+                  </a:schemeClr>
+                </a:solidFill>
+                <a:latin typeface="Oxygen" panose="02000503000000000000" pitchFamily="2" charset="0"/>
+              </a:rPr>
+              <a:t>set1.update(set2)</a:t>
+            </a:r>
+            <a:endParaRPr lang="en-AU" sz="1100" dirty="0">
+              <a:solidFill>
+                <a:schemeClr val="bg2">
+                  <a:lumMod val="50000"/>
+                </a:schemeClr>
+              </a:solidFill>
+              <a:latin typeface="Oxygen" panose="02000503000000000000" pitchFamily="2" charset="0"/>
+            </a:endParaRPr>
+          </a:p>
         </p:txBody>
       </p:sp>
       <p:pic>
         <p:nvPicPr>
-          <p:cNvPr id="4" name="Picture 3"/>
+          <p:cNvPr id="5" name="Picture 4"/>
           <p:cNvPicPr>
             <a:picLocks noChangeAspect="1"/>
           </p:cNvPicPr>
@@ -9739,521 +9769,14 @@
         </p:blipFill>
         <p:spPr>
           <a:xfrm>
-            <a:off x="657721" y="2429999"/>
-            <a:ext cx="2164215" cy="2163940"/>
+            <a:off x="6750764" y="2237915"/>
+            <a:ext cx="4927193" cy="2502701"/>
           </a:xfrm>
           <a:prstGeom prst="rect">
             <a:avLst/>
           </a:prstGeom>
         </p:spPr>
       </p:pic>
-      <p:sp>
-        <p:nvSpPr>
-          <p:cNvPr id="50" name="Rectangle 49">
-            <a:extLst>
-              <a:ext uri="{FF2B5EF4-FFF2-40B4-BE49-F238E27FC236}">
-                <a16:creationId xmlns:a16="http://schemas.microsoft.com/office/drawing/2014/main" xmlns="" id="{907BEB2A-D93E-46CB-95DF-04E16F0D1C0C}"/>
-              </a:ext>
-            </a:extLst>
-          </p:cNvPr>
-          <p:cNvSpPr/>
-          <p:nvPr/>
-        </p:nvSpPr>
-        <p:spPr>
-          <a:xfrm>
-            <a:off x="605043" y="2438624"/>
-            <a:ext cx="2211887" cy="2163941"/>
-          </a:xfrm>
-          <a:prstGeom prst="rect">
-            <a:avLst/>
-          </a:prstGeom>
-          <a:gradFill flip="none" rotWithShape="1">
-            <a:gsLst>
-              <a:gs pos="0">
-                <a:srgbClr val="FFFFFF">
-                  <a:alpha val="0"/>
-                </a:srgbClr>
-              </a:gs>
-              <a:gs pos="62000">
-                <a:srgbClr val="FFFFFF">
-                  <a:alpha val="0"/>
-                </a:srgbClr>
-              </a:gs>
-              <a:gs pos="72000">
-                <a:schemeClr val="bg1"/>
-              </a:gs>
-              <a:gs pos="100000">
-                <a:schemeClr val="bg1"/>
-              </a:gs>
-            </a:gsLst>
-            <a:path path="circle">
-              <a:fillToRect l="50000" t="50000" r="50000" b="50000"/>
-            </a:path>
-            <a:tileRect/>
-          </a:gradFill>
-          <a:ln>
-            <a:noFill/>
-          </a:ln>
-        </p:spPr>
-        <p:style>
-          <a:lnRef idx="2">
-            <a:schemeClr val="accent1">
-              <a:shade val="50000"/>
-            </a:schemeClr>
-          </a:lnRef>
-          <a:fillRef idx="1">
-            <a:schemeClr val="accent1"/>
-          </a:fillRef>
-          <a:effectRef idx="0">
-            <a:schemeClr val="accent1"/>
-          </a:effectRef>
-          <a:fontRef idx="minor">
-            <a:schemeClr val="lt1"/>
-          </a:fontRef>
-        </p:style>
-        <p:txBody>
-          <a:bodyPr rtlCol="0" anchor="ctr"/>
-          <a:lstStyle/>
-          <a:p>
-            <a:pPr algn="ctr"/>
-            <a:endParaRPr lang="en-AU">
-              <a:latin typeface="Oxygen" panose="02000503000000000000" pitchFamily="2" charset="0"/>
-            </a:endParaRPr>
-          </a:p>
-        </p:txBody>
-      </p:sp>
-      <p:sp>
-        <p:nvSpPr>
-          <p:cNvPr id="17" name="TextBox 16"/>
-          <p:cNvSpPr txBox="1"/>
-          <p:nvPr/>
-        </p:nvSpPr>
-        <p:spPr>
-          <a:xfrm>
-            <a:off x="6067817" y="2107115"/>
-            <a:ext cx="3335301" cy="1131079"/>
-          </a:xfrm>
-          <a:prstGeom prst="rect">
-            <a:avLst/>
-          </a:prstGeom>
-          <a:noFill/>
-        </p:spPr>
-        <p:txBody>
-          <a:bodyPr wrap="square" rtlCol="0">
-            <a:spAutoFit/>
-          </a:bodyPr>
-          <a:lstStyle/>
-          <a:p>
-            <a:pPr>
-              <a:lnSpc>
-                <a:spcPct val="150000"/>
-              </a:lnSpc>
-            </a:pPr>
-            <a:r>
-              <a:rPr lang="en-US" sz="1200" b="1" dirty="0" smtClean="0">
-                <a:solidFill>
-                  <a:schemeClr val="bg2">
-                    <a:lumMod val="50000"/>
-                  </a:schemeClr>
-                </a:solidFill>
-                <a:latin typeface="Oxygen" panose="02000503000000000000" pitchFamily="2" charset="0"/>
-              </a:rPr>
-              <a:t>Tuples: ( )</a:t>
-            </a:r>
-            <a:endParaRPr lang="en-US" sz="1200" b="1" dirty="0" smtClean="0">
-              <a:solidFill>
-                <a:schemeClr val="bg2">
-                  <a:lumMod val="50000"/>
-                </a:schemeClr>
-              </a:solidFill>
-              <a:latin typeface="Oxygen" panose="02000503000000000000" pitchFamily="2" charset="0"/>
-            </a:endParaRPr>
-          </a:p>
-          <a:p>
-            <a:pPr marL="171450" indent="-171450">
-              <a:lnSpc>
-                <a:spcPct val="150000"/>
-              </a:lnSpc>
-              <a:buFont typeface="Wingdings" panose="05000000000000000000" pitchFamily="2" charset="2"/>
-              <a:buChar char="v"/>
-            </a:pPr>
-            <a:r>
-              <a:rPr lang="en-AU" sz="1100" dirty="0">
-                <a:solidFill>
-                  <a:schemeClr val="bg2">
-                    <a:lumMod val="50000"/>
-                  </a:schemeClr>
-                </a:solidFill>
-                <a:latin typeface="Oxygen" panose="02000503000000000000" pitchFamily="2" charset="0"/>
-              </a:rPr>
-              <a:t>Immutable</a:t>
-            </a:r>
-          </a:p>
-          <a:p>
-            <a:pPr marL="171450" indent="-171450">
-              <a:lnSpc>
-                <a:spcPct val="150000"/>
-              </a:lnSpc>
-              <a:buFont typeface="Wingdings" panose="05000000000000000000" pitchFamily="2" charset="2"/>
-              <a:buChar char="v"/>
-            </a:pPr>
-            <a:r>
-              <a:rPr lang="en-US" sz="1100" dirty="0">
-                <a:solidFill>
-                  <a:schemeClr val="bg2">
-                    <a:lumMod val="50000"/>
-                  </a:schemeClr>
-                </a:solidFill>
-                <a:latin typeface="Oxygen" panose="02000503000000000000" pitchFamily="2" charset="0"/>
-              </a:rPr>
-              <a:t>Iteration is faster than list</a:t>
-            </a:r>
-          </a:p>
-          <a:p>
-            <a:pPr marL="171450" indent="-171450">
-              <a:lnSpc>
-                <a:spcPct val="150000"/>
-              </a:lnSpc>
-              <a:buFont typeface="Wingdings" panose="05000000000000000000" pitchFamily="2" charset="2"/>
-              <a:buChar char="v"/>
-            </a:pPr>
-            <a:r>
-              <a:rPr lang="en-US" sz="1100" dirty="0">
-                <a:solidFill>
-                  <a:schemeClr val="bg2">
-                    <a:lumMod val="50000"/>
-                  </a:schemeClr>
-                </a:solidFill>
-                <a:latin typeface="Oxygen" panose="02000503000000000000" pitchFamily="2" charset="0"/>
-              </a:rPr>
-              <a:t>E.g.: myTuple = (23, 91, 9, 507)</a:t>
-            </a:r>
-            <a:endParaRPr lang="en-AU" sz="1100" dirty="0">
-              <a:solidFill>
-                <a:schemeClr val="bg2">
-                  <a:lumMod val="50000"/>
-                </a:schemeClr>
-              </a:solidFill>
-              <a:latin typeface="Oxygen" panose="02000503000000000000" pitchFamily="2" charset="0"/>
-            </a:endParaRPr>
-          </a:p>
-        </p:txBody>
-      </p:sp>
-      <p:sp>
-        <p:nvSpPr>
-          <p:cNvPr id="18" name="TextBox 17"/>
-          <p:cNvSpPr txBox="1"/>
-          <p:nvPr/>
-        </p:nvSpPr>
-        <p:spPr>
-          <a:xfrm>
-            <a:off x="8549343" y="2107117"/>
-            <a:ext cx="3542665" cy="2400657"/>
-          </a:xfrm>
-          <a:prstGeom prst="rect">
-            <a:avLst/>
-          </a:prstGeom>
-          <a:noFill/>
-        </p:spPr>
-        <p:txBody>
-          <a:bodyPr wrap="square" rtlCol="0">
-            <a:spAutoFit/>
-          </a:bodyPr>
-          <a:lstStyle/>
-          <a:p>
-            <a:pPr>
-              <a:lnSpc>
-                <a:spcPct val="150000"/>
-              </a:lnSpc>
-            </a:pPr>
-            <a:r>
-              <a:rPr lang="en-US" sz="1200" b="1" dirty="0" smtClean="0">
-                <a:solidFill>
-                  <a:schemeClr val="bg2">
-                    <a:lumMod val="50000"/>
-                  </a:schemeClr>
-                </a:solidFill>
-                <a:latin typeface="Oxygen" panose="02000503000000000000" pitchFamily="2" charset="0"/>
-              </a:rPr>
-              <a:t>Set</a:t>
-            </a:r>
-            <a:r>
-              <a:rPr lang="en-US" sz="1200" b="1" dirty="0" smtClean="0">
-                <a:solidFill>
-                  <a:schemeClr val="bg2">
-                    <a:lumMod val="50000"/>
-                  </a:schemeClr>
-                </a:solidFill>
-                <a:latin typeface="Oxygen" panose="02000503000000000000" pitchFamily="2" charset="0"/>
-              </a:rPr>
-              <a:t>s: { }</a:t>
-            </a:r>
-            <a:endParaRPr lang="en-US" sz="1200" b="1" dirty="0" smtClean="0">
-              <a:solidFill>
-                <a:schemeClr val="bg2">
-                  <a:lumMod val="50000"/>
-                </a:schemeClr>
-              </a:solidFill>
-              <a:latin typeface="Oxygen" panose="02000503000000000000" pitchFamily="2" charset="0"/>
-            </a:endParaRPr>
-          </a:p>
-          <a:p>
-            <a:pPr marL="171450" indent="-171450">
-              <a:lnSpc>
-                <a:spcPct val="150000"/>
-              </a:lnSpc>
-              <a:buFont typeface="Wingdings" panose="05000000000000000000" pitchFamily="2" charset="2"/>
-              <a:buChar char="v"/>
-            </a:pPr>
-            <a:r>
-              <a:rPr lang="en-AU" sz="1100" dirty="0" smtClean="0">
-                <a:solidFill>
-                  <a:schemeClr val="bg2">
-                    <a:lumMod val="50000"/>
-                  </a:schemeClr>
-                </a:solidFill>
-                <a:latin typeface="Oxygen" panose="02000503000000000000" pitchFamily="2" charset="0"/>
-              </a:rPr>
-              <a:t>Like mathematical sets: do not consider repetition</a:t>
-            </a:r>
-            <a:endParaRPr lang="en-AU" sz="1100" dirty="0">
-              <a:solidFill>
-                <a:schemeClr val="bg2">
-                  <a:lumMod val="50000"/>
-                </a:schemeClr>
-              </a:solidFill>
-              <a:latin typeface="Oxygen" panose="02000503000000000000" pitchFamily="2" charset="0"/>
-            </a:endParaRPr>
-          </a:p>
-          <a:p>
-            <a:pPr marL="171450" indent="-171450">
-              <a:lnSpc>
-                <a:spcPct val="150000"/>
-              </a:lnSpc>
-              <a:buFont typeface="Wingdings" panose="05000000000000000000" pitchFamily="2" charset="2"/>
-              <a:buChar char="v"/>
-            </a:pPr>
-            <a:r>
-              <a:rPr lang="en-US" sz="1100" dirty="0">
-                <a:solidFill>
-                  <a:schemeClr val="bg2">
-                    <a:lumMod val="50000"/>
-                  </a:schemeClr>
-                </a:solidFill>
-                <a:latin typeface="Oxygen" panose="02000503000000000000" pitchFamily="2" charset="0"/>
-              </a:rPr>
-              <a:t>E.g.: </a:t>
-            </a:r>
-            <a:r>
-              <a:rPr lang="en-US" sz="1100" dirty="0" smtClean="0">
-                <a:solidFill>
-                  <a:schemeClr val="bg2">
-                    <a:lumMod val="50000"/>
-                  </a:schemeClr>
-                </a:solidFill>
-                <a:latin typeface="Oxygen" panose="02000503000000000000" pitchFamily="2" charset="0"/>
-              </a:rPr>
-              <a:t>mySet </a:t>
-            </a:r>
-            <a:r>
-              <a:rPr lang="en-US" sz="1100" dirty="0">
-                <a:solidFill>
-                  <a:schemeClr val="bg2">
-                    <a:lumMod val="50000"/>
-                  </a:schemeClr>
-                </a:solidFill>
-                <a:latin typeface="Oxygen" panose="02000503000000000000" pitchFamily="2" charset="0"/>
-              </a:rPr>
-              <a:t>= (23, 91, 9, </a:t>
-            </a:r>
-            <a:r>
-              <a:rPr lang="en-US" sz="1100" dirty="0" smtClean="0">
-                <a:solidFill>
-                  <a:schemeClr val="bg2">
-                    <a:lumMod val="50000"/>
-                  </a:schemeClr>
-                </a:solidFill>
-                <a:latin typeface="Oxygen" panose="02000503000000000000" pitchFamily="2" charset="0"/>
-              </a:rPr>
-              <a:t>507, 91)</a:t>
-            </a:r>
-          </a:p>
-          <a:p>
-            <a:pPr marL="171450" indent="-171450">
-              <a:lnSpc>
-                <a:spcPct val="150000"/>
-              </a:lnSpc>
-              <a:buFont typeface="Wingdings" panose="05000000000000000000" pitchFamily="2" charset="2"/>
-              <a:buChar char="v"/>
-            </a:pPr>
-            <a:r>
-              <a:rPr lang="en-US" sz="1100" dirty="0" smtClean="0">
-                <a:solidFill>
-                  <a:schemeClr val="bg2">
-                    <a:lumMod val="50000"/>
-                  </a:schemeClr>
-                </a:solidFill>
-                <a:latin typeface="Oxygen" panose="02000503000000000000" pitchFamily="2" charset="0"/>
-              </a:rPr>
-              <a:t>Uses hashing for performance</a:t>
-            </a:r>
-          </a:p>
-          <a:p>
-            <a:pPr marL="171450" indent="-171450">
-              <a:lnSpc>
-                <a:spcPct val="150000"/>
-              </a:lnSpc>
-              <a:buFont typeface="Wingdings" panose="05000000000000000000" pitchFamily="2" charset="2"/>
-              <a:buChar char="v"/>
-            </a:pPr>
-            <a:r>
-              <a:rPr lang="en-US" sz="1100" dirty="0" smtClean="0">
-                <a:solidFill>
-                  <a:schemeClr val="bg2">
-                    <a:lumMod val="50000"/>
-                  </a:schemeClr>
-                </a:solidFill>
-                <a:latin typeface="Oxygen" panose="02000503000000000000" pitchFamily="2" charset="0"/>
-              </a:rPr>
-              <a:t>No index for sets</a:t>
-            </a:r>
-            <a:endParaRPr lang="en-US" sz="1100" dirty="0">
-              <a:solidFill>
-                <a:schemeClr val="bg2">
-                  <a:lumMod val="50000"/>
-                </a:schemeClr>
-              </a:solidFill>
-              <a:latin typeface="Oxygen" panose="02000503000000000000" pitchFamily="2" charset="0"/>
-            </a:endParaRPr>
-          </a:p>
-          <a:p>
-            <a:pPr marL="171450" indent="-171450">
-              <a:lnSpc>
-                <a:spcPct val="150000"/>
-              </a:lnSpc>
-              <a:buFont typeface="Wingdings" panose="05000000000000000000" pitchFamily="2" charset="2"/>
-              <a:buChar char="v"/>
-            </a:pPr>
-            <a:r>
-              <a:rPr lang="en-US" sz="1100" dirty="0" smtClean="0">
-                <a:solidFill>
-                  <a:schemeClr val="bg2">
-                    <a:lumMod val="50000"/>
-                  </a:schemeClr>
-                </a:solidFill>
-                <a:latin typeface="Oxygen" panose="02000503000000000000" pitchFamily="2" charset="0"/>
-              </a:rPr>
-              <a:t>Mutable</a:t>
-            </a:r>
-          </a:p>
-          <a:p>
-            <a:pPr marL="171450" indent="-171450">
-              <a:lnSpc>
-                <a:spcPct val="150000"/>
-              </a:lnSpc>
-              <a:buFont typeface="Wingdings" panose="05000000000000000000" pitchFamily="2" charset="2"/>
-              <a:buChar char="v"/>
-            </a:pPr>
-            <a:r>
-              <a:rPr lang="en-US" sz="1100" dirty="0">
-                <a:solidFill>
-                  <a:schemeClr val="bg2">
-                    <a:lumMod val="50000"/>
-                  </a:schemeClr>
-                </a:solidFill>
-                <a:latin typeface="Oxygen" panose="02000503000000000000" pitchFamily="2" charset="0"/>
-              </a:rPr>
-              <a:t>Functions used in </a:t>
-            </a:r>
-            <a:r>
-              <a:rPr lang="en-US" sz="1100" dirty="0" smtClean="0">
-                <a:solidFill>
-                  <a:schemeClr val="bg2">
-                    <a:lumMod val="50000"/>
-                  </a:schemeClr>
-                </a:solidFill>
-                <a:latin typeface="Oxygen" panose="02000503000000000000" pitchFamily="2" charset="0"/>
-              </a:rPr>
-              <a:t>Set:</a:t>
-            </a:r>
-          </a:p>
-          <a:p>
-            <a:pPr marL="628650" lvl="1" indent="-171450">
-              <a:buFont typeface="Wingdings" panose="05000000000000000000" pitchFamily="2" charset="2"/>
-              <a:buChar char="§"/>
-            </a:pPr>
-            <a:r>
-              <a:rPr lang="en-AU" sz="1100" dirty="0" smtClean="0">
-                <a:solidFill>
-                  <a:schemeClr val="bg2">
-                    <a:lumMod val="50000"/>
-                  </a:schemeClr>
-                </a:solidFill>
-                <a:latin typeface="Oxygen" panose="02000503000000000000" pitchFamily="2" charset="0"/>
-              </a:rPr>
-              <a:t>add()</a:t>
-            </a:r>
-            <a:endParaRPr lang="en-AU" sz="1100" dirty="0">
-              <a:solidFill>
-                <a:schemeClr val="bg2">
-                  <a:lumMod val="50000"/>
-                </a:schemeClr>
-              </a:solidFill>
-              <a:latin typeface="Oxygen" panose="02000503000000000000" pitchFamily="2" charset="0"/>
-            </a:endParaRPr>
-          </a:p>
-          <a:p>
-            <a:pPr marL="628650" lvl="1" indent="-171450">
-              <a:buFont typeface="Wingdings" panose="05000000000000000000" pitchFamily="2" charset="2"/>
-              <a:buChar char="§"/>
-            </a:pPr>
-            <a:r>
-              <a:rPr lang="en-AU" sz="1100" dirty="0" smtClean="0">
-                <a:solidFill>
-                  <a:schemeClr val="bg2">
-                    <a:lumMod val="50000"/>
-                  </a:schemeClr>
-                </a:solidFill>
-                <a:latin typeface="Oxygen" panose="02000503000000000000" pitchFamily="2" charset="0"/>
-              </a:rPr>
-              <a:t>remove()</a:t>
-            </a:r>
-            <a:endParaRPr lang="en-AU" sz="1100" dirty="0">
-              <a:solidFill>
-                <a:schemeClr val="bg2">
-                  <a:lumMod val="50000"/>
-                </a:schemeClr>
-              </a:solidFill>
-              <a:latin typeface="Oxygen" panose="02000503000000000000" pitchFamily="2" charset="0"/>
-            </a:endParaRPr>
-          </a:p>
-          <a:p>
-            <a:pPr marL="628650" lvl="1" indent="-171450">
-              <a:buFont typeface="Wingdings" panose="05000000000000000000" pitchFamily="2" charset="2"/>
-              <a:buChar char="§"/>
-            </a:pPr>
-            <a:r>
-              <a:rPr lang="en-AU" sz="1100" dirty="0" smtClean="0">
-                <a:solidFill>
-                  <a:schemeClr val="bg2">
-                    <a:lumMod val="50000"/>
-                  </a:schemeClr>
-                </a:solidFill>
-                <a:latin typeface="Oxygen" panose="02000503000000000000" pitchFamily="2" charset="0"/>
-              </a:rPr>
-              <a:t>set1.update(set2)</a:t>
-            </a:r>
-            <a:endParaRPr lang="en-AU" sz="1100" dirty="0">
-              <a:solidFill>
-                <a:schemeClr val="bg2">
-                  <a:lumMod val="50000"/>
-                </a:schemeClr>
-              </a:solidFill>
-              <a:latin typeface="Oxygen" panose="02000503000000000000" pitchFamily="2" charset="0"/>
-            </a:endParaRPr>
-          </a:p>
-        </p:txBody>
-      </p:sp>
     </p:spTree>
     <p:extLst>
       <p:ext uri="{BB962C8B-B14F-4D97-AF65-F5344CB8AC3E}">
@@ -10293,84 +9816,10 @@
       </p:grpSpPr>
       <p:sp>
         <p:nvSpPr>
-          <p:cNvPr id="7" name="Rectangle 6">
-            <a:extLst>
-              <a:ext uri="{FF2B5EF4-FFF2-40B4-BE49-F238E27FC236}">
-                <a16:creationId xmlns:a16="http://schemas.microsoft.com/office/drawing/2014/main" xmlns="" id="{241D8F26-367A-4EE2-BC9B-4A97EE475F57}"/>
-              </a:ext>
-            </a:extLst>
-          </p:cNvPr>
-          <p:cNvSpPr/>
-          <p:nvPr/>
-        </p:nvSpPr>
-        <p:spPr>
-          <a:xfrm>
-            <a:off x="3250887" y="381242"/>
-            <a:ext cx="75415" cy="6476761"/>
-          </a:xfrm>
-          <a:prstGeom prst="rect">
-            <a:avLst/>
-          </a:prstGeom>
-          <a:gradFill>
-            <a:gsLst>
-              <a:gs pos="0">
-                <a:schemeClr val="bg1"/>
-              </a:gs>
-              <a:gs pos="60000">
-                <a:srgbClr val="FF8C52"/>
-              </a:gs>
-              <a:gs pos="40000">
-                <a:srgbClr val="FF8C52"/>
-              </a:gs>
-              <a:gs pos="20000">
-                <a:schemeClr val="bg1"/>
-              </a:gs>
-              <a:gs pos="80000">
-                <a:schemeClr val="bg1"/>
-              </a:gs>
-              <a:gs pos="100000">
-                <a:schemeClr val="bg1"/>
-              </a:gs>
-            </a:gsLst>
-            <a:lin ang="5400000" scaled="1"/>
-          </a:gradFill>
-          <a:ln>
-            <a:noFill/>
-          </a:ln>
-        </p:spPr>
-        <p:style>
-          <a:lnRef idx="2">
-            <a:schemeClr val="accent1">
-              <a:shade val="50000"/>
-            </a:schemeClr>
-          </a:lnRef>
-          <a:fillRef idx="1">
-            <a:schemeClr val="accent1"/>
-          </a:fillRef>
-          <a:effectRef idx="0">
-            <a:schemeClr val="accent1"/>
-          </a:effectRef>
-          <a:fontRef idx="minor">
-            <a:schemeClr val="lt1"/>
-          </a:fontRef>
-        </p:style>
-        <p:txBody>
-          <a:bodyPr rtlCol="0" anchor="ctr"/>
-          <a:lstStyle/>
-          <a:p>
-            <a:pPr algn="ctr"/>
-            <a:endParaRPr lang="en-AU">
-              <a:latin typeface="Oxygen" panose="02000503000000000000" pitchFamily="2" charset="0"/>
-            </a:endParaRPr>
-          </a:p>
-        </p:txBody>
-      </p:sp>
-      <p:sp>
-        <p:nvSpPr>
           <p:cNvPr id="8" name="Rectangle 7">
             <a:extLst>
               <a:ext uri="{FF2B5EF4-FFF2-40B4-BE49-F238E27FC236}">
-                <a16:creationId xmlns:a16="http://schemas.microsoft.com/office/drawing/2014/main" xmlns="" id="{583FBC17-A62F-4E87-B8DE-0F79DF4336A0}"/>
+                <a16:creationId xmlns="" xmlns:a16="http://schemas.microsoft.com/office/drawing/2014/main" id="{583FBC17-A62F-4E87-B8DE-0F79DF4336A0}"/>
               </a:ext>
             </a:extLst>
           </p:cNvPr>
@@ -10430,7 +9879,7 @@
           <p:cNvPr id="19" name="Group 18">
             <a:extLst>
               <a:ext uri="{FF2B5EF4-FFF2-40B4-BE49-F238E27FC236}">
-                <a16:creationId xmlns:a16="http://schemas.microsoft.com/office/drawing/2014/main" xmlns="" id="{C587FE1B-2243-4627-BC52-851BDA62444B}"/>
+                <a16:creationId xmlns="" xmlns:a16="http://schemas.microsoft.com/office/drawing/2014/main" id="{C587FE1B-2243-4627-BC52-851BDA62444B}"/>
               </a:ext>
             </a:extLst>
           </p:cNvPr>
@@ -10450,7 +9899,7 @@
             <p:cNvPr id="20" name="Picture 19">
               <a:extLst>
                 <a:ext uri="{FF2B5EF4-FFF2-40B4-BE49-F238E27FC236}">
-                  <a16:creationId xmlns:a16="http://schemas.microsoft.com/office/drawing/2014/main" xmlns="" id="{0F2E3E05-4A48-4C06-BA49-75E2E366C715}"/>
+                  <a16:creationId xmlns="" xmlns:a16="http://schemas.microsoft.com/office/drawing/2014/main" id="{0F2E3E05-4A48-4C06-BA49-75E2E366C715}"/>
                 </a:ext>
               </a:extLst>
             </p:cNvPr>
@@ -10480,7 +9929,7 @@
             <p:cNvPr id="21" name="Freeform 22">
               <a:extLst>
                 <a:ext uri="{FF2B5EF4-FFF2-40B4-BE49-F238E27FC236}">
-                  <a16:creationId xmlns:a16="http://schemas.microsoft.com/office/drawing/2014/main" xmlns="" id="{8413CF68-A7E3-43A0-B613-5438D5382AB1}"/>
+                  <a16:creationId xmlns="" xmlns:a16="http://schemas.microsoft.com/office/drawing/2014/main" id="{8413CF68-A7E3-43A0-B613-5438D5382AB1}"/>
                 </a:ext>
               </a:extLst>
             </p:cNvPr>
@@ -10892,7 +10341,7 @@
           <p:cNvPr id="22" name="TextBox 21">
             <a:extLst>
               <a:ext uri="{FF2B5EF4-FFF2-40B4-BE49-F238E27FC236}">
-                <a16:creationId xmlns:a16="http://schemas.microsoft.com/office/drawing/2014/main" xmlns="" id="{97653B96-F2E2-406B-A513-F42319FDB50F}"/>
+                <a16:creationId xmlns="" xmlns:a16="http://schemas.microsoft.com/office/drawing/2014/main" id="{97653B96-F2E2-406B-A513-F42319FDB50F}"/>
               </a:ext>
             </a:extLst>
           </p:cNvPr>
@@ -10925,19 +10374,7 @@
                 <a:latin typeface="Oxygen" panose="02000503000000000000" pitchFamily="2" charset="0"/>
                 <a:cs typeface="Arial" panose="020B0604020202020204" pitchFamily="34" charset="0"/>
               </a:rPr>
-              <a:t>Python Programming: </a:t>
-            </a:r>
-            <a:r>
-              <a:rPr lang="en-US" b="1" cap="small" dirty="0" smtClean="0">
-                <a:solidFill>
-                  <a:schemeClr val="bg2">
-                    <a:lumMod val="75000"/>
-                  </a:schemeClr>
-                </a:solidFill>
-                <a:latin typeface="Oxygen" panose="02000503000000000000" pitchFamily="2" charset="0"/>
-                <a:cs typeface="Arial" panose="020B0604020202020204" pitchFamily="34" charset="0"/>
-              </a:rPr>
-              <a:t>Dictionaries</a:t>
+              <a:t>Python Programming: Dictionaries</a:t>
             </a:r>
             <a:endParaRPr lang="en-AU" b="1" cap="small" dirty="0">
               <a:solidFill>
@@ -10956,7 +10393,7 @@
           <p:cNvPr id="33" name="Rectangle 32">
             <a:extLst>
               <a:ext uri="{FF2B5EF4-FFF2-40B4-BE49-F238E27FC236}">
-                <a16:creationId xmlns:a16="http://schemas.microsoft.com/office/drawing/2014/main" xmlns="" id="{E02B0EB1-C543-469A-90DE-9FA0F478E35F}"/>
+                <a16:creationId xmlns="" xmlns:a16="http://schemas.microsoft.com/office/drawing/2014/main" id="{E02B0EB1-C543-469A-90DE-9FA0F478E35F}"/>
               </a:ext>
             </a:extLst>
           </p:cNvPr>
@@ -11081,8 +10518,8 @@
         </p:nvSpPr>
         <p:spPr>
           <a:xfrm>
-            <a:off x="3824624" y="2879001"/>
-            <a:ext cx="4085799" cy="1638910"/>
+            <a:off x="7177379" y="2431740"/>
+            <a:ext cx="4295752" cy="1892826"/>
           </a:xfrm>
           <a:prstGeom prst="rect">
             <a:avLst/>
@@ -11137,7 +10574,38 @@
                 </a:solidFill>
                 <a:latin typeface="Oxygen" panose="02000503000000000000" pitchFamily="2" charset="0"/>
               </a:rPr>
-              <a:t>Key must be immutable</a:t>
+              <a:t>Key must be </a:t>
+            </a:r>
+            <a:r>
+              <a:rPr lang="en-AU" sz="1100" dirty="0" smtClean="0">
+                <a:solidFill>
+                  <a:schemeClr val="bg2">
+                    <a:lumMod val="50000"/>
+                  </a:schemeClr>
+                </a:solidFill>
+                <a:latin typeface="Oxygen" panose="02000503000000000000" pitchFamily="2" charset="0"/>
+              </a:rPr>
+              <a:t>unique and immutable</a:t>
+            </a:r>
+          </a:p>
+          <a:p>
+            <a:pPr marL="171450" indent="-171450">
+              <a:lnSpc>
+                <a:spcPct val="150000"/>
+              </a:lnSpc>
+              <a:buFont typeface="Wingdings" panose="05000000000000000000" pitchFamily="2" charset="2"/>
+              <a:buChar char="v"/>
+            </a:pPr>
+            <a:r>
+              <a:rPr lang="en-US" sz="1100" dirty="0" smtClean="0">
+                <a:solidFill>
+                  <a:schemeClr val="bg2">
+                    <a:lumMod val="50000"/>
+                  </a:schemeClr>
+                </a:solidFill>
+                <a:latin typeface="Oxygen" panose="02000503000000000000" pitchFamily="2" charset="0"/>
+              </a:rPr>
+              <a:t>Key can ne numeric or non-numeric</a:t>
             </a:r>
             <a:endParaRPr lang="en-AU" sz="1100" dirty="0">
               <a:solidFill>
@@ -11205,14 +10673,87 @@
                 </a:solidFill>
                 <a:latin typeface="Oxygen" panose="02000503000000000000" pitchFamily="2" charset="0"/>
               </a:rPr>
-              <a:t>Dictionaries can have nested lists, tuples, sets &amp; other dictionaries inside</a:t>
+              <a:t>Real Life dictionaries </a:t>
+            </a:r>
+            <a:r>
+              <a:rPr lang="en-US" sz="1100" dirty="0" smtClean="0">
+                <a:solidFill>
+                  <a:schemeClr val="bg2">
+                    <a:lumMod val="50000"/>
+                  </a:schemeClr>
+                </a:solidFill>
+                <a:latin typeface="Oxygen" panose="02000503000000000000" pitchFamily="2" charset="0"/>
+              </a:rPr>
+              <a:t>can have nested lists, tuples, sets </a:t>
+            </a:r>
+            <a:r>
+              <a:rPr lang="en-US" sz="1100" dirty="0" smtClean="0">
+                <a:solidFill>
+                  <a:schemeClr val="bg2">
+                    <a:lumMod val="50000"/>
+                  </a:schemeClr>
+                </a:solidFill>
+                <a:latin typeface="Oxygen" panose="02000503000000000000" pitchFamily="2" charset="0"/>
+              </a:rPr>
+              <a:t>&amp;</a:t>
+            </a:r>
+          </a:p>
+          <a:p>
+            <a:pPr>
+              <a:lnSpc>
+                <a:spcPct val="150000"/>
+              </a:lnSpc>
+            </a:pPr>
+            <a:r>
+              <a:rPr lang="en-US" sz="1100" dirty="0">
+                <a:solidFill>
+                  <a:schemeClr val="bg2">
+                    <a:lumMod val="50000"/>
+                  </a:schemeClr>
+                </a:solidFill>
+                <a:latin typeface="Oxygen" panose="02000503000000000000" pitchFamily="2" charset="0"/>
+              </a:rPr>
+              <a:t> </a:t>
+            </a:r>
+            <a:r>
+              <a:rPr lang="en-US" sz="1100" dirty="0" smtClean="0">
+                <a:solidFill>
+                  <a:schemeClr val="bg2">
+                    <a:lumMod val="50000"/>
+                  </a:schemeClr>
+                </a:solidFill>
+                <a:latin typeface="Oxygen" panose="02000503000000000000" pitchFamily="2" charset="0"/>
+              </a:rPr>
+              <a:t>    </a:t>
+            </a:r>
+            <a:r>
+              <a:rPr lang="en-US" sz="1100" dirty="0" smtClean="0">
+                <a:solidFill>
+                  <a:schemeClr val="bg2">
+                    <a:lumMod val="50000"/>
+                  </a:schemeClr>
+                </a:solidFill>
+                <a:latin typeface="Oxygen" panose="02000503000000000000" pitchFamily="2" charset="0"/>
+              </a:rPr>
+              <a:t>other </a:t>
+            </a:r>
+            <a:r>
+              <a:rPr lang="en-US" sz="1100" dirty="0" smtClean="0">
+                <a:solidFill>
+                  <a:schemeClr val="bg2">
+                    <a:lumMod val="50000"/>
+                  </a:schemeClr>
+                </a:solidFill>
+                <a:latin typeface="Oxygen" panose="02000503000000000000" pitchFamily="2" charset="0"/>
+              </a:rPr>
+              <a:t>dictionaries inside</a:t>
             </a:r>
           </a:p>
         </p:txBody>
       </p:sp>
       <p:pic>
         <p:nvPicPr>
-          <p:cNvPr id="4" name="Picture 3"/>
+          <p:cNvPr id="12" name="Picture 11"/>
           <p:cNvPicPr>
             <a:picLocks noChangeAspect="1"/>
           </p:cNvPicPr>
@@ -11226,107 +10767,8 @@
         </p:blipFill>
         <p:spPr>
           <a:xfrm>
-            <a:off x="657721" y="2429999"/>
-            <a:ext cx="2164215" cy="2163940"/>
-          </a:xfrm>
-          <a:prstGeom prst="rect">
-            <a:avLst/>
-          </a:prstGeom>
-        </p:spPr>
-      </p:pic>
-      <p:sp>
-        <p:nvSpPr>
-          <p:cNvPr id="50" name="Rectangle 49">
-            <a:extLst>
-              <a:ext uri="{FF2B5EF4-FFF2-40B4-BE49-F238E27FC236}">
-                <a16:creationId xmlns:a16="http://schemas.microsoft.com/office/drawing/2014/main" xmlns="" id="{907BEB2A-D93E-46CB-95DF-04E16F0D1C0C}"/>
-              </a:ext>
-            </a:extLst>
-          </p:cNvPr>
-          <p:cNvSpPr/>
-          <p:nvPr/>
-        </p:nvSpPr>
-        <p:spPr>
-          <a:xfrm>
-            <a:off x="605043" y="2429998"/>
-            <a:ext cx="2211887" cy="2163941"/>
-          </a:xfrm>
-          <a:prstGeom prst="rect">
-            <a:avLst/>
-          </a:prstGeom>
-          <a:gradFill flip="none" rotWithShape="1">
-            <a:gsLst>
-              <a:gs pos="0">
-                <a:srgbClr val="FFFFFF">
-                  <a:alpha val="0"/>
-                </a:srgbClr>
-              </a:gs>
-              <a:gs pos="62000">
-                <a:srgbClr val="FFFFFF">
-                  <a:alpha val="0"/>
-                </a:srgbClr>
-              </a:gs>
-              <a:gs pos="72000">
-                <a:schemeClr val="bg1"/>
-              </a:gs>
-              <a:gs pos="100000">
-                <a:schemeClr val="bg1"/>
-              </a:gs>
-            </a:gsLst>
-            <a:path path="circle">
-              <a:fillToRect l="50000" t="50000" r="50000" b="50000"/>
-            </a:path>
-            <a:tileRect/>
-          </a:gradFill>
-          <a:ln>
-            <a:noFill/>
-          </a:ln>
-        </p:spPr>
-        <p:style>
-          <a:lnRef idx="2">
-            <a:schemeClr val="accent1">
-              <a:shade val="50000"/>
-            </a:schemeClr>
-          </a:lnRef>
-          <a:fillRef idx="1">
-            <a:schemeClr val="accent1"/>
-          </a:fillRef>
-          <a:effectRef idx="0">
-            <a:schemeClr val="accent1"/>
-          </a:effectRef>
-          <a:fontRef idx="minor">
-            <a:schemeClr val="lt1"/>
-          </a:fontRef>
-        </p:style>
-        <p:txBody>
-          <a:bodyPr rtlCol="0" anchor="ctr"/>
-          <a:lstStyle/>
-          <a:p>
-            <a:pPr algn="ctr"/>
-            <a:endParaRPr lang="en-AU">
-              <a:latin typeface="Oxygen" panose="02000503000000000000" pitchFamily="2" charset="0"/>
-            </a:endParaRPr>
-          </a:p>
-        </p:txBody>
-      </p:sp>
-      <p:pic>
-        <p:nvPicPr>
-          <p:cNvPr id="6" name="Picture 5"/>
-          <p:cNvPicPr>
-            <a:picLocks noChangeAspect="1"/>
-          </p:cNvPicPr>
-          <p:nvPr/>
-        </p:nvPicPr>
-        <p:blipFill>
-          <a:blip r:embed="rId4"/>
-          <a:stretch>
-            <a:fillRect/>
-          </a:stretch>
-        </p:blipFill>
-        <p:spPr>
-          <a:xfrm>
-            <a:off x="8142627" y="1190244"/>
-            <a:ext cx="3753255" cy="4939514"/>
+            <a:off x="1036206" y="2043864"/>
+            <a:ext cx="5446846" cy="3073359"/>
           </a:xfrm>
           <a:prstGeom prst="rect">
             <a:avLst/>
@@ -11372,84 +10814,10 @@
       </p:grpSpPr>
       <p:sp>
         <p:nvSpPr>
-          <p:cNvPr id="7" name="Rectangle 6">
-            <a:extLst>
-              <a:ext uri="{FF2B5EF4-FFF2-40B4-BE49-F238E27FC236}">
-                <a16:creationId xmlns:a16="http://schemas.microsoft.com/office/drawing/2014/main" xmlns="" id="{241D8F26-367A-4EE2-BC9B-4A97EE475F57}"/>
-              </a:ext>
-            </a:extLst>
-          </p:cNvPr>
-          <p:cNvSpPr/>
-          <p:nvPr/>
-        </p:nvSpPr>
-        <p:spPr>
-          <a:xfrm>
-            <a:off x="3250887" y="381242"/>
-            <a:ext cx="75415" cy="6476761"/>
-          </a:xfrm>
-          <a:prstGeom prst="rect">
-            <a:avLst/>
-          </a:prstGeom>
-          <a:gradFill>
-            <a:gsLst>
-              <a:gs pos="0">
-                <a:schemeClr val="bg1"/>
-              </a:gs>
-              <a:gs pos="60000">
-                <a:srgbClr val="FF8C52"/>
-              </a:gs>
-              <a:gs pos="40000">
-                <a:srgbClr val="FF8C52"/>
-              </a:gs>
-              <a:gs pos="20000">
-                <a:schemeClr val="bg1"/>
-              </a:gs>
-              <a:gs pos="80000">
-                <a:schemeClr val="bg1"/>
-              </a:gs>
-              <a:gs pos="100000">
-                <a:schemeClr val="bg1"/>
-              </a:gs>
-            </a:gsLst>
-            <a:lin ang="5400000" scaled="1"/>
-          </a:gradFill>
-          <a:ln>
-            <a:noFill/>
-          </a:ln>
-        </p:spPr>
-        <p:style>
-          <a:lnRef idx="2">
-            <a:schemeClr val="accent1">
-              <a:shade val="50000"/>
-            </a:schemeClr>
-          </a:lnRef>
-          <a:fillRef idx="1">
-            <a:schemeClr val="accent1"/>
-          </a:fillRef>
-          <a:effectRef idx="0">
-            <a:schemeClr val="accent1"/>
-          </a:effectRef>
-          <a:fontRef idx="minor">
-            <a:schemeClr val="lt1"/>
-          </a:fontRef>
-        </p:style>
-        <p:txBody>
-          <a:bodyPr rtlCol="0" anchor="ctr"/>
-          <a:lstStyle/>
-          <a:p>
-            <a:pPr algn="ctr"/>
-            <a:endParaRPr lang="en-AU">
-              <a:latin typeface="Oxygen" panose="02000503000000000000" pitchFamily="2" charset="0"/>
-            </a:endParaRPr>
-          </a:p>
-        </p:txBody>
-      </p:sp>
-      <p:sp>
-        <p:nvSpPr>
           <p:cNvPr id="8" name="Rectangle 7">
             <a:extLst>
               <a:ext uri="{FF2B5EF4-FFF2-40B4-BE49-F238E27FC236}">
-                <a16:creationId xmlns:a16="http://schemas.microsoft.com/office/drawing/2014/main" xmlns="" id="{583FBC17-A62F-4E87-B8DE-0F79DF4336A0}"/>
+                <a16:creationId xmlns="" xmlns:a16="http://schemas.microsoft.com/office/drawing/2014/main" id="{583FBC17-A62F-4E87-B8DE-0F79DF4336A0}"/>
               </a:ext>
             </a:extLst>
           </p:cNvPr>
@@ -11509,7 +10877,7 @@
           <p:cNvPr id="19" name="Group 18">
             <a:extLst>
               <a:ext uri="{FF2B5EF4-FFF2-40B4-BE49-F238E27FC236}">
-                <a16:creationId xmlns:a16="http://schemas.microsoft.com/office/drawing/2014/main" xmlns="" id="{C587FE1B-2243-4627-BC52-851BDA62444B}"/>
+                <a16:creationId xmlns="" xmlns:a16="http://schemas.microsoft.com/office/drawing/2014/main" id="{C587FE1B-2243-4627-BC52-851BDA62444B}"/>
               </a:ext>
             </a:extLst>
           </p:cNvPr>
@@ -11529,7 +10897,7 @@
             <p:cNvPr id="20" name="Picture 19">
               <a:extLst>
                 <a:ext uri="{FF2B5EF4-FFF2-40B4-BE49-F238E27FC236}">
-                  <a16:creationId xmlns:a16="http://schemas.microsoft.com/office/drawing/2014/main" xmlns="" id="{0F2E3E05-4A48-4C06-BA49-75E2E366C715}"/>
+                  <a16:creationId xmlns="" xmlns:a16="http://schemas.microsoft.com/office/drawing/2014/main" id="{0F2E3E05-4A48-4C06-BA49-75E2E366C715}"/>
                 </a:ext>
               </a:extLst>
             </p:cNvPr>
@@ -11559,7 +10927,7 @@
             <p:cNvPr id="21" name="Freeform 22">
               <a:extLst>
                 <a:ext uri="{FF2B5EF4-FFF2-40B4-BE49-F238E27FC236}">
-                  <a16:creationId xmlns:a16="http://schemas.microsoft.com/office/drawing/2014/main" xmlns="" id="{8413CF68-A7E3-43A0-B613-5438D5382AB1}"/>
+                  <a16:creationId xmlns="" xmlns:a16="http://schemas.microsoft.com/office/drawing/2014/main" id="{8413CF68-A7E3-43A0-B613-5438D5382AB1}"/>
                 </a:ext>
               </a:extLst>
             </p:cNvPr>
@@ -11971,7 +11339,7 @@
           <p:cNvPr id="22" name="TextBox 21">
             <a:extLst>
               <a:ext uri="{FF2B5EF4-FFF2-40B4-BE49-F238E27FC236}">
-                <a16:creationId xmlns:a16="http://schemas.microsoft.com/office/drawing/2014/main" xmlns="" id="{97653B96-F2E2-406B-A513-F42319FDB50F}"/>
+                <a16:creationId xmlns="" xmlns:a16="http://schemas.microsoft.com/office/drawing/2014/main" id="{97653B96-F2E2-406B-A513-F42319FDB50F}"/>
               </a:ext>
             </a:extLst>
           </p:cNvPr>
@@ -11981,7 +11349,7 @@
         <p:spPr>
           <a:xfrm>
             <a:off x="4698840" y="156881"/>
-            <a:ext cx="4993675" cy="369332"/>
+            <a:ext cx="3589444" cy="369332"/>
           </a:xfrm>
           <a:prstGeom prst="rect">
             <a:avLst/>
@@ -12016,17 +11384,8 @@
                 <a:latin typeface="Oxygen" panose="02000503000000000000" pitchFamily="2" charset="0"/>
                 <a:cs typeface="Arial" panose="020B0604020202020204" pitchFamily="34" charset="0"/>
               </a:rPr>
-              <a:t>Variables &amp; Data Types</a:t>
-            </a:r>
-            <a:endParaRPr lang="en-AU" b="1" cap="small" dirty="0">
-              <a:solidFill>
-                <a:schemeClr val="bg2">
-                  <a:lumMod val="75000"/>
-                </a:schemeClr>
-              </a:solidFill>
-              <a:latin typeface="Oxygen" panose="02000503000000000000" pitchFamily="2" charset="0"/>
-              <a:cs typeface="Arial" panose="020B0604020202020204" pitchFamily="34" charset="0"/>
-            </a:endParaRPr>
+              <a:t>Variables</a:t>
+            </a:r>
           </a:p>
         </p:txBody>
       </p:sp>
@@ -12035,7 +11394,7 @@
           <p:cNvPr id="33" name="Rectangle 32">
             <a:extLst>
               <a:ext uri="{FF2B5EF4-FFF2-40B4-BE49-F238E27FC236}">
-                <a16:creationId xmlns:a16="http://schemas.microsoft.com/office/drawing/2014/main" xmlns="" id="{E02B0EB1-C543-469A-90DE-9FA0F478E35F}"/>
+                <a16:creationId xmlns="" xmlns:a16="http://schemas.microsoft.com/office/drawing/2014/main" id="{E02B0EB1-C543-469A-90DE-9FA0F478E35F}"/>
               </a:ext>
             </a:extLst>
           </p:cNvPr>
@@ -12160,7 +11519,7 @@
         </p:nvSpPr>
         <p:spPr>
           <a:xfrm>
-            <a:off x="7711390" y="1419117"/>
+            <a:off x="6106880" y="1824557"/>
             <a:ext cx="3718257" cy="2400657"/>
           </a:xfrm>
           <a:prstGeom prst="rect">
@@ -12323,7 +11682,7 @@
       </p:sp>
       <p:pic>
         <p:nvPicPr>
-          <p:cNvPr id="4" name="Picture 3"/>
+          <p:cNvPr id="13" name="Picture 12"/>
           <p:cNvPicPr>
             <a:picLocks noChangeAspect="1"/>
           </p:cNvPicPr>
@@ -12337,106 +11696,7 @@
         </p:blipFill>
         <p:spPr>
           <a:xfrm>
-            <a:off x="657721" y="2429999"/>
-            <a:ext cx="2164215" cy="2163940"/>
-          </a:xfrm>
-          <a:prstGeom prst="rect">
-            <a:avLst/>
-          </a:prstGeom>
-        </p:spPr>
-      </p:pic>
-      <p:sp>
-        <p:nvSpPr>
-          <p:cNvPr id="50" name="Rectangle 49">
-            <a:extLst>
-              <a:ext uri="{FF2B5EF4-FFF2-40B4-BE49-F238E27FC236}">
-                <a16:creationId xmlns:a16="http://schemas.microsoft.com/office/drawing/2014/main" xmlns="" id="{907BEB2A-D93E-46CB-95DF-04E16F0D1C0C}"/>
-              </a:ext>
-            </a:extLst>
-          </p:cNvPr>
-          <p:cNvSpPr/>
-          <p:nvPr/>
-        </p:nvSpPr>
-        <p:spPr>
-          <a:xfrm>
-            <a:off x="605043" y="2429998"/>
-            <a:ext cx="2211887" cy="2163941"/>
-          </a:xfrm>
-          <a:prstGeom prst="rect">
-            <a:avLst/>
-          </a:prstGeom>
-          <a:gradFill flip="none" rotWithShape="1">
-            <a:gsLst>
-              <a:gs pos="0">
-                <a:srgbClr val="FFFFFF">
-                  <a:alpha val="0"/>
-                </a:srgbClr>
-              </a:gs>
-              <a:gs pos="62000">
-                <a:srgbClr val="FFFFFF">
-                  <a:alpha val="0"/>
-                </a:srgbClr>
-              </a:gs>
-              <a:gs pos="72000">
-                <a:schemeClr val="bg1"/>
-              </a:gs>
-              <a:gs pos="100000">
-                <a:schemeClr val="bg1"/>
-              </a:gs>
-            </a:gsLst>
-            <a:path path="circle">
-              <a:fillToRect l="50000" t="50000" r="50000" b="50000"/>
-            </a:path>
-            <a:tileRect/>
-          </a:gradFill>
-          <a:ln>
-            <a:noFill/>
-          </a:ln>
-        </p:spPr>
-        <p:style>
-          <a:lnRef idx="2">
-            <a:schemeClr val="accent1">
-              <a:shade val="50000"/>
-            </a:schemeClr>
-          </a:lnRef>
-          <a:fillRef idx="1">
-            <a:schemeClr val="accent1"/>
-          </a:fillRef>
-          <a:effectRef idx="0">
-            <a:schemeClr val="accent1"/>
-          </a:effectRef>
-          <a:fontRef idx="minor">
-            <a:schemeClr val="lt1"/>
-          </a:fontRef>
-        </p:style>
-        <p:txBody>
-          <a:bodyPr rtlCol="0" anchor="ctr"/>
-          <a:lstStyle/>
-          <a:p>
-            <a:pPr algn="ctr"/>
-            <a:endParaRPr lang="en-AU">
-              <a:latin typeface="Oxygen" panose="02000503000000000000" pitchFamily="2" charset="0"/>
-            </a:endParaRPr>
-          </a:p>
-        </p:txBody>
-      </p:sp>
-      <p:pic>
-        <p:nvPicPr>
-          <p:cNvPr id="13" name="Picture 12"/>
-          <p:cNvPicPr>
-            <a:picLocks noChangeAspect="1"/>
-          </p:cNvPicPr>
-          <p:nvPr/>
-        </p:nvPicPr>
-        <p:blipFill>
-          <a:blip r:embed="rId4"/>
-          <a:stretch>
-            <a:fillRect/>
-          </a:stretch>
-        </p:blipFill>
-        <p:spPr>
-          <a:xfrm>
-            <a:off x="4168393" y="1892272"/>
+            <a:off x="2563883" y="2297712"/>
             <a:ext cx="2222888" cy="3409019"/>
           </a:xfrm>
           <a:prstGeom prst="rect">
@@ -12452,7 +11712,7 @@
         </p:nvCxnSpPr>
         <p:spPr>
           <a:xfrm flipH="1">
-            <a:off x="5040661" y="1946196"/>
+            <a:off x="3436151" y="2351636"/>
             <a:ext cx="2701240" cy="717669"/>
           </a:xfrm>
           <a:prstGeom prst="straightConnector1">
@@ -12488,7 +11748,7 @@
         </p:nvCxnSpPr>
         <p:spPr>
           <a:xfrm flipH="1">
-            <a:off x="6338610" y="2265068"/>
+            <a:off x="4734100" y="2670508"/>
             <a:ext cx="1405834" cy="384005"/>
           </a:xfrm>
           <a:prstGeom prst="straightConnector1">
@@ -12524,7 +11784,7 @@
         </p:nvCxnSpPr>
         <p:spPr>
           <a:xfrm flipH="1">
-            <a:off x="5017585" y="2610311"/>
+            <a:off x="3413075" y="3015751"/>
             <a:ext cx="2701240" cy="714803"/>
           </a:xfrm>
           <a:prstGeom prst="straightConnector1">
@@ -12560,7 +11820,7 @@
         </p:nvCxnSpPr>
         <p:spPr>
           <a:xfrm flipH="1">
-            <a:off x="6312991" y="2930750"/>
+            <a:off x="4708481" y="3336190"/>
             <a:ext cx="1428910" cy="378620"/>
           </a:xfrm>
           <a:prstGeom prst="straightConnector1">
@@ -12596,7 +11856,7 @@
         </p:nvCxnSpPr>
         <p:spPr>
           <a:xfrm flipH="1">
-            <a:off x="5017586" y="3256187"/>
+            <a:off x="3413076" y="3661627"/>
             <a:ext cx="2701239" cy="715065"/>
           </a:xfrm>
           <a:prstGeom prst="straightConnector1">
@@ -12632,7 +11892,7 @@
         </p:nvCxnSpPr>
         <p:spPr>
           <a:xfrm flipH="1">
-            <a:off x="6312991" y="3591999"/>
+            <a:off x="4708481" y="3997439"/>
             <a:ext cx="1398400" cy="363247"/>
           </a:xfrm>
           <a:prstGeom prst="straightConnector1">
@@ -12668,7 +11928,7 @@
         </p:nvSpPr>
         <p:spPr>
           <a:xfrm>
-            <a:off x="7683168" y="3855150"/>
+            <a:off x="6078658" y="4260590"/>
             <a:ext cx="3718257" cy="623248"/>
           </a:xfrm>
           <a:prstGeom prst="rect">
@@ -12727,18 +11987,7 @@
                 </a:solidFill>
                 <a:latin typeface="Oxygen" panose="02000503000000000000" pitchFamily="2" charset="0"/>
               </a:rPr>
-              <a:t>variables with names in CAPS e.g. </a:t>
-            </a:r>
-            <a:r>
-              <a:rPr lang="en-US" sz="1100" dirty="0">
-                <a:solidFill>
-                  <a:schemeClr val="bg2">
-                    <a:lumMod val="50000"/>
-                  </a:schemeClr>
-                </a:solidFill>
-                <a:latin typeface="Oxygen" panose="02000503000000000000" pitchFamily="2" charset="0"/>
-              </a:rPr>
-              <a:t>PI = 3.14</a:t>
+              <a:t>variables with names in CAPS e.g. PI = 3.14</a:t>
             </a:r>
           </a:p>
         </p:txBody>
@@ -12751,7 +12000,7 @@
         </p:nvSpPr>
         <p:spPr>
           <a:xfrm>
-            <a:off x="7699941" y="4491138"/>
+            <a:off x="6095431" y="4896578"/>
             <a:ext cx="4311838" cy="623248"/>
           </a:xfrm>
           <a:prstGeom prst="rect">
@@ -12804,6 +12053,1216 @@
           </a:p>
         </p:txBody>
       </p:sp>
+    </p:spTree>
+    <p:extLst>
+      <p:ext uri="{BB962C8B-B14F-4D97-AF65-F5344CB8AC3E}">
+        <p14:creationId xmlns:p14="http://schemas.microsoft.com/office/powerpoint/2010/main" val="763798635"/>
+      </p:ext>
+    </p:extLst>
+  </p:cSld>
+  <p:clrMapOvr>
+    <a:masterClrMapping/>
+  </p:clrMapOvr>
+  <p:timing>
+    <p:tnLst>
+      <p:par>
+        <p:cTn id="1" dur="indefinite" restart="never" nodeType="tmRoot"/>
+      </p:par>
+    </p:tnLst>
+  </p:timing>
+</p:sld>
+</file>
+
+<file path=ppt/slides/slide6.xml><?xml version="1.0" encoding="utf-8"?>
+<p:sld xmlns:a="http://schemas.openxmlformats.org/drawingml/2006/main" xmlns:r="http://schemas.openxmlformats.org/officeDocument/2006/relationships" xmlns:p="http://schemas.openxmlformats.org/presentationml/2006/main">
+  <p:cSld>
+    <p:spTree>
+      <p:nvGrpSpPr>
+        <p:cNvPr id="1" name=""/>
+        <p:cNvGrpSpPr/>
+        <p:nvPr/>
+      </p:nvGrpSpPr>
+      <p:grpSpPr>
+        <a:xfrm>
+          <a:off x="0" y="0"/>
+          <a:ext cx="0" cy="0"/>
+          <a:chOff x="0" y="0"/>
+          <a:chExt cx="0" cy="0"/>
+        </a:xfrm>
+      </p:grpSpPr>
+      <p:sp>
+        <p:nvSpPr>
+          <p:cNvPr id="8" name="Rectangle 7">
+            <a:extLst>
+              <a:ext uri="{FF2B5EF4-FFF2-40B4-BE49-F238E27FC236}">
+                <a16:creationId xmlns="" xmlns:a16="http://schemas.microsoft.com/office/drawing/2014/main" id="{583FBC17-A62F-4E87-B8DE-0F79DF4336A0}"/>
+              </a:ext>
+            </a:extLst>
+          </p:cNvPr>
+          <p:cNvSpPr/>
+          <p:nvPr/>
+        </p:nvSpPr>
+        <p:spPr>
+          <a:xfrm>
+            <a:off x="3824624" y="-22884"/>
+            <a:ext cx="8367376" cy="770637"/>
+          </a:xfrm>
+          <a:prstGeom prst="rect">
+            <a:avLst/>
+          </a:prstGeom>
+          <a:solidFill>
+            <a:schemeClr val="bg1">
+              <a:lumMod val="95000"/>
+            </a:schemeClr>
+          </a:solidFill>
+          <a:ln>
+            <a:noFill/>
+          </a:ln>
+        </p:spPr>
+        <p:style>
+          <a:lnRef idx="2">
+            <a:schemeClr val="accent1">
+              <a:shade val="50000"/>
+            </a:schemeClr>
+          </a:lnRef>
+          <a:fillRef idx="1">
+            <a:schemeClr val="accent1"/>
+          </a:fillRef>
+          <a:effectRef idx="0">
+            <a:schemeClr val="accent1"/>
+          </a:effectRef>
+          <a:fontRef idx="minor">
+            <a:schemeClr val="lt1"/>
+          </a:fontRef>
+        </p:style>
+        <p:txBody>
+          <a:bodyPr rtlCol="0" anchor="ctr"/>
+          <a:lstStyle/>
+          <a:p>
+            <a:endParaRPr lang="en-AU" sz="800" dirty="0">
+              <a:solidFill>
+                <a:schemeClr val="bg1">
+                  <a:lumMod val="50000"/>
+                </a:schemeClr>
+              </a:solidFill>
+              <a:latin typeface="Oxygen" panose="02000503000000000000" pitchFamily="2" charset="0"/>
+            </a:endParaRPr>
+          </a:p>
+        </p:txBody>
+      </p:sp>
+      <p:grpSp>
+        <p:nvGrpSpPr>
+          <p:cNvPr id="19" name="Group 18">
+            <a:extLst>
+              <a:ext uri="{FF2B5EF4-FFF2-40B4-BE49-F238E27FC236}">
+                <a16:creationId xmlns="" xmlns:a16="http://schemas.microsoft.com/office/drawing/2014/main" id="{C587FE1B-2243-4627-BC52-851BDA62444B}"/>
+              </a:ext>
+            </a:extLst>
+          </p:cNvPr>
+          <p:cNvGrpSpPr/>
+          <p:nvPr/>
+        </p:nvGrpSpPr>
+        <p:grpSpPr>
+          <a:xfrm>
+            <a:off x="687804" y="156881"/>
+            <a:ext cx="2471777" cy="1145371"/>
+            <a:chOff x="4600575" y="2600315"/>
+            <a:chExt cx="2990850" cy="1385897"/>
+          </a:xfrm>
+        </p:grpSpPr>
+        <p:pic>
+          <p:nvPicPr>
+            <p:cNvPr id="20" name="Picture 19">
+              <a:extLst>
+                <a:ext uri="{FF2B5EF4-FFF2-40B4-BE49-F238E27FC236}">
+                  <a16:creationId xmlns="" xmlns:a16="http://schemas.microsoft.com/office/drawing/2014/main" id="{0F2E3E05-4A48-4C06-BA49-75E2E366C715}"/>
+                </a:ext>
+              </a:extLst>
+            </p:cNvPr>
+            <p:cNvPicPr>
+              <a:picLocks noChangeAspect="1"/>
+            </p:cNvPicPr>
+            <p:nvPr/>
+          </p:nvPicPr>
+          <p:blipFill>
+            <a:blip r:embed="rId2"/>
+            <a:stretch>
+              <a:fillRect/>
+            </a:stretch>
+          </p:blipFill>
+          <p:spPr>
+            <a:xfrm>
+              <a:off x="4600575" y="2871787"/>
+              <a:ext cx="2990850" cy="1114425"/>
+            </a:xfrm>
+            <a:prstGeom prst="rect">
+              <a:avLst/>
+            </a:prstGeom>
+          </p:spPr>
+        </p:pic>
+        <p:sp>
+          <p:nvSpPr>
+            <p:cNvPr id="21" name="Freeform 22">
+              <a:extLst>
+                <a:ext uri="{FF2B5EF4-FFF2-40B4-BE49-F238E27FC236}">
+                  <a16:creationId xmlns="" xmlns:a16="http://schemas.microsoft.com/office/drawing/2014/main" id="{8413CF68-A7E3-43A0-B613-5438D5382AB1}"/>
+                </a:ext>
+              </a:extLst>
+            </p:cNvPr>
+            <p:cNvSpPr/>
+            <p:nvPr/>
+          </p:nvSpPr>
+          <p:spPr>
+            <a:xfrm>
+              <a:off x="4739363" y="2600315"/>
+              <a:ext cx="971569" cy="971569"/>
+            </a:xfrm>
+            <a:custGeom>
+              <a:avLst/>
+              <a:gdLst>
+                <a:gd name="connsiteX0" fmla="*/ 1080000 w 2160000"/>
+                <a:gd name="connsiteY0" fmla="*/ 0 h 2160000"/>
+                <a:gd name="connsiteX1" fmla="*/ 2154424 w 2160000"/>
+                <a:gd name="connsiteY1" fmla="*/ 969576 h 2160000"/>
+                <a:gd name="connsiteX2" fmla="*/ 2157027 w 2160000"/>
+                <a:gd name="connsiteY2" fmla="*/ 1021127 h 2160000"/>
+                <a:gd name="connsiteX3" fmla="*/ 2159999 w 2160000"/>
+                <a:gd name="connsiteY3" fmla="*/ 1021127 h 2160000"/>
+                <a:gd name="connsiteX4" fmla="*/ 2159999 w 2160000"/>
+                <a:gd name="connsiteY4" fmla="*/ 1079980 h 2160000"/>
+                <a:gd name="connsiteX5" fmla="*/ 2160000 w 2160000"/>
+                <a:gd name="connsiteY5" fmla="*/ 1080000 h 2160000"/>
+                <a:gd name="connsiteX6" fmla="*/ 2159999 w 2160000"/>
+                <a:gd name="connsiteY6" fmla="*/ 1080021 h 2160000"/>
+                <a:gd name="connsiteX7" fmla="*/ 2159999 w 2160000"/>
+                <a:gd name="connsiteY7" fmla="*/ 1716639 h 2160000"/>
+                <a:gd name="connsiteX8" fmla="*/ 2157838 w 2160000"/>
+                <a:gd name="connsiteY8" fmla="*/ 1716639 h 2160000"/>
+                <a:gd name="connsiteX9" fmla="*/ 2160000 w 2160000"/>
+                <a:gd name="connsiteY9" fmla="*/ 1738544 h 2160000"/>
+                <a:gd name="connsiteX10" fmla="*/ 1891921 w 2160000"/>
+                <a:gd name="connsiteY10" fmla="*/ 2012333 h 2160000"/>
+                <a:gd name="connsiteX11" fmla="*/ 1623842 w 2160000"/>
+                <a:gd name="connsiteY11" fmla="*/ 1738544 h 2160000"/>
+                <a:gd name="connsiteX12" fmla="*/ 1626005 w 2160000"/>
+                <a:gd name="connsiteY12" fmla="*/ 1716639 h 2160000"/>
+                <a:gd name="connsiteX13" fmla="*/ 1620298 w 2160000"/>
+                <a:gd name="connsiteY13" fmla="*/ 1716639 h 2160000"/>
+                <a:gd name="connsiteX14" fmla="*/ 1620298 w 2160000"/>
+                <a:gd name="connsiteY14" fmla="*/ 1090950 h 2160000"/>
+                <a:gd name="connsiteX15" fmla="*/ 1618898 w 2160000"/>
+                <a:gd name="connsiteY15" fmla="*/ 1090937 h 2160000"/>
+                <a:gd name="connsiteX16" fmla="*/ 1620000 w 2160000"/>
+                <a:gd name="connsiteY16" fmla="*/ 1080000 h 2160000"/>
+                <a:gd name="connsiteX17" fmla="*/ 1080000 w 2160000"/>
+                <a:gd name="connsiteY17" fmla="*/ 540000 h 2160000"/>
+                <a:gd name="connsiteX18" fmla="*/ 540000 w 2160000"/>
+                <a:gd name="connsiteY18" fmla="*/ 1080000 h 2160000"/>
+                <a:gd name="connsiteX19" fmla="*/ 1080000 w 2160000"/>
+                <a:gd name="connsiteY19" fmla="*/ 1620000 h 2160000"/>
+                <a:gd name="connsiteX20" fmla="*/ 1172144 w 2160000"/>
+                <a:gd name="connsiteY20" fmla="*/ 1610711 h 2160000"/>
+                <a:gd name="connsiteX21" fmla="*/ 1192722 w 2160000"/>
+                <a:gd name="connsiteY21" fmla="*/ 1599542 h 2160000"/>
+                <a:gd name="connsiteX22" fmla="*/ 1205334 w 2160000"/>
+                <a:gd name="connsiteY22" fmla="*/ 1595627 h 2160000"/>
+                <a:gd name="connsiteX23" fmla="*/ 1218649 w 2160000"/>
+                <a:gd name="connsiteY23" fmla="*/ 1594482 h 2160000"/>
+                <a:gd name="connsiteX24" fmla="*/ 1273176 w 2160000"/>
+                <a:gd name="connsiteY24" fmla="*/ 1581875 h 2160000"/>
+                <a:gd name="connsiteX25" fmla="*/ 1277433 w 2160000"/>
+                <a:gd name="connsiteY25" fmla="*/ 1580379 h 2160000"/>
+                <a:gd name="connsiteX26" fmla="*/ 1297818 w 2160000"/>
+                <a:gd name="connsiteY26" fmla="*/ 1578324 h 2160000"/>
+                <a:gd name="connsiteX27" fmla="*/ 1567818 w 2160000"/>
+                <a:gd name="connsiteY27" fmla="*/ 1848324 h 2160000"/>
+                <a:gd name="connsiteX28" fmla="*/ 1469563 w 2160000"/>
+                <a:gd name="connsiteY28" fmla="*/ 2056669 h 2160000"/>
+                <a:gd name="connsiteX29" fmla="*/ 1412948 w 2160000"/>
+                <a:gd name="connsiteY29" fmla="*/ 2091019 h 2160000"/>
+                <a:gd name="connsiteX30" fmla="*/ 1398272 w 2160000"/>
+                <a:gd name="connsiteY30" fmla="*/ 2101498 h 2160000"/>
+                <a:gd name="connsiteX31" fmla="*/ 1374464 w 2160000"/>
+                <a:gd name="connsiteY31" fmla="*/ 2110955 h 2160000"/>
+                <a:gd name="connsiteX32" fmla="*/ 1376211 w 2160000"/>
+                <a:gd name="connsiteY32" fmla="*/ 2117860 h 2160000"/>
+                <a:gd name="connsiteX33" fmla="*/ 1321962 w 2160000"/>
+                <a:gd name="connsiteY33" fmla="*/ 2131809 h 2160000"/>
+                <a:gd name="connsiteX34" fmla="*/ 1306247 w 2160000"/>
+                <a:gd name="connsiteY34" fmla="*/ 2138051 h 2160000"/>
+                <a:gd name="connsiteX35" fmla="*/ 1267530 w 2160000"/>
+                <a:gd name="connsiteY35" fmla="*/ 2142656 h 2160000"/>
+                <a:gd name="connsiteX36" fmla="*/ 1190424 w 2160000"/>
+                <a:gd name="connsiteY36" fmla="*/ 2154424 h 2160000"/>
+                <a:gd name="connsiteX37" fmla="*/ 1080000 w 2160000"/>
+                <a:gd name="connsiteY37" fmla="*/ 2160000 h 2160000"/>
+                <a:gd name="connsiteX38" fmla="*/ 0 w 2160000"/>
+                <a:gd name="connsiteY38" fmla="*/ 1080000 h 2160000"/>
+                <a:gd name="connsiteX39" fmla="*/ 1080000 w 2160000"/>
+                <a:gd name="connsiteY39" fmla="*/ 0 h 2160000"/>
+              </a:gdLst>
+              <a:ahLst/>
+              <a:cxnLst>
+                <a:cxn ang="0">
+                  <a:pos x="connsiteX0" y="connsiteY0"/>
+                </a:cxn>
+                <a:cxn ang="0">
+                  <a:pos x="connsiteX1" y="connsiteY1"/>
+                </a:cxn>
+                <a:cxn ang="0">
+                  <a:pos x="connsiteX2" y="connsiteY2"/>
+                </a:cxn>
+                <a:cxn ang="0">
+                  <a:pos x="connsiteX3" y="connsiteY3"/>
+                </a:cxn>
+                <a:cxn ang="0">
+                  <a:pos x="connsiteX4" y="connsiteY4"/>
+                </a:cxn>
+                <a:cxn ang="0">
+                  <a:pos x="connsiteX5" y="connsiteY5"/>
+                </a:cxn>
+                <a:cxn ang="0">
+                  <a:pos x="connsiteX6" y="connsiteY6"/>
+                </a:cxn>
+                <a:cxn ang="0">
+                  <a:pos x="connsiteX7" y="connsiteY7"/>
+                </a:cxn>
+                <a:cxn ang="0">
+                  <a:pos x="connsiteX8" y="connsiteY8"/>
+                </a:cxn>
+                <a:cxn ang="0">
+                  <a:pos x="connsiteX9" y="connsiteY9"/>
+                </a:cxn>
+                <a:cxn ang="0">
+                  <a:pos x="connsiteX10" y="connsiteY10"/>
+                </a:cxn>
+                <a:cxn ang="0">
+                  <a:pos x="connsiteX11" y="connsiteY11"/>
+                </a:cxn>
+                <a:cxn ang="0">
+                  <a:pos x="connsiteX12" y="connsiteY12"/>
+                </a:cxn>
+                <a:cxn ang="0">
+                  <a:pos x="connsiteX13" y="connsiteY13"/>
+                </a:cxn>
+                <a:cxn ang="0">
+                  <a:pos x="connsiteX14" y="connsiteY14"/>
+                </a:cxn>
+                <a:cxn ang="0">
+                  <a:pos x="connsiteX15" y="connsiteY15"/>
+                </a:cxn>
+                <a:cxn ang="0">
+                  <a:pos x="connsiteX16" y="connsiteY16"/>
+                </a:cxn>
+                <a:cxn ang="0">
+                  <a:pos x="connsiteX17" y="connsiteY17"/>
+                </a:cxn>
+                <a:cxn ang="0">
+                  <a:pos x="connsiteX18" y="connsiteY18"/>
+                </a:cxn>
+                <a:cxn ang="0">
+                  <a:pos x="connsiteX19" y="connsiteY19"/>
+                </a:cxn>
+                <a:cxn ang="0">
+                  <a:pos x="connsiteX20" y="connsiteY20"/>
+                </a:cxn>
+                <a:cxn ang="0">
+                  <a:pos x="connsiteX21" y="connsiteY21"/>
+                </a:cxn>
+                <a:cxn ang="0">
+                  <a:pos x="connsiteX22" y="connsiteY22"/>
+                </a:cxn>
+                <a:cxn ang="0">
+                  <a:pos x="connsiteX23" y="connsiteY23"/>
+                </a:cxn>
+                <a:cxn ang="0">
+                  <a:pos x="connsiteX24" y="connsiteY24"/>
+                </a:cxn>
+                <a:cxn ang="0">
+                  <a:pos x="connsiteX25" y="connsiteY25"/>
+                </a:cxn>
+                <a:cxn ang="0">
+                  <a:pos x="connsiteX26" y="connsiteY26"/>
+                </a:cxn>
+                <a:cxn ang="0">
+                  <a:pos x="connsiteX27" y="connsiteY27"/>
+                </a:cxn>
+                <a:cxn ang="0">
+                  <a:pos x="connsiteX28" y="connsiteY28"/>
+                </a:cxn>
+                <a:cxn ang="0">
+                  <a:pos x="connsiteX29" y="connsiteY29"/>
+                </a:cxn>
+                <a:cxn ang="0">
+                  <a:pos x="connsiteX30" y="connsiteY30"/>
+                </a:cxn>
+                <a:cxn ang="0">
+                  <a:pos x="connsiteX31" y="connsiteY31"/>
+                </a:cxn>
+                <a:cxn ang="0">
+                  <a:pos x="connsiteX32" y="connsiteY32"/>
+                </a:cxn>
+                <a:cxn ang="0">
+                  <a:pos x="connsiteX33" y="connsiteY33"/>
+                </a:cxn>
+                <a:cxn ang="0">
+                  <a:pos x="connsiteX34" y="connsiteY34"/>
+                </a:cxn>
+                <a:cxn ang="0">
+                  <a:pos x="connsiteX35" y="connsiteY35"/>
+                </a:cxn>
+                <a:cxn ang="0">
+                  <a:pos x="connsiteX36" y="connsiteY36"/>
+                </a:cxn>
+                <a:cxn ang="0">
+                  <a:pos x="connsiteX37" y="connsiteY37"/>
+                </a:cxn>
+                <a:cxn ang="0">
+                  <a:pos x="connsiteX38" y="connsiteY38"/>
+                </a:cxn>
+                <a:cxn ang="0">
+                  <a:pos x="connsiteX39" y="connsiteY39"/>
+                </a:cxn>
+              </a:cxnLst>
+              <a:rect l="l" t="t" r="r" b="b"/>
+              <a:pathLst>
+                <a:path w="2160000" h="2160000">
+                  <a:moveTo>
+                    <a:pt x="1080000" y="0"/>
+                  </a:moveTo>
+                  <a:cubicBezTo>
+                    <a:pt x="1639189" y="0"/>
+                    <a:pt x="2099117" y="424979"/>
+                    <a:pt x="2154424" y="969576"/>
+                  </a:cubicBezTo>
+                  <a:lnTo>
+                    <a:pt x="2157027" y="1021127"/>
+                  </a:lnTo>
+                  <a:lnTo>
+                    <a:pt x="2159999" y="1021127"/>
+                  </a:lnTo>
+                  <a:lnTo>
+                    <a:pt x="2159999" y="1079980"/>
+                  </a:lnTo>
+                  <a:lnTo>
+                    <a:pt x="2160000" y="1080000"/>
+                  </a:lnTo>
+                  <a:lnTo>
+                    <a:pt x="2159999" y="1080021"/>
+                  </a:lnTo>
+                  <a:lnTo>
+                    <a:pt x="2159999" y="1716639"/>
+                  </a:lnTo>
+                  <a:lnTo>
+                    <a:pt x="2157838" y="1716639"/>
+                  </a:lnTo>
+                  <a:lnTo>
+                    <a:pt x="2160000" y="1738544"/>
+                  </a:lnTo>
+                  <a:cubicBezTo>
+                    <a:pt x="2160000" y="1889753"/>
+                    <a:pt x="2039977" y="2012333"/>
+                    <a:pt x="1891921" y="2012333"/>
+                  </a:cubicBezTo>
+                  <a:cubicBezTo>
+                    <a:pt x="1743865" y="2012333"/>
+                    <a:pt x="1623842" y="1889753"/>
+                    <a:pt x="1623842" y="1738544"/>
+                  </a:cubicBezTo>
+                  <a:lnTo>
+                    <a:pt x="1626005" y="1716639"/>
+                  </a:lnTo>
+                  <a:lnTo>
+                    <a:pt x="1620298" y="1716639"/>
+                  </a:lnTo>
+                  <a:lnTo>
+                    <a:pt x="1620298" y="1090950"/>
+                  </a:lnTo>
+                  <a:lnTo>
+                    <a:pt x="1618898" y="1090937"/>
+                  </a:lnTo>
+                  <a:lnTo>
+                    <a:pt x="1620000" y="1080000"/>
+                  </a:lnTo>
+                  <a:cubicBezTo>
+                    <a:pt x="1620000" y="781766"/>
+                    <a:pt x="1378234" y="540000"/>
+                    <a:pt x="1080000" y="540000"/>
+                  </a:cubicBezTo>
+                  <a:cubicBezTo>
+                    <a:pt x="781766" y="540000"/>
+                    <a:pt x="540000" y="781766"/>
+                    <a:pt x="540000" y="1080000"/>
+                  </a:cubicBezTo>
+                  <a:cubicBezTo>
+                    <a:pt x="540000" y="1378234"/>
+                    <a:pt x="781766" y="1620000"/>
+                    <a:pt x="1080000" y="1620000"/>
+                  </a:cubicBezTo>
+                  <a:lnTo>
+                    <a:pt x="1172144" y="1610711"/>
+                  </a:lnTo>
+                  <a:lnTo>
+                    <a:pt x="1192722" y="1599542"/>
+                  </a:lnTo>
+                  <a:lnTo>
+                    <a:pt x="1205334" y="1595627"/>
+                  </a:lnTo>
+                  <a:lnTo>
+                    <a:pt x="1218649" y="1594482"/>
+                  </a:lnTo>
+                  <a:cubicBezTo>
+                    <a:pt x="1237851" y="1591023"/>
+                    <a:pt x="1256099" y="1586790"/>
+                    <a:pt x="1273176" y="1581875"/>
+                  </a:cubicBezTo>
+                  <a:lnTo>
+                    <a:pt x="1277433" y="1580379"/>
+                  </a:lnTo>
+                  <a:lnTo>
+                    <a:pt x="1297818" y="1578324"/>
+                  </a:lnTo>
+                  <a:cubicBezTo>
+                    <a:pt x="1446935" y="1578324"/>
+                    <a:pt x="1567818" y="1699207"/>
+                    <a:pt x="1567818" y="1848324"/>
+                  </a:cubicBezTo>
+                  <a:cubicBezTo>
+                    <a:pt x="1567818" y="1932202"/>
+                    <a:pt x="1529570" y="2007147"/>
+                    <a:pt x="1469563" y="2056669"/>
+                  </a:cubicBezTo>
+                  <a:lnTo>
+                    <a:pt x="1412948" y="2091019"/>
+                  </a:lnTo>
+                  <a:lnTo>
+                    <a:pt x="1398272" y="2101498"/>
+                  </a:lnTo>
+                  <a:lnTo>
+                    <a:pt x="1374464" y="2110955"/>
+                  </a:lnTo>
+                  <a:lnTo>
+                    <a:pt x="1376211" y="2117860"/>
+                  </a:lnTo>
+                  <a:lnTo>
+                    <a:pt x="1321962" y="2131809"/>
+                  </a:lnTo>
+                  <a:lnTo>
+                    <a:pt x="1306247" y="2138051"/>
+                  </a:lnTo>
+                  <a:lnTo>
+                    <a:pt x="1267530" y="2142656"/>
+                  </a:lnTo>
+                  <a:lnTo>
+                    <a:pt x="1190424" y="2154424"/>
+                  </a:lnTo>
+                  <a:cubicBezTo>
+                    <a:pt x="1154118" y="2158111"/>
+                    <a:pt x="1117280" y="2160000"/>
+                    <a:pt x="1080000" y="2160000"/>
+                  </a:cubicBezTo>
+                  <a:cubicBezTo>
+                    <a:pt x="483532" y="2160000"/>
+                    <a:pt x="0" y="1676468"/>
+                    <a:pt x="0" y="1080000"/>
+                  </a:cubicBezTo>
+                  <a:cubicBezTo>
+                    <a:pt x="0" y="483532"/>
+                    <a:pt x="483532" y="0"/>
+                    <a:pt x="1080000" y="0"/>
+                  </a:cubicBezTo>
+                  <a:close/>
+                </a:path>
+              </a:pathLst>
+            </a:custGeom>
+            <a:solidFill>
+              <a:srgbClr val="FF8C52"/>
+            </a:solidFill>
+            <a:ln>
+              <a:solidFill>
+                <a:srgbClr val="FF8C52"/>
+              </a:solidFill>
+            </a:ln>
+          </p:spPr>
+          <p:style>
+            <a:lnRef idx="2">
+              <a:schemeClr val="accent1">
+                <a:shade val="50000"/>
+              </a:schemeClr>
+            </a:lnRef>
+            <a:fillRef idx="1">
+              <a:schemeClr val="accent1"/>
+            </a:fillRef>
+            <a:effectRef idx="0">
+              <a:schemeClr val="accent1"/>
+            </a:effectRef>
+            <a:fontRef idx="minor">
+              <a:schemeClr val="lt1"/>
+            </a:fontRef>
+          </p:style>
+          <p:txBody>
+            <a:bodyPr rtlCol="0" anchor="ctr"/>
+            <a:lstStyle/>
+            <a:p>
+              <a:pPr algn="ctr"/>
+              <a:endParaRPr lang="en-AU" dirty="0">
+                <a:latin typeface="Oxygen" panose="02000503000000000000" pitchFamily="2" charset="0"/>
+              </a:endParaRPr>
+            </a:p>
+          </p:txBody>
+        </p:sp>
+      </p:grpSp>
+      <p:sp>
+        <p:nvSpPr>
+          <p:cNvPr id="22" name="TextBox 21">
+            <a:extLst>
+              <a:ext uri="{FF2B5EF4-FFF2-40B4-BE49-F238E27FC236}">
+                <a16:creationId xmlns="" xmlns:a16="http://schemas.microsoft.com/office/drawing/2014/main" id="{97653B96-F2E2-406B-A513-F42319FDB50F}"/>
+              </a:ext>
+            </a:extLst>
+          </p:cNvPr>
+          <p:cNvSpPr txBox="1"/>
+          <p:nvPr/>
+        </p:nvSpPr>
+        <p:spPr>
+          <a:xfrm>
+            <a:off x="4698840" y="156881"/>
+            <a:ext cx="3735318" cy="369332"/>
+          </a:xfrm>
+          <a:prstGeom prst="rect">
+            <a:avLst/>
+          </a:prstGeom>
+          <a:noFill/>
+        </p:spPr>
+        <p:txBody>
+          <a:bodyPr wrap="none" rtlCol="0">
+            <a:spAutoFit/>
+          </a:bodyPr>
+          <a:lstStyle/>
+          <a:p>
+            <a:r>
+              <a:rPr lang="en-US" b="1" cap="small" dirty="0" smtClean="0">
+                <a:solidFill>
+                  <a:schemeClr val="bg2">
+                    <a:lumMod val="75000"/>
+                  </a:schemeClr>
+                </a:solidFill>
+                <a:latin typeface="Oxygen" panose="02000503000000000000" pitchFamily="2" charset="0"/>
+                <a:cs typeface="Arial" panose="020B0604020202020204" pitchFamily="34" charset="0"/>
+              </a:rPr>
+              <a:t>Python Programming: </a:t>
+            </a:r>
+            <a:r>
+              <a:rPr lang="en-US" b="1" cap="small" dirty="0" smtClean="0">
+                <a:solidFill>
+                  <a:schemeClr val="bg2">
+                    <a:lumMod val="75000"/>
+                  </a:schemeClr>
+                </a:solidFill>
+                <a:latin typeface="Oxygen" panose="02000503000000000000" pitchFamily="2" charset="0"/>
+                <a:cs typeface="Arial" panose="020B0604020202020204" pitchFamily="34" charset="0"/>
+              </a:rPr>
+              <a:t>Data </a:t>
+            </a:r>
+            <a:r>
+              <a:rPr lang="en-US" b="1" cap="small" dirty="0" smtClean="0">
+                <a:solidFill>
+                  <a:schemeClr val="bg2">
+                    <a:lumMod val="75000"/>
+                  </a:schemeClr>
+                </a:solidFill>
+                <a:latin typeface="Oxygen" panose="02000503000000000000" pitchFamily="2" charset="0"/>
+                <a:cs typeface="Arial" panose="020B0604020202020204" pitchFamily="34" charset="0"/>
+              </a:rPr>
+              <a:t>Types</a:t>
+            </a:r>
+            <a:endParaRPr lang="en-AU" b="1" cap="small" dirty="0">
+              <a:solidFill>
+                <a:schemeClr val="bg2">
+                  <a:lumMod val="75000"/>
+                </a:schemeClr>
+              </a:solidFill>
+              <a:latin typeface="Oxygen" panose="02000503000000000000" pitchFamily="2" charset="0"/>
+              <a:cs typeface="Arial" panose="020B0604020202020204" pitchFamily="34" charset="0"/>
+            </a:endParaRPr>
+          </a:p>
+        </p:txBody>
+      </p:sp>
+      <p:sp>
+        <p:nvSpPr>
+          <p:cNvPr id="33" name="Rectangle 32">
+            <a:extLst>
+              <a:ext uri="{FF2B5EF4-FFF2-40B4-BE49-F238E27FC236}">
+                <a16:creationId xmlns="" xmlns:a16="http://schemas.microsoft.com/office/drawing/2014/main" id="{E02B0EB1-C543-469A-90DE-9FA0F478E35F}"/>
+              </a:ext>
+            </a:extLst>
+          </p:cNvPr>
+          <p:cNvSpPr/>
+          <p:nvPr/>
+        </p:nvSpPr>
+        <p:spPr>
+          <a:xfrm>
+            <a:off x="0" y="6543676"/>
+            <a:ext cx="12192000" cy="314325"/>
+          </a:xfrm>
+          <a:prstGeom prst="rect">
+            <a:avLst/>
+          </a:prstGeom>
+          <a:solidFill>
+            <a:schemeClr val="bg1">
+              <a:lumMod val="95000"/>
+            </a:schemeClr>
+          </a:solidFill>
+          <a:ln>
+            <a:noFill/>
+          </a:ln>
+        </p:spPr>
+        <p:style>
+          <a:lnRef idx="2">
+            <a:schemeClr val="accent1">
+              <a:shade val="50000"/>
+            </a:schemeClr>
+          </a:lnRef>
+          <a:fillRef idx="1">
+            <a:schemeClr val="accent1"/>
+          </a:fillRef>
+          <a:effectRef idx="0">
+            <a:schemeClr val="accent1"/>
+          </a:effectRef>
+          <a:fontRef idx="minor">
+            <a:schemeClr val="lt1"/>
+          </a:fontRef>
+        </p:style>
+        <p:txBody>
+          <a:bodyPr rtlCol="0" anchor="ctr"/>
+          <a:lstStyle/>
+          <a:p>
+            <a:r>
+              <a:rPr lang="en-US" sz="800" dirty="0">
+                <a:solidFill>
+                  <a:schemeClr val="bg1">
+                    <a:lumMod val="50000"/>
+                  </a:schemeClr>
+                </a:solidFill>
+                <a:latin typeface="Oxygen" panose="02000503000000000000" pitchFamily="2" charset="0"/>
+              </a:rPr>
+              <a:t>                                                                                                                            </a:t>
+            </a:r>
+            <a:r>
+              <a:rPr lang="en-US" sz="800" b="1" dirty="0">
+                <a:solidFill>
+                  <a:schemeClr val="bg1">
+                    <a:lumMod val="50000"/>
+                  </a:schemeClr>
+                </a:solidFill>
+                <a:latin typeface="Oxygen" panose="02000503000000000000" pitchFamily="2" charset="0"/>
+              </a:rPr>
+              <a:t> </a:t>
+            </a:r>
+            <a:r>
+              <a:rPr lang="en-US" sz="800" b="1" dirty="0">
+                <a:solidFill>
+                  <a:srgbClr val="FF8C52"/>
+                </a:solidFill>
+                <a:latin typeface="Oxygen" panose="02000503000000000000" pitchFamily="2" charset="0"/>
+              </a:rPr>
+              <a:t>CONCEPTION      &gt;&gt;      PRACTICE        &gt;&gt;        CONFIDENCE      &gt;&gt;       HIGHEST GRADES</a:t>
+            </a:r>
+            <a:r>
+              <a:rPr lang="en-US" sz="800" dirty="0">
+                <a:solidFill>
+                  <a:srgbClr val="FF8C52"/>
+                </a:solidFill>
+                <a:latin typeface="Oxygen" panose="02000503000000000000" pitchFamily="2" charset="0"/>
+              </a:rPr>
+              <a:t>                                                                             </a:t>
+            </a:r>
+            <a:r>
+              <a:rPr lang="en-US" sz="700" dirty="0">
+                <a:solidFill>
+                  <a:schemeClr val="bg1">
+                    <a:lumMod val="50000"/>
+                  </a:schemeClr>
+                </a:solidFill>
+                <a:latin typeface="Oxygen" panose="02000503000000000000" pitchFamily="2" charset="0"/>
+              </a:rPr>
+              <a:t>© </a:t>
+            </a:r>
+            <a:r>
+              <a:rPr lang="pt-BR" sz="700" dirty="0">
+                <a:solidFill>
+                  <a:schemeClr val="bg1">
+                    <a:lumMod val="50000"/>
+                  </a:schemeClr>
+                </a:solidFill>
+                <a:latin typeface="Oxygen" panose="02000503000000000000" pitchFamily="2" charset="0"/>
+              </a:rPr>
+              <a:t>PROTECTED ANODIAM 2023     ||     PRIVATE &amp; CONFIDENTIAL</a:t>
+            </a:r>
+            <a:endParaRPr lang="en-AU" sz="700" dirty="0">
+              <a:solidFill>
+                <a:schemeClr val="bg1">
+                  <a:lumMod val="50000"/>
+                </a:schemeClr>
+              </a:solidFill>
+              <a:latin typeface="Oxygen" panose="02000503000000000000" pitchFamily="2" charset="0"/>
+            </a:endParaRPr>
+          </a:p>
+        </p:txBody>
+      </p:sp>
+      <p:sp>
+        <p:nvSpPr>
+          <p:cNvPr id="2" name="TextBox 1"/>
+          <p:cNvSpPr txBox="1"/>
+          <p:nvPr/>
+        </p:nvSpPr>
+        <p:spPr>
+          <a:xfrm>
+            <a:off x="1500374" y="1503172"/>
+            <a:ext cx="3718257" cy="4601260"/>
+          </a:xfrm>
+          <a:prstGeom prst="rect">
+            <a:avLst/>
+          </a:prstGeom>
+          <a:noFill/>
+        </p:spPr>
+        <p:txBody>
+          <a:bodyPr wrap="square" rtlCol="0">
+            <a:spAutoFit/>
+          </a:bodyPr>
+          <a:lstStyle/>
+          <a:p>
+            <a:pPr>
+              <a:lnSpc>
+                <a:spcPct val="150000"/>
+              </a:lnSpc>
+            </a:pPr>
+            <a:r>
+              <a:rPr lang="en-US" sz="1200" b="1" dirty="0" smtClean="0">
+                <a:solidFill>
+                  <a:schemeClr val="bg2">
+                    <a:lumMod val="50000"/>
+                  </a:schemeClr>
+                </a:solidFill>
+                <a:latin typeface="Oxygen" panose="02000503000000000000" pitchFamily="2" charset="0"/>
+              </a:rPr>
+              <a:t>Data Types:</a:t>
+            </a:r>
+            <a:endParaRPr lang="en-US" sz="1200" b="1" dirty="0" smtClean="0">
+              <a:solidFill>
+                <a:schemeClr val="bg2">
+                  <a:lumMod val="50000"/>
+                </a:schemeClr>
+              </a:solidFill>
+              <a:latin typeface="Oxygen" panose="02000503000000000000" pitchFamily="2" charset="0"/>
+            </a:endParaRPr>
+          </a:p>
+          <a:p>
+            <a:pPr marL="171450" indent="-171450">
+              <a:lnSpc>
+                <a:spcPct val="200000"/>
+              </a:lnSpc>
+              <a:buFont typeface="Wingdings" panose="05000000000000000000" pitchFamily="2" charset="2"/>
+              <a:buChar char="v"/>
+            </a:pPr>
+            <a:r>
+              <a:rPr lang="en-US" sz="1100" b="1" dirty="0" smtClean="0">
+                <a:solidFill>
+                  <a:schemeClr val="bg2">
+                    <a:lumMod val="50000"/>
+                  </a:schemeClr>
+                </a:solidFill>
+                <a:latin typeface="Oxygen" panose="02000503000000000000" pitchFamily="2" charset="0"/>
+              </a:rPr>
+              <a:t>None:</a:t>
+            </a:r>
+            <a:r>
+              <a:rPr lang="en-US" sz="1100" dirty="0" smtClean="0">
+                <a:solidFill>
+                  <a:schemeClr val="bg2">
+                    <a:lumMod val="50000"/>
+                  </a:schemeClr>
+                </a:solidFill>
+                <a:latin typeface="Oxygen" panose="02000503000000000000" pitchFamily="2" charset="0"/>
+              </a:rPr>
+              <a:t> var not assigned (null)</a:t>
+            </a:r>
+          </a:p>
+          <a:p>
+            <a:pPr marL="171450" indent="-171450">
+              <a:lnSpc>
+                <a:spcPct val="200000"/>
+              </a:lnSpc>
+              <a:buFont typeface="Wingdings" panose="05000000000000000000" pitchFamily="2" charset="2"/>
+              <a:buChar char="v"/>
+            </a:pPr>
+            <a:r>
+              <a:rPr lang="en-US" sz="1100" b="1" dirty="0" smtClean="0">
+                <a:solidFill>
+                  <a:schemeClr val="bg2">
+                    <a:lumMod val="50000"/>
+                  </a:schemeClr>
+                </a:solidFill>
+                <a:latin typeface="Oxygen" panose="02000503000000000000" pitchFamily="2" charset="0"/>
+              </a:rPr>
+              <a:t>Numeric:</a:t>
+            </a:r>
+            <a:r>
+              <a:rPr lang="en-US" sz="1100" dirty="0" smtClean="0">
+                <a:solidFill>
+                  <a:schemeClr val="bg2">
+                    <a:lumMod val="50000"/>
+                  </a:schemeClr>
+                </a:solidFill>
+                <a:latin typeface="Oxygen" panose="02000503000000000000" pitchFamily="2" charset="0"/>
+              </a:rPr>
+              <a:t> </a:t>
+            </a:r>
+          </a:p>
+          <a:p>
+            <a:pPr lvl="1">
+              <a:lnSpc>
+                <a:spcPct val="150000"/>
+              </a:lnSpc>
+            </a:pPr>
+            <a:r>
+              <a:rPr lang="en-US" sz="1100" b="1" dirty="0" smtClean="0">
+                <a:solidFill>
+                  <a:schemeClr val="bg2">
+                    <a:lumMod val="50000"/>
+                  </a:schemeClr>
+                </a:solidFill>
+                <a:latin typeface="Oxygen" panose="02000503000000000000" pitchFamily="2" charset="0"/>
+              </a:rPr>
+              <a:t>Int</a:t>
+            </a:r>
+          </a:p>
+          <a:p>
+            <a:pPr lvl="1">
+              <a:lnSpc>
+                <a:spcPct val="150000"/>
+              </a:lnSpc>
+            </a:pPr>
+            <a:r>
+              <a:rPr lang="en-US" sz="1100" b="1" dirty="0" smtClean="0">
+                <a:solidFill>
+                  <a:schemeClr val="bg2">
+                    <a:lumMod val="50000"/>
+                  </a:schemeClr>
+                </a:solidFill>
+                <a:latin typeface="Oxygen" panose="02000503000000000000" pitchFamily="2" charset="0"/>
+              </a:rPr>
+              <a:t>Float</a:t>
+            </a:r>
+          </a:p>
+          <a:p>
+            <a:pPr lvl="1">
+              <a:lnSpc>
+                <a:spcPct val="150000"/>
+              </a:lnSpc>
+            </a:pPr>
+            <a:r>
+              <a:rPr lang="en-US" sz="1100" b="1" dirty="0" smtClean="0">
+                <a:solidFill>
+                  <a:schemeClr val="bg2">
+                    <a:lumMod val="50000"/>
+                  </a:schemeClr>
+                </a:solidFill>
+                <a:latin typeface="Oxygen" panose="02000503000000000000" pitchFamily="2" charset="0"/>
+              </a:rPr>
+              <a:t>Complex    </a:t>
+            </a:r>
+            <a:r>
+              <a:rPr lang="en-US" sz="1100" dirty="0" smtClean="0">
+                <a:solidFill>
+                  <a:schemeClr val="bg2">
+                    <a:lumMod val="50000"/>
+                  </a:schemeClr>
+                </a:solidFill>
+                <a:latin typeface="Oxygen" panose="02000503000000000000" pitchFamily="2" charset="0"/>
+              </a:rPr>
+              <a:t>  e.g. 6+4.5j</a:t>
+            </a:r>
+          </a:p>
+          <a:p>
+            <a:pPr lvl="1">
+              <a:lnSpc>
+                <a:spcPct val="150000"/>
+              </a:lnSpc>
+            </a:pPr>
+            <a:r>
+              <a:rPr lang="en-US" sz="1100" b="1" dirty="0" smtClean="0">
+                <a:solidFill>
+                  <a:schemeClr val="bg2">
+                    <a:lumMod val="50000"/>
+                  </a:schemeClr>
+                </a:solidFill>
+                <a:latin typeface="Oxygen" panose="02000503000000000000" pitchFamily="2" charset="0"/>
+              </a:rPr>
+              <a:t>Bool</a:t>
+            </a:r>
+            <a:r>
+              <a:rPr lang="en-US" sz="1100" dirty="0" smtClean="0">
+                <a:solidFill>
+                  <a:schemeClr val="bg2">
+                    <a:lumMod val="50000"/>
+                  </a:schemeClr>
+                </a:solidFill>
+                <a:latin typeface="Oxygen" panose="02000503000000000000" pitchFamily="2" charset="0"/>
+              </a:rPr>
+              <a:t>              True, False</a:t>
+            </a:r>
+          </a:p>
+          <a:p>
+            <a:pPr marL="171450" indent="-171450">
+              <a:lnSpc>
+                <a:spcPct val="200000"/>
+              </a:lnSpc>
+              <a:buFont typeface="Wingdings" panose="05000000000000000000" pitchFamily="2" charset="2"/>
+              <a:buChar char="v"/>
+            </a:pPr>
+            <a:r>
+              <a:rPr lang="en-US" sz="1100" b="1" dirty="0" smtClean="0">
+                <a:solidFill>
+                  <a:schemeClr val="bg2">
+                    <a:lumMod val="50000"/>
+                  </a:schemeClr>
+                </a:solidFill>
+                <a:latin typeface="Oxygen" panose="02000503000000000000" pitchFamily="2" charset="0"/>
+              </a:rPr>
+              <a:t>List</a:t>
+            </a:r>
+            <a:r>
+              <a:rPr lang="en-US" sz="1100" dirty="0" smtClean="0">
+                <a:solidFill>
+                  <a:schemeClr val="bg2">
+                    <a:lumMod val="50000"/>
+                  </a:schemeClr>
+                </a:solidFill>
+                <a:latin typeface="Oxygen" panose="02000503000000000000" pitchFamily="2" charset="0"/>
+              </a:rPr>
+              <a:t> </a:t>
+            </a:r>
+          </a:p>
+          <a:p>
+            <a:pPr marL="171450" indent="-171450">
+              <a:lnSpc>
+                <a:spcPct val="200000"/>
+              </a:lnSpc>
+              <a:buFont typeface="Wingdings" panose="05000000000000000000" pitchFamily="2" charset="2"/>
+              <a:buChar char="v"/>
+            </a:pPr>
+            <a:r>
+              <a:rPr lang="en-US" sz="1100" b="1" dirty="0" smtClean="0">
+                <a:solidFill>
+                  <a:schemeClr val="bg2">
+                    <a:lumMod val="50000"/>
+                  </a:schemeClr>
+                </a:solidFill>
+                <a:latin typeface="Oxygen" panose="02000503000000000000" pitchFamily="2" charset="0"/>
+              </a:rPr>
+              <a:t>Tuple</a:t>
+            </a:r>
+          </a:p>
+          <a:p>
+            <a:pPr marL="171450" indent="-171450">
+              <a:lnSpc>
+                <a:spcPct val="200000"/>
+              </a:lnSpc>
+              <a:buFont typeface="Wingdings" panose="05000000000000000000" pitchFamily="2" charset="2"/>
+              <a:buChar char="v"/>
+            </a:pPr>
+            <a:r>
+              <a:rPr lang="en-US" sz="1100" b="1" dirty="0" smtClean="0">
+                <a:solidFill>
+                  <a:schemeClr val="bg2">
+                    <a:lumMod val="50000"/>
+                  </a:schemeClr>
+                </a:solidFill>
+                <a:latin typeface="Oxygen" panose="02000503000000000000" pitchFamily="2" charset="0"/>
+              </a:rPr>
+              <a:t>Set</a:t>
+            </a:r>
+          </a:p>
+          <a:p>
+            <a:pPr marL="171450" indent="-171450">
+              <a:lnSpc>
+                <a:spcPct val="200000"/>
+              </a:lnSpc>
+              <a:buFont typeface="Wingdings" panose="05000000000000000000" pitchFamily="2" charset="2"/>
+              <a:buChar char="v"/>
+            </a:pPr>
+            <a:r>
+              <a:rPr lang="en-US" sz="1100" b="1" dirty="0" smtClean="0">
+                <a:solidFill>
+                  <a:schemeClr val="bg2">
+                    <a:lumMod val="50000"/>
+                  </a:schemeClr>
+                </a:solidFill>
+                <a:latin typeface="Oxygen" panose="02000503000000000000" pitchFamily="2" charset="0"/>
+              </a:rPr>
+              <a:t>String</a:t>
+            </a:r>
+          </a:p>
+          <a:p>
+            <a:pPr marL="171450" indent="-171450">
+              <a:lnSpc>
+                <a:spcPct val="200000"/>
+              </a:lnSpc>
+              <a:buFont typeface="Wingdings" panose="05000000000000000000" pitchFamily="2" charset="2"/>
+              <a:buChar char="v"/>
+            </a:pPr>
+            <a:r>
+              <a:rPr lang="en-US" sz="1100" b="1" dirty="0" smtClean="0">
+                <a:solidFill>
+                  <a:schemeClr val="bg2">
+                    <a:lumMod val="50000"/>
+                  </a:schemeClr>
+                </a:solidFill>
+                <a:latin typeface="Oxygen" panose="02000503000000000000" pitchFamily="2" charset="0"/>
+              </a:rPr>
+              <a:t>Range</a:t>
+            </a:r>
+          </a:p>
+          <a:p>
+            <a:pPr marL="171450" indent="-171450">
+              <a:lnSpc>
+                <a:spcPct val="200000"/>
+              </a:lnSpc>
+              <a:buFont typeface="Wingdings" panose="05000000000000000000" pitchFamily="2" charset="2"/>
+              <a:buChar char="v"/>
+            </a:pPr>
+            <a:r>
+              <a:rPr lang="en-US" sz="1100" b="1" dirty="0" smtClean="0">
+                <a:solidFill>
+                  <a:schemeClr val="bg2">
+                    <a:lumMod val="50000"/>
+                  </a:schemeClr>
+                </a:solidFill>
+                <a:latin typeface="Oxygen" panose="02000503000000000000" pitchFamily="2" charset="0"/>
+              </a:rPr>
+              <a:t>Dictionary</a:t>
+            </a:r>
+            <a:endParaRPr lang="en-US" sz="1100" b="1" dirty="0">
+              <a:solidFill>
+                <a:schemeClr val="bg2">
+                  <a:lumMod val="50000"/>
+                </a:schemeClr>
+              </a:solidFill>
+              <a:latin typeface="Oxygen" panose="02000503000000000000" pitchFamily="2" charset="0"/>
+            </a:endParaRPr>
+          </a:p>
+          <a:p>
+            <a:pPr>
+              <a:lnSpc>
+                <a:spcPct val="300000"/>
+              </a:lnSpc>
+            </a:pPr>
+            <a:r>
+              <a:rPr lang="en-US" sz="1000" dirty="0" smtClean="0">
+                <a:solidFill>
+                  <a:schemeClr val="bg2">
+                    <a:lumMod val="50000"/>
+                  </a:schemeClr>
+                </a:solidFill>
+                <a:latin typeface="Oxygen" panose="02000503000000000000" pitchFamily="2" charset="0"/>
+              </a:rPr>
+              <a:t>** Character data type absent in Python</a:t>
+            </a:r>
+            <a:endParaRPr lang="en-AU" sz="1000" dirty="0">
+              <a:solidFill>
+                <a:schemeClr val="bg2">
+                  <a:lumMod val="50000"/>
+                </a:schemeClr>
+              </a:solidFill>
+              <a:latin typeface="Oxygen" panose="02000503000000000000" pitchFamily="2" charset="0"/>
+            </a:endParaRPr>
+          </a:p>
+        </p:txBody>
+      </p:sp>
+      <p:sp>
+        <p:nvSpPr>
+          <p:cNvPr id="5" name="TextBox 4"/>
+          <p:cNvSpPr txBox="1"/>
+          <p:nvPr/>
+        </p:nvSpPr>
+        <p:spPr>
+          <a:xfrm rot="5400000">
+            <a:off x="901640" y="4215432"/>
+            <a:ext cx="808235" cy="261610"/>
+          </a:xfrm>
+          <a:prstGeom prst="rect">
+            <a:avLst/>
+          </a:prstGeom>
+          <a:noFill/>
+        </p:spPr>
+        <p:txBody>
+          <a:bodyPr wrap="none" rtlCol="0">
+            <a:spAutoFit/>
+          </a:bodyPr>
+          <a:lstStyle/>
+          <a:p>
+            <a:r>
+              <a:rPr lang="en-US" sz="1100" dirty="0" smtClean="0">
+                <a:solidFill>
+                  <a:schemeClr val="tx1">
+                    <a:lumMod val="65000"/>
+                    <a:lumOff val="35000"/>
+                  </a:schemeClr>
+                </a:solidFill>
+                <a:latin typeface="Oxygen" panose="02000503000000000000" pitchFamily="2" charset="0"/>
+              </a:rPr>
+              <a:t>Sequence</a:t>
+            </a:r>
+            <a:endParaRPr lang="en-AU" sz="1100" dirty="0">
+              <a:solidFill>
+                <a:schemeClr val="tx1">
+                  <a:lumMod val="65000"/>
+                  <a:lumOff val="35000"/>
+                </a:schemeClr>
+              </a:solidFill>
+              <a:latin typeface="Oxygen" panose="02000503000000000000" pitchFamily="2" charset="0"/>
+            </a:endParaRPr>
+          </a:p>
+        </p:txBody>
+      </p:sp>
+      <p:cxnSp>
+        <p:nvCxnSpPr>
+          <p:cNvPr id="10" name="Straight Arrow Connector 9"/>
+          <p:cNvCxnSpPr/>
+          <p:nvPr/>
+        </p:nvCxnSpPr>
+        <p:spPr>
+          <a:xfrm flipH="1" flipV="1">
+            <a:off x="1400175" y="3646921"/>
+            <a:ext cx="1152" cy="1445721"/>
+          </a:xfrm>
+          <a:prstGeom prst="straightConnector1">
+            <a:avLst/>
+          </a:prstGeom>
+          <a:ln>
+            <a:solidFill>
+              <a:schemeClr val="tx1"/>
+            </a:solidFill>
+            <a:headEnd type="triangle"/>
+            <a:tailEnd type="triangle"/>
+          </a:ln>
+        </p:spPr>
+        <p:style>
+          <a:lnRef idx="1">
+            <a:schemeClr val="accent1"/>
+          </a:lnRef>
+          <a:fillRef idx="0">
+            <a:schemeClr val="accent1"/>
+          </a:fillRef>
+          <a:effectRef idx="0">
+            <a:schemeClr val="accent1"/>
+          </a:effectRef>
+          <a:fontRef idx="minor">
+            <a:schemeClr val="tx1"/>
+          </a:fontRef>
+        </p:style>
+      </p:cxnSp>
     </p:spTree>
     <p:extLst>
       <p:ext uri="{BB962C8B-B14F-4D97-AF65-F5344CB8AC3E}">

--- a/Offline/BusinessManagement/Teach_Tech@anodiam/AI_Robotics/CourseMaterial/Python/001IntroToPy.pptx
+++ b/Offline/BusinessManagement/Teach_Tech@anodiam/AI_Robotics/CourseMaterial/Python/001IntroToPy.pptx
@@ -5372,7 +5372,7 @@
         </p:nvSpPr>
         <p:spPr>
           <a:xfrm>
-            <a:off x="1675192" y="3843663"/>
+            <a:off x="6172771" y="2945892"/>
             <a:ext cx="2262310" cy="877163"/>
           </a:xfrm>
           <a:prstGeom prst="rect">
@@ -5477,8 +5477,8 @@
         </p:nvSpPr>
         <p:spPr>
           <a:xfrm>
-            <a:off x="5974363" y="2656885"/>
-            <a:ext cx="4204809" cy="2146742"/>
+            <a:off x="6172771" y="3874811"/>
+            <a:ext cx="4204809" cy="1892826"/>
           </a:xfrm>
           <a:prstGeom prst="rect">
             <a:avLst/>
@@ -5629,18 +5629,21 @@
                 </a:solidFill>
                 <a:latin typeface="Oxygen" panose="02000503000000000000" pitchFamily="2" charset="0"/>
               </a:rPr>
-              <a:t># Error</a:t>
-            </a:r>
-          </a:p>
-          <a:p>
-            <a:pPr marL="171450" indent="-171450">
-              <a:lnSpc>
-                <a:spcPct val="150000"/>
-              </a:lnSpc>
-              <a:buFont typeface="Wingdings" panose="05000000000000000000" pitchFamily="2" charset="2"/>
-              <a:buChar char="v"/>
-            </a:pPr>
-            <a:endParaRPr lang="en-US" sz="1100" dirty="0">
+              <a:t># </a:t>
+            </a:r>
+            <a:r>
+              <a:rPr lang="en-US" sz="1100" b="1" dirty="0" smtClean="0">
+                <a:solidFill>
+                  <a:schemeClr val="tx1">
+                    <a:lumMod val="50000"/>
+                    <a:lumOff val="50000"/>
+                  </a:schemeClr>
+                </a:solidFill>
+                <a:latin typeface="Oxygen" panose="02000503000000000000" pitchFamily="2" charset="0"/>
+              </a:rPr>
+              <a:t>Error</a:t>
+            </a:r>
+            <a:endParaRPr lang="en-US" sz="1100" b="1" dirty="0" smtClean="0">
               <a:solidFill>
                 <a:schemeClr val="tx1">
                   <a:lumMod val="50000"/>
@@ -5660,7 +5663,7 @@
         </p:nvSpPr>
         <p:spPr>
           <a:xfrm>
-            <a:off x="1687563" y="2599177"/>
+            <a:off x="6185142" y="1753162"/>
             <a:ext cx="3340851" cy="1131079"/>
           </a:xfrm>
           <a:prstGeom prst="rect">
@@ -5820,13 +5823,13 @@
           <p:nvPr>
             <p:extLst>
               <p:ext uri="{D42A27DB-BD31-4B8C-83A1-F6EECF244321}">
-                <p14:modId xmlns:p14="http://schemas.microsoft.com/office/powerpoint/2010/main" val="4216998329"/>
+                <p14:modId xmlns:p14="http://schemas.microsoft.com/office/powerpoint/2010/main" val="3747544937"/>
               </p:ext>
             </p:extLst>
           </p:nvPr>
         </p:nvGraphicFramePr>
         <p:xfrm>
-          <a:off x="6517820" y="3049120"/>
+          <a:off x="6716228" y="4267046"/>
           <a:ext cx="4864100" cy="581025"/>
         </p:xfrm>
         <a:graphic>
@@ -8220,6 +8223,47 @@
           </a:graphicData>
         </a:graphic>
       </p:graphicFrame>
+      <p:pic>
+        <p:nvPicPr>
+          <p:cNvPr id="4098" name="Picture 2" descr="Learn Coding With Fun Byte-Sized Comics – Potato Pirates"/>
+          <p:cNvPicPr>
+            <a:picLocks noChangeAspect="1" noChangeArrowheads="1"/>
+          </p:cNvPicPr>
+          <p:nvPr/>
+        </p:nvPicPr>
+        <p:blipFill>
+          <a:blip r:embed="rId3">
+            <a:extLst>
+              <a:ext uri="{28A0092B-C50C-407E-A947-70E740481C1C}">
+                <a14:useLocalDpi xmlns:a14="http://schemas.microsoft.com/office/drawing/2010/main" val="0"/>
+              </a:ext>
+            </a:extLst>
+          </a:blip>
+          <a:srcRect/>
+          <a:stretch>
+            <a:fillRect/>
+          </a:stretch>
+        </p:blipFill>
+        <p:spPr bwMode="auto">
+          <a:xfrm>
+            <a:off x="1234521" y="2047017"/>
+            <a:ext cx="3225969" cy="3225969"/>
+          </a:xfrm>
+          <a:prstGeom prst="rect">
+            <a:avLst/>
+          </a:prstGeom>
+          <a:noFill/>
+          <a:extLst>
+            <a:ext uri="{909E8E84-426E-40DD-AFC4-6F175D3DCCD1}">
+              <a14:hiddenFill xmlns:a14="http://schemas.microsoft.com/office/drawing/2010/main">
+                <a:solidFill>
+                  <a:srgbClr val="FFFFFF"/>
+                </a:solidFill>
+              </a14:hiddenFill>
+            </a:ext>
+          </a:extLst>
+        </p:spPr>
+      </p:pic>
     </p:spTree>
     <p:extLst>
       <p:ext uri="{BB962C8B-B14F-4D97-AF65-F5344CB8AC3E}">
@@ -12627,7 +12671,7 @@
         <p:spPr>
           <a:xfrm>
             <a:off x="4698840" y="156881"/>
-            <a:ext cx="3735318" cy="369332"/>
+            <a:ext cx="5147563" cy="369332"/>
           </a:xfrm>
           <a:prstGeom prst="rect">
             <a:avLst/>
@@ -12653,7 +12697,7 @@
               <a:t>Python Programming: </a:t>
             </a:r>
             <a:r>
-              <a:rPr lang="en-US" b="1" cap="small" dirty="0" smtClean="0">
+              <a:rPr lang="en-US" b="1" cap="small" dirty="0">
                 <a:solidFill>
                   <a:schemeClr val="bg2">
                     <a:lumMod val="75000"/>
@@ -12662,7 +12706,7 @@
                 <a:latin typeface="Oxygen" panose="02000503000000000000" pitchFamily="2" charset="0"/>
                 <a:cs typeface="Arial" panose="020B0604020202020204" pitchFamily="34" charset="0"/>
               </a:rPr>
-              <a:t>Data </a:t>
+              <a:t>Data Types &amp; </a:t>
             </a:r>
             <a:r>
               <a:rPr lang="en-US" b="1" cap="small" dirty="0" smtClean="0">
@@ -12674,7 +12718,7 @@
                 <a:latin typeface="Oxygen" panose="02000503000000000000" pitchFamily="2" charset="0"/>
                 <a:cs typeface="Arial" panose="020B0604020202020204" pitchFamily="34" charset="0"/>
               </a:rPr>
-              <a:t>Types</a:t>
+              <a:t>Operators</a:t>
             </a:r>
             <a:endParaRPr lang="en-AU" b="1" cap="small" dirty="0">
               <a:solidFill>
@@ -12818,8 +12862,8 @@
         </p:nvSpPr>
         <p:spPr>
           <a:xfrm>
-            <a:off x="1500374" y="1503172"/>
-            <a:ext cx="3718257" cy="4601260"/>
+            <a:off x="4090438" y="1502906"/>
+            <a:ext cx="2957343" cy="4601260"/>
           </a:xfrm>
           <a:prstGeom prst="rect">
             <a:avLst/>
@@ -13188,7 +13232,7 @@
         </p:nvSpPr>
         <p:spPr>
           <a:xfrm rot="5400000">
-            <a:off x="901640" y="4215432"/>
+            <a:off x="3593066" y="4215432"/>
             <a:ext cx="808235" cy="261610"/>
           </a:xfrm>
           <a:prstGeom prst="rect">
@@ -13234,7 +13278,7 @@
         </p:nvCxnSpPr>
         <p:spPr>
           <a:xfrm flipH="1" flipV="1">
-            <a:off x="1400175" y="3646921"/>
+            <a:off x="4091601" y="3646922"/>
             <a:ext cx="1152" cy="1445721"/>
           </a:xfrm>
           <a:prstGeom prst="straightConnector1">
@@ -13263,6 +13307,267 @@
           </a:fontRef>
         </p:style>
       </p:cxnSp>
+      <p:sp>
+        <p:nvSpPr>
+          <p:cNvPr id="30" name="TextBox 29"/>
+          <p:cNvSpPr txBox="1"/>
+          <p:nvPr/>
+        </p:nvSpPr>
+        <p:spPr>
+          <a:xfrm>
+            <a:off x="7360124" y="1503172"/>
+            <a:ext cx="4759989" cy="2062103"/>
+          </a:xfrm>
+          <a:prstGeom prst="rect">
+            <a:avLst/>
+          </a:prstGeom>
+          <a:noFill/>
+        </p:spPr>
+        <p:txBody>
+          <a:bodyPr wrap="square" rtlCol="0">
+            <a:spAutoFit/>
+          </a:bodyPr>
+          <a:lstStyle/>
+          <a:p>
+            <a:pPr>
+              <a:lnSpc>
+                <a:spcPct val="150000"/>
+              </a:lnSpc>
+            </a:pPr>
+            <a:r>
+              <a:rPr lang="en-US" sz="1200" b="1" dirty="0" smtClean="0">
+                <a:solidFill>
+                  <a:schemeClr val="bg2">
+                    <a:lumMod val="50000"/>
+                  </a:schemeClr>
+                </a:solidFill>
+                <a:latin typeface="Oxygen" panose="02000503000000000000" pitchFamily="2" charset="0"/>
+              </a:rPr>
+              <a:t>Types of Operators :</a:t>
+            </a:r>
+            <a:endParaRPr lang="en-US" sz="1200" b="1" dirty="0" smtClean="0">
+              <a:solidFill>
+                <a:schemeClr val="bg2">
+                  <a:lumMod val="50000"/>
+                </a:schemeClr>
+              </a:solidFill>
+              <a:latin typeface="Oxygen" panose="02000503000000000000" pitchFamily="2" charset="0"/>
+            </a:endParaRPr>
+          </a:p>
+          <a:p>
+            <a:pPr marL="171450" indent="-171450">
+              <a:lnSpc>
+                <a:spcPct val="200000"/>
+              </a:lnSpc>
+              <a:buFont typeface="Wingdings" panose="05000000000000000000" pitchFamily="2" charset="2"/>
+              <a:buChar char="v"/>
+            </a:pPr>
+            <a:r>
+              <a:rPr lang="en-US" sz="1100" b="1" dirty="0" smtClean="0">
+                <a:solidFill>
+                  <a:schemeClr val="bg2">
+                    <a:lumMod val="50000"/>
+                  </a:schemeClr>
+                </a:solidFill>
+                <a:latin typeface="Oxygen" panose="02000503000000000000" pitchFamily="2" charset="0"/>
+              </a:rPr>
+              <a:t>Arithmetic </a:t>
+            </a:r>
+            <a:r>
+              <a:rPr lang="en-US" sz="1100" dirty="0" smtClean="0">
+                <a:solidFill>
+                  <a:schemeClr val="bg2">
+                    <a:lumMod val="50000"/>
+                  </a:schemeClr>
+                </a:solidFill>
+                <a:latin typeface="Oxygen" panose="02000503000000000000" pitchFamily="2" charset="0"/>
+              </a:rPr>
+              <a:t>     e.g. + - * / % etc.</a:t>
+            </a:r>
+          </a:p>
+          <a:p>
+            <a:pPr marL="171450" indent="-171450">
+              <a:lnSpc>
+                <a:spcPct val="200000"/>
+              </a:lnSpc>
+              <a:buFont typeface="Wingdings" panose="05000000000000000000" pitchFamily="2" charset="2"/>
+              <a:buChar char="v"/>
+            </a:pPr>
+            <a:r>
+              <a:rPr lang="en-US" sz="1100" b="1" dirty="0" smtClean="0">
+                <a:solidFill>
+                  <a:schemeClr val="bg2">
+                    <a:lumMod val="50000"/>
+                  </a:schemeClr>
+                </a:solidFill>
+                <a:latin typeface="Oxygen" panose="02000503000000000000" pitchFamily="2" charset="0"/>
+              </a:rPr>
+              <a:t>Assignment    </a:t>
+            </a:r>
+            <a:r>
+              <a:rPr lang="en-US" sz="1100" dirty="0" smtClean="0">
+                <a:solidFill>
+                  <a:schemeClr val="bg2">
+                    <a:lumMod val="50000"/>
+                  </a:schemeClr>
+                </a:solidFill>
+                <a:latin typeface="Oxygen" panose="02000503000000000000" pitchFamily="2" charset="0"/>
+              </a:rPr>
+              <a:t>assigning values ( = )</a:t>
+            </a:r>
+            <a:endParaRPr lang="en-US" sz="1100" b="1" dirty="0" smtClean="0">
+              <a:solidFill>
+                <a:schemeClr val="bg2">
+                  <a:lumMod val="50000"/>
+                </a:schemeClr>
+              </a:solidFill>
+              <a:latin typeface="Oxygen" panose="02000503000000000000" pitchFamily="2" charset="0"/>
+            </a:endParaRPr>
+          </a:p>
+          <a:p>
+            <a:pPr marL="171450" indent="-171450">
+              <a:lnSpc>
+                <a:spcPct val="200000"/>
+              </a:lnSpc>
+              <a:buFont typeface="Wingdings" panose="05000000000000000000" pitchFamily="2" charset="2"/>
+              <a:buChar char="v"/>
+            </a:pPr>
+            <a:r>
+              <a:rPr lang="en-US" sz="1100" b="1" dirty="0" smtClean="0">
+                <a:solidFill>
+                  <a:schemeClr val="bg2">
+                    <a:lumMod val="50000"/>
+                  </a:schemeClr>
+                </a:solidFill>
+                <a:latin typeface="Oxygen" panose="02000503000000000000" pitchFamily="2" charset="0"/>
+              </a:rPr>
+              <a:t>Relational       </a:t>
+            </a:r>
+            <a:r>
+              <a:rPr lang="en-US" sz="1100" dirty="0" smtClean="0">
+                <a:solidFill>
+                  <a:schemeClr val="bg2">
+                    <a:lumMod val="50000"/>
+                  </a:schemeClr>
+                </a:solidFill>
+                <a:latin typeface="Oxygen" panose="02000503000000000000" pitchFamily="2" charset="0"/>
+              </a:rPr>
+              <a:t>compare two variables ( “&gt;”  “&lt;“  “==“  “&gt;=“  “&lt;=“  “!=“ )</a:t>
+            </a:r>
+            <a:endParaRPr lang="en-US" sz="1100" b="1" dirty="0" smtClean="0">
+              <a:solidFill>
+                <a:schemeClr val="bg2">
+                  <a:lumMod val="50000"/>
+                </a:schemeClr>
+              </a:solidFill>
+              <a:latin typeface="Oxygen" panose="02000503000000000000" pitchFamily="2" charset="0"/>
+            </a:endParaRPr>
+          </a:p>
+          <a:p>
+            <a:pPr marL="171450" indent="-171450">
+              <a:lnSpc>
+                <a:spcPct val="200000"/>
+              </a:lnSpc>
+              <a:buFont typeface="Wingdings" panose="05000000000000000000" pitchFamily="2" charset="2"/>
+              <a:buChar char="v"/>
+            </a:pPr>
+            <a:r>
+              <a:rPr lang="en-US" sz="1100" b="1" dirty="0" smtClean="0">
+                <a:solidFill>
+                  <a:schemeClr val="bg2">
+                    <a:lumMod val="50000"/>
+                  </a:schemeClr>
+                </a:solidFill>
+                <a:latin typeface="Oxygen" panose="02000503000000000000" pitchFamily="2" charset="0"/>
+              </a:rPr>
+              <a:t>Logical             </a:t>
+            </a:r>
+            <a:r>
+              <a:rPr lang="en-US" sz="1100" dirty="0" smtClean="0">
+                <a:solidFill>
+                  <a:schemeClr val="bg2">
+                    <a:lumMod val="50000"/>
+                  </a:schemeClr>
+                </a:solidFill>
+                <a:latin typeface="Oxygen" panose="02000503000000000000" pitchFamily="2" charset="0"/>
+              </a:rPr>
+              <a:t>“AND”  “OR”  “NOT”</a:t>
+            </a:r>
+          </a:p>
+          <a:p>
+            <a:pPr marL="171450" indent="-171450">
+              <a:lnSpc>
+                <a:spcPct val="200000"/>
+              </a:lnSpc>
+              <a:buFont typeface="Wingdings" panose="05000000000000000000" pitchFamily="2" charset="2"/>
+              <a:buChar char="v"/>
+            </a:pPr>
+            <a:r>
+              <a:rPr lang="en-US" sz="1100" b="1" dirty="0" smtClean="0">
+                <a:solidFill>
+                  <a:schemeClr val="bg2">
+                    <a:lumMod val="50000"/>
+                  </a:schemeClr>
+                </a:solidFill>
+                <a:latin typeface="Oxygen" panose="02000503000000000000" pitchFamily="2" charset="0"/>
+              </a:rPr>
+              <a:t>Unary               </a:t>
+            </a:r>
+            <a:r>
+              <a:rPr lang="en-US" sz="1100" dirty="0" smtClean="0">
+                <a:solidFill>
+                  <a:schemeClr val="bg2">
+                    <a:lumMod val="50000"/>
+                  </a:schemeClr>
+                </a:solidFill>
+                <a:latin typeface="Oxygen" panose="02000503000000000000" pitchFamily="2" charset="0"/>
+              </a:rPr>
+              <a:t>negating a value</a:t>
+            </a:r>
+          </a:p>
+        </p:txBody>
+      </p:sp>
+      <p:pic>
+        <p:nvPicPr>
+          <p:cNvPr id="3074" name="Picture 2" descr="Learn Coding With Fun Byte-Sized Comics – Potato Pirates"/>
+          <p:cNvPicPr>
+            <a:picLocks noChangeAspect="1" noChangeArrowheads="1"/>
+          </p:cNvPicPr>
+          <p:nvPr/>
+        </p:nvPicPr>
+        <p:blipFill>
+          <a:blip r:embed="rId3" cstate="print">
+            <a:extLst>
+              <a:ext uri="{28A0092B-C50C-407E-A947-70E740481C1C}">
+                <a14:useLocalDpi xmlns:a14="http://schemas.microsoft.com/office/drawing/2010/main" val="0"/>
+              </a:ext>
+            </a:extLst>
+          </a:blip>
+          <a:srcRect/>
+          <a:stretch>
+            <a:fillRect/>
+          </a:stretch>
+        </p:blipFill>
+        <p:spPr bwMode="auto">
+          <a:xfrm>
+            <a:off x="687804" y="2579738"/>
+            <a:ext cx="2203380" cy="2203380"/>
+          </a:xfrm>
+          <a:prstGeom prst="rect">
+            <a:avLst/>
+          </a:prstGeom>
+          <a:noFill/>
+          <a:extLst>
+            <a:ext uri="{909E8E84-426E-40DD-AFC4-6F175D3DCCD1}">
+              <a14:hiddenFill xmlns:a14="http://schemas.microsoft.com/office/drawing/2010/main">
+                <a:solidFill>
+                  <a:srgbClr val="FFFFFF"/>
+                </a:solidFill>
+              </a14:hiddenFill>
+            </a:ext>
+          </a:extLst>
+        </p:spPr>
+      </p:pic>
     </p:spTree>
     <p:extLst>
       <p:ext uri="{BB962C8B-B14F-4D97-AF65-F5344CB8AC3E}">

--- a/Offline/BusinessManagement/Teach_Tech@anodiam/AI_Robotics/CourseMaterial/Python/001IntroToPy.pptx
+++ b/Offline/BusinessManagement/Teach_Tech@anodiam/AI_Robotics/CourseMaterial/Python/001IntroToPy.pptx
@@ -248,7 +248,7 @@
           <a:p>
             <a:fld id="{09F20D40-57F7-45BB-8884-85123E4C70DB}" type="datetimeFigureOut">
               <a:rPr lang="en-AU" smtClean="0"/>
-              <a:t>11/07/2023</a:t>
+              <a:t>12/07/2023</a:t>
             </a:fld>
             <a:endParaRPr lang="en-AU"/>
           </a:p>
@@ -418,7 +418,7 @@
           <a:p>
             <a:fld id="{09F20D40-57F7-45BB-8884-85123E4C70DB}" type="datetimeFigureOut">
               <a:rPr lang="en-AU" smtClean="0"/>
-              <a:t>11/07/2023</a:t>
+              <a:t>12/07/2023</a:t>
             </a:fld>
             <a:endParaRPr lang="en-AU"/>
           </a:p>
@@ -598,7 +598,7 @@
           <a:p>
             <a:fld id="{09F20D40-57F7-45BB-8884-85123E4C70DB}" type="datetimeFigureOut">
               <a:rPr lang="en-AU" smtClean="0"/>
-              <a:t>11/07/2023</a:t>
+              <a:t>12/07/2023</a:t>
             </a:fld>
             <a:endParaRPr lang="en-AU"/>
           </a:p>
@@ -768,7 +768,7 @@
           <a:p>
             <a:fld id="{09F20D40-57F7-45BB-8884-85123E4C70DB}" type="datetimeFigureOut">
               <a:rPr lang="en-AU" smtClean="0"/>
-              <a:t>11/07/2023</a:t>
+              <a:t>12/07/2023</a:t>
             </a:fld>
             <a:endParaRPr lang="en-AU"/>
           </a:p>
@@ -1014,7 +1014,7 @@
           <a:p>
             <a:fld id="{09F20D40-57F7-45BB-8884-85123E4C70DB}" type="datetimeFigureOut">
               <a:rPr lang="en-AU" smtClean="0"/>
-              <a:t>11/07/2023</a:t>
+              <a:t>12/07/2023</a:t>
             </a:fld>
             <a:endParaRPr lang="en-AU"/>
           </a:p>
@@ -1246,7 +1246,7 @@
           <a:p>
             <a:fld id="{09F20D40-57F7-45BB-8884-85123E4C70DB}" type="datetimeFigureOut">
               <a:rPr lang="en-AU" smtClean="0"/>
-              <a:t>11/07/2023</a:t>
+              <a:t>12/07/2023</a:t>
             </a:fld>
             <a:endParaRPr lang="en-AU"/>
           </a:p>
@@ -1613,7 +1613,7 @@
           <a:p>
             <a:fld id="{09F20D40-57F7-45BB-8884-85123E4C70DB}" type="datetimeFigureOut">
               <a:rPr lang="en-AU" smtClean="0"/>
-              <a:t>11/07/2023</a:t>
+              <a:t>12/07/2023</a:t>
             </a:fld>
             <a:endParaRPr lang="en-AU"/>
           </a:p>
@@ -1731,7 +1731,7 @@
           <a:p>
             <a:fld id="{09F20D40-57F7-45BB-8884-85123E4C70DB}" type="datetimeFigureOut">
               <a:rPr lang="en-AU" smtClean="0"/>
-              <a:t>11/07/2023</a:t>
+              <a:t>12/07/2023</a:t>
             </a:fld>
             <a:endParaRPr lang="en-AU"/>
           </a:p>
@@ -1826,7 +1826,7 @@
           <a:p>
             <a:fld id="{09F20D40-57F7-45BB-8884-85123E4C70DB}" type="datetimeFigureOut">
               <a:rPr lang="en-AU" smtClean="0"/>
-              <a:t>11/07/2023</a:t>
+              <a:t>12/07/2023</a:t>
             </a:fld>
             <a:endParaRPr lang="en-AU"/>
           </a:p>
@@ -2103,7 +2103,7 @@
           <a:p>
             <a:fld id="{09F20D40-57F7-45BB-8884-85123E4C70DB}" type="datetimeFigureOut">
               <a:rPr lang="en-AU" smtClean="0"/>
-              <a:t>11/07/2023</a:t>
+              <a:t>12/07/2023</a:t>
             </a:fld>
             <a:endParaRPr lang="en-AU"/>
           </a:p>
@@ -2356,7 +2356,7 @@
           <a:p>
             <a:fld id="{09F20D40-57F7-45BB-8884-85123E4C70DB}" type="datetimeFigureOut">
               <a:rPr lang="en-AU" smtClean="0"/>
-              <a:t>11/07/2023</a:t>
+              <a:t>12/07/2023</a:t>
             </a:fld>
             <a:endParaRPr lang="en-AU"/>
           </a:p>
@@ -2569,7 +2569,7 @@
           <a:p>
             <a:fld id="{09F20D40-57F7-45BB-8884-85123E4C70DB}" type="datetimeFigureOut">
               <a:rPr lang="en-AU" smtClean="0"/>
-              <a:t>11/07/2023</a:t>
+              <a:t>12/07/2023</a:t>
             </a:fld>
             <a:endParaRPr lang="en-AU"/>
           </a:p>
@@ -5629,29 +5629,8 @@
                 </a:solidFill>
                 <a:latin typeface="Oxygen" panose="02000503000000000000" pitchFamily="2" charset="0"/>
               </a:rPr>
-              <a:t># </a:t>
-            </a:r>
-            <a:r>
-              <a:rPr lang="en-US" sz="1100" b="1" dirty="0" smtClean="0">
-                <a:solidFill>
-                  <a:schemeClr val="tx1">
-                    <a:lumMod val="50000"/>
-                    <a:lumOff val="50000"/>
-                  </a:schemeClr>
-                </a:solidFill>
-                <a:latin typeface="Oxygen" panose="02000503000000000000" pitchFamily="2" charset="0"/>
-              </a:rPr>
-              <a:t>Error</a:t>
-            </a:r>
-            <a:endParaRPr lang="en-US" sz="1100" b="1" dirty="0" smtClean="0">
-              <a:solidFill>
-                <a:schemeClr val="tx1">
-                  <a:lumMod val="50000"/>
-                  <a:lumOff val="50000"/>
-                </a:schemeClr>
-              </a:solidFill>
-              <a:latin typeface="Oxygen" panose="02000503000000000000" pitchFamily="2" charset="0"/>
-            </a:endParaRPr>
+              <a:t># Error</a:t>
+            </a:r>
           </a:p>
         </p:txBody>
       </p:sp>
@@ -9533,14 +9512,6 @@
               </a:rPr>
               <a:t>Like mathematical sets: do not consider </a:t>
             </a:r>
-            <a:endParaRPr lang="en-AU" sz="1100" dirty="0" smtClean="0">
-              <a:solidFill>
-                <a:schemeClr val="bg2">
-                  <a:lumMod val="50000"/>
-                </a:schemeClr>
-              </a:solidFill>
-              <a:latin typeface="Oxygen" panose="02000503000000000000" pitchFamily="2" charset="0"/>
-            </a:endParaRPr>
           </a:p>
           <a:p>
             <a:pPr>
@@ -10618,18 +10589,7 @@
                 </a:solidFill>
                 <a:latin typeface="Oxygen" panose="02000503000000000000" pitchFamily="2" charset="0"/>
               </a:rPr>
-              <a:t>Key must be </a:t>
-            </a:r>
-            <a:r>
-              <a:rPr lang="en-AU" sz="1100" dirty="0" smtClean="0">
-                <a:solidFill>
-                  <a:schemeClr val="bg2">
-                    <a:lumMod val="50000"/>
-                  </a:schemeClr>
-                </a:solidFill>
-                <a:latin typeface="Oxygen" panose="02000503000000000000" pitchFamily="2" charset="0"/>
-              </a:rPr>
-              <a:t>unique and immutable</a:t>
+              <a:t>Key must be unique and immutable</a:t>
             </a:r>
           </a:p>
           <a:p>
@@ -10717,29 +10677,7 @@
                 </a:solidFill>
                 <a:latin typeface="Oxygen" panose="02000503000000000000" pitchFamily="2" charset="0"/>
               </a:rPr>
-              <a:t>Real Life dictionaries </a:t>
-            </a:r>
-            <a:r>
-              <a:rPr lang="en-US" sz="1100" dirty="0" smtClean="0">
-                <a:solidFill>
-                  <a:schemeClr val="bg2">
-                    <a:lumMod val="50000"/>
-                  </a:schemeClr>
-                </a:solidFill>
-                <a:latin typeface="Oxygen" panose="02000503000000000000" pitchFamily="2" charset="0"/>
-              </a:rPr>
-              <a:t>can have nested lists, tuples, sets </a:t>
-            </a:r>
-            <a:r>
-              <a:rPr lang="en-US" sz="1100" dirty="0" smtClean="0">
-                <a:solidFill>
-                  <a:schemeClr val="bg2">
-                    <a:lumMod val="50000"/>
-                  </a:schemeClr>
-                </a:solidFill>
-                <a:latin typeface="Oxygen" panose="02000503000000000000" pitchFamily="2" charset="0"/>
-              </a:rPr>
-              <a:t>&amp;</a:t>
+              <a:t>Real Life dictionaries can have nested lists, tuples, sets &amp;</a:t>
             </a:r>
           </a:p>
           <a:p>
@@ -10768,29 +10706,7 @@
                 </a:solidFill>
                 <a:latin typeface="Oxygen" panose="02000503000000000000" pitchFamily="2" charset="0"/>
               </a:rPr>
-              <a:t>    </a:t>
-            </a:r>
-            <a:r>
-              <a:rPr lang="en-US" sz="1100" dirty="0" smtClean="0">
-                <a:solidFill>
-                  <a:schemeClr val="bg2">
-                    <a:lumMod val="50000"/>
-                  </a:schemeClr>
-                </a:solidFill>
-                <a:latin typeface="Oxygen" panose="02000503000000000000" pitchFamily="2" charset="0"/>
-              </a:rPr>
-              <a:t>other </a:t>
-            </a:r>
-            <a:r>
-              <a:rPr lang="en-US" sz="1100" dirty="0" smtClean="0">
-                <a:solidFill>
-                  <a:schemeClr val="bg2">
-                    <a:lumMod val="50000"/>
-                  </a:schemeClr>
-                </a:solidFill>
-                <a:latin typeface="Oxygen" panose="02000503000000000000" pitchFamily="2" charset="0"/>
-              </a:rPr>
-              <a:t>dictionaries inside</a:t>
+              <a:t>    other dictionaries inside</a:t>
             </a:r>
           </a:p>
         </p:txBody>
@@ -11416,19 +11332,7 @@
                 <a:latin typeface="Oxygen" panose="02000503000000000000" pitchFamily="2" charset="0"/>
                 <a:cs typeface="Arial" panose="020B0604020202020204" pitchFamily="34" charset="0"/>
               </a:rPr>
-              <a:t>Python Programming: </a:t>
-            </a:r>
-            <a:r>
-              <a:rPr lang="en-US" b="1" cap="small" dirty="0" smtClean="0">
-                <a:solidFill>
-                  <a:schemeClr val="bg2">
-                    <a:lumMod val="75000"/>
-                  </a:schemeClr>
-                </a:solidFill>
-                <a:latin typeface="Oxygen" panose="02000503000000000000" pitchFamily="2" charset="0"/>
-                <a:cs typeface="Arial" panose="020B0604020202020204" pitchFamily="34" charset="0"/>
-              </a:rPr>
-              <a:t>Variables</a:t>
+              <a:t>Python Programming: Variables</a:t>
             </a:r>
           </a:p>
         </p:txBody>
@@ -12892,14 +12796,6 @@
               </a:rPr>
               <a:t>Data Types:</a:t>
             </a:r>
-            <a:endParaRPr lang="en-US" sz="1200" b="1" dirty="0" smtClean="0">
-              <a:solidFill>
-                <a:schemeClr val="bg2">
-                  <a:lumMod val="50000"/>
-                </a:schemeClr>
-              </a:solidFill>
-              <a:latin typeface="Oxygen" panose="02000503000000000000" pitchFamily="2" charset="0"/>
-            </a:endParaRPr>
           </a:p>
           <a:p>
             <a:pPr marL="171450" indent="-171450">
@@ -13316,7 +13212,7 @@
         <p:spPr>
           <a:xfrm>
             <a:off x="7360124" y="1503172"/>
-            <a:ext cx="4759989" cy="2062103"/>
+            <a:ext cx="4759989" cy="2400657"/>
           </a:xfrm>
           <a:prstGeom prst="rect">
             <a:avLst/>
@@ -13345,14 +13241,6 @@
               </a:rPr>
               <a:t>Types of Operators :</a:t>
             </a:r>
-            <a:endParaRPr lang="en-US" sz="1200" b="1" dirty="0" smtClean="0">
-              <a:solidFill>
-                <a:schemeClr val="bg2">
-                  <a:lumMod val="50000"/>
-                </a:schemeClr>
-              </a:solidFill>
-              <a:latin typeface="Oxygen" panose="02000503000000000000" pitchFamily="2" charset="0"/>
-            </a:endParaRPr>
           </a:p>
           <a:p>
             <a:pPr marL="171450" indent="-171450">
@@ -13524,6 +13412,45 @@
               </a:rPr>
               <a:t>negating a value</a:t>
             </a:r>
+          </a:p>
+          <a:p>
+            <a:pPr marL="171450" indent="-171450">
+              <a:lnSpc>
+                <a:spcPct val="200000"/>
+              </a:lnSpc>
+              <a:buFont typeface="Wingdings" panose="05000000000000000000" pitchFamily="2" charset="2"/>
+              <a:buChar char="v"/>
+            </a:pPr>
+            <a:r>
+              <a:rPr lang="en-US" sz="1100" b="1" dirty="0" smtClean="0">
+                <a:solidFill>
+                  <a:schemeClr val="bg2">
+                    <a:lumMod val="50000"/>
+                  </a:schemeClr>
+                </a:solidFill>
+                <a:latin typeface="Oxygen" panose="02000503000000000000" pitchFamily="2" charset="0"/>
+              </a:rPr>
+              <a:t>Bitwise</a:t>
+            </a:r>
+            <a:r>
+              <a:rPr lang="en-US" sz="1100" dirty="0" smtClean="0">
+                <a:solidFill>
+                  <a:schemeClr val="bg2">
+                    <a:lumMod val="50000"/>
+                  </a:schemeClr>
+                </a:solidFill>
+                <a:latin typeface="Oxygen" panose="02000503000000000000" pitchFamily="2" charset="0"/>
+              </a:rPr>
+              <a:t>             “XOR”  “&lt;&lt;”  “&gt;&gt;”  etc.</a:t>
+            </a:r>
+            <a:endParaRPr lang="en-US" sz="1100" b="1" dirty="0" smtClean="0">
+              <a:solidFill>
+                <a:schemeClr val="bg2">
+                  <a:lumMod val="50000"/>
+                </a:schemeClr>
+              </a:solidFill>
+              <a:latin typeface="Oxygen" panose="02000503000000000000" pitchFamily="2" charset="0"/>
+            </a:endParaRPr>
           </a:p>
         </p:txBody>
       </p:sp>
